--- a/발표자료/최종발표.pptx
+++ b/발표자료/최종발표.pptx
@@ -270,7 +270,7 @@
           <a:p>
             <a:fld id="{C43A76A3-ADC8-4477-8FC1-B9DD55D84908}" type="datetime1">
               <a:rPr lang="en-US" smtClean="0"/>
-              <a:t>11/26/2022</a:t>
+              <a:t>11/29/2022</a:t>
             </a:fld>
             <a:endParaRPr lang="en-US"/>
           </a:p>
@@ -468,7 +468,7 @@
           <a:p>
             <a:fld id="{D6762538-DC4D-4667-96E5-B3278DDF8B12}" type="datetime1">
               <a:rPr lang="en-US" smtClean="0"/>
-              <a:t>11/26/2022</a:t>
+              <a:t>11/29/2022</a:t>
             </a:fld>
             <a:endParaRPr lang="en-US"/>
           </a:p>
@@ -676,7 +676,7 @@
           <a:p>
             <a:fld id="{05880548-5C08-4BE3-B63E-F2BB63B0B00C}" type="datetime1">
               <a:rPr lang="en-US" smtClean="0"/>
-              <a:t>11/26/2022</a:t>
+              <a:t>11/29/2022</a:t>
             </a:fld>
             <a:endParaRPr lang="en-US"/>
           </a:p>
@@ -874,7 +874,7 @@
           <a:p>
             <a:fld id="{DE7F49BE-398D-479A-8A7E-5DDBCA61EDCB}" type="datetime1">
               <a:rPr lang="en-US" smtClean="0"/>
-              <a:t>11/26/2022</a:t>
+              <a:t>11/29/2022</a:t>
             </a:fld>
             <a:endParaRPr lang="en-US"/>
           </a:p>
@@ -1150,7 +1150,7 @@
           <a:p>
             <a:fld id="{CCD0C193-4974-4A1F-9C63-07D595E30D66}" type="datetime1">
               <a:rPr lang="en-US" smtClean="0"/>
-              <a:t>11/26/2022</a:t>
+              <a:t>11/29/2022</a:t>
             </a:fld>
             <a:endParaRPr lang="en-US"/>
           </a:p>
@@ -1417,7 +1417,7 @@
           <a:p>
             <a:fld id="{701AA87F-28D4-4BF0-B81F-877A89DFD5AC}" type="datetime1">
               <a:rPr lang="en-US" smtClean="0"/>
-              <a:t>11/26/2022</a:t>
+              <a:t>11/29/2022</a:t>
             </a:fld>
             <a:endParaRPr lang="en-US"/>
           </a:p>
@@ -1831,7 +1831,7 @@
           <a:p>
             <a:fld id="{A8A9F1F3-208B-49A3-B337-9C8ACEB3E0E1}" type="datetime1">
               <a:rPr lang="en-US" smtClean="0"/>
-              <a:t>11/26/2022</a:t>
+              <a:t>11/29/2022</a:t>
             </a:fld>
             <a:endParaRPr lang="en-US"/>
           </a:p>
@@ -1978,7 +1978,7 @@
           <a:p>
             <a:fld id="{27AF6CA6-7293-4AA2-A0E0-A3BF4416E786}" type="datetime1">
               <a:rPr lang="en-US" smtClean="0"/>
-              <a:t>11/26/2022</a:t>
+              <a:t>11/29/2022</a:t>
             </a:fld>
             <a:endParaRPr lang="en-US"/>
           </a:p>
@@ -2091,7 +2091,7 @@
           <a:p>
             <a:fld id="{98D87016-7BCD-46FB-8EE3-AB6C369108B4}" type="datetime1">
               <a:rPr lang="en-US" smtClean="0"/>
-              <a:t>11/26/2022</a:t>
+              <a:t>11/29/2022</a:t>
             </a:fld>
             <a:endParaRPr lang="en-US"/>
           </a:p>
@@ -2410,7 +2410,7 @@
           <a:p>
             <a:fld id="{A1547011-1FFC-4EF8-9A2E-53B4AD2ADBD4}" type="datetime1">
               <a:rPr lang="en-US" smtClean="0"/>
-              <a:t>11/26/2022</a:t>
+              <a:t>11/29/2022</a:t>
             </a:fld>
             <a:endParaRPr lang="en-US"/>
           </a:p>
@@ -2704,7 +2704,7 @@
           <a:p>
             <a:fld id="{9562EB47-45B4-4EF5-A743-B4885DD2F060}" type="datetime1">
               <a:rPr lang="en-US" smtClean="0"/>
-              <a:t>11/26/2022</a:t>
+              <a:t>11/29/2022</a:t>
             </a:fld>
             <a:endParaRPr lang="en-US"/>
           </a:p>
@@ -4089,7 +4089,7 @@
           <a:p>
             <a:fld id="{4A8D24A4-5FEC-4062-8995-EB21925B3B40}" type="datetime1">
               <a:rPr lang="en-US" smtClean="0"/>
-              <a:t>11/26/2022</a:t>
+              <a:t>11/29/2022</a:t>
             </a:fld>
             <a:endParaRPr lang="en-US" sz="1000"/>
           </a:p>
@@ -7394,12 +7394,6 @@
             </a:endParaRPr>
           </a:p>
           <a:p>
-            <a:endParaRPr lang="en-US" altLang="ko-KR">
-              <a:latin typeface="맑은 고딕" panose="020B0503020000020004" pitchFamily="50" charset="-127"/>
-              <a:ea typeface="맑은 고딕" panose="020B0503020000020004" pitchFamily="50" charset="-127"/>
-            </a:endParaRPr>
-          </a:p>
-          <a:p>
             <a:r>
               <a:rPr lang="ko-KR" altLang="en-US">
                 <a:latin typeface="맑은 고딕" panose="020B0503020000020004" pitchFamily="50" charset="-127"/>
@@ -7427,12 +7421,6 @@
             </a:endParaRPr>
           </a:p>
           <a:p>
-            <a:endParaRPr lang="en-US" altLang="ko-KR">
-              <a:latin typeface="맑은 고딕" panose="020B0503020000020004" pitchFamily="50" charset="-127"/>
-              <a:ea typeface="맑은 고딕" panose="020B0503020000020004" pitchFamily="50" charset="-127"/>
-            </a:endParaRPr>
-          </a:p>
-          <a:p>
             <a:r>
               <a:rPr lang="ko-KR" altLang="en-US">
                 <a:latin typeface="맑은 고딕" panose="020B0503020000020004" pitchFamily="50" charset="-127"/>
@@ -7446,6 +7434,13 @@
             </a:endParaRPr>
           </a:p>
           <a:p>
+            <a:r>
+              <a:rPr lang="ko-KR" altLang="en-US">
+                <a:latin typeface="맑은 고딕" panose="020B0503020000020004" pitchFamily="50" charset="-127"/>
+                <a:ea typeface="맑은 고딕" panose="020B0503020000020004" pitchFamily="50" charset="-127"/>
+              </a:rPr>
+              <a:t>쉬운 스크립트 제작</a:t>
+            </a:r>
             <a:endParaRPr lang="en-US" altLang="ko-KR">
               <a:latin typeface="맑은 고딕" panose="020B0503020000020004" pitchFamily="50" charset="-127"/>
               <a:ea typeface="맑은 고딕" panose="020B0503020000020004" pitchFamily="50" charset="-127"/>
@@ -7457,14 +7452,8 @@
                 <a:latin typeface="맑은 고딕" panose="020B0503020000020004" pitchFamily="50" charset="-127"/>
                 <a:ea typeface="맑은 고딕" panose="020B0503020000020004" pitchFamily="50" charset="-127"/>
               </a:rPr>
-              <a:t>상대적으로 쉬운 스크립트 제작</a:t>
-            </a:r>
-            <a:endParaRPr lang="en-US" altLang="ko-KR">
-              <a:latin typeface="맑은 고딕" panose="020B0503020000020004" pitchFamily="50" charset="-127"/>
-              <a:ea typeface="맑은 고딕" panose="020B0503020000020004" pitchFamily="50" charset="-127"/>
-            </a:endParaRPr>
-          </a:p>
-          <a:p>
+              <a:t>강력한 인텔리센스 기능</a:t>
+            </a:r>
             <a:endParaRPr lang="en-US" altLang="ko-KR">
               <a:latin typeface="맑은 고딕" panose="020B0503020000020004" pitchFamily="50" charset="-127"/>
               <a:ea typeface="맑은 고딕" panose="020B0503020000020004" pitchFamily="50" charset="-127"/>
@@ -7485,6 +7474,22 @@
               </a:rPr>
               <a:t>기능 제공</a:t>
             </a:r>
+            <a:endParaRPr lang="en-US" altLang="ko-KR">
+              <a:latin typeface="맑은 고딕" panose="020B0503020000020004" pitchFamily="50" charset="-127"/>
+              <a:ea typeface="맑은 고딕" panose="020B0503020000020004" pitchFamily="50" charset="-127"/>
+            </a:endParaRPr>
+          </a:p>
+          <a:p>
+            <a:endParaRPr lang="en-US" altLang="ko-KR">
+              <a:latin typeface="맑은 고딕" panose="020B0503020000020004" pitchFamily="50" charset="-127"/>
+              <a:ea typeface="맑은 고딕" panose="020B0503020000020004" pitchFamily="50" charset="-127"/>
+            </a:endParaRPr>
+          </a:p>
+          <a:p>
+            <a:endParaRPr lang="ko-KR" altLang="en-US">
+              <a:latin typeface="맑은 고딕" panose="020B0503020000020004" pitchFamily="50" charset="-127"/>
+              <a:ea typeface="맑은 고딕" panose="020B0503020000020004" pitchFamily="50" charset="-127"/>
+            </a:endParaRPr>
           </a:p>
         </p:txBody>
       </p:sp>
@@ -8017,7 +8022,7 @@
                 <a:latin typeface="맑은 고딕" panose="020B0503020000020004" pitchFamily="50" charset="-127"/>
                 <a:ea typeface="맑은 고딕" panose="020B0503020000020004" pitchFamily="50" charset="-127"/>
               </a:rPr>
-              <a:t>75%</a:t>
+              <a:t>83%</a:t>
             </a:r>
             <a:endParaRPr lang="ko-KR" altLang="en-US" sz="3200">
               <a:latin typeface="맑은 고딕" panose="020B0503020000020004" pitchFamily="50" charset="-127"/>

--- a/발표자료/최종발표.pptx
+++ b/발표자료/최종발표.pptx
@@ -270,7 +270,7 @@
           <a:p>
             <a:fld id="{C43A76A3-ADC8-4477-8FC1-B9DD55D84908}" type="datetime1">
               <a:rPr lang="en-US" smtClean="0"/>
-              <a:t>11/29/2022</a:t>
+              <a:t>11/30/2022</a:t>
             </a:fld>
             <a:endParaRPr lang="en-US"/>
           </a:p>
@@ -468,7 +468,7 @@
           <a:p>
             <a:fld id="{D6762538-DC4D-4667-96E5-B3278DDF8B12}" type="datetime1">
               <a:rPr lang="en-US" smtClean="0"/>
-              <a:t>11/29/2022</a:t>
+              <a:t>11/30/2022</a:t>
             </a:fld>
             <a:endParaRPr lang="en-US"/>
           </a:p>
@@ -676,7 +676,7 @@
           <a:p>
             <a:fld id="{05880548-5C08-4BE3-B63E-F2BB63B0B00C}" type="datetime1">
               <a:rPr lang="en-US" smtClean="0"/>
-              <a:t>11/29/2022</a:t>
+              <a:t>11/30/2022</a:t>
             </a:fld>
             <a:endParaRPr lang="en-US"/>
           </a:p>
@@ -874,7 +874,7 @@
           <a:p>
             <a:fld id="{DE7F49BE-398D-479A-8A7E-5DDBCA61EDCB}" type="datetime1">
               <a:rPr lang="en-US" smtClean="0"/>
-              <a:t>11/29/2022</a:t>
+              <a:t>11/30/2022</a:t>
             </a:fld>
             <a:endParaRPr lang="en-US"/>
           </a:p>
@@ -1150,7 +1150,7 @@
           <a:p>
             <a:fld id="{CCD0C193-4974-4A1F-9C63-07D595E30D66}" type="datetime1">
               <a:rPr lang="en-US" smtClean="0"/>
-              <a:t>11/29/2022</a:t>
+              <a:t>11/30/2022</a:t>
             </a:fld>
             <a:endParaRPr lang="en-US"/>
           </a:p>
@@ -1417,7 +1417,7 @@
           <a:p>
             <a:fld id="{701AA87F-28D4-4BF0-B81F-877A89DFD5AC}" type="datetime1">
               <a:rPr lang="en-US" smtClean="0"/>
-              <a:t>11/29/2022</a:t>
+              <a:t>11/30/2022</a:t>
             </a:fld>
             <a:endParaRPr lang="en-US"/>
           </a:p>
@@ -1831,7 +1831,7 @@
           <a:p>
             <a:fld id="{A8A9F1F3-208B-49A3-B337-9C8ACEB3E0E1}" type="datetime1">
               <a:rPr lang="en-US" smtClean="0"/>
-              <a:t>11/29/2022</a:t>
+              <a:t>11/30/2022</a:t>
             </a:fld>
             <a:endParaRPr lang="en-US"/>
           </a:p>
@@ -1978,7 +1978,7 @@
           <a:p>
             <a:fld id="{27AF6CA6-7293-4AA2-A0E0-A3BF4416E786}" type="datetime1">
               <a:rPr lang="en-US" smtClean="0"/>
-              <a:t>11/29/2022</a:t>
+              <a:t>11/30/2022</a:t>
             </a:fld>
             <a:endParaRPr lang="en-US"/>
           </a:p>
@@ -2091,7 +2091,7 @@
           <a:p>
             <a:fld id="{98D87016-7BCD-46FB-8EE3-AB6C369108B4}" type="datetime1">
               <a:rPr lang="en-US" smtClean="0"/>
-              <a:t>11/29/2022</a:t>
+              <a:t>11/30/2022</a:t>
             </a:fld>
             <a:endParaRPr lang="en-US"/>
           </a:p>
@@ -2410,7 +2410,7 @@
           <a:p>
             <a:fld id="{A1547011-1FFC-4EF8-9A2E-53B4AD2ADBD4}" type="datetime1">
               <a:rPr lang="en-US" smtClean="0"/>
-              <a:t>11/29/2022</a:t>
+              <a:t>11/30/2022</a:t>
             </a:fld>
             <a:endParaRPr lang="en-US"/>
           </a:p>
@@ -2704,7 +2704,7 @@
           <a:p>
             <a:fld id="{9562EB47-45B4-4EF5-A743-B4885DD2F060}" type="datetime1">
               <a:rPr lang="en-US" smtClean="0"/>
-              <a:t>11/29/2022</a:t>
+              <a:t>11/30/2022</a:t>
             </a:fld>
             <a:endParaRPr lang="en-US"/>
           </a:p>
@@ -4089,7 +4089,7 @@
           <a:p>
             <a:fld id="{4A8D24A4-5FEC-4062-8995-EB21925B3B40}" type="datetime1">
               <a:rPr lang="en-US" smtClean="0"/>
-              <a:t>11/29/2022</a:t>
+              <a:t>11/30/2022</a:t>
             </a:fld>
             <a:endParaRPr lang="en-US" sz="1000"/>
           </a:p>
@@ -7639,6 +7639,32 @@
               </a:rPr>
               <a:t>에디터 커스터마이징 기능이 빈약함</a:t>
             </a:r>
+            <a:endParaRPr lang="en-US" altLang="ko-KR">
+              <a:latin typeface="맑은 고딕" panose="020B0503020000020004" pitchFamily="50" charset="-127"/>
+              <a:ea typeface="맑은 고딕" panose="020B0503020000020004" pitchFamily="50" charset="-127"/>
+            </a:endParaRPr>
+          </a:p>
+          <a:p>
+            <a:endParaRPr lang="en-US" altLang="ko-KR">
+              <a:latin typeface="맑은 고딕" panose="020B0503020000020004" pitchFamily="50" charset="-127"/>
+              <a:ea typeface="맑은 고딕" panose="020B0503020000020004" pitchFamily="50" charset="-127"/>
+            </a:endParaRPr>
+          </a:p>
+          <a:p>
+            <a:r>
+              <a:rPr lang="en-US" altLang="ko-KR" strike="sngStrike">
+                <a:latin typeface="맑은 고딕" panose="020B0503020000020004" pitchFamily="50" charset="-127"/>
+                <a:ea typeface="맑은 고딕" panose="020B0503020000020004" pitchFamily="50" charset="-127"/>
+              </a:rPr>
+              <a:t>Lua </a:t>
+            </a:r>
+            <a:r>
+              <a:rPr lang="ko-KR" altLang="en-US" strike="sngStrike">
+                <a:latin typeface="맑은 고딕" panose="020B0503020000020004" pitchFamily="50" charset="-127"/>
+                <a:ea typeface="맑은 고딕" panose="020B0503020000020004" pitchFamily="50" charset="-127"/>
+              </a:rPr>
+              <a:t>특성상 지역 변수의 타입명을 명시할 수 없음</a:t>
+            </a:r>
           </a:p>
         </p:txBody>
       </p:sp>
@@ -7808,6 +7834,33 @@
                 <a:ea typeface="맑은 고딕" panose="020B0503020000020004" pitchFamily="50" charset="-127"/>
               </a:rPr>
               <a:t>스크립트 에러가 반 박자 늦게 표시되는 버그</a:t>
+            </a:r>
+            <a:endParaRPr lang="en-US" altLang="ko-KR" sz="2400">
+              <a:latin typeface="맑은 고딕" panose="020B0503020000020004" pitchFamily="50" charset="-127"/>
+              <a:ea typeface="맑은 고딕" panose="020B0503020000020004" pitchFamily="50" charset="-127"/>
+            </a:endParaRPr>
+          </a:p>
+          <a:p>
+            <a:r>
+              <a:rPr lang="ko-KR" altLang="en-US" sz="2400">
+                <a:latin typeface="맑은 고딕" panose="020B0503020000020004" pitchFamily="50" charset="-127"/>
+                <a:ea typeface="맑은 고딕" panose="020B0503020000020004" pitchFamily="50" charset="-127"/>
+              </a:rPr>
+              <a:t>보이지 않는 오브젝트가 </a:t>
+            </a:r>
+            <a:r>
+              <a:rPr lang="en-US" altLang="ko-KR" sz="2400">
+                <a:latin typeface="맑은 고딕" panose="020B0503020000020004" pitchFamily="50" charset="-127"/>
+                <a:ea typeface="맑은 고딕" panose="020B0503020000020004" pitchFamily="50" charset="-127"/>
+              </a:rPr>
+              <a:t>raycast</a:t>
+            </a:r>
+            <a:r>
+              <a:rPr lang="ko-KR" altLang="en-US" sz="2400">
+                <a:latin typeface="맑은 고딕" panose="020B0503020000020004" pitchFamily="50" charset="-127"/>
+                <a:ea typeface="맑은 고딕" panose="020B0503020000020004" pitchFamily="50" charset="-127"/>
+              </a:rPr>
+              <a:t>에 영향을 주는 버그</a:t>
             </a:r>
           </a:p>
         </p:txBody>
@@ -8668,15 +8721,6 @@
 </file>
 
 <file path=customXml/item1.xml><?xml version="1.0" encoding="utf-8"?>
-<?mso-contentType ?>
-<FormTemplates xmlns="http://schemas.microsoft.com/sharepoint/v3/contenttype/forms">
-  <Display>DocumentLibraryForm</Display>
-  <Edit>DocumentLibraryForm</Edit>
-  <New>DocumentLibraryForm</New>
-</FormTemplates>
-</file>
-
-<file path=customXml/item2.xml><?xml version="1.0" encoding="utf-8"?>
 <ct:contentTypeSchema xmlns:ct="http://schemas.microsoft.com/office/2006/metadata/contentType" xmlns:ma="http://schemas.microsoft.com/office/2006/metadata/properties/metaAttributes" ct:_="" ma:_="" ma:contentTypeName="문서" ma:contentTypeID="0x010100BE14D7F540F35B468BA64A314BA30FF0" ma:contentTypeVersion="4" ma:contentTypeDescription="새 문서를 만듭니다." ma:contentTypeScope="" ma:versionID="823feba5b05e19280be375e1066c19b7">
   <xsd:schema xmlns:xsd="http://www.w3.org/2001/XMLSchema" xmlns:xs="http://www.w3.org/2001/XMLSchema" xmlns:p="http://schemas.microsoft.com/office/2006/metadata/properties" xmlns:ns3="b742ef55-5b73-48b8-9e5a-be290748a8af" targetNamespace="http://schemas.microsoft.com/office/2006/metadata/properties" ma:root="true" ma:fieldsID="96ada5517bd0105d5f64dfee587a7b36" ns3:_="">
     <xsd:import namespace="b742ef55-5b73-48b8-9e5a-be290748a8af"/>
@@ -8822,6 +8866,15 @@
 </ct:contentTypeSchema>
 </file>
 
+<file path=customXml/item2.xml><?xml version="1.0" encoding="utf-8"?>
+<?mso-contentType ?>
+<FormTemplates xmlns="http://schemas.microsoft.com/sharepoint/v3/contenttype/forms">
+  <Display>DocumentLibraryForm</Display>
+  <Edit>DocumentLibraryForm</Edit>
+  <New>DocumentLibraryForm</New>
+</FormTemplates>
+</file>
+
 <file path=customXml/item3.xml><?xml version="1.0" encoding="utf-8"?>
 <p:properties xmlns:p="http://schemas.microsoft.com/office/2006/metadata/properties" xmlns:xsi="http://www.w3.org/2001/XMLSchema-instance" xmlns:pc="http://schemas.microsoft.com/office/infopath/2007/PartnerControls">
   <documentManagement/>
@@ -8829,14 +8882,6 @@
 </file>
 
 <file path=customXml/itemProps1.xml><?xml version="1.0" encoding="utf-8"?>
-<ds:datastoreItem xmlns:ds="http://schemas.openxmlformats.org/officeDocument/2006/customXml" ds:itemID="{C20368BC-359B-4539-B9C4-F3E3B0945675}">
-  <ds:schemaRefs>
-    <ds:schemaRef ds:uri="http://schemas.microsoft.com/sharepoint/v3/contenttype/forms"/>
-  </ds:schemaRefs>
-</ds:datastoreItem>
-</file>
-
-<file path=customXml/itemProps2.xml><?xml version="1.0" encoding="utf-8"?>
 <ds:datastoreItem xmlns:ds="http://schemas.openxmlformats.org/officeDocument/2006/customXml" ds:itemID="{4C96FD82-5389-4F41-B69C-5C4EF36EBB32}">
   <ds:schemaRefs>
     <ds:schemaRef ds:uri="http://schemas.microsoft.com/office/2006/metadata/contentType"/>
@@ -8850,6 +8895,14 @@
     <ds:schemaRef ds:uri="http://purl.org/dc/elements/1.1/"/>
     <ds:schemaRef ds:uri="http://purl.org/dc/terms/"/>
     <ds:schemaRef ds:uri="http://schemas.microsoft.com/internal/obd"/>
+  </ds:schemaRefs>
+</ds:datastoreItem>
+</file>
+
+<file path=customXml/itemProps2.xml><?xml version="1.0" encoding="utf-8"?>
+<ds:datastoreItem xmlns:ds="http://schemas.openxmlformats.org/officeDocument/2006/customXml" ds:itemID="{C20368BC-359B-4539-B9C4-F3E3B0945675}">
+  <ds:schemaRefs>
+    <ds:schemaRef ds:uri="http://schemas.microsoft.com/sharepoint/v3/contenttype/forms"/>
   </ds:schemaRefs>
 </ds:datastoreItem>
 </file>

--- a/발표자료/최종발표.pptx
+++ b/발표자료/최종발표.pptx
@@ -7588,6 +7588,9 @@
             </a:endParaRPr>
           </a:p>
           <a:p>
+            <a:pPr marL="0" indent="0">
+              <a:buNone/>
+            </a:pPr>
             <a:endParaRPr lang="en-US" altLang="ko-KR">
               <a:latin typeface="맑은 고딕" panose="020B0503020000020004" pitchFamily="50" charset="-127"/>
               <a:ea typeface="맑은 고딕" panose="020B0503020000020004" pitchFamily="50" charset="-127"/>
@@ -8721,6 +8724,15 @@
 </file>
 
 <file path=customXml/item1.xml><?xml version="1.0" encoding="utf-8"?>
+<?mso-contentType ?>
+<FormTemplates xmlns="http://schemas.microsoft.com/sharepoint/v3/contenttype/forms">
+  <Display>DocumentLibraryForm</Display>
+  <Edit>DocumentLibraryForm</Edit>
+  <New>DocumentLibraryForm</New>
+</FormTemplates>
+</file>
+
+<file path=customXml/item2.xml><?xml version="1.0" encoding="utf-8"?>
 <ct:contentTypeSchema xmlns:ct="http://schemas.microsoft.com/office/2006/metadata/contentType" xmlns:ma="http://schemas.microsoft.com/office/2006/metadata/properties/metaAttributes" ct:_="" ma:_="" ma:contentTypeName="문서" ma:contentTypeID="0x010100BE14D7F540F35B468BA64A314BA30FF0" ma:contentTypeVersion="4" ma:contentTypeDescription="새 문서를 만듭니다." ma:contentTypeScope="" ma:versionID="823feba5b05e19280be375e1066c19b7">
   <xsd:schema xmlns:xsd="http://www.w3.org/2001/XMLSchema" xmlns:xs="http://www.w3.org/2001/XMLSchema" xmlns:p="http://schemas.microsoft.com/office/2006/metadata/properties" xmlns:ns3="b742ef55-5b73-48b8-9e5a-be290748a8af" targetNamespace="http://schemas.microsoft.com/office/2006/metadata/properties" ma:root="true" ma:fieldsID="96ada5517bd0105d5f64dfee587a7b36" ns3:_="">
     <xsd:import namespace="b742ef55-5b73-48b8-9e5a-be290748a8af"/>
@@ -8866,15 +8878,6 @@
 </ct:contentTypeSchema>
 </file>
 
-<file path=customXml/item2.xml><?xml version="1.0" encoding="utf-8"?>
-<?mso-contentType ?>
-<FormTemplates xmlns="http://schemas.microsoft.com/sharepoint/v3/contenttype/forms">
-  <Display>DocumentLibraryForm</Display>
-  <Edit>DocumentLibraryForm</Edit>
-  <New>DocumentLibraryForm</New>
-</FormTemplates>
-</file>
-
 <file path=customXml/item3.xml><?xml version="1.0" encoding="utf-8"?>
 <p:properties xmlns:p="http://schemas.microsoft.com/office/2006/metadata/properties" xmlns:xsi="http://www.w3.org/2001/XMLSchema-instance" xmlns:pc="http://schemas.microsoft.com/office/infopath/2007/PartnerControls">
   <documentManagement/>
@@ -8882,6 +8885,14 @@
 </file>
 
 <file path=customXml/itemProps1.xml><?xml version="1.0" encoding="utf-8"?>
+<ds:datastoreItem xmlns:ds="http://schemas.openxmlformats.org/officeDocument/2006/customXml" ds:itemID="{C20368BC-359B-4539-B9C4-F3E3B0945675}">
+  <ds:schemaRefs>
+    <ds:schemaRef ds:uri="http://schemas.microsoft.com/sharepoint/v3/contenttype/forms"/>
+  </ds:schemaRefs>
+</ds:datastoreItem>
+</file>
+
+<file path=customXml/itemProps2.xml><?xml version="1.0" encoding="utf-8"?>
 <ds:datastoreItem xmlns:ds="http://schemas.openxmlformats.org/officeDocument/2006/customXml" ds:itemID="{4C96FD82-5389-4F41-B69C-5C4EF36EBB32}">
   <ds:schemaRefs>
     <ds:schemaRef ds:uri="http://schemas.microsoft.com/office/2006/metadata/contentType"/>
@@ -8895,14 +8906,6 @@
     <ds:schemaRef ds:uri="http://purl.org/dc/elements/1.1/"/>
     <ds:schemaRef ds:uri="http://purl.org/dc/terms/"/>
     <ds:schemaRef ds:uri="http://schemas.microsoft.com/internal/obd"/>
-  </ds:schemaRefs>
-</ds:datastoreItem>
-</file>
-
-<file path=customXml/itemProps2.xml><?xml version="1.0" encoding="utf-8"?>
-<ds:datastoreItem xmlns:ds="http://schemas.openxmlformats.org/officeDocument/2006/customXml" ds:itemID="{C20368BC-359B-4539-B9C4-F3E3B0945675}">
-  <ds:schemaRefs>
-    <ds:schemaRef ds:uri="http://schemas.microsoft.com/sharepoint/v3/contenttype/forms"/>
   </ds:schemaRefs>
 </ds:datastoreItem>
 </file>

--- a/발표자료/최종발표.pptx
+++ b/발표자료/최종발표.pptx
@@ -7,14 +7,17 @@
   <p:sldIdLst>
     <p:sldId id="256" r:id="rId5"/>
     <p:sldId id="263" r:id="rId6"/>
-    <p:sldId id="297" r:id="rId7"/>
-    <p:sldId id="298" r:id="rId8"/>
-    <p:sldId id="299" r:id="rId9"/>
-    <p:sldId id="300" r:id="rId10"/>
-    <p:sldId id="301" r:id="rId11"/>
-    <p:sldId id="296" r:id="rId12"/>
-    <p:sldId id="293" r:id="rId13"/>
-    <p:sldId id="295" r:id="rId14"/>
+    <p:sldId id="302" r:id="rId7"/>
+    <p:sldId id="305" r:id="rId8"/>
+    <p:sldId id="304" r:id="rId9"/>
+    <p:sldId id="303" r:id="rId10"/>
+    <p:sldId id="297" r:id="rId11"/>
+    <p:sldId id="298" r:id="rId12"/>
+    <p:sldId id="299" r:id="rId13"/>
+    <p:sldId id="300" r:id="rId14"/>
+    <p:sldId id="301" r:id="rId15"/>
+    <p:sldId id="296" r:id="rId16"/>
+    <p:sldId id="295" r:id="rId17"/>
   </p:sldIdLst>
   <p:sldSz cx="12192000" cy="6858000"/>
   <p:notesSz cx="6858000" cy="9144000"/>
@@ -121,6 +124,573 @@
 </p:presentation>
 </file>
 
+<file path=ppt/ink/ink1.xml><?xml version="1.0" encoding="utf-8"?>
+<inkml:ink xmlns:inkml="http://www.w3.org/2003/InkML">
+  <inkml:definitions>
+    <inkml:context xml:id="ctx0">
+      <inkml:inkSource xml:id="inkSrc0">
+        <inkml:traceFormat>
+          <inkml:channel name="X" type="integer" min="-2.14748E9" max="2.14748E9" units="cm"/>
+          <inkml:channel name="Y" type="integer" min="-2.14748E9" max="2.14748E9" units="cm"/>
+          <inkml:channel name="F" type="integer" max="32767" units="dev"/>
+        </inkml:traceFormat>
+        <inkml:channelProperties>
+          <inkml:channelProperty channel="X" name="resolution" value="1000" units="1/cm"/>
+          <inkml:channelProperty channel="Y" name="resolution" value="1000" units="1/cm"/>
+          <inkml:channelProperty channel="F" name="resolution" value="0" units="1/dev"/>
+        </inkml:channelProperties>
+      </inkml:inkSource>
+      <inkml:timestamp xml:id="ts0" timeString="2022-12-01T11:35:26.310"/>
+    </inkml:context>
+    <inkml:brush xml:id="br0">
+      <inkml:brushProperty name="width" value="0.05" units="cm"/>
+      <inkml:brushProperty name="height" value="0.05" units="cm"/>
+    </inkml:brush>
+  </inkml:definitions>
+  <inkml:trace contextRef="#ctx0" brushRef="#br0">2073 31 24575,'0'-1'0,"-1"0"0,1 0 0,-1 0 0,1 0 0,-1 0 0,0 0 0,1 0 0,-1 1 0,0-1 0,1 0 0,-1 0 0,0 1 0,0-1 0,0 1 0,0-1 0,0 0 0,0 1 0,0 0 0,0-1 0,0 1 0,0 0 0,0-1 0,0 1 0,0 0 0,-2 0 0,-33-5 0,30 4 0,-442-8 0,263 12 0,-917-3 0,1063 2 67,-58 10 0,-11 1-1566,80-12-5327</inkml:trace>
+</inkml:ink>
+</file>
+
+<file path=ppt/ink/ink10.xml><?xml version="1.0" encoding="utf-8"?>
+<inkml:ink xmlns:inkml="http://www.w3.org/2003/InkML">
+  <inkml:definitions>
+    <inkml:context xml:id="ctx0">
+      <inkml:inkSource xml:id="inkSrc0">
+        <inkml:traceFormat>
+          <inkml:channel name="X" type="integer" min="-2.14748E9" max="2.14748E9" units="cm"/>
+          <inkml:channel name="Y" type="integer" min="-2.14748E9" max="2.14748E9" units="cm"/>
+          <inkml:channel name="F" type="integer" max="32767" units="dev"/>
+        </inkml:traceFormat>
+        <inkml:channelProperties>
+          <inkml:channelProperty channel="X" name="resolution" value="1000" units="1/cm"/>
+          <inkml:channelProperty channel="Y" name="resolution" value="1000" units="1/cm"/>
+          <inkml:channelProperty channel="F" name="resolution" value="0" units="1/dev"/>
+        </inkml:channelProperties>
+      </inkml:inkSource>
+      <inkml:timestamp xml:id="ts0" timeString="2022-12-01T11:20:04.795"/>
+    </inkml:context>
+    <inkml:brush xml:id="br0">
+      <inkml:brushProperty name="width" value="0.05" units="cm"/>
+      <inkml:brushProperty name="height" value="0.05" units="cm"/>
+    </inkml:brush>
+  </inkml:definitions>
+  <inkml:trace contextRef="#ctx0" brushRef="#br0">5729 0 24575,'-5'1'0,"1"0"0,0 0 0,0 0 0,0 0 0,0 1 0,0-1 0,0 1 0,0 0 0,-3 3 0,-13 5 0,-85 37 0,-829 337 0,744-318 0,-3-9 0,-2-8 0,-207 24 0,171-47 0,-185 26 0,301-32 0,-180 56 0,-170 61 0,86-27 0,76-21 0,-345 120 0,484-146 0,-357 161 0,444-189-1365,45-24-5461</inkml:trace>
+</inkml:ink>
+</file>
+
+<file path=ppt/ink/ink11.xml><?xml version="1.0" encoding="utf-8"?>
+<inkml:ink xmlns:inkml="http://www.w3.org/2003/InkML">
+  <inkml:definitions>
+    <inkml:context xml:id="ctx0">
+      <inkml:inkSource xml:id="inkSrc0">
+        <inkml:traceFormat>
+          <inkml:channel name="X" type="integer" min="-2.14748E9" max="2.14748E9" units="cm"/>
+          <inkml:channel name="Y" type="integer" min="-2.14748E9" max="2.14748E9" units="cm"/>
+          <inkml:channel name="F" type="integer" max="32767" units="dev"/>
+        </inkml:traceFormat>
+        <inkml:channelProperties>
+          <inkml:channelProperty channel="X" name="resolution" value="1000" units="1/cm"/>
+          <inkml:channelProperty channel="Y" name="resolution" value="1000" units="1/cm"/>
+          <inkml:channelProperty channel="F" name="resolution" value="0" units="1/dev"/>
+        </inkml:channelProperties>
+      </inkml:inkSource>
+      <inkml:timestamp xml:id="ts0" timeString="2022-12-01T11:20:05.851"/>
+    </inkml:context>
+    <inkml:brush xml:id="br0">
+      <inkml:brushProperty name="width" value="0.05" units="cm"/>
+      <inkml:brushProperty name="height" value="0.05" units="cm"/>
+    </inkml:brush>
+  </inkml:definitions>
+  <inkml:trace contextRef="#ctx0" brushRef="#br0">1328 0 24575,'-1'4'0,"-1"0"0,0 0 0,0 0 0,-1 0 0,1-1 0,-1 1 0,1-1 0,-1 1 0,0-1 0,0 0 0,-7 5 0,-6 7 0,-32 39 0,-30 34 0,-101 90 0,-505 343 0,658-502 40,-2-1 0,-42 21 0,56-33-226,0-1 1,0 0-1,0 0 0,-1-2 1,1 0-1,-1 0 1,-24 0-1,16-4-6640</inkml:trace>
+</inkml:ink>
+</file>
+
+<file path=ppt/ink/ink12.xml><?xml version="1.0" encoding="utf-8"?>
+<inkml:ink xmlns:inkml="http://www.w3.org/2003/InkML">
+  <inkml:definitions>
+    <inkml:context xml:id="ctx0">
+      <inkml:inkSource xml:id="inkSrc0">
+        <inkml:traceFormat>
+          <inkml:channel name="X" type="integer" min="-2.14748E9" max="2.14748E9" units="cm"/>
+          <inkml:channel name="Y" type="integer" min="-2.14748E9" max="2.14748E9" units="cm"/>
+          <inkml:channel name="F" type="integer" max="32767" units="dev"/>
+        </inkml:traceFormat>
+        <inkml:channelProperties>
+          <inkml:channelProperty channel="X" name="resolution" value="1000" units="1/cm"/>
+          <inkml:channelProperty channel="Y" name="resolution" value="1000" units="1/cm"/>
+          <inkml:channelProperty channel="F" name="resolution" value="0" units="1/dev"/>
+        </inkml:channelProperties>
+      </inkml:inkSource>
+      <inkml:timestamp xml:id="ts0" timeString="2022-12-01T11:20:06.979"/>
+    </inkml:context>
+    <inkml:brush xml:id="br0">
+      <inkml:brushProperty name="width" value="0.05" units="cm"/>
+      <inkml:brushProperty name="height" value="0.05" units="cm"/>
+    </inkml:brush>
+  </inkml:definitions>
+  <inkml:trace contextRef="#ctx0" brushRef="#br0">147 1 24575,'-1'7'0,"0"1"0,-1-1 0,0 1 0,0-1 0,0 1 0,-1-1 0,-6 11 0,-6 20 0,-29 136 0,-12 37 0,54-206 0,0 0 0,1 0 0,-1 0 0,1 0 0,0 0 0,1 1 0,-1-1 0,1 10 0,1-12 0,-1-1 0,1 0 0,0 0 0,0 1 0,0-1 0,0 0 0,0 0 0,0 0 0,0 0 0,1 0 0,-1 0 0,1 0 0,0-1 0,-1 1 0,1 0 0,0-1 0,0 0 0,0 1 0,0-1 0,0 0 0,0 0 0,4 1 0,10 4 0,-1-1 0,1 0 0,0-1 0,0-1 0,26 1 0,88-1 0,-80-3 0,102 0-1365,-99-1-5461</inkml:trace>
+</inkml:ink>
+</file>
+
+<file path=ppt/ink/ink13.xml><?xml version="1.0" encoding="utf-8"?>
+<inkml:ink xmlns:inkml="http://www.w3.org/2003/InkML">
+  <inkml:definitions>
+    <inkml:context xml:id="ctx0">
+      <inkml:inkSource xml:id="inkSrc0">
+        <inkml:traceFormat>
+          <inkml:channel name="X" type="integer" min="-2.14748E9" max="2.14748E9" units="cm"/>
+          <inkml:channel name="Y" type="integer" min="-2.14748E9" max="2.14748E9" units="cm"/>
+          <inkml:channel name="F" type="integer" max="32767" units="dev"/>
+        </inkml:traceFormat>
+        <inkml:channelProperties>
+          <inkml:channelProperty channel="X" name="resolution" value="1000" units="1/cm"/>
+          <inkml:channelProperty channel="Y" name="resolution" value="1000" units="1/cm"/>
+          <inkml:channelProperty channel="F" name="resolution" value="0" units="1/dev"/>
+        </inkml:channelProperties>
+      </inkml:inkSource>
+      <inkml:timestamp xml:id="ts0" timeString="2022-12-01T11:20:08.303"/>
+    </inkml:context>
+    <inkml:brush xml:id="br0">
+      <inkml:brushProperty name="width" value="0.05" units="cm"/>
+      <inkml:brushProperty name="height" value="0.05" units="cm"/>
+    </inkml:brush>
+  </inkml:definitions>
+  <inkml:trace contextRef="#ctx0" brushRef="#br0">0 1 24575,'1'0'0,"0"0"0,0 1 0,0-1 0,-1 0 0,1 1 0,0-1 0,0 0 0,0 1 0,-1-1 0,1 1 0,0 0 0,-1-1 0,1 1 0,0 0 0,-1-1 0,1 1 0,-1 0 0,1-1 0,-1 1 0,0 0 0,1 0 0,-1 0 0,0-1 0,1 1 0,-1 0 0,0 0 0,0 2 0,5 28 0,-5-26 0,3 135 0,-3-22 0,0-115 0,0 0 0,0 0 0,1 0 0,-1 0 0,1 0 0,-1-1 0,1 1 0,0 0 0,0-1 0,0 1 0,0 0 0,1-1 0,-1 1 0,1-1 0,-1 0 0,1 1 0,0-1 0,0 0 0,0 0 0,0 0 0,0 0 0,1-1 0,-1 1 0,0-1 0,1 1 0,-1-1 0,1 0 0,0 0 0,-1 0 0,1 0 0,0 0 0,0-1 0,0 1 0,-1-1 0,1 0 0,0 0 0,0 0 0,0 0 0,0 0 0,3-1 0,15-2 0,0-1 0,0-1 0,0-1 0,28-13 0,-22 9 0,-10 6-124,0 0 0,0 1 0,0 1 0,1 1 0,-1 0 0,0 1-1,1 1 1,-1 1 0,0 0 0,33 9 0,-30-7-6702</inkml:trace>
+</inkml:ink>
+</file>
+
+<file path=ppt/ink/ink14.xml><?xml version="1.0" encoding="utf-8"?>
+<inkml:ink xmlns:inkml="http://www.w3.org/2003/InkML">
+  <inkml:definitions>
+    <inkml:context xml:id="ctx0">
+      <inkml:inkSource xml:id="inkSrc0">
+        <inkml:traceFormat>
+          <inkml:channel name="X" type="integer" min="-2.14748E9" max="2.14748E9" units="cm"/>
+          <inkml:channel name="Y" type="integer" min="-2.14748E9" max="2.14748E9" units="cm"/>
+          <inkml:channel name="F" type="integer" max="32767" units="dev"/>
+        </inkml:traceFormat>
+        <inkml:channelProperties>
+          <inkml:channelProperty channel="X" name="resolution" value="1000" units="1/cm"/>
+          <inkml:channelProperty channel="Y" name="resolution" value="1000" units="1/cm"/>
+          <inkml:channelProperty channel="F" name="resolution" value="0" units="1/dev"/>
+        </inkml:channelProperties>
+      </inkml:inkSource>
+      <inkml:timestamp xml:id="ts0" timeString="2022-12-01T11:20:30.828"/>
+    </inkml:context>
+    <inkml:brush xml:id="br0">
+      <inkml:brushProperty name="width" value="0.05" units="cm"/>
+      <inkml:brushProperty name="height" value="0.05" units="cm"/>
+    </inkml:brush>
+  </inkml:definitions>
+  <inkml:trace contextRef="#ctx0" brushRef="#br0">0 1 24575,'7'5'0,"1"0"0,-1 0 0,1-1 0,0 0 0,0 0 0,0-1 0,1 0 0,9 2 0,13 5 0,370 162 0,-358-154 0,-32-14 0,0 1 0,0 0 0,0 0 0,-1 1 0,11 8 0,-18-12 0,0 1 0,0 0 0,0 0 0,0 1 0,-1-1 0,0 0 0,1 1 0,-1-1 0,0 1 0,-1 0 0,1 0 0,-1 0 0,0 0 0,0 0 0,0 0 0,0 0 0,0 0 0,-1 8 0,0 2 4,-2 1-1,1-1 0,-2 1 1,0-1-1,0 0 1,-2 0-1,1 0 0,-9 14 1,-62 108-134,28-56-1136,29-45-5560</inkml:trace>
+</inkml:ink>
+</file>
+
+<file path=ppt/ink/ink15.xml><?xml version="1.0" encoding="utf-8"?>
+<inkml:ink xmlns:inkml="http://www.w3.org/2003/InkML">
+  <inkml:definitions>
+    <inkml:context xml:id="ctx0">
+      <inkml:inkSource xml:id="inkSrc0">
+        <inkml:traceFormat>
+          <inkml:channel name="X" type="integer" min="-2.14748E9" max="2.14748E9" units="cm"/>
+          <inkml:channel name="Y" type="integer" min="-2.14748E9" max="2.14748E9" units="cm"/>
+          <inkml:channel name="F" type="integer" max="32767" units="dev"/>
+        </inkml:traceFormat>
+        <inkml:channelProperties>
+          <inkml:channelProperty channel="X" name="resolution" value="1000" units="1/cm"/>
+          <inkml:channelProperty channel="Y" name="resolution" value="1000" units="1/cm"/>
+          <inkml:channelProperty channel="F" name="resolution" value="0" units="1/dev"/>
+        </inkml:channelProperties>
+      </inkml:inkSource>
+      <inkml:timestamp xml:id="ts0" timeString="2022-12-01T11:20:31.905"/>
+    </inkml:context>
+    <inkml:brush xml:id="br0">
+      <inkml:brushProperty name="width" value="0.05" units="cm"/>
+      <inkml:brushProperty name="height" value="0.05" units="cm"/>
+    </inkml:brush>
+  </inkml:definitions>
+  <inkml:trace contextRef="#ctx0" brushRef="#br0">1 23 24575,'60'0'0,"39"1"0,163-19 0,-253 16 0,0 1 0,1 0 0,-1 0 0,0 1 0,1 0 0,-1 1 0,13 2 0,-19-2 0,-1 0 0,1 0 0,-1 0 0,1 0 0,-1 0 0,1 1 0,-1-1 0,0 1 0,1 0 0,-1 0 0,0 0 0,0 0 0,-1 0 0,1 0 0,0 0 0,-1 0 0,1 1 0,-1-1 0,0 1 0,0-1 0,0 1 0,0 0 0,0-1 0,0 1 0,-1 0 0,1-1 0,-1 1 0,0 4 0,3 59 0,-7 83 0,-1-31 0,5 33-1365,0-116-5461</inkml:trace>
+</inkml:ink>
+</file>
+
+<file path=ppt/ink/ink16.xml><?xml version="1.0" encoding="utf-8"?>
+<inkml:ink xmlns:inkml="http://www.w3.org/2003/InkML">
+  <inkml:definitions>
+    <inkml:context xml:id="ctx0">
+      <inkml:inkSource xml:id="inkSrc0">
+        <inkml:traceFormat>
+          <inkml:channel name="X" type="integer" min="-2.14748E9" max="2.14748E9" units="cm"/>
+          <inkml:channel name="Y" type="integer" min="-2.14748E9" max="2.14748E9" units="cm"/>
+          <inkml:channel name="F" type="integer" max="32767" units="dev"/>
+        </inkml:traceFormat>
+        <inkml:channelProperties>
+          <inkml:channelProperty channel="X" name="resolution" value="1000" units="1/cm"/>
+          <inkml:channelProperty channel="Y" name="resolution" value="1000" units="1/cm"/>
+          <inkml:channelProperty channel="F" name="resolution" value="0" units="1/dev"/>
+        </inkml:channelProperties>
+      </inkml:inkSource>
+      <inkml:timestamp xml:id="ts0" timeString="2022-12-01T11:20:33.638"/>
+    </inkml:context>
+    <inkml:brush xml:id="br0">
+      <inkml:brushProperty name="width" value="0.05" units="cm"/>
+      <inkml:brushProperty name="height" value="0.05" units="cm"/>
+    </inkml:brush>
+  </inkml:definitions>
+  <inkml:trace contextRef="#ctx0" brushRef="#br0">1 462 24575,'1'0'0,"0"0"0,0-1 0,0 1 0,-1-1 0,1 1 0,0-1 0,0 1 0,0-1 0,0 1 0,0-1 0,-1 0 0,1 1 0,0-1 0,-1 0 0,1 0 0,0 1 0,-1-1 0,1 0 0,-1 0 0,0 0 0,1 0 0,-1 0 0,1 0 0,-1 0 0,0 0 0,0 0 0,0-2 0,5-34 0,-4 27 0,5-11 0,0 1 0,1 0 0,2 1 0,0-1 0,0 2 0,2-1 0,0 2 0,16-20 0,5-9 0,-21 26 0,2 1 0,1 1 0,0 0 0,28-27 0,-38 42 0,1-1 0,-1 1 0,1-1 0,-1 1 0,1 0 0,0 1 0,0-1 0,0 1 0,1 0 0,-1 1 0,0-1 0,1 1 0,-1 0 0,1 0 0,-1 1 0,1-1 0,0 1 0,-1 1 0,1-1 0,-1 1 0,1 0 0,-1 0 0,1 0 0,-1 1 0,6 2 0,35 19 0,-1 2 0,-2 2 0,58 45 0,48 31 0,-108-79-1365,-8-4-5461</inkml:trace>
+</inkml:ink>
+</file>
+
+<file path=ppt/ink/ink17.xml><?xml version="1.0" encoding="utf-8"?>
+<inkml:ink xmlns:inkml="http://www.w3.org/2003/InkML">
+  <inkml:definitions>
+    <inkml:context xml:id="ctx0">
+      <inkml:inkSource xml:id="inkSrc0">
+        <inkml:traceFormat>
+          <inkml:channel name="X" type="integer" min="-2.14748E9" max="2.14748E9" units="cm"/>
+          <inkml:channel name="Y" type="integer" min="-2.14748E9" max="2.14748E9" units="cm"/>
+          <inkml:channel name="F" type="integer" max="32767" units="dev"/>
+        </inkml:traceFormat>
+        <inkml:channelProperties>
+          <inkml:channelProperty channel="X" name="resolution" value="1000" units="1/cm"/>
+          <inkml:channelProperty channel="Y" name="resolution" value="1000" units="1/cm"/>
+          <inkml:channelProperty channel="F" name="resolution" value="0" units="1/dev"/>
+        </inkml:channelProperties>
+      </inkml:inkSource>
+      <inkml:timestamp xml:id="ts0" timeString="2022-12-01T11:20:10.897"/>
+    </inkml:context>
+    <inkml:brush xml:id="br0">
+      <inkml:brushProperty name="width" value="0.05" units="cm"/>
+      <inkml:brushProperty name="height" value="0.05" units="cm"/>
+    </inkml:brush>
+  </inkml:definitions>
+  <inkml:trace contextRef="#ctx0" brushRef="#br0">1 1 24575,'16'1'0,"0"0"0,0 1 0,0 1 0,0 1 0,-1 0 0,0 1 0,27 13 0,100 61 0,-97-51 0,23 13 0,263 164 0,-257-152 0,-2 2 0,83 83 0,-135-116-22,-2 2 0,0 0 0,-2 0 0,-1 2 0,0 0 0,-2 1-1,10 31 1,8 11-1166,-19-43-5638</inkml:trace>
+</inkml:ink>
+</file>
+
+<file path=ppt/ink/ink18.xml><?xml version="1.0" encoding="utf-8"?>
+<inkml:ink xmlns:inkml="http://www.w3.org/2003/InkML">
+  <inkml:definitions>
+    <inkml:context xml:id="ctx0">
+      <inkml:inkSource xml:id="inkSrc0">
+        <inkml:traceFormat>
+          <inkml:channel name="X" type="integer" min="-2.14748E9" max="2.14748E9" units="cm"/>
+          <inkml:channel name="Y" type="integer" min="-2.14748E9" max="2.14748E9" units="cm"/>
+          <inkml:channel name="F" type="integer" max="32767" units="dev"/>
+        </inkml:traceFormat>
+        <inkml:channelProperties>
+          <inkml:channelProperty channel="X" name="resolution" value="1000" units="1/cm"/>
+          <inkml:channelProperty channel="Y" name="resolution" value="1000" units="1/cm"/>
+          <inkml:channelProperty channel="F" name="resolution" value="0" units="1/dev"/>
+        </inkml:channelProperties>
+      </inkml:inkSource>
+      <inkml:timestamp xml:id="ts0" timeString="2022-12-01T11:20:11.410"/>
+    </inkml:context>
+    <inkml:brush xml:id="br0">
+      <inkml:brushProperty name="width" value="0.05" units="cm"/>
+      <inkml:brushProperty name="height" value="0.05" units="cm"/>
+    </inkml:brush>
+  </inkml:definitions>
+  <inkml:trace contextRef="#ctx0" brushRef="#br0">538 1 24575,'2'0'0,"0"1"0,1-1 0,-1 1 0,0 0 0,0 0 0,0 0 0,0 0 0,-1 0 0,1 1 0,0-1 0,0 0 0,-1 1 0,1-1 0,0 1 0,-1 0 0,0 0 0,1-1 0,-1 1 0,0 0 0,0 0 0,0 0 0,0 0 0,1 4 0,17 57 0,-17-57 0,9 49 0,-1 0 0,2 87 0,-11 115 0,-2-167 0,1-76 0,0 0 0,0-1 0,-1 1 0,-5 27 0,6-39 0,-1 1 0,0-1 0,1 0 0,-1 1 0,0-1 0,0 0 0,0 0 0,0 1 0,0-1 0,-1 0 0,1 0 0,-1 0 0,1-1 0,-1 1 0,0 0 0,0-1 0,0 1 0,0-1 0,0 1 0,0-1 0,0 0 0,0 0 0,0 0 0,-1 0 0,1 0 0,0 0 0,-1-1 0,1 1 0,-3-1 0,-12 0 0,1-2 0,0 0 0,-1-1 0,1 0 0,-27-10 0,-3 0 0,-293-67-1365,276 66-5461</inkml:trace>
+</inkml:ink>
+</file>
+
+<file path=ppt/ink/ink19.xml><?xml version="1.0" encoding="utf-8"?>
+<inkml:ink xmlns:inkml="http://www.w3.org/2003/InkML">
+  <inkml:definitions>
+    <inkml:context xml:id="ctx0">
+      <inkml:inkSource xml:id="inkSrc0">
+        <inkml:traceFormat>
+          <inkml:channel name="X" type="integer" min="-2.14748E9" max="2.14748E9" units="cm"/>
+          <inkml:channel name="Y" type="integer" min="-2.14748E9" max="2.14748E9" units="cm"/>
+          <inkml:channel name="F" type="integer" max="32767" units="dev"/>
+        </inkml:traceFormat>
+        <inkml:channelProperties>
+          <inkml:channelProperty channel="X" name="resolution" value="1000" units="1/cm"/>
+          <inkml:channelProperty channel="Y" name="resolution" value="1000" units="1/cm"/>
+          <inkml:channelProperty channel="F" name="resolution" value="0" units="1/dev"/>
+        </inkml:channelProperties>
+      </inkml:inkSource>
+      <inkml:timestamp xml:id="ts0" timeString="2022-12-01T11:20:35.013"/>
+    </inkml:context>
+    <inkml:brush xml:id="br0">
+      <inkml:brushProperty name="width" value="0.05" units="cm"/>
+      <inkml:brushProperty name="height" value="0.05" units="cm"/>
+    </inkml:brush>
+  </inkml:definitions>
+  <inkml:trace contextRef="#ctx0" brushRef="#br0">0 696 24575,'1'-1'0,"0"1"0,0 0 0,0 0 0,-1-1 0,1 1 0,0-1 0,0 1 0,0-1 0,-1 1 0,1-1 0,0 0 0,-1 1 0,1-1 0,0 0 0,-1 1 0,1-1 0,-1 0 0,1 0 0,-1 1 0,0-1 0,1 0 0,-1 0 0,0 0 0,1 0 0,-1 0 0,0 0 0,0 0 0,0-1 0,4-31 0,-4 27 0,2-274 0,-1-7 0,0 284 0,-1-1 0,1 1 0,0 0 0,0 0 0,0 0 0,0 1 0,1-1 0,-1 0 0,1 0 0,0 1 0,-1-1 0,1 1 0,0-1 0,1 1 0,-1 0 0,0 0 0,1 0 0,-1 0 0,1 0 0,-1 0 0,1 1 0,0-1 0,0 1 0,0 0 0,0 0 0,0 0 0,0 0 0,0 1 0,0-1 0,5 0 0,12-1 0,1 1 0,0 0 0,33 4 0,-25-2 0,73 2-1365,-77-2-5461</inkml:trace>
+</inkml:ink>
+</file>
+
+<file path=ppt/ink/ink2.xml><?xml version="1.0" encoding="utf-8"?>
+<inkml:ink xmlns:inkml="http://www.w3.org/2003/InkML">
+  <inkml:definitions>
+    <inkml:context xml:id="ctx0">
+      <inkml:inkSource xml:id="inkSrc0">
+        <inkml:traceFormat>
+          <inkml:channel name="X" type="integer" min="-2.14748E9" max="2.14748E9" units="cm"/>
+          <inkml:channel name="Y" type="integer" min="-2.14748E9" max="2.14748E9" units="cm"/>
+          <inkml:channel name="F" type="integer" max="32767" units="dev"/>
+        </inkml:traceFormat>
+        <inkml:channelProperties>
+          <inkml:channelProperty channel="X" name="resolution" value="1000" units="1/cm"/>
+          <inkml:channelProperty channel="Y" name="resolution" value="1000" units="1/cm"/>
+          <inkml:channelProperty channel="F" name="resolution" value="0" units="1/dev"/>
+        </inkml:channelProperties>
+      </inkml:inkSource>
+      <inkml:timestamp xml:id="ts0" timeString="2022-12-01T11:35:29.322"/>
+    </inkml:context>
+    <inkml:brush xml:id="br0">
+      <inkml:brushProperty name="width" value="0.05" units="cm"/>
+      <inkml:brushProperty name="height" value="0.05" units="cm"/>
+    </inkml:brush>
+  </inkml:definitions>
+  <inkml:trace contextRef="#ctx0" brushRef="#br0">690 0 24575,'-1'9'0,"-1"-1"0,0 0 0,0 1 0,-1-1 0,0 0 0,-1-1 0,1 1 0,-2 0 0,1-1 0,-1 0 0,-6 7 0,-8 16 0,-179 263 0,107-165 0,40-43 0,41-65 0,-1-1 0,0-1 0,-1 0 0,-1-1 0,-1 0 0,-25 23 0,15-19 0,1 1 0,0 1 0,2 0 0,1 2 0,-30 46 0,48-66 0,0-1 0,0 0 0,0 1 0,1-1 0,-1 1 0,1 0 0,0-1 0,1 1 0,-1 0 0,1 0 0,0-1 0,0 1 0,0 0 0,2 8 0,0-4 0,1-1 0,0 0 0,0 0 0,1 0 0,0 0 0,0 0 0,9 11 0,7 5 0,1-1 0,1 0 0,37 29 0,-53-47 0,264 220 0,-225-189-36,86 52 0,-70-49-1257,-37-23-5533</inkml:trace>
+</inkml:ink>
+</file>
+
+<file path=ppt/ink/ink20.xml><?xml version="1.0" encoding="utf-8"?>
+<inkml:ink xmlns:inkml="http://www.w3.org/2003/InkML">
+  <inkml:definitions>
+    <inkml:context xml:id="ctx0">
+      <inkml:inkSource xml:id="inkSrc0">
+        <inkml:traceFormat>
+          <inkml:channel name="X" type="integer" min="-2.14748E9" max="2.14748E9" units="cm"/>
+          <inkml:channel name="Y" type="integer" min="-2.14748E9" max="2.14748E9" units="cm"/>
+          <inkml:channel name="F" type="integer" max="32767" units="dev"/>
+        </inkml:traceFormat>
+        <inkml:channelProperties>
+          <inkml:channelProperty channel="X" name="resolution" value="1000" units="1/cm"/>
+          <inkml:channelProperty channel="Y" name="resolution" value="1000" units="1/cm"/>
+          <inkml:channelProperty channel="F" name="resolution" value="0" units="1/dev"/>
+        </inkml:channelProperties>
+      </inkml:inkSource>
+      <inkml:timestamp xml:id="ts0" timeString="2022-12-01T11:20:36.369"/>
+    </inkml:context>
+    <inkml:brush xml:id="br0">
+      <inkml:brushProperty name="width" value="0.05" units="cm"/>
+      <inkml:brushProperty name="height" value="0.05" units="cm"/>
+    </inkml:brush>
+  </inkml:definitions>
+  <inkml:trace contextRef="#ctx0" brushRef="#br0">256 675 24575,'-13'-15'0,"2"0"0,0-1 0,1-1 0,-13-27 0,6 13 0,-31-50 0,30 53 0,1 0 0,1-1 0,2 0 0,1-2 0,1 0 0,-12-50 0,20 64 0,3 12 0,0 1 0,0 0 0,0-1 0,1 1 0,-1 0 0,1-1 0,1-5 0,-1 8 0,1 1 0,-1-1 0,1 1 0,0-1 0,-1 1 0,1-1 0,0 1 0,0-1 0,0 1 0,0 0 0,0 0 0,1 0 0,-1-1 0,0 1 0,0 0 0,1 0 0,-1 1 0,1-1 0,-1 0 0,1 0 0,-1 1 0,1-1 0,-1 1 0,3-1 0,71-19 0,1 3 0,120-10 0,-29 5 0,-30 2-1365,-102 14-5461</inkml:trace>
+</inkml:ink>
+</file>
+
+<file path=ppt/ink/ink21.xml><?xml version="1.0" encoding="utf-8"?>
+<inkml:ink xmlns:inkml="http://www.w3.org/2003/InkML">
+  <inkml:definitions>
+    <inkml:context xml:id="ctx0">
+      <inkml:inkSource xml:id="inkSrc0">
+        <inkml:traceFormat>
+          <inkml:channel name="X" type="integer" min="-2.14748E9" max="2.14748E9" units="cm"/>
+          <inkml:channel name="Y" type="integer" min="-2.14748E9" max="2.14748E9" units="cm"/>
+          <inkml:channel name="F" type="integer" max="32767" units="dev"/>
+        </inkml:traceFormat>
+        <inkml:channelProperties>
+          <inkml:channelProperty channel="X" name="resolution" value="1000" units="1/cm"/>
+          <inkml:channelProperty channel="Y" name="resolution" value="1000" units="1/cm"/>
+          <inkml:channelProperty channel="F" name="resolution" value="0" units="1/dev"/>
+        </inkml:channelProperties>
+      </inkml:inkSource>
+      <inkml:timestamp xml:id="ts0" timeString="2022-12-01T11:21:01.505"/>
+    </inkml:context>
+    <inkml:brush xml:id="br0">
+      <inkml:brushProperty name="width" value="0.05" units="cm"/>
+      <inkml:brushProperty name="height" value="0.05" units="cm"/>
+    </inkml:brush>
+  </inkml:definitions>
+  <inkml:trace contextRef="#ctx0" brushRef="#br0">0 1 24575,'0'0'-8191</inkml:trace>
+</inkml:ink>
+</file>
+
+<file path=ppt/ink/ink3.xml><?xml version="1.0" encoding="utf-8"?>
+<inkml:ink xmlns:inkml="http://www.w3.org/2003/InkML">
+  <inkml:definitions>
+    <inkml:context xml:id="ctx0">
+      <inkml:inkSource xml:id="inkSrc0">
+        <inkml:traceFormat>
+          <inkml:channel name="X" type="integer" min="-2.14748E9" max="2.14748E9" units="cm"/>
+          <inkml:channel name="Y" type="integer" min="-2.14748E9" max="2.14748E9" units="cm"/>
+          <inkml:channel name="F" type="integer" max="32767" units="dev"/>
+        </inkml:traceFormat>
+        <inkml:channelProperties>
+          <inkml:channelProperty channel="X" name="resolution" value="1000" units="1/cm"/>
+          <inkml:channelProperty channel="Y" name="resolution" value="1000" units="1/cm"/>
+          <inkml:channelProperty channel="F" name="resolution" value="0" units="1/dev"/>
+        </inkml:channelProperties>
+      </inkml:inkSource>
+      <inkml:timestamp xml:id="ts0" timeString="2022-12-01T11:35:30.844"/>
+    </inkml:context>
+    <inkml:brush xml:id="br0">
+      <inkml:brushProperty name="width" value="0.05" units="cm"/>
+      <inkml:brushProperty name="height" value="0.05" units="cm"/>
+    </inkml:brush>
+  </inkml:definitions>
+  <inkml:trace contextRef="#ctx0" brushRef="#br0">1 11 24575,'0'0'0,"0"-1"0,0 1 0,0 0 0,-1-1 0,1 1 0,0 0 0,0-1 0,1 1 0,-1-1 0,0 1 0,0 0 0,0-1 0,0 1 0,0 0 0,0 0 0,0-1 0,0 1 0,1 0 0,-1-1 0,0 1 0,0 0 0,0-1 0,1 1 0,-1 0 0,0 0 0,0 0 0,1-1 0,-1 1 0,0 0 0,1 0 0,-1 0 0,0-1 0,1 1 0,-1 0 0,0 0 0,1 0 0,-1 0 0,1 0 0,-1 0 0,1 0 0,-1 1 0,1-1 0,-1 0 0,1 1 0,-1-1 0,1 0 0,-1 1 0,1-1 0,-1 0 0,1 1 0,-1-1 0,0 1 0,1-1 0,-1 1 0,0-1 0,1 1 0,-1-1 0,0 1 0,0-1 0,0 1 0,1 0 0,-1 0 0,6 29 0,-2 0 0,-1 1 0,-1-1 0,-4 61 0,0-24 0,1 565-1365,1-605-5461</inkml:trace>
+</inkml:ink>
+</file>
+
+<file path=ppt/ink/ink4.xml><?xml version="1.0" encoding="utf-8"?>
+<inkml:ink xmlns:inkml="http://www.w3.org/2003/InkML">
+  <inkml:definitions>
+    <inkml:context xml:id="ctx0">
+      <inkml:inkSource xml:id="inkSrc0">
+        <inkml:traceFormat>
+          <inkml:channel name="X" type="integer" min="-2.14748E9" max="2.14748E9" units="cm"/>
+          <inkml:channel name="Y" type="integer" min="-2.14748E9" max="2.14748E9" units="cm"/>
+          <inkml:channel name="F" type="integer" max="32767" units="dev"/>
+        </inkml:traceFormat>
+        <inkml:channelProperties>
+          <inkml:channelProperty channel="X" name="resolution" value="1000" units="1/cm"/>
+          <inkml:channelProperty channel="Y" name="resolution" value="1000" units="1/cm"/>
+          <inkml:channelProperty channel="F" name="resolution" value="0" units="1/dev"/>
+        </inkml:channelProperties>
+      </inkml:inkSource>
+      <inkml:timestamp xml:id="ts0" timeString="2022-12-01T11:35:32.023"/>
+    </inkml:context>
+    <inkml:brush xml:id="br0">
+      <inkml:brushProperty name="width" value="0.05" units="cm"/>
+      <inkml:brushProperty name="height" value="0.05" units="cm"/>
+    </inkml:brush>
+  </inkml:definitions>
+  <inkml:trace contextRef="#ctx0" brushRef="#br0">1 235 24575,'78'-2'0,"-38"0"0,1 2 0,76 9 0,-99-4 0,0 0 0,0 1 0,0 1 0,0 1 0,31 19 0,74 59 0,-94-56 0,-26-26 0,1 0 0,-1-1 0,1 1 0,-1 0 0,1-1 0,0 0 0,0 0 0,5 2 0,-7-4 0,-1-1 0,1 1 0,0-1 0,-1 0 0,1 0 0,0 0 0,0 0 0,-1 0 0,1 0 0,0 0 0,-1-1 0,1 1 0,-1-1 0,1 1 0,0-1 0,-1 0 0,1 1 0,-1-1 0,1 0 0,-1 0 0,0 0 0,1 0 0,-1 0 0,0 0 0,0-1 0,0 1 0,0 0 0,0 0 0,1-3 0,25-31 0,36-61 0,-42 61 0,2 0 0,32-37 0,-23 36-92,-19 19-120,2 0 0,0 1 0,1 0-1,0 2 1,23-16 0,-22 20-6614</inkml:trace>
+</inkml:ink>
+</file>
+
+<file path=ppt/ink/ink5.xml><?xml version="1.0" encoding="utf-8"?>
+<inkml:ink xmlns:inkml="http://www.w3.org/2003/InkML">
+  <inkml:definitions>
+    <inkml:context xml:id="ctx0">
+      <inkml:inkSource xml:id="inkSrc0">
+        <inkml:traceFormat>
+          <inkml:channel name="X" type="integer" min="-2.14748E9" max="2.14748E9" units="cm"/>
+          <inkml:channel name="Y" type="integer" min="-2.14748E9" max="2.14748E9" units="cm"/>
+          <inkml:channel name="F" type="integer" max="32767" units="dev"/>
+        </inkml:traceFormat>
+        <inkml:channelProperties>
+          <inkml:channelProperty channel="X" name="resolution" value="1000" units="1/cm"/>
+          <inkml:channelProperty channel="Y" name="resolution" value="1000" units="1/cm"/>
+          <inkml:channelProperty channel="F" name="resolution" value="0" units="1/dev"/>
+        </inkml:channelProperties>
+      </inkml:inkSource>
+      <inkml:timestamp xml:id="ts0" timeString="2022-12-01T11:35:57.867"/>
+    </inkml:context>
+    <inkml:brush xml:id="br0">
+      <inkml:brushProperty name="width" value="0.05" units="cm"/>
+      <inkml:brushProperty name="height" value="0.05" units="cm"/>
+    </inkml:brush>
+  </inkml:definitions>
+  <inkml:trace contextRef="#ctx0" brushRef="#br0">1 1 24575,'0'0'-8191</inkml:trace>
+</inkml:ink>
+</file>
+
+<file path=ppt/ink/ink6.xml><?xml version="1.0" encoding="utf-8"?>
+<inkml:ink xmlns:inkml="http://www.w3.org/2003/InkML">
+  <inkml:definitions>
+    <inkml:context xml:id="ctx0">
+      <inkml:inkSource xml:id="inkSrc0">
+        <inkml:traceFormat>
+          <inkml:channel name="X" type="integer" min="-2.14748E9" max="2.14748E9" units="cm"/>
+          <inkml:channel name="Y" type="integer" min="-2.14748E9" max="2.14748E9" units="cm"/>
+          <inkml:channel name="F" type="integer" max="32767" units="dev"/>
+        </inkml:traceFormat>
+        <inkml:channelProperties>
+          <inkml:channelProperty channel="X" name="resolution" value="1000" units="1/cm"/>
+          <inkml:channelProperty channel="Y" name="resolution" value="1000" units="1/cm"/>
+          <inkml:channelProperty channel="F" name="resolution" value="0" units="1/dev"/>
+        </inkml:channelProperties>
+      </inkml:inkSource>
+      <inkml:timestamp xml:id="ts0" timeString="2022-12-01T11:20:09.318"/>
+    </inkml:context>
+    <inkml:brush xml:id="br0">
+      <inkml:brushProperty name="width" value="0.05" units="cm"/>
+      <inkml:brushProperty name="height" value="0.05" units="cm"/>
+    </inkml:brush>
+  </inkml:definitions>
+  <inkml:trace contextRef="#ctx0" brushRef="#br0">0 1 24575,'3'0'0,"-1"0"0,1 1 0,0-1 0,-1 1 0,1 0 0,0-1 0,-1 1 0,1 1 0,-1-1 0,0 0 0,1 0 0,-1 1 0,0 0 0,0-1 0,0 1 0,0 0 0,0 0 0,0 0 0,0 0 0,-1 0 0,1 1 0,-1-1 0,0 0 0,0 1 0,2 3 0,3 8 0,-2 1 0,1 0 0,2 22 0,-4-22 0,13 78 19,6 177 0,-23 103-199,-3-158-1043,4-183-5603</inkml:trace>
+</inkml:ink>
+</file>
+
+<file path=ppt/ink/ink7.xml><?xml version="1.0" encoding="utf-8"?>
+<inkml:ink xmlns:inkml="http://www.w3.org/2003/InkML">
+  <inkml:definitions>
+    <inkml:context xml:id="ctx0">
+      <inkml:inkSource xml:id="inkSrc0">
+        <inkml:traceFormat>
+          <inkml:channel name="X" type="integer" min="-2.14748E9" max="2.14748E9" units="cm"/>
+          <inkml:channel name="Y" type="integer" min="-2.14748E9" max="2.14748E9" units="cm"/>
+          <inkml:channel name="F" type="integer" max="32767" units="dev"/>
+        </inkml:traceFormat>
+        <inkml:channelProperties>
+          <inkml:channelProperty channel="X" name="resolution" value="1000" units="1/cm"/>
+          <inkml:channelProperty channel="Y" name="resolution" value="1000" units="1/cm"/>
+          <inkml:channelProperty channel="F" name="resolution" value="0" units="1/dev"/>
+        </inkml:channelProperties>
+      </inkml:inkSource>
+      <inkml:timestamp xml:id="ts0" timeString="2022-12-01T11:20:10.131"/>
+    </inkml:context>
+    <inkml:brush xml:id="br0">
+      <inkml:brushProperty name="width" value="0.05" units="cm"/>
+      <inkml:brushProperty name="height" value="0.05" units="cm"/>
+    </inkml:brush>
+  </inkml:definitions>
+  <inkml:trace contextRef="#ctx0" brushRef="#br0">0 176 24575,'1'10'0,"0"1"0,1 0 0,0-1 0,0 1 0,1-1 0,1 0 0,0 1 0,0-2 0,1 1 0,0 0 0,0-1 0,1 0 0,12 14 0,-12-16 0,0 0 0,0-1 0,1 0 0,0 0 0,0 0 0,1-1 0,-1 0 0,1 0 0,0-1 0,1 0 0,-1 0 0,1-1 0,-1 0 0,1-1 0,0 0 0,14 2 0,-5-5 0,0 0 0,0 0 0,0-2 0,0 0 0,0-1 0,-1-1 0,1-1 0,-2 0 0,1-1 0,31-18 0,-13 3 0,-2-1 0,0-2 0,54-53 0,-70 61-170,-1-1-1,-1 0 0,0-1 1,-2-1-1,0 0 0,-1-1 1,9-23-1,-13 23-6655</inkml:trace>
+</inkml:ink>
+</file>
+
+<file path=ppt/ink/ink8.xml><?xml version="1.0" encoding="utf-8"?>
+<inkml:ink xmlns:inkml="http://www.w3.org/2003/InkML">
+  <inkml:definitions>
+    <inkml:context xml:id="ctx0">
+      <inkml:inkSource xml:id="inkSrc0">
+        <inkml:traceFormat>
+          <inkml:channel name="X" type="integer" min="-2.14748E9" max="2.14748E9" units="cm"/>
+          <inkml:channel name="Y" type="integer" min="-2.14748E9" max="2.14748E9" units="cm"/>
+          <inkml:channel name="F" type="integer" max="32767" units="dev"/>
+        </inkml:traceFormat>
+        <inkml:channelProperties>
+          <inkml:channelProperty channel="X" name="resolution" value="1000" units="1/cm"/>
+          <inkml:channelProperty channel="Y" name="resolution" value="1000" units="1/cm"/>
+          <inkml:channelProperty channel="F" name="resolution" value="0" units="1/dev"/>
+        </inkml:channelProperties>
+      </inkml:inkSource>
+      <inkml:timestamp xml:id="ts0" timeString="2022-12-01T11:20:16.776"/>
+    </inkml:context>
+    <inkml:brush xml:id="br0">
+      <inkml:brushProperty name="width" value="0.05" units="cm"/>
+      <inkml:brushProperty name="height" value="0.05" units="cm"/>
+    </inkml:brush>
+  </inkml:definitions>
+  <inkml:trace contextRef="#ctx0" brushRef="#br0">1 0 24575,'57'2'0,"1"3"0,-1 2 0,0 3 0,-1 1 0,78 29 0,261 123 0,-44-14 0,350 72 0,-362-121 0,-210-60 0,314 102 0,-323-97 0,183 96 0,-30-2 0,381 134 0,-297-155 0,-67-24 0,-100-18 0,76 24 0,-157-63 0,151 73 0,-47-17 0,35-11-937,-233-77 509,10 3-6398</inkml:trace>
+</inkml:ink>
+</file>
+
+<file path=ppt/ink/ink9.xml><?xml version="1.0" encoding="utf-8"?>
+<inkml:ink xmlns:inkml="http://www.w3.org/2003/InkML">
+  <inkml:definitions>
+    <inkml:context xml:id="ctx0">
+      <inkml:inkSource xml:id="inkSrc0">
+        <inkml:traceFormat>
+          <inkml:channel name="X" type="integer" min="-2.14748E9" max="2.14748E9" units="cm"/>
+          <inkml:channel name="Y" type="integer" min="-2.14748E9" max="2.14748E9" units="cm"/>
+          <inkml:channel name="F" type="integer" max="32767" units="dev"/>
+        </inkml:traceFormat>
+        <inkml:channelProperties>
+          <inkml:channelProperty channel="X" name="resolution" value="1000" units="1/cm"/>
+          <inkml:channelProperty channel="Y" name="resolution" value="1000" units="1/cm"/>
+          <inkml:channelProperty channel="F" name="resolution" value="0" units="1/dev"/>
+        </inkml:channelProperties>
+      </inkml:inkSource>
+      <inkml:timestamp xml:id="ts0" timeString="2022-12-01T11:20:17.560"/>
+    </inkml:context>
+    <inkml:brush xml:id="br0">
+      <inkml:brushProperty name="width" value="0.05" units="cm"/>
+      <inkml:brushProperty name="height" value="0.05" units="cm"/>
+    </inkml:brush>
+  </inkml:definitions>
+  <inkml:trace contextRef="#ctx0" brushRef="#br0">550 1 24575,'10'14'0,"1"1"0,-2 0 0,0 1 0,-1 0 0,-1 0 0,0 1 0,-1 0 0,-1 0 0,-1 0 0,4 30 0,-8-45 0,0 1 0,0-1 0,0 1 0,0 0 0,0-1 0,0 1 0,-1-1 0,0 1 0,1-1 0,-1 1 0,0-1 0,0 0 0,0 1 0,-1-1 0,1 0 0,0 0 0,-1 0 0,1 0 0,-1 0 0,0 0 0,0 0 0,0-1 0,0 1 0,0-1 0,0 1 0,0-1 0,0 0 0,-5 2 0,-6 3 0,0-2 0,0 0 0,0 0 0,-17 2 0,12-3 0,-32 5 0,-92 3 0,-10 1 0,35 13-1365,83-18-5461</inkml:trace>
+</inkml:ink>
+</file>
+
 <file path=ppt/slideLayouts/slideLayout1.xml><?xml version="1.0" encoding="utf-8"?>
 <p:sldLayout xmlns:a="http://schemas.openxmlformats.org/drawingml/2006/main" xmlns:r="http://schemas.openxmlformats.org/officeDocument/2006/relationships" xmlns:p="http://schemas.openxmlformats.org/presentationml/2006/main" type="title" preserve="1">
   <p:cSld name="Title Slide">
@@ -270,7 +840,7 @@
           <a:p>
             <a:fld id="{C43A76A3-ADC8-4477-8FC1-B9DD55D84908}" type="datetime1">
               <a:rPr lang="en-US" smtClean="0"/>
-              <a:t>11/30/2022</a:t>
+              <a:t>12/1/2022</a:t>
             </a:fld>
             <a:endParaRPr lang="en-US"/>
           </a:p>
@@ -468,7 +1038,7 @@
           <a:p>
             <a:fld id="{D6762538-DC4D-4667-96E5-B3278DDF8B12}" type="datetime1">
               <a:rPr lang="en-US" smtClean="0"/>
-              <a:t>11/30/2022</a:t>
+              <a:t>12/1/2022</a:t>
             </a:fld>
             <a:endParaRPr lang="en-US"/>
           </a:p>
@@ -676,7 +1246,7 @@
           <a:p>
             <a:fld id="{05880548-5C08-4BE3-B63E-F2BB63B0B00C}" type="datetime1">
               <a:rPr lang="en-US" smtClean="0"/>
-              <a:t>11/30/2022</a:t>
+              <a:t>12/1/2022</a:t>
             </a:fld>
             <a:endParaRPr lang="en-US"/>
           </a:p>
@@ -874,7 +1444,7 @@
           <a:p>
             <a:fld id="{DE7F49BE-398D-479A-8A7E-5DDBCA61EDCB}" type="datetime1">
               <a:rPr lang="en-US" smtClean="0"/>
-              <a:t>11/30/2022</a:t>
+              <a:t>12/1/2022</a:t>
             </a:fld>
             <a:endParaRPr lang="en-US"/>
           </a:p>
@@ -1150,7 +1720,7 @@
           <a:p>
             <a:fld id="{CCD0C193-4974-4A1F-9C63-07D595E30D66}" type="datetime1">
               <a:rPr lang="en-US" smtClean="0"/>
-              <a:t>11/30/2022</a:t>
+              <a:t>12/1/2022</a:t>
             </a:fld>
             <a:endParaRPr lang="en-US"/>
           </a:p>
@@ -1417,7 +1987,7 @@
           <a:p>
             <a:fld id="{701AA87F-28D4-4BF0-B81F-877A89DFD5AC}" type="datetime1">
               <a:rPr lang="en-US" smtClean="0"/>
-              <a:t>11/30/2022</a:t>
+              <a:t>12/1/2022</a:t>
             </a:fld>
             <a:endParaRPr lang="en-US"/>
           </a:p>
@@ -1831,7 +2401,7 @@
           <a:p>
             <a:fld id="{A8A9F1F3-208B-49A3-B337-9C8ACEB3E0E1}" type="datetime1">
               <a:rPr lang="en-US" smtClean="0"/>
-              <a:t>11/30/2022</a:t>
+              <a:t>12/1/2022</a:t>
             </a:fld>
             <a:endParaRPr lang="en-US"/>
           </a:p>
@@ -1978,7 +2548,7 @@
           <a:p>
             <a:fld id="{27AF6CA6-7293-4AA2-A0E0-A3BF4416E786}" type="datetime1">
               <a:rPr lang="en-US" smtClean="0"/>
-              <a:t>11/30/2022</a:t>
+              <a:t>12/1/2022</a:t>
             </a:fld>
             <a:endParaRPr lang="en-US"/>
           </a:p>
@@ -2091,7 +2661,7 @@
           <a:p>
             <a:fld id="{98D87016-7BCD-46FB-8EE3-AB6C369108B4}" type="datetime1">
               <a:rPr lang="en-US" smtClean="0"/>
-              <a:t>11/30/2022</a:t>
+              <a:t>12/1/2022</a:t>
             </a:fld>
             <a:endParaRPr lang="en-US"/>
           </a:p>
@@ -2410,7 +2980,7 @@
           <a:p>
             <a:fld id="{A1547011-1FFC-4EF8-9A2E-53B4AD2ADBD4}" type="datetime1">
               <a:rPr lang="en-US" smtClean="0"/>
-              <a:t>11/30/2022</a:t>
+              <a:t>12/1/2022</a:t>
             </a:fld>
             <a:endParaRPr lang="en-US"/>
           </a:p>
@@ -2704,7 +3274,7 @@
           <a:p>
             <a:fld id="{9562EB47-45B4-4EF5-A743-B4885DD2F060}" type="datetime1">
               <a:rPr lang="en-US" smtClean="0"/>
-              <a:t>11/30/2022</a:t>
+              <a:t>12/1/2022</a:t>
             </a:fld>
             <a:endParaRPr lang="en-US"/>
           </a:p>
@@ -4089,7 +4659,7 @@
           <a:p>
             <a:fld id="{4A8D24A4-5FEC-4062-8995-EB21925B3B40}" type="datetime1">
               <a:rPr lang="en-US" smtClean="0"/>
-              <a:t>11/30/2022</a:t>
+              <a:t>12/1/2022</a:t>
             </a:fld>
             <a:endParaRPr lang="en-US" sz="1000"/>
           </a:p>
@@ -6121,6 +6691,600 @@
 </file>
 
 <file path=ppt/slides/slide10.xml><?xml version="1.0" encoding="utf-8"?>
+<p:sld xmlns:a="http://schemas.openxmlformats.org/drawingml/2006/main" xmlns:r="http://schemas.openxmlformats.org/officeDocument/2006/relationships" xmlns:p="http://schemas.openxmlformats.org/presentationml/2006/main">
+  <p:cSld>
+    <p:spTree>
+      <p:nvGrpSpPr>
+        <p:cNvPr id="1" name=""/>
+        <p:cNvGrpSpPr/>
+        <p:nvPr/>
+      </p:nvGrpSpPr>
+      <p:grpSpPr>
+        <a:xfrm>
+          <a:off x="0" y="0"/>
+          <a:ext cx="0" cy="0"/>
+          <a:chOff x="0" y="0"/>
+          <a:chExt cx="0" cy="0"/>
+        </a:xfrm>
+      </p:grpSpPr>
+      <p:sp>
+        <p:nvSpPr>
+          <p:cNvPr id="2" name="제목 1">
+            <a:extLst>
+              <a:ext uri="{FF2B5EF4-FFF2-40B4-BE49-F238E27FC236}">
+                <a16:creationId xmlns:a16="http://schemas.microsoft.com/office/drawing/2014/main" id="{9EF89999-E1E4-3805-468E-9935D300D2FF}"/>
+              </a:ext>
+            </a:extLst>
+          </p:cNvPr>
+          <p:cNvSpPr>
+            <a:spLocks noGrp="1"/>
+          </p:cNvSpPr>
+          <p:nvPr>
+            <p:ph type="title"/>
+          </p:nvPr>
+        </p:nvSpPr>
+        <p:spPr/>
+        <p:txBody>
+          <a:bodyPr/>
+          <a:lstStyle/>
+          <a:p>
+            <a:r>
+              <a:rPr lang="ko-KR" altLang="en-US" sz="4000">
+                <a:latin typeface="맑은 고딕" panose="020B0503020000020004" pitchFamily="50" charset="-127"/>
+                <a:ea typeface="맑은 고딕" panose="020B0503020000020004" pitchFamily="50" charset="-127"/>
+              </a:rPr>
+              <a:t>단점</a:t>
+            </a:r>
+          </a:p>
+        </p:txBody>
+      </p:sp>
+      <p:sp>
+        <p:nvSpPr>
+          <p:cNvPr id="3" name="내용 개체 틀 2">
+            <a:extLst>
+              <a:ext uri="{FF2B5EF4-FFF2-40B4-BE49-F238E27FC236}">
+                <a16:creationId xmlns:a16="http://schemas.microsoft.com/office/drawing/2014/main" id="{9CC00689-28F8-69FE-B175-2404B354EF45}"/>
+              </a:ext>
+            </a:extLst>
+          </p:cNvPr>
+          <p:cNvSpPr>
+            <a:spLocks noGrp="1"/>
+          </p:cNvSpPr>
+          <p:nvPr>
+            <p:ph idx="1"/>
+          </p:nvPr>
+        </p:nvSpPr>
+        <p:spPr/>
+        <p:txBody>
+          <a:bodyPr/>
+          <a:lstStyle/>
+          <a:p>
+            <a:r>
+              <a:rPr lang="ko-KR" altLang="en-US">
+                <a:latin typeface="맑은 고딕" panose="020B0503020000020004" pitchFamily="50" charset="-127"/>
+                <a:ea typeface="맑은 고딕" panose="020B0503020000020004" pitchFamily="50" charset="-127"/>
+              </a:rPr>
+              <a:t>협업 기능 지원이 부족함</a:t>
+            </a:r>
+            <a:endParaRPr lang="en-US" altLang="ko-KR">
+              <a:latin typeface="맑은 고딕" panose="020B0503020000020004" pitchFamily="50" charset="-127"/>
+              <a:ea typeface="맑은 고딕" panose="020B0503020000020004" pitchFamily="50" charset="-127"/>
+            </a:endParaRPr>
+          </a:p>
+          <a:p>
+            <a:pPr marL="0" indent="0">
+              <a:buNone/>
+            </a:pPr>
+            <a:endParaRPr lang="en-US" altLang="ko-KR">
+              <a:latin typeface="맑은 고딕" panose="020B0503020000020004" pitchFamily="50" charset="-127"/>
+              <a:ea typeface="맑은 고딕" panose="020B0503020000020004" pitchFamily="50" charset="-127"/>
+            </a:endParaRPr>
+          </a:p>
+          <a:p>
+            <a:r>
+              <a:rPr lang="ko-KR" altLang="en-US">
+                <a:latin typeface="맑은 고딕" panose="020B0503020000020004" pitchFamily="50" charset="-127"/>
+                <a:ea typeface="맑은 고딕" panose="020B0503020000020004" pitchFamily="50" charset="-127"/>
+              </a:rPr>
+              <a:t>자료 부족</a:t>
+            </a:r>
+            <a:endParaRPr lang="en-US" altLang="ko-KR">
+              <a:latin typeface="맑은 고딕" panose="020B0503020000020004" pitchFamily="50" charset="-127"/>
+              <a:ea typeface="맑은 고딕" panose="020B0503020000020004" pitchFamily="50" charset="-127"/>
+            </a:endParaRPr>
+          </a:p>
+          <a:p>
+            <a:endParaRPr lang="en-US" altLang="ko-KR">
+              <a:latin typeface="맑은 고딕" panose="020B0503020000020004" pitchFamily="50" charset="-127"/>
+              <a:ea typeface="맑은 고딕" panose="020B0503020000020004" pitchFamily="50" charset="-127"/>
+            </a:endParaRPr>
+          </a:p>
+          <a:p>
+            <a:r>
+              <a:rPr lang="ko-KR" altLang="en-US">
+                <a:latin typeface="맑은 고딕" panose="020B0503020000020004" pitchFamily="50" charset="-127"/>
+                <a:ea typeface="맑은 고딕" panose="020B0503020000020004" pitchFamily="50" charset="-127"/>
+              </a:rPr>
+              <a:t>유니티에 있는 몇몇 기능이 없음</a:t>
+            </a:r>
+            <a:endParaRPr lang="en-US" altLang="ko-KR">
+              <a:latin typeface="맑은 고딕" panose="020B0503020000020004" pitchFamily="50" charset="-127"/>
+              <a:ea typeface="맑은 고딕" panose="020B0503020000020004" pitchFamily="50" charset="-127"/>
+            </a:endParaRPr>
+          </a:p>
+          <a:p>
+            <a:endParaRPr lang="en-US" altLang="ko-KR">
+              <a:latin typeface="맑은 고딕" panose="020B0503020000020004" pitchFamily="50" charset="-127"/>
+              <a:ea typeface="맑은 고딕" panose="020B0503020000020004" pitchFamily="50" charset="-127"/>
+            </a:endParaRPr>
+          </a:p>
+          <a:p>
+            <a:r>
+              <a:rPr lang="ko-KR" altLang="en-US">
+                <a:latin typeface="맑은 고딕" panose="020B0503020000020004" pitchFamily="50" charset="-127"/>
+                <a:ea typeface="맑은 고딕" panose="020B0503020000020004" pitchFamily="50" charset="-127"/>
+              </a:rPr>
+              <a:t>에디터 커스터마이징 기능이 빈약함</a:t>
+            </a:r>
+            <a:endParaRPr lang="en-US" altLang="ko-KR">
+              <a:latin typeface="맑은 고딕" panose="020B0503020000020004" pitchFamily="50" charset="-127"/>
+              <a:ea typeface="맑은 고딕" panose="020B0503020000020004" pitchFamily="50" charset="-127"/>
+            </a:endParaRPr>
+          </a:p>
+          <a:p>
+            <a:endParaRPr lang="en-US" altLang="ko-KR">
+              <a:latin typeface="맑은 고딕" panose="020B0503020000020004" pitchFamily="50" charset="-127"/>
+              <a:ea typeface="맑은 고딕" panose="020B0503020000020004" pitchFamily="50" charset="-127"/>
+            </a:endParaRPr>
+          </a:p>
+          <a:p>
+            <a:r>
+              <a:rPr lang="en-US" altLang="ko-KR" strike="sngStrike">
+                <a:latin typeface="맑은 고딕" panose="020B0503020000020004" pitchFamily="50" charset="-127"/>
+                <a:ea typeface="맑은 고딕" panose="020B0503020000020004" pitchFamily="50" charset="-127"/>
+              </a:rPr>
+              <a:t>Lua </a:t>
+            </a:r>
+            <a:r>
+              <a:rPr lang="ko-KR" altLang="en-US" strike="sngStrike">
+                <a:latin typeface="맑은 고딕" panose="020B0503020000020004" pitchFamily="50" charset="-127"/>
+                <a:ea typeface="맑은 고딕" panose="020B0503020000020004" pitchFamily="50" charset="-127"/>
+              </a:rPr>
+              <a:t>특성상 지역 변수의 타입명을 명시할 수 없음</a:t>
+            </a:r>
+          </a:p>
+        </p:txBody>
+      </p:sp>
+    </p:spTree>
+    <p:extLst>
+      <p:ext uri="{BB962C8B-B14F-4D97-AF65-F5344CB8AC3E}">
+        <p14:creationId xmlns:p14="http://schemas.microsoft.com/office/powerpoint/2010/main" val="1166467205"/>
+      </p:ext>
+    </p:extLst>
+  </p:cSld>
+  <p:clrMapOvr>
+    <a:masterClrMapping/>
+  </p:clrMapOvr>
+</p:sld>
+</file>
+
+<file path=ppt/slides/slide11.xml><?xml version="1.0" encoding="utf-8"?>
+<p:sld xmlns:a="http://schemas.openxmlformats.org/drawingml/2006/main" xmlns:r="http://schemas.openxmlformats.org/officeDocument/2006/relationships" xmlns:p="http://schemas.openxmlformats.org/presentationml/2006/main">
+  <p:cSld>
+    <p:spTree>
+      <p:nvGrpSpPr>
+        <p:cNvPr id="1" name=""/>
+        <p:cNvGrpSpPr/>
+        <p:nvPr/>
+      </p:nvGrpSpPr>
+      <p:grpSpPr>
+        <a:xfrm>
+          <a:off x="0" y="0"/>
+          <a:ext cx="0" cy="0"/>
+          <a:chOff x="0" y="0"/>
+          <a:chExt cx="0" cy="0"/>
+        </a:xfrm>
+      </p:grpSpPr>
+      <p:sp>
+        <p:nvSpPr>
+          <p:cNvPr id="2" name="제목 1">
+            <a:extLst>
+              <a:ext uri="{FF2B5EF4-FFF2-40B4-BE49-F238E27FC236}">
+                <a16:creationId xmlns:a16="http://schemas.microsoft.com/office/drawing/2014/main" id="{9EF89999-E1E4-3805-468E-9935D300D2FF}"/>
+              </a:ext>
+            </a:extLst>
+          </p:cNvPr>
+          <p:cNvSpPr>
+            <a:spLocks noGrp="1"/>
+          </p:cNvSpPr>
+          <p:nvPr>
+            <p:ph type="title"/>
+          </p:nvPr>
+        </p:nvSpPr>
+        <p:spPr/>
+        <p:txBody>
+          <a:bodyPr/>
+          <a:lstStyle/>
+          <a:p>
+            <a:r>
+              <a:rPr lang="ko-KR" altLang="en-US" sz="4000">
+                <a:latin typeface="맑은 고딕" panose="020B0503020000020004" pitchFamily="50" charset="-127"/>
+                <a:ea typeface="맑은 고딕" panose="020B0503020000020004" pitchFamily="50" charset="-127"/>
+              </a:rPr>
+              <a:t>단점</a:t>
+            </a:r>
+          </a:p>
+        </p:txBody>
+      </p:sp>
+      <p:sp>
+        <p:nvSpPr>
+          <p:cNvPr id="3" name="내용 개체 틀 2">
+            <a:extLst>
+              <a:ext uri="{FF2B5EF4-FFF2-40B4-BE49-F238E27FC236}">
+                <a16:creationId xmlns:a16="http://schemas.microsoft.com/office/drawing/2014/main" id="{9CC00689-28F8-69FE-B175-2404B354EF45}"/>
+              </a:ext>
+            </a:extLst>
+          </p:cNvPr>
+          <p:cNvSpPr>
+            <a:spLocks noGrp="1"/>
+          </p:cNvSpPr>
+          <p:nvPr>
+            <p:ph idx="1"/>
+          </p:nvPr>
+        </p:nvSpPr>
+        <p:spPr/>
+        <p:txBody>
+          <a:bodyPr/>
+          <a:lstStyle/>
+          <a:p>
+            <a:r>
+              <a:rPr lang="ko-KR" altLang="en-US" sz="2400">
+                <a:latin typeface="맑은 고딕" panose="020B0503020000020004" pitchFamily="50" charset="-127"/>
+                <a:ea typeface="맑은 고딕" panose="020B0503020000020004" pitchFamily="50" charset="-127"/>
+              </a:rPr>
+              <a:t>개발 중 튕기는 버그</a:t>
+            </a:r>
+            <a:endParaRPr lang="en-US" altLang="ko-KR" sz="2400">
+              <a:latin typeface="맑은 고딕" panose="020B0503020000020004" pitchFamily="50" charset="-127"/>
+              <a:ea typeface="맑은 고딕" panose="020B0503020000020004" pitchFamily="50" charset="-127"/>
+            </a:endParaRPr>
+          </a:p>
+          <a:p>
+            <a:r>
+              <a:rPr lang="ko-KR" altLang="en-US" sz="2400">
+                <a:latin typeface="맑은 고딕" panose="020B0503020000020004" pitchFamily="50" charset="-127"/>
+                <a:ea typeface="맑은 고딕" panose="020B0503020000020004" pitchFamily="50" charset="-127"/>
+              </a:rPr>
+              <a:t>스크립트 편집이 안되는 버그</a:t>
+            </a:r>
+            <a:endParaRPr lang="en-US" altLang="ko-KR" sz="2400">
+              <a:latin typeface="맑은 고딕" panose="020B0503020000020004" pitchFamily="50" charset="-127"/>
+              <a:ea typeface="맑은 고딕" panose="020B0503020000020004" pitchFamily="50" charset="-127"/>
+            </a:endParaRPr>
+          </a:p>
+          <a:p>
+            <a:r>
+              <a:rPr lang="ko-KR" altLang="en-US" sz="2400">
+                <a:latin typeface="맑은 고딕" panose="020B0503020000020004" pitchFamily="50" charset="-127"/>
+                <a:ea typeface="맑은 고딕" panose="020B0503020000020004" pitchFamily="50" charset="-127"/>
+              </a:rPr>
+              <a:t>무한로딩 버그</a:t>
+            </a:r>
+            <a:endParaRPr lang="en-US" altLang="ko-KR" sz="2400">
+              <a:latin typeface="맑은 고딕" panose="020B0503020000020004" pitchFamily="50" charset="-127"/>
+              <a:ea typeface="맑은 고딕" panose="020B0503020000020004" pitchFamily="50" charset="-127"/>
+            </a:endParaRPr>
+          </a:p>
+          <a:p>
+            <a:r>
+              <a:rPr lang="ko-KR" altLang="en-US" sz="2400">
+                <a:latin typeface="맑은 고딕" panose="020B0503020000020004" pitchFamily="50" charset="-127"/>
+                <a:ea typeface="맑은 고딕" panose="020B0503020000020004" pitchFamily="50" charset="-127"/>
+              </a:rPr>
+              <a:t>브레이크포인트가 제멋대로 이동하는 버그</a:t>
+            </a:r>
+            <a:endParaRPr lang="en-US" altLang="ko-KR" sz="2400">
+              <a:latin typeface="맑은 고딕" panose="020B0503020000020004" pitchFamily="50" charset="-127"/>
+              <a:ea typeface="맑은 고딕" panose="020B0503020000020004" pitchFamily="50" charset="-127"/>
+            </a:endParaRPr>
+          </a:p>
+          <a:p>
+            <a:r>
+              <a:rPr lang="ko-KR" altLang="en-US" sz="2400">
+                <a:latin typeface="맑은 고딕" panose="020B0503020000020004" pitchFamily="50" charset="-127"/>
+                <a:ea typeface="맑은 고딕" panose="020B0503020000020004" pitchFamily="50" charset="-127"/>
+              </a:rPr>
+              <a:t>스크립트 글자가 겹쳐보이는 버그</a:t>
+            </a:r>
+            <a:endParaRPr lang="en-US" altLang="ko-KR" sz="2400">
+              <a:latin typeface="맑은 고딕" panose="020B0503020000020004" pitchFamily="50" charset="-127"/>
+              <a:ea typeface="맑은 고딕" panose="020B0503020000020004" pitchFamily="50" charset="-127"/>
+            </a:endParaRPr>
+          </a:p>
+          <a:p>
+            <a:r>
+              <a:rPr lang="ko-KR" altLang="en-US" sz="2400">
+                <a:latin typeface="맑은 고딕" panose="020B0503020000020004" pitchFamily="50" charset="-127"/>
+                <a:ea typeface="맑은 고딕" panose="020B0503020000020004" pitchFamily="50" charset="-127"/>
+              </a:rPr>
+              <a:t>접근할 수 없는 더미 스크립트가 생기는 버그</a:t>
+            </a:r>
+            <a:endParaRPr lang="en-US" altLang="ko-KR" sz="2400">
+              <a:latin typeface="맑은 고딕" panose="020B0503020000020004" pitchFamily="50" charset="-127"/>
+              <a:ea typeface="맑은 고딕" panose="020B0503020000020004" pitchFamily="50" charset="-127"/>
+            </a:endParaRPr>
+          </a:p>
+          <a:p>
+            <a:r>
+              <a:rPr lang="ko-KR" altLang="en-US" sz="2400">
+                <a:latin typeface="맑은 고딕" panose="020B0503020000020004" pitchFamily="50" charset="-127"/>
+                <a:ea typeface="맑은 고딕" panose="020B0503020000020004" pitchFamily="50" charset="-127"/>
+              </a:rPr>
+              <a:t>스크립트 에러가 반 박자 늦게 표시되는 버그</a:t>
+            </a:r>
+            <a:endParaRPr lang="en-US" altLang="ko-KR" sz="2400">
+              <a:latin typeface="맑은 고딕" panose="020B0503020000020004" pitchFamily="50" charset="-127"/>
+              <a:ea typeface="맑은 고딕" panose="020B0503020000020004" pitchFamily="50" charset="-127"/>
+            </a:endParaRPr>
+          </a:p>
+          <a:p>
+            <a:r>
+              <a:rPr lang="ko-KR" altLang="en-US" sz="2400">
+                <a:latin typeface="맑은 고딕" panose="020B0503020000020004" pitchFamily="50" charset="-127"/>
+                <a:ea typeface="맑은 고딕" panose="020B0503020000020004" pitchFamily="50" charset="-127"/>
+              </a:rPr>
+              <a:t>보이지 않는 오브젝트가 </a:t>
+            </a:r>
+            <a:r>
+              <a:rPr lang="en-US" altLang="ko-KR" sz="2400">
+                <a:latin typeface="맑은 고딕" panose="020B0503020000020004" pitchFamily="50" charset="-127"/>
+                <a:ea typeface="맑은 고딕" panose="020B0503020000020004" pitchFamily="50" charset="-127"/>
+              </a:rPr>
+              <a:t>raycast</a:t>
+            </a:r>
+            <a:r>
+              <a:rPr lang="ko-KR" altLang="en-US" sz="2400">
+                <a:latin typeface="맑은 고딕" panose="020B0503020000020004" pitchFamily="50" charset="-127"/>
+                <a:ea typeface="맑은 고딕" panose="020B0503020000020004" pitchFamily="50" charset="-127"/>
+              </a:rPr>
+              <a:t>에 영향을 주는 버그</a:t>
+            </a:r>
+          </a:p>
+        </p:txBody>
+      </p:sp>
+    </p:spTree>
+    <p:extLst>
+      <p:ext uri="{BB962C8B-B14F-4D97-AF65-F5344CB8AC3E}">
+        <p14:creationId xmlns:p14="http://schemas.microsoft.com/office/powerpoint/2010/main" val="2083658658"/>
+      </p:ext>
+    </p:extLst>
+  </p:cSld>
+  <p:clrMapOvr>
+    <a:masterClrMapping/>
+  </p:clrMapOvr>
+</p:sld>
+</file>
+
+<file path=ppt/slides/slide12.xml><?xml version="1.0" encoding="utf-8"?>
+<p:sld xmlns:a="http://schemas.openxmlformats.org/drawingml/2006/main" xmlns:r="http://schemas.openxmlformats.org/officeDocument/2006/relationships" xmlns:p="http://schemas.openxmlformats.org/presentationml/2006/main">
+  <p:cSld>
+    <p:spTree>
+      <p:nvGrpSpPr>
+        <p:cNvPr id="1" name=""/>
+        <p:cNvGrpSpPr/>
+        <p:nvPr/>
+      </p:nvGrpSpPr>
+      <p:grpSpPr>
+        <a:xfrm>
+          <a:off x="0" y="0"/>
+          <a:ext cx="0" cy="0"/>
+          <a:chOff x="0" y="0"/>
+          <a:chExt cx="0" cy="0"/>
+        </a:xfrm>
+      </p:grpSpPr>
+      <p:sp>
+        <p:nvSpPr>
+          <p:cNvPr id="2" name="제목 1">
+            <a:extLst>
+              <a:ext uri="{FF2B5EF4-FFF2-40B4-BE49-F238E27FC236}">
+                <a16:creationId xmlns:a16="http://schemas.microsoft.com/office/drawing/2014/main" id="{FB277F2A-4E90-A48C-1245-68B96F4501B1}"/>
+              </a:ext>
+            </a:extLst>
+          </p:cNvPr>
+          <p:cNvSpPr>
+            <a:spLocks noGrp="1"/>
+          </p:cNvSpPr>
+          <p:nvPr>
+            <p:ph type="title"/>
+          </p:nvPr>
+        </p:nvSpPr>
+        <p:spPr/>
+        <p:txBody>
+          <a:bodyPr/>
+          <a:lstStyle/>
+          <a:p>
+            <a:r>
+              <a:rPr lang="ko-KR" altLang="en-US" sz="4000">
+                <a:latin typeface="맑은 고딕" panose="020B0503020000020004" pitchFamily="50" charset="-127"/>
+                <a:ea typeface="맑은 고딕" panose="020B0503020000020004" pitchFamily="50" charset="-127"/>
+              </a:rPr>
+              <a:t>플랫폼 수수료</a:t>
+            </a:r>
+          </a:p>
+        </p:txBody>
+      </p:sp>
+      <p:pic>
+        <p:nvPicPr>
+          <p:cNvPr id="14" name="그림 13">
+            <a:extLst>
+              <a:ext uri="{FF2B5EF4-FFF2-40B4-BE49-F238E27FC236}">
+                <a16:creationId xmlns:a16="http://schemas.microsoft.com/office/drawing/2014/main" id="{AB60D400-71A9-7EA8-837B-AFC3D986DCD9}"/>
+              </a:ext>
+            </a:extLst>
+          </p:cNvPr>
+          <p:cNvPicPr>
+            <a:picLocks noChangeAspect="1"/>
+          </p:cNvPicPr>
+          <p:nvPr/>
+        </p:nvPicPr>
+        <p:blipFill>
+          <a:blip r:embed="rId2"/>
+          <a:stretch>
+            <a:fillRect/>
+          </a:stretch>
+        </p:blipFill>
+        <p:spPr>
+          <a:xfrm>
+            <a:off x="777240" y="2067697"/>
+            <a:ext cx="5730652" cy="3697166"/>
+          </a:xfrm>
+          <a:prstGeom prst="rect">
+            <a:avLst/>
+          </a:prstGeom>
+        </p:spPr>
+      </p:pic>
+      <p:sp>
+        <p:nvSpPr>
+          <p:cNvPr id="16" name="TextBox 15">
+            <a:extLst>
+              <a:ext uri="{FF2B5EF4-FFF2-40B4-BE49-F238E27FC236}">
+                <a16:creationId xmlns:a16="http://schemas.microsoft.com/office/drawing/2014/main" id="{F4DC57AE-A23D-54B1-3106-168E53697CC9}"/>
+              </a:ext>
+            </a:extLst>
+          </p:cNvPr>
+          <p:cNvSpPr txBox="1"/>
+          <p:nvPr/>
+        </p:nvSpPr>
+        <p:spPr>
+          <a:xfrm>
+            <a:off x="6991042" y="2504303"/>
+            <a:ext cx="4423718" cy="2554545"/>
+          </a:xfrm>
+          <a:prstGeom prst="rect">
+            <a:avLst/>
+          </a:prstGeom>
+          <a:noFill/>
+        </p:spPr>
+        <p:txBody>
+          <a:bodyPr wrap="square" rtlCol="0">
+            <a:spAutoFit/>
+          </a:bodyPr>
+          <a:lstStyle/>
+          <a:p>
+            <a:r>
+              <a:rPr lang="ko-KR" altLang="en-US" sz="3200">
+                <a:latin typeface="맑은 고딕" panose="020B0503020000020004" pitchFamily="50" charset="-127"/>
+                <a:ea typeface="맑은 고딕" panose="020B0503020000020004" pitchFamily="50" charset="-127"/>
+              </a:rPr>
+              <a:t>수수료</a:t>
+            </a:r>
+            <a:endParaRPr lang="en-US" altLang="ko-KR" sz="3200">
+              <a:latin typeface="맑은 고딕" panose="020B0503020000020004" pitchFamily="50" charset="-127"/>
+              <a:ea typeface="맑은 고딕" panose="020B0503020000020004" pitchFamily="50" charset="-127"/>
+            </a:endParaRPr>
+          </a:p>
+          <a:p>
+            <a:endParaRPr lang="en-US" altLang="ko-KR" sz="3200">
+              <a:latin typeface="맑은 고딕" panose="020B0503020000020004" pitchFamily="50" charset="-127"/>
+              <a:ea typeface="맑은 고딕" panose="020B0503020000020004" pitchFamily="50" charset="-127"/>
+            </a:endParaRPr>
+          </a:p>
+          <a:p>
+            <a:r>
+              <a:rPr lang="ko-KR" altLang="en-US" sz="3200">
+                <a:latin typeface="맑은 고딕" panose="020B0503020000020004" pitchFamily="50" charset="-127"/>
+                <a:ea typeface="맑은 고딕" panose="020B0503020000020004" pitchFamily="50" charset="-127"/>
+              </a:rPr>
+              <a:t>구글</a:t>
+            </a:r>
+            <a:r>
+              <a:rPr lang="en-US" altLang="ko-KR" sz="3200">
+                <a:latin typeface="맑은 고딕" panose="020B0503020000020004" pitchFamily="50" charset="-127"/>
+                <a:ea typeface="맑은 고딕" panose="020B0503020000020004" pitchFamily="50" charset="-127"/>
+              </a:rPr>
+              <a:t>,</a:t>
+            </a:r>
+            <a:r>
+              <a:rPr lang="ko-KR" altLang="en-US" sz="3200">
+                <a:latin typeface="맑은 고딕" panose="020B0503020000020004" pitchFamily="50" charset="-127"/>
+                <a:ea typeface="맑은 고딕" panose="020B0503020000020004" pitchFamily="50" charset="-127"/>
+              </a:rPr>
+              <a:t>애플</a:t>
+            </a:r>
+            <a:r>
+              <a:rPr lang="en-US" altLang="ko-KR" sz="3200">
+                <a:latin typeface="맑은 고딕" panose="020B0503020000020004" pitchFamily="50" charset="-127"/>
+                <a:ea typeface="맑은 고딕" panose="020B0503020000020004" pitchFamily="50" charset="-127"/>
+              </a:rPr>
+              <a:t>,</a:t>
+            </a:r>
+            <a:r>
+              <a:rPr lang="ko-KR" altLang="en-US" sz="3200">
+                <a:latin typeface="맑은 고딕" panose="020B0503020000020004" pitchFamily="50" charset="-127"/>
+                <a:ea typeface="맑은 고딕" panose="020B0503020000020004" pitchFamily="50" charset="-127"/>
+              </a:rPr>
+              <a:t>스팀 </a:t>
+            </a:r>
+            <a:r>
+              <a:rPr lang="en-US" altLang="ko-KR" sz="3200">
+                <a:latin typeface="맑은 고딕" panose="020B0503020000020004" pitchFamily="50" charset="-127"/>
+                <a:ea typeface="맑은 고딕" panose="020B0503020000020004" pitchFamily="50" charset="-127"/>
+              </a:rPr>
+              <a:t>30%</a:t>
+            </a:r>
+          </a:p>
+          <a:p>
+            <a:r>
+              <a:rPr lang="ko-KR" altLang="en-US" sz="3200">
+                <a:latin typeface="맑은 고딕" panose="020B0503020000020004" pitchFamily="50" charset="-127"/>
+                <a:ea typeface="맑은 고딕" panose="020B0503020000020004" pitchFamily="50" charset="-127"/>
+              </a:rPr>
+              <a:t>메</a:t>
+            </a:r>
+            <a:r>
+              <a:rPr lang="en-US" altLang="ko-KR" sz="3200">
+                <a:latin typeface="맑은 고딕" panose="020B0503020000020004" pitchFamily="50" charset="-127"/>
+                <a:ea typeface="맑은 고딕" panose="020B0503020000020004" pitchFamily="50" charset="-127"/>
+              </a:rPr>
+              <a:t> 65%~70%</a:t>
+            </a:r>
+          </a:p>
+          <a:p>
+            <a:r>
+              <a:rPr lang="ko-KR" altLang="en-US" sz="3200">
+                <a:latin typeface="맑은 고딕" panose="020B0503020000020004" pitchFamily="50" charset="-127"/>
+                <a:ea typeface="맑은 고딕" panose="020B0503020000020004" pitchFamily="50" charset="-127"/>
+              </a:rPr>
+              <a:t>로블록스 </a:t>
+            </a:r>
+            <a:r>
+              <a:rPr lang="en-US" altLang="ko-KR" sz="3200">
+                <a:latin typeface="맑은 고딕" panose="020B0503020000020004" pitchFamily="50" charset="-127"/>
+                <a:ea typeface="맑은 고딕" panose="020B0503020000020004" pitchFamily="50" charset="-127"/>
+              </a:rPr>
+              <a:t>83%</a:t>
+            </a:r>
+            <a:endParaRPr lang="ko-KR" altLang="en-US" sz="3200">
+              <a:latin typeface="맑은 고딕" panose="020B0503020000020004" pitchFamily="50" charset="-127"/>
+              <a:ea typeface="맑은 고딕" panose="020B0503020000020004" pitchFamily="50" charset="-127"/>
+            </a:endParaRPr>
+          </a:p>
+        </p:txBody>
+      </p:sp>
+    </p:spTree>
+    <p:extLst>
+      <p:ext uri="{BB962C8B-B14F-4D97-AF65-F5344CB8AC3E}">
+        <p14:creationId xmlns:p14="http://schemas.microsoft.com/office/powerpoint/2010/main" val="1846086849"/>
+      </p:ext>
+    </p:extLst>
+  </p:cSld>
+  <p:clrMapOvr>
+    <a:masterClrMapping/>
+  </p:clrMapOvr>
+</p:sld>
+</file>
+
+<file path=ppt/slides/slide13.xml><?xml version="1.0" encoding="utf-8"?>
 <p:sld xmlns:a="http://schemas.openxmlformats.org/drawingml/2006/main" xmlns:r="http://schemas.openxmlformats.org/officeDocument/2006/relationships" xmlns:p="http://schemas.openxmlformats.org/presentationml/2006/main">
   <p:cSld>
     <p:spTree>
@@ -7212,7 +8376,7 @@
           <p:cNvPr id="2" name="제목 1">
             <a:extLst>
               <a:ext uri="{FF2B5EF4-FFF2-40B4-BE49-F238E27FC236}">
-                <a16:creationId xmlns:a16="http://schemas.microsoft.com/office/drawing/2014/main" id="{FB277F2A-4E90-A48C-1245-68B96F4501B1}"/>
+                <a16:creationId xmlns:a16="http://schemas.microsoft.com/office/drawing/2014/main" id="{CD8B1248-7772-F599-4F4C-7A9B7B557A5B}"/>
               </a:ext>
             </a:extLst>
           </p:cNvPr>
@@ -7228,20 +8392,55 @@
           <a:bodyPr/>
           <a:lstStyle/>
           <a:p>
-            <a:r>
-              <a:rPr lang="ko-KR" altLang="en-US" sz="4000">
-                <a:latin typeface="맑은 고딕" panose="020B0503020000020004" pitchFamily="50" charset="-127"/>
-                <a:ea typeface="맑은 고딕" panose="020B0503020000020004" pitchFamily="50" charset="-127"/>
-              </a:rPr>
-              <a:t>시연</a:t>
-            </a:r>
+            <a:endParaRPr lang="ko-KR" altLang="en-US"/>
+          </a:p>
+        </p:txBody>
+      </p:sp>
+      <p:sp>
+        <p:nvSpPr>
+          <p:cNvPr id="3" name="내용 개체 틀 2">
+            <a:extLst>
+              <a:ext uri="{FF2B5EF4-FFF2-40B4-BE49-F238E27FC236}">
+                <a16:creationId xmlns:a16="http://schemas.microsoft.com/office/drawing/2014/main" id="{19A80A6F-0A07-938B-8EB1-72C3376FBF11}"/>
+              </a:ext>
+            </a:extLst>
+          </p:cNvPr>
+          <p:cNvSpPr>
+            <a:spLocks noGrp="1"/>
+          </p:cNvSpPr>
+          <p:nvPr>
+            <p:ph idx="1"/>
+          </p:nvPr>
+        </p:nvSpPr>
+        <p:spPr/>
+        <p:txBody>
+          <a:bodyPr/>
+          <a:lstStyle/>
+          <a:p>
+            <a:r>
+              <a:rPr lang="ko-KR" altLang="en-US"/>
+              <a:t>개발한 과정 정리 </a:t>
+            </a:r>
+            <a:r>
+              <a:rPr lang="en-US" altLang="ko-KR"/>
+              <a:t>(FSM, DB </a:t>
+            </a:r>
+            <a:r>
+              <a:rPr lang="ko-KR" altLang="en-US"/>
+              <a:t>로직</a:t>
+            </a:r>
+            <a:r>
+              <a:rPr lang="en-US" altLang="ko-KR"/>
+              <a:t>)</a:t>
+            </a:r>
+            <a:endParaRPr lang="ko-KR" altLang="en-US"/>
           </a:p>
         </p:txBody>
       </p:sp>
     </p:spTree>
     <p:extLst>
       <p:ext uri="{BB962C8B-B14F-4D97-AF65-F5344CB8AC3E}">
-        <p14:creationId xmlns:p14="http://schemas.microsoft.com/office/powerpoint/2010/main" val="1081593153"/>
+        <p14:creationId xmlns:p14="http://schemas.microsoft.com/office/powerpoint/2010/main" val="1121226160"/>
       </p:ext>
     </p:extLst>
   </p:cSld>
@@ -7273,7 +8472,7 @@
           <p:cNvPr id="2" name="제목 1">
             <a:extLst>
               <a:ext uri="{FF2B5EF4-FFF2-40B4-BE49-F238E27FC236}">
-                <a16:creationId xmlns:a16="http://schemas.microsoft.com/office/drawing/2014/main" id="{FB277F2A-4E90-A48C-1245-68B96F4501B1}"/>
+                <a16:creationId xmlns:a16="http://schemas.microsoft.com/office/drawing/2014/main" id="{6C039F59-75A3-A281-3039-621EE9F029AB}"/>
               </a:ext>
             </a:extLst>
           </p:cNvPr>
@@ -7290,19 +8489,435 @@
           <a:lstStyle/>
           <a:p>
             <a:r>
-              <a:rPr lang="ko-KR" altLang="en-US" sz="4000">
+              <a:rPr lang="ko-KR" altLang="en-US" sz="4800">
                 <a:latin typeface="맑은 고딕" panose="020B0503020000020004" pitchFamily="50" charset="-127"/>
                 <a:ea typeface="맑은 고딕" panose="020B0503020000020004" pitchFamily="50" charset="-127"/>
               </a:rPr>
-              <a:t>장점</a:t>
+              <a:t>모바일 지원</a:t>
             </a:r>
           </a:p>
         </p:txBody>
       </p:sp>
+      <p:pic>
+        <p:nvPicPr>
+          <p:cNvPr id="5" name="그림 4">
+            <a:extLst>
+              <a:ext uri="{FF2B5EF4-FFF2-40B4-BE49-F238E27FC236}">
+                <a16:creationId xmlns:a16="http://schemas.microsoft.com/office/drawing/2014/main" id="{262C4179-F112-F237-9AD8-9489488FB858}"/>
+              </a:ext>
+            </a:extLst>
+          </p:cNvPr>
+          <p:cNvPicPr>
+            <a:picLocks noChangeAspect="1"/>
+          </p:cNvPicPr>
+          <p:nvPr/>
+        </p:nvPicPr>
+        <p:blipFill>
+          <a:blip r:embed="rId2"/>
+          <a:stretch>
+            <a:fillRect/>
+          </a:stretch>
+        </p:blipFill>
+        <p:spPr>
+          <a:xfrm>
+            <a:off x="1283079" y="1851579"/>
+            <a:ext cx="2724530" cy="2048161"/>
+          </a:xfrm>
+          <a:prstGeom prst="rect">
+            <a:avLst/>
+          </a:prstGeom>
+        </p:spPr>
+      </p:pic>
+      <p:pic>
+        <p:nvPicPr>
+          <p:cNvPr id="7" name="그림 6">
+            <a:extLst>
+              <a:ext uri="{FF2B5EF4-FFF2-40B4-BE49-F238E27FC236}">
+                <a16:creationId xmlns:a16="http://schemas.microsoft.com/office/drawing/2014/main" id="{443F1D72-4104-1C53-5CAD-AFD534A742DB}"/>
+              </a:ext>
+            </a:extLst>
+          </p:cNvPr>
+          <p:cNvPicPr>
+            <a:picLocks noChangeAspect="1"/>
+          </p:cNvPicPr>
+          <p:nvPr/>
+        </p:nvPicPr>
+        <p:blipFill>
+          <a:blip r:embed="rId3"/>
+          <a:stretch>
+            <a:fillRect/>
+          </a:stretch>
+        </p:blipFill>
+        <p:spPr>
+          <a:xfrm>
+            <a:off x="1283079" y="4060632"/>
+            <a:ext cx="9796726" cy="2432243"/>
+          </a:xfrm>
+          <a:prstGeom prst="rect">
+            <a:avLst/>
+          </a:prstGeom>
+        </p:spPr>
+      </p:pic>
+      <p:sp>
+        <p:nvSpPr>
+          <p:cNvPr id="8" name="TextBox 7">
+            <a:extLst>
+              <a:ext uri="{FF2B5EF4-FFF2-40B4-BE49-F238E27FC236}">
+                <a16:creationId xmlns:a16="http://schemas.microsoft.com/office/drawing/2014/main" id="{C8AB16BD-0F5F-59C5-D04F-8A33DEFF97DC}"/>
+              </a:ext>
+            </a:extLst>
+          </p:cNvPr>
+          <p:cNvSpPr txBox="1"/>
+          <p:nvPr/>
+        </p:nvSpPr>
+        <p:spPr>
+          <a:xfrm>
+            <a:off x="4990289" y="2276274"/>
+            <a:ext cx="1313234" cy="769441"/>
+          </a:xfrm>
+          <a:prstGeom prst="rect">
+            <a:avLst/>
+          </a:prstGeom>
+          <a:noFill/>
+        </p:spPr>
+        <p:txBody>
+          <a:bodyPr wrap="square" rtlCol="0">
+            <a:spAutoFit/>
+          </a:bodyPr>
+          <a:lstStyle/>
+          <a:p>
+            <a:r>
+              <a:rPr lang="en-US" altLang="ko-KR" sz="4400">
+                <a:latin typeface="맑은 고딕" panose="020B0503020000020004" pitchFamily="50" charset="-127"/>
+                <a:ea typeface="맑은 고딕" panose="020B0503020000020004" pitchFamily="50" charset="-127"/>
+              </a:rPr>
+              <a:t>PC</a:t>
+            </a:r>
+            <a:endParaRPr lang="ko-KR" altLang="en-US" sz="4400">
+              <a:latin typeface="맑은 고딕" panose="020B0503020000020004" pitchFamily="50" charset="-127"/>
+              <a:ea typeface="맑은 고딕" panose="020B0503020000020004" pitchFamily="50" charset="-127"/>
+            </a:endParaRPr>
+          </a:p>
+        </p:txBody>
+      </p:sp>
+      <p:sp>
+        <p:nvSpPr>
+          <p:cNvPr id="9" name="TextBox 8">
+            <a:extLst>
+              <a:ext uri="{FF2B5EF4-FFF2-40B4-BE49-F238E27FC236}">
+                <a16:creationId xmlns:a16="http://schemas.microsoft.com/office/drawing/2014/main" id="{C95E0816-29B6-7B38-8B62-213EBEAD9856}"/>
+              </a:ext>
+            </a:extLst>
+          </p:cNvPr>
+          <p:cNvSpPr txBox="1"/>
+          <p:nvPr/>
+        </p:nvSpPr>
+        <p:spPr>
+          <a:xfrm>
+            <a:off x="7519481" y="2705605"/>
+            <a:ext cx="2059021" cy="769441"/>
+          </a:xfrm>
+          <a:prstGeom prst="rect">
+            <a:avLst/>
+          </a:prstGeom>
+          <a:noFill/>
+        </p:spPr>
+        <p:txBody>
+          <a:bodyPr wrap="square" rtlCol="0">
+            <a:spAutoFit/>
+          </a:bodyPr>
+          <a:lstStyle/>
+          <a:p>
+            <a:r>
+              <a:rPr lang="ko-KR" altLang="en-US" sz="4400">
+                <a:latin typeface="맑은 고딕" panose="020B0503020000020004" pitchFamily="50" charset="-127"/>
+                <a:ea typeface="맑은 고딕" panose="020B0503020000020004" pitchFamily="50" charset="-127"/>
+              </a:rPr>
+              <a:t>모바일</a:t>
+            </a:r>
+          </a:p>
+        </p:txBody>
+      </p:sp>
+      <mc:AlternateContent xmlns:mc="http://schemas.openxmlformats.org/markup-compatibility/2006">
+        <mc:Choice xmlns:p14="http://schemas.microsoft.com/office/powerpoint/2010/main" Requires="p14">
+          <p:contentPart p14:bwMode="auto" r:id="rId4">
+            <p14:nvContentPartPr>
+              <p14:cNvPr id="13" name="잉크 12">
+                <a:extLst>
+                  <a:ext uri="{FF2B5EF4-FFF2-40B4-BE49-F238E27FC236}">
+                    <a16:creationId xmlns:a16="http://schemas.microsoft.com/office/drawing/2014/main" id="{CE439F79-6204-196D-8787-5E276A03E107}"/>
+                  </a:ext>
+                </a:extLst>
+              </p14:cNvPr>
+              <p14:cNvContentPartPr/>
+              <p14:nvPr/>
+            </p14:nvContentPartPr>
+            <p14:xfrm>
+              <a:off x="4194973" y="2673797"/>
+              <a:ext cx="746280" cy="11520"/>
+            </p14:xfrm>
+          </p:contentPart>
+        </mc:Choice>
+        <mc:Fallback>
+          <p:pic>
+            <p:nvPicPr>
+              <p:cNvPr id="13" name="잉크 12">
+                <a:extLst>
+                  <a:ext uri="{FF2B5EF4-FFF2-40B4-BE49-F238E27FC236}">
+                    <a16:creationId xmlns:a16="http://schemas.microsoft.com/office/drawing/2014/main" id="{CE439F79-6204-196D-8787-5E276A03E107}"/>
+                  </a:ext>
+                </a:extLst>
+              </p:cNvPr>
+              <p:cNvPicPr/>
+              <p:nvPr/>
+            </p:nvPicPr>
+            <p:blipFill>
+              <a:blip r:embed="rId5"/>
+              <a:stretch>
+                <a:fillRect/>
+              </a:stretch>
+            </p:blipFill>
+            <p:spPr>
+              <a:xfrm>
+                <a:off x="4186333" y="2664797"/>
+                <a:ext cx="763920" cy="29160"/>
+              </a:xfrm>
+              <a:prstGeom prst="rect">
+                <a:avLst/>
+              </a:prstGeom>
+            </p:spPr>
+          </p:pic>
+        </mc:Fallback>
+      </mc:AlternateContent>
+      <mc:AlternateContent xmlns:mc="http://schemas.openxmlformats.org/markup-compatibility/2006">
+        <mc:Choice xmlns:p14="http://schemas.microsoft.com/office/powerpoint/2010/main" Requires="p14">
+          <p:contentPart p14:bwMode="auto" r:id="rId6">
+            <p14:nvContentPartPr>
+              <p14:cNvPr id="15" name="잉크 14">
+                <a:extLst>
+                  <a:ext uri="{FF2B5EF4-FFF2-40B4-BE49-F238E27FC236}">
+                    <a16:creationId xmlns:a16="http://schemas.microsoft.com/office/drawing/2014/main" id="{6D3DD7CC-A8D6-1B2A-0801-3DBDECF1ED07}"/>
+                  </a:ext>
+                </a:extLst>
+              </p14:cNvPr>
+              <p14:cNvContentPartPr/>
+              <p14:nvPr/>
+            </p14:nvContentPartPr>
+            <p14:xfrm>
+              <a:off x="4187413" y="2334317"/>
+              <a:ext cx="251280" cy="596160"/>
+            </p14:xfrm>
+          </p:contentPart>
+        </mc:Choice>
+        <mc:Fallback>
+          <p:pic>
+            <p:nvPicPr>
+              <p:cNvPr id="15" name="잉크 14">
+                <a:extLst>
+                  <a:ext uri="{FF2B5EF4-FFF2-40B4-BE49-F238E27FC236}">
+                    <a16:creationId xmlns:a16="http://schemas.microsoft.com/office/drawing/2014/main" id="{6D3DD7CC-A8D6-1B2A-0801-3DBDECF1ED07}"/>
+                  </a:ext>
+                </a:extLst>
+              </p:cNvPr>
+              <p:cNvPicPr/>
+              <p:nvPr/>
+            </p:nvPicPr>
+            <p:blipFill>
+              <a:blip r:embed="rId7"/>
+              <a:stretch>
+                <a:fillRect/>
+              </a:stretch>
+            </p:blipFill>
+            <p:spPr>
+              <a:xfrm>
+                <a:off x="4178773" y="2325317"/>
+                <a:ext cx="268920" cy="613800"/>
+              </a:xfrm>
+              <a:prstGeom prst="rect">
+                <a:avLst/>
+              </a:prstGeom>
+            </p:spPr>
+          </p:pic>
+        </mc:Fallback>
+      </mc:AlternateContent>
+      <p:grpSp>
+        <p:nvGrpSpPr>
+          <p:cNvPr id="18" name="그룹 17">
+            <a:extLst>
+              <a:ext uri="{FF2B5EF4-FFF2-40B4-BE49-F238E27FC236}">
+                <a16:creationId xmlns:a16="http://schemas.microsoft.com/office/drawing/2014/main" id="{2AE53234-C556-C914-8225-661AD25819F9}"/>
+              </a:ext>
+            </a:extLst>
+          </p:cNvPr>
+          <p:cNvGrpSpPr/>
+          <p:nvPr/>
+        </p:nvGrpSpPr>
+        <p:grpSpPr>
+          <a:xfrm>
+            <a:off x="8336053" y="3497837"/>
+            <a:ext cx="361080" cy="392760"/>
+            <a:chOff x="8336053" y="3497837"/>
+            <a:chExt cx="361080" cy="392760"/>
+          </a:xfrm>
+        </p:grpSpPr>
+        <mc:AlternateContent xmlns:mc="http://schemas.openxmlformats.org/markup-compatibility/2006">
+          <mc:Choice xmlns:p14="http://schemas.microsoft.com/office/powerpoint/2010/main" Requires="p14">
+            <p:contentPart p14:bwMode="auto" r:id="rId8">
+              <p14:nvContentPartPr>
+                <p14:cNvPr id="16" name="잉크 15">
+                  <a:extLst>
+                    <a:ext uri="{FF2B5EF4-FFF2-40B4-BE49-F238E27FC236}">
+                      <a16:creationId xmlns:a16="http://schemas.microsoft.com/office/drawing/2014/main" id="{DAA8DDA9-9C6E-B4F0-E49A-827E6D2BE8CF}"/>
+                    </a:ext>
+                  </a:extLst>
+                </p14:cNvPr>
+                <p14:cNvContentPartPr/>
+                <p14:nvPr/>
+              </p14:nvContentPartPr>
+              <p14:xfrm>
+                <a:off x="8511373" y="3497837"/>
+                <a:ext cx="11880" cy="342000"/>
+              </p14:xfrm>
+            </p:contentPart>
+          </mc:Choice>
+          <mc:Fallback>
+            <p:pic>
+              <p:nvPicPr>
+                <p:cNvPr id="16" name="잉크 15">
+                  <a:extLst>
+                    <a:ext uri="{FF2B5EF4-FFF2-40B4-BE49-F238E27FC236}">
+                      <a16:creationId xmlns:a16="http://schemas.microsoft.com/office/drawing/2014/main" id="{DAA8DDA9-9C6E-B4F0-E49A-827E6D2BE8CF}"/>
+                    </a:ext>
+                  </a:extLst>
+                </p:cNvPr>
+                <p:cNvPicPr/>
+                <p:nvPr/>
+              </p:nvPicPr>
+              <p:blipFill>
+                <a:blip r:embed="rId9"/>
+                <a:stretch>
+                  <a:fillRect/>
+                </a:stretch>
+              </p:blipFill>
+              <p:spPr>
+                <a:xfrm>
+                  <a:off x="8502373" y="3489197"/>
+                  <a:ext cx="29520" cy="359640"/>
+                </a:xfrm>
+                <a:prstGeom prst="rect">
+                  <a:avLst/>
+                </a:prstGeom>
+              </p:spPr>
+            </p:pic>
+          </mc:Fallback>
+        </mc:AlternateContent>
+        <mc:AlternateContent xmlns:mc="http://schemas.openxmlformats.org/markup-compatibility/2006">
+          <mc:Choice xmlns:p14="http://schemas.microsoft.com/office/powerpoint/2010/main" Requires="p14">
+            <p:contentPart p14:bwMode="auto" r:id="rId10">
+              <p14:nvContentPartPr>
+                <p14:cNvPr id="17" name="잉크 16">
+                  <a:extLst>
+                    <a:ext uri="{FF2B5EF4-FFF2-40B4-BE49-F238E27FC236}">
+                      <a16:creationId xmlns:a16="http://schemas.microsoft.com/office/drawing/2014/main" id="{6F4B6B59-A18F-5848-1211-47EAA5D8AE92}"/>
+                    </a:ext>
+                  </a:extLst>
+                </p14:cNvPr>
+                <p14:cNvContentPartPr/>
+                <p14:nvPr/>
+              </p14:nvContentPartPr>
+              <p14:xfrm>
+                <a:off x="8336053" y="3728597"/>
+                <a:ext cx="361080" cy="162000"/>
+              </p14:xfrm>
+            </p:contentPart>
+          </mc:Choice>
+          <mc:Fallback>
+            <p:pic>
+              <p:nvPicPr>
+                <p:cNvPr id="17" name="잉크 16">
+                  <a:extLst>
+                    <a:ext uri="{FF2B5EF4-FFF2-40B4-BE49-F238E27FC236}">
+                      <a16:creationId xmlns:a16="http://schemas.microsoft.com/office/drawing/2014/main" id="{6F4B6B59-A18F-5848-1211-47EAA5D8AE92}"/>
+                    </a:ext>
+                  </a:extLst>
+                </p:cNvPr>
+                <p:cNvPicPr/>
+                <p:nvPr/>
+              </p:nvPicPr>
+              <p:blipFill>
+                <a:blip r:embed="rId11"/>
+                <a:stretch>
+                  <a:fillRect/>
+                </a:stretch>
+              </p:blipFill>
+              <p:spPr>
+                <a:xfrm>
+                  <a:off x="8327413" y="3719597"/>
+                  <a:ext cx="378720" cy="179640"/>
+                </a:xfrm>
+                <a:prstGeom prst="rect">
+                  <a:avLst/>
+                </a:prstGeom>
+              </p:spPr>
+            </p:pic>
+          </mc:Fallback>
+        </mc:AlternateContent>
+      </p:grpSp>
+      <mc:AlternateContent xmlns:mc="http://schemas.openxmlformats.org/markup-compatibility/2006">
+        <mc:Choice xmlns:p14="http://schemas.microsoft.com/office/powerpoint/2010/main" Requires="p14">
+          <p:contentPart p14:bwMode="auto" r:id="rId12">
+            <p14:nvContentPartPr>
+              <p14:cNvPr id="19" name="잉크 18">
+                <a:extLst>
+                  <a:ext uri="{FF2B5EF4-FFF2-40B4-BE49-F238E27FC236}">
+                    <a16:creationId xmlns:a16="http://schemas.microsoft.com/office/drawing/2014/main" id="{25E37F47-2F9C-A8E3-F0D1-E4DB49D9B182}"/>
+                  </a:ext>
+                </a:extLst>
+              </p14:cNvPr>
+              <p14:cNvContentPartPr/>
+              <p14:nvPr/>
+            </p14:nvContentPartPr>
+            <p14:xfrm>
+              <a:off x="1968243" y="897603"/>
+              <a:ext cx="360" cy="360"/>
+            </p14:xfrm>
+          </p:contentPart>
+        </mc:Choice>
+        <mc:Fallback>
+          <p:pic>
+            <p:nvPicPr>
+              <p:cNvPr id="19" name="잉크 18">
+                <a:extLst>
+                  <a:ext uri="{FF2B5EF4-FFF2-40B4-BE49-F238E27FC236}">
+                    <a16:creationId xmlns:a16="http://schemas.microsoft.com/office/drawing/2014/main" id="{25E37F47-2F9C-A8E3-F0D1-E4DB49D9B182}"/>
+                  </a:ext>
+                </a:extLst>
+              </p:cNvPr>
+              <p:cNvPicPr/>
+              <p:nvPr/>
+            </p:nvPicPr>
+            <p:blipFill>
+              <a:blip r:embed="rId13"/>
+              <a:stretch>
+                <a:fillRect/>
+              </a:stretch>
+            </p:blipFill>
+            <p:spPr>
+              <a:xfrm>
+                <a:off x="1959603" y="888963"/>
+                <a:ext cx="18000" cy="18000"/>
+              </a:xfrm>
+              <a:prstGeom prst="rect">
+                <a:avLst/>
+              </a:prstGeom>
+            </p:spPr>
+          </p:pic>
+        </mc:Fallback>
+      </mc:AlternateContent>
     </p:spTree>
     <p:extLst>
       <p:ext uri="{BB962C8B-B14F-4D97-AF65-F5344CB8AC3E}">
-        <p14:creationId xmlns:p14="http://schemas.microsoft.com/office/powerpoint/2010/main" val="7734493"/>
+        <p14:creationId xmlns:p14="http://schemas.microsoft.com/office/powerpoint/2010/main" val="3003437245"/>
       </p:ext>
     </p:extLst>
   </p:cSld>
@@ -7334,7 +8949,7 @@
           <p:cNvPr id="2" name="제목 1">
             <a:extLst>
               <a:ext uri="{FF2B5EF4-FFF2-40B4-BE49-F238E27FC236}">
-                <a16:creationId xmlns:a16="http://schemas.microsoft.com/office/drawing/2014/main" id="{9EF89999-E1E4-3805-468E-9935D300D2FF}"/>
+                <a16:creationId xmlns:a16="http://schemas.microsoft.com/office/drawing/2014/main" id="{B543EBFC-A1B6-65A5-6D27-C4B6304701F8}"/>
               </a:ext>
             </a:extLst>
           </p:cNvPr>
@@ -7351,11 +8966,11 @@
           <a:lstStyle/>
           <a:p>
             <a:r>
-              <a:rPr lang="ko-KR" altLang="en-US" sz="4000">
+              <a:rPr lang="ko-KR" altLang="en-US" sz="4800">
                 <a:latin typeface="맑은 고딕" panose="020B0503020000020004" pitchFamily="50" charset="-127"/>
                 <a:ea typeface="맑은 고딕" panose="020B0503020000020004" pitchFamily="50" charset="-127"/>
               </a:rPr>
-              <a:t>장점</a:t>
+              <a:t>보스 로직</a:t>
             </a:r>
           </a:p>
         </p:txBody>
@@ -7365,7 +8980,7 @@
           <p:cNvPr id="3" name="내용 개체 틀 2">
             <a:extLst>
               <a:ext uri="{FF2B5EF4-FFF2-40B4-BE49-F238E27FC236}">
-                <a16:creationId xmlns:a16="http://schemas.microsoft.com/office/drawing/2014/main" id="{9CC00689-28F8-69FE-B175-2404B354EF45}"/>
+                <a16:creationId xmlns:a16="http://schemas.microsoft.com/office/drawing/2014/main" id="{D17B3467-FC95-9B15-27B9-0172130EBCC8}"/>
               </a:ext>
             </a:extLst>
           </p:cNvPr>
@@ -7382,110 +8997,121 @@
           <a:lstStyle/>
           <a:p>
             <a:r>
-              <a:rPr lang="ko-KR" altLang="en-US">
-                <a:latin typeface="맑은 고딕" panose="020B0503020000020004" pitchFamily="50" charset="-127"/>
-                <a:ea typeface="맑은 고딕" panose="020B0503020000020004" pitchFamily="50" charset="-127"/>
-              </a:rPr>
-              <a:t>리소스 제공</a:t>
-            </a:r>
-            <a:endParaRPr lang="en-US" altLang="ko-KR">
-              <a:latin typeface="맑은 고딕" panose="020B0503020000020004" pitchFamily="50" charset="-127"/>
-              <a:ea typeface="맑은 고딕" panose="020B0503020000020004" pitchFamily="50" charset="-127"/>
-            </a:endParaRPr>
-          </a:p>
-          <a:p>
-            <a:r>
-              <a:rPr lang="ko-KR" altLang="en-US">
-                <a:latin typeface="맑은 고딕" panose="020B0503020000020004" pitchFamily="50" charset="-127"/>
-                <a:ea typeface="맑은 고딕" panose="020B0503020000020004" pitchFamily="50" charset="-127"/>
-              </a:rPr>
-              <a:t>서버</a:t>
-            </a:r>
+              <a:rPr lang="en-US" altLang="ko-KR"/>
+              <a:t>FSM</a:t>
+            </a:r>
+            <a:r>
+              <a:rPr lang="ko-KR" altLang="en-US"/>
+              <a:t>으로 구현</a:t>
+            </a:r>
+          </a:p>
+        </p:txBody>
+      </p:sp>
+      <p:sp>
+        <p:nvSpPr>
+          <p:cNvPr id="4" name="직사각형 3">
+            <a:extLst>
+              <a:ext uri="{FF2B5EF4-FFF2-40B4-BE49-F238E27FC236}">
+                <a16:creationId xmlns:a16="http://schemas.microsoft.com/office/drawing/2014/main" id="{38F656EB-654E-FC0A-DCA4-412410951781}"/>
+              </a:ext>
+            </a:extLst>
+          </p:cNvPr>
+          <p:cNvSpPr/>
+          <p:nvPr/>
+        </p:nvSpPr>
+        <p:spPr>
+          <a:xfrm>
+            <a:off x="4859305" y="2913679"/>
+            <a:ext cx="1738184" cy="807308"/>
+          </a:xfrm>
+          <a:prstGeom prst="rect">
+            <a:avLst/>
+          </a:prstGeom>
+        </p:spPr>
+        <p:style>
+          <a:lnRef idx="2">
+            <a:schemeClr val="accent1">
+              <a:shade val="50000"/>
+            </a:schemeClr>
+          </a:lnRef>
+          <a:fillRef idx="1">
+            <a:schemeClr val="accent1"/>
+          </a:fillRef>
+          <a:effectRef idx="0">
+            <a:schemeClr val="accent1"/>
+          </a:effectRef>
+          <a:fontRef idx="minor">
+            <a:schemeClr val="lt1"/>
+          </a:fontRef>
+        </p:style>
+        <p:txBody>
+          <a:bodyPr rtlCol="0" anchor="ctr"/>
+          <a:lstStyle/>
+          <a:p>
+            <a:pPr algn="ctr"/>
             <a:r>
               <a:rPr lang="en-US" altLang="ko-KR">
                 <a:latin typeface="맑은 고딕" panose="020B0503020000020004" pitchFamily="50" charset="-127"/>
                 <a:ea typeface="맑은 고딕" panose="020B0503020000020004" pitchFamily="50" charset="-127"/>
               </a:rPr>
-              <a:t>, DB </a:t>
-            </a:r>
-            <a:r>
-              <a:rPr lang="ko-KR" altLang="en-US">
-                <a:latin typeface="맑은 고딕" panose="020B0503020000020004" pitchFamily="50" charset="-127"/>
-                <a:ea typeface="맑은 고딕" panose="020B0503020000020004" pitchFamily="50" charset="-127"/>
-              </a:rPr>
-              <a:t>기능 제공</a:t>
-            </a:r>
-            <a:endParaRPr lang="en-US" altLang="ko-KR">
+              <a:t>Idle</a:t>
+            </a:r>
+            <a:endParaRPr lang="ko-KR" altLang="en-US">
               <a:latin typeface="맑은 고딕" panose="020B0503020000020004" pitchFamily="50" charset="-127"/>
               <a:ea typeface="맑은 고딕" panose="020B0503020000020004" pitchFamily="50" charset="-127"/>
             </a:endParaRPr>
           </a:p>
-          <a:p>
-            <a:r>
-              <a:rPr lang="ko-KR" altLang="en-US">
-                <a:latin typeface="맑은 고딕" panose="020B0503020000020004" pitchFamily="50" charset="-127"/>
-                <a:ea typeface="맑은 고딕" panose="020B0503020000020004" pitchFamily="50" charset="-127"/>
-              </a:rPr>
-              <a:t>가볍고 빠른 엔진</a:t>
-            </a:r>
-            <a:endParaRPr lang="en-US" altLang="ko-KR">
-              <a:latin typeface="맑은 고딕" panose="020B0503020000020004" pitchFamily="50" charset="-127"/>
-              <a:ea typeface="맑은 고딕" panose="020B0503020000020004" pitchFamily="50" charset="-127"/>
-            </a:endParaRPr>
-          </a:p>
-          <a:p>
-            <a:r>
-              <a:rPr lang="ko-KR" altLang="en-US">
-                <a:latin typeface="맑은 고딕" panose="020B0503020000020004" pitchFamily="50" charset="-127"/>
-                <a:ea typeface="맑은 고딕" panose="020B0503020000020004" pitchFamily="50" charset="-127"/>
-              </a:rPr>
-              <a:t>쉬운 스크립트 제작</a:t>
-            </a:r>
-            <a:endParaRPr lang="en-US" altLang="ko-KR">
-              <a:latin typeface="맑은 고딕" panose="020B0503020000020004" pitchFamily="50" charset="-127"/>
-              <a:ea typeface="맑은 고딕" panose="020B0503020000020004" pitchFamily="50" charset="-127"/>
-            </a:endParaRPr>
-          </a:p>
-          <a:p>
-            <a:r>
-              <a:rPr lang="ko-KR" altLang="en-US">
-                <a:latin typeface="맑은 고딕" panose="020B0503020000020004" pitchFamily="50" charset="-127"/>
-                <a:ea typeface="맑은 고딕" panose="020B0503020000020004" pitchFamily="50" charset="-127"/>
-              </a:rPr>
-              <a:t>강력한 인텔리센스 기능</a:t>
-            </a:r>
-            <a:endParaRPr lang="en-US" altLang="ko-KR">
-              <a:latin typeface="맑은 고딕" panose="020B0503020000020004" pitchFamily="50" charset="-127"/>
-              <a:ea typeface="맑은 고딕" panose="020B0503020000020004" pitchFamily="50" charset="-127"/>
-            </a:endParaRPr>
-          </a:p>
-          <a:p>
+        </p:txBody>
+      </p:sp>
+      <p:sp>
+        <p:nvSpPr>
+          <p:cNvPr id="5" name="직사각형 4">
+            <a:extLst>
+              <a:ext uri="{FF2B5EF4-FFF2-40B4-BE49-F238E27FC236}">
+                <a16:creationId xmlns:a16="http://schemas.microsoft.com/office/drawing/2014/main" id="{261A3205-AB63-6BC1-2E67-CE2544391A2F}"/>
+              </a:ext>
+            </a:extLst>
+          </p:cNvPr>
+          <p:cNvSpPr/>
+          <p:nvPr/>
+        </p:nvSpPr>
+        <p:spPr>
+          <a:xfrm>
+            <a:off x="9039643" y="4676797"/>
+            <a:ext cx="1738184" cy="807308"/>
+          </a:xfrm>
+          <a:prstGeom prst="rect">
+            <a:avLst/>
+          </a:prstGeom>
+        </p:spPr>
+        <p:style>
+          <a:lnRef idx="2">
+            <a:schemeClr val="accent1">
+              <a:shade val="50000"/>
+            </a:schemeClr>
+          </a:lnRef>
+          <a:fillRef idx="1">
+            <a:schemeClr val="accent1"/>
+          </a:fillRef>
+          <a:effectRef idx="0">
+            <a:schemeClr val="accent1"/>
+          </a:effectRef>
+          <a:fontRef idx="minor">
+            <a:schemeClr val="lt1"/>
+          </a:fontRef>
+        </p:style>
+        <p:txBody>
+          <a:bodyPr rtlCol="0" anchor="ctr"/>
+          <a:lstStyle/>
+          <a:p>
+            <a:pPr algn="ctr"/>
             <a:r>
               <a:rPr lang="en-US" altLang="ko-KR">
                 <a:latin typeface="맑은 고딕" panose="020B0503020000020004" pitchFamily="50" charset="-127"/>
                 <a:ea typeface="맑은 고딕" panose="020B0503020000020004" pitchFamily="50" charset="-127"/>
               </a:rPr>
-              <a:t>BM </a:t>
-            </a:r>
-            <a:r>
-              <a:rPr lang="ko-KR" altLang="en-US">
-                <a:latin typeface="맑은 고딕" panose="020B0503020000020004" pitchFamily="50" charset="-127"/>
-                <a:ea typeface="맑은 고딕" panose="020B0503020000020004" pitchFamily="50" charset="-127"/>
-              </a:rPr>
-              <a:t>기능 제공</a:t>
-            </a:r>
-            <a:endParaRPr lang="en-US" altLang="ko-KR">
-              <a:latin typeface="맑은 고딕" panose="020B0503020000020004" pitchFamily="50" charset="-127"/>
-              <a:ea typeface="맑은 고딕" panose="020B0503020000020004" pitchFamily="50" charset="-127"/>
-            </a:endParaRPr>
-          </a:p>
-          <a:p>
-            <a:endParaRPr lang="en-US" altLang="ko-KR">
-              <a:latin typeface="맑은 고딕" panose="020B0503020000020004" pitchFamily="50" charset="-127"/>
-              <a:ea typeface="맑은 고딕" panose="020B0503020000020004" pitchFamily="50" charset="-127"/>
-            </a:endParaRPr>
-          </a:p>
-          <a:p>
+              <a:t>Fairydust</a:t>
+            </a:r>
             <a:endParaRPr lang="ko-KR" altLang="en-US">
               <a:latin typeface="맑은 고딕" panose="020B0503020000020004" pitchFamily="50" charset="-127"/>
               <a:ea typeface="맑은 고딕" panose="020B0503020000020004" pitchFamily="50" charset="-127"/>
@@ -7493,10 +9119,1092 @@
           </a:p>
         </p:txBody>
       </p:sp>
+      <p:sp>
+        <p:nvSpPr>
+          <p:cNvPr id="6" name="직사각형 5">
+            <a:extLst>
+              <a:ext uri="{FF2B5EF4-FFF2-40B4-BE49-F238E27FC236}">
+                <a16:creationId xmlns:a16="http://schemas.microsoft.com/office/drawing/2014/main" id="{D67AAE02-2102-1A68-C9A6-9C1896824E20}"/>
+              </a:ext>
+            </a:extLst>
+          </p:cNvPr>
+          <p:cNvSpPr/>
+          <p:nvPr/>
+        </p:nvSpPr>
+        <p:spPr>
+          <a:xfrm>
+            <a:off x="2758026" y="4676797"/>
+            <a:ext cx="1738184" cy="807308"/>
+          </a:xfrm>
+          <a:prstGeom prst="rect">
+            <a:avLst/>
+          </a:prstGeom>
+        </p:spPr>
+        <p:style>
+          <a:lnRef idx="2">
+            <a:schemeClr val="accent1">
+              <a:shade val="50000"/>
+            </a:schemeClr>
+          </a:lnRef>
+          <a:fillRef idx="1">
+            <a:schemeClr val="accent1"/>
+          </a:fillRef>
+          <a:effectRef idx="0">
+            <a:schemeClr val="accent1"/>
+          </a:effectRef>
+          <a:fontRef idx="minor">
+            <a:schemeClr val="lt1"/>
+          </a:fontRef>
+        </p:style>
+        <p:txBody>
+          <a:bodyPr rtlCol="0" anchor="ctr"/>
+          <a:lstStyle/>
+          <a:p>
+            <a:pPr algn="ctr"/>
+            <a:r>
+              <a:rPr lang="en-US" altLang="ko-KR">
+                <a:latin typeface="맑은 고딕" panose="020B0503020000020004" pitchFamily="50" charset="-127"/>
+                <a:ea typeface="맑은 고딕" panose="020B0503020000020004" pitchFamily="50" charset="-127"/>
+              </a:rPr>
+              <a:t>Butterfly</a:t>
+            </a:r>
+            <a:endParaRPr lang="ko-KR" altLang="en-US">
+              <a:latin typeface="맑은 고딕" panose="020B0503020000020004" pitchFamily="50" charset="-127"/>
+              <a:ea typeface="맑은 고딕" panose="020B0503020000020004" pitchFamily="50" charset="-127"/>
+            </a:endParaRPr>
+          </a:p>
+        </p:txBody>
+      </p:sp>
+      <p:sp>
+        <p:nvSpPr>
+          <p:cNvPr id="7" name="직사각형 6">
+            <a:extLst>
+              <a:ext uri="{FF2B5EF4-FFF2-40B4-BE49-F238E27FC236}">
+                <a16:creationId xmlns:a16="http://schemas.microsoft.com/office/drawing/2014/main" id="{DFECF65B-78F4-80AA-1618-4DA71A168911}"/>
+              </a:ext>
+            </a:extLst>
+          </p:cNvPr>
+          <p:cNvSpPr/>
+          <p:nvPr/>
+        </p:nvSpPr>
+        <p:spPr>
+          <a:xfrm>
+            <a:off x="678967" y="4676797"/>
+            <a:ext cx="1738184" cy="807308"/>
+          </a:xfrm>
+          <a:prstGeom prst="rect">
+            <a:avLst/>
+          </a:prstGeom>
+        </p:spPr>
+        <p:style>
+          <a:lnRef idx="2">
+            <a:schemeClr val="accent1">
+              <a:shade val="50000"/>
+            </a:schemeClr>
+          </a:lnRef>
+          <a:fillRef idx="1">
+            <a:schemeClr val="accent1"/>
+          </a:fillRef>
+          <a:effectRef idx="0">
+            <a:schemeClr val="accent1"/>
+          </a:effectRef>
+          <a:fontRef idx="minor">
+            <a:schemeClr val="lt1"/>
+          </a:fontRef>
+        </p:style>
+        <p:txBody>
+          <a:bodyPr rtlCol="0" anchor="ctr"/>
+          <a:lstStyle/>
+          <a:p>
+            <a:pPr algn="ctr"/>
+            <a:r>
+              <a:rPr lang="en-US" altLang="ko-KR">
+                <a:latin typeface="맑은 고딕" panose="020B0503020000020004" pitchFamily="50" charset="-127"/>
+                <a:ea typeface="맑은 고딕" panose="020B0503020000020004" pitchFamily="50" charset="-127"/>
+              </a:rPr>
+              <a:t>Dragon</a:t>
+            </a:r>
+            <a:endParaRPr lang="ko-KR" altLang="en-US">
+              <a:latin typeface="맑은 고딕" panose="020B0503020000020004" pitchFamily="50" charset="-127"/>
+              <a:ea typeface="맑은 고딕" panose="020B0503020000020004" pitchFamily="50" charset="-127"/>
+            </a:endParaRPr>
+          </a:p>
+        </p:txBody>
+      </p:sp>
+      <p:sp>
+        <p:nvSpPr>
+          <p:cNvPr id="8" name="직사각형 7">
+            <a:extLst>
+              <a:ext uri="{FF2B5EF4-FFF2-40B4-BE49-F238E27FC236}">
+                <a16:creationId xmlns:a16="http://schemas.microsoft.com/office/drawing/2014/main" id="{06D665ED-898F-35B5-86AA-0F58FE21D8DC}"/>
+              </a:ext>
+            </a:extLst>
+          </p:cNvPr>
+          <p:cNvSpPr/>
+          <p:nvPr/>
+        </p:nvSpPr>
+        <p:spPr>
+          <a:xfrm>
+            <a:off x="4859305" y="4676797"/>
+            <a:ext cx="1738184" cy="807308"/>
+          </a:xfrm>
+          <a:prstGeom prst="rect">
+            <a:avLst/>
+          </a:prstGeom>
+        </p:spPr>
+        <p:style>
+          <a:lnRef idx="2">
+            <a:schemeClr val="accent1">
+              <a:shade val="50000"/>
+            </a:schemeClr>
+          </a:lnRef>
+          <a:fillRef idx="1">
+            <a:schemeClr val="accent1"/>
+          </a:fillRef>
+          <a:effectRef idx="0">
+            <a:schemeClr val="accent1"/>
+          </a:effectRef>
+          <a:fontRef idx="minor">
+            <a:schemeClr val="lt1"/>
+          </a:fontRef>
+        </p:style>
+        <p:txBody>
+          <a:bodyPr rtlCol="0" anchor="ctr"/>
+          <a:lstStyle/>
+          <a:p>
+            <a:pPr algn="ctr"/>
+            <a:r>
+              <a:rPr lang="en-US" altLang="ko-KR">
+                <a:latin typeface="맑은 고딕" panose="020B0503020000020004" pitchFamily="50" charset="-127"/>
+                <a:ea typeface="맑은 고딕" panose="020B0503020000020004" pitchFamily="50" charset="-127"/>
+              </a:rPr>
+              <a:t>Chase</a:t>
+            </a:r>
+            <a:endParaRPr lang="ko-KR" altLang="en-US">
+              <a:latin typeface="맑은 고딕" panose="020B0503020000020004" pitchFamily="50" charset="-127"/>
+              <a:ea typeface="맑은 고딕" panose="020B0503020000020004" pitchFamily="50" charset="-127"/>
+            </a:endParaRPr>
+          </a:p>
+        </p:txBody>
+      </p:sp>
+      <p:sp>
+        <p:nvSpPr>
+          <p:cNvPr id="9" name="직사각형 8">
+            <a:extLst>
+              <a:ext uri="{FF2B5EF4-FFF2-40B4-BE49-F238E27FC236}">
+                <a16:creationId xmlns:a16="http://schemas.microsoft.com/office/drawing/2014/main" id="{9571D47E-03F4-D6AC-99D3-90157BFFFBB8}"/>
+              </a:ext>
+            </a:extLst>
+          </p:cNvPr>
+          <p:cNvSpPr/>
+          <p:nvPr/>
+        </p:nvSpPr>
+        <p:spPr>
+          <a:xfrm>
+            <a:off x="6938364" y="4676797"/>
+            <a:ext cx="1738184" cy="807308"/>
+          </a:xfrm>
+          <a:prstGeom prst="rect">
+            <a:avLst/>
+          </a:prstGeom>
+        </p:spPr>
+        <p:style>
+          <a:lnRef idx="2">
+            <a:schemeClr val="accent1">
+              <a:shade val="50000"/>
+            </a:schemeClr>
+          </a:lnRef>
+          <a:fillRef idx="1">
+            <a:schemeClr val="accent1"/>
+          </a:fillRef>
+          <a:effectRef idx="0">
+            <a:schemeClr val="accent1"/>
+          </a:effectRef>
+          <a:fontRef idx="minor">
+            <a:schemeClr val="lt1"/>
+          </a:fontRef>
+        </p:style>
+        <p:txBody>
+          <a:bodyPr rtlCol="0" anchor="ctr"/>
+          <a:lstStyle/>
+          <a:p>
+            <a:pPr algn="ctr"/>
+            <a:r>
+              <a:rPr lang="en-US" altLang="ko-KR">
+                <a:latin typeface="맑은 고딕" panose="020B0503020000020004" pitchFamily="50" charset="-127"/>
+                <a:ea typeface="맑은 고딕" panose="020B0503020000020004" pitchFamily="50" charset="-127"/>
+              </a:rPr>
+              <a:t>Laser</a:t>
+            </a:r>
+            <a:endParaRPr lang="ko-KR" altLang="en-US">
+              <a:latin typeface="맑은 고딕" panose="020B0503020000020004" pitchFamily="50" charset="-127"/>
+              <a:ea typeface="맑은 고딕" panose="020B0503020000020004" pitchFamily="50" charset="-127"/>
+            </a:endParaRPr>
+          </a:p>
+        </p:txBody>
+      </p:sp>
+      <mc:AlternateContent xmlns:mc="http://schemas.openxmlformats.org/markup-compatibility/2006">
+        <mc:Choice xmlns:p14="http://schemas.microsoft.com/office/powerpoint/2010/main" Requires="p14">
+          <p:contentPart p14:bwMode="auto" r:id="rId2">
+            <p14:nvContentPartPr>
+              <p14:cNvPr id="24" name="잉크 23">
+                <a:extLst>
+                  <a:ext uri="{FF2B5EF4-FFF2-40B4-BE49-F238E27FC236}">
+                    <a16:creationId xmlns:a16="http://schemas.microsoft.com/office/drawing/2014/main" id="{61FF0226-FE6E-BE07-F38A-72022BCD4E76}"/>
+                  </a:ext>
+                </a:extLst>
+              </p14:cNvPr>
+              <p14:cNvContentPartPr/>
+              <p14:nvPr/>
+            </p14:nvContentPartPr>
+            <p14:xfrm>
+              <a:off x="5873523" y="3994826"/>
+              <a:ext cx="43200" cy="403920"/>
+            </p14:xfrm>
+          </p:contentPart>
+        </mc:Choice>
+        <mc:Fallback>
+          <p:pic>
+            <p:nvPicPr>
+              <p:cNvPr id="24" name="잉크 23">
+                <a:extLst>
+                  <a:ext uri="{FF2B5EF4-FFF2-40B4-BE49-F238E27FC236}">
+                    <a16:creationId xmlns:a16="http://schemas.microsoft.com/office/drawing/2014/main" id="{61FF0226-FE6E-BE07-F38A-72022BCD4E76}"/>
+                  </a:ext>
+                </a:extLst>
+              </p:cNvPr>
+              <p:cNvPicPr/>
+              <p:nvPr/>
+            </p:nvPicPr>
+            <p:blipFill>
+              <a:blip r:embed="rId3"/>
+              <a:stretch>
+                <a:fillRect/>
+              </a:stretch>
+            </p:blipFill>
+            <p:spPr>
+              <a:xfrm>
+                <a:off x="5864523" y="3986186"/>
+                <a:ext cx="60840" cy="421560"/>
+              </a:xfrm>
+              <a:prstGeom prst="rect">
+                <a:avLst/>
+              </a:prstGeom>
+            </p:spPr>
+          </p:pic>
+        </mc:Fallback>
+      </mc:AlternateContent>
+      <mc:AlternateContent xmlns:mc="http://schemas.openxmlformats.org/markup-compatibility/2006">
+        <mc:Choice xmlns:p14="http://schemas.microsoft.com/office/powerpoint/2010/main" Requires="p14">
+          <p:contentPart p14:bwMode="auto" r:id="rId4">
+            <p14:nvContentPartPr>
+              <p14:cNvPr id="25" name="잉크 24">
+                <a:extLst>
+                  <a:ext uri="{FF2B5EF4-FFF2-40B4-BE49-F238E27FC236}">
+                    <a16:creationId xmlns:a16="http://schemas.microsoft.com/office/drawing/2014/main" id="{529E99D3-FFE3-9D57-26F8-8F65221C1648}"/>
+                  </a:ext>
+                </a:extLst>
+              </p14:cNvPr>
+              <p14:cNvContentPartPr/>
+              <p14:nvPr/>
+            </p14:nvContentPartPr>
+            <p14:xfrm>
+              <a:off x="5840403" y="4376786"/>
+              <a:ext cx="270000" cy="147240"/>
+            </p14:xfrm>
+          </p:contentPart>
+        </mc:Choice>
+        <mc:Fallback>
+          <p:pic>
+            <p:nvPicPr>
+              <p:cNvPr id="25" name="잉크 24">
+                <a:extLst>
+                  <a:ext uri="{FF2B5EF4-FFF2-40B4-BE49-F238E27FC236}">
+                    <a16:creationId xmlns:a16="http://schemas.microsoft.com/office/drawing/2014/main" id="{529E99D3-FFE3-9D57-26F8-8F65221C1648}"/>
+                  </a:ext>
+                </a:extLst>
+              </p:cNvPr>
+              <p:cNvPicPr/>
+              <p:nvPr/>
+            </p:nvPicPr>
+            <p:blipFill>
+              <a:blip r:embed="rId5"/>
+              <a:stretch>
+                <a:fillRect/>
+              </a:stretch>
+            </p:blipFill>
+            <p:spPr>
+              <a:xfrm>
+                <a:off x="5831403" y="4368146"/>
+                <a:ext cx="287640" cy="164880"/>
+              </a:xfrm>
+              <a:prstGeom prst="rect">
+                <a:avLst/>
+              </a:prstGeom>
+            </p:spPr>
+          </p:pic>
+        </mc:Fallback>
+      </mc:AlternateContent>
+      <mc:AlternateContent xmlns:mc="http://schemas.openxmlformats.org/markup-compatibility/2006">
+        <mc:Choice xmlns:p14="http://schemas.microsoft.com/office/powerpoint/2010/main" Requires="p14">
+          <p:contentPart p14:bwMode="auto" r:id="rId6">
+            <p14:nvContentPartPr>
+              <p14:cNvPr id="31" name="잉크 30">
+                <a:extLst>
+                  <a:ext uri="{FF2B5EF4-FFF2-40B4-BE49-F238E27FC236}">
+                    <a16:creationId xmlns:a16="http://schemas.microsoft.com/office/drawing/2014/main" id="{05C3F214-0AE1-689B-A6C2-C3B1DB0408C8}"/>
+                  </a:ext>
+                </a:extLst>
+              </p14:cNvPr>
+              <p14:cNvContentPartPr/>
+              <p14:nvPr/>
+            </p14:nvContentPartPr>
+            <p14:xfrm>
+              <a:off x="6927603" y="3566786"/>
+              <a:ext cx="2196360" cy="796320"/>
+            </p14:xfrm>
+          </p:contentPart>
+        </mc:Choice>
+        <mc:Fallback>
+          <p:pic>
+            <p:nvPicPr>
+              <p:cNvPr id="31" name="잉크 30">
+                <a:extLst>
+                  <a:ext uri="{FF2B5EF4-FFF2-40B4-BE49-F238E27FC236}">
+                    <a16:creationId xmlns:a16="http://schemas.microsoft.com/office/drawing/2014/main" id="{05C3F214-0AE1-689B-A6C2-C3B1DB0408C8}"/>
+                  </a:ext>
+                </a:extLst>
+              </p:cNvPr>
+              <p:cNvPicPr/>
+              <p:nvPr/>
+            </p:nvPicPr>
+            <p:blipFill>
+              <a:blip r:embed="rId7"/>
+              <a:stretch>
+                <a:fillRect/>
+              </a:stretch>
+            </p:blipFill>
+            <p:spPr>
+              <a:xfrm>
+                <a:off x="6918963" y="3557786"/>
+                <a:ext cx="2214000" cy="813960"/>
+              </a:xfrm>
+              <a:prstGeom prst="rect">
+                <a:avLst/>
+              </a:prstGeom>
+            </p:spPr>
+          </p:pic>
+        </mc:Fallback>
+      </mc:AlternateContent>
+      <mc:AlternateContent xmlns:mc="http://schemas.openxmlformats.org/markup-compatibility/2006">
+        <mc:Choice xmlns:p14="http://schemas.microsoft.com/office/powerpoint/2010/main" Requires="p14">
+          <p:contentPart p14:bwMode="auto" r:id="rId8">
+            <p14:nvContentPartPr>
+              <p14:cNvPr id="32" name="잉크 31">
+                <a:extLst>
+                  <a:ext uri="{FF2B5EF4-FFF2-40B4-BE49-F238E27FC236}">
+                    <a16:creationId xmlns:a16="http://schemas.microsoft.com/office/drawing/2014/main" id="{DA430138-9449-403A-50B2-15E8EE88A647}"/>
+                  </a:ext>
+                </a:extLst>
+              </p14:cNvPr>
+              <p14:cNvContentPartPr/>
+              <p14:nvPr/>
+            </p14:nvContentPartPr>
+            <p14:xfrm>
+              <a:off x="8987163" y="4308026"/>
+              <a:ext cx="228600" cy="129600"/>
+            </p14:xfrm>
+          </p:contentPart>
+        </mc:Choice>
+        <mc:Fallback>
+          <p:pic>
+            <p:nvPicPr>
+              <p:cNvPr id="32" name="잉크 31">
+                <a:extLst>
+                  <a:ext uri="{FF2B5EF4-FFF2-40B4-BE49-F238E27FC236}">
+                    <a16:creationId xmlns:a16="http://schemas.microsoft.com/office/drawing/2014/main" id="{DA430138-9449-403A-50B2-15E8EE88A647}"/>
+                  </a:ext>
+                </a:extLst>
+              </p:cNvPr>
+              <p:cNvPicPr/>
+              <p:nvPr/>
+            </p:nvPicPr>
+            <p:blipFill>
+              <a:blip r:embed="rId9"/>
+              <a:stretch>
+                <a:fillRect/>
+              </a:stretch>
+            </p:blipFill>
+            <p:spPr>
+              <a:xfrm>
+                <a:off x="8978523" y="4299386"/>
+                <a:ext cx="246240" cy="147240"/>
+              </a:xfrm>
+              <a:prstGeom prst="rect">
+                <a:avLst/>
+              </a:prstGeom>
+            </p:spPr>
+          </p:pic>
+        </mc:Fallback>
+      </mc:AlternateContent>
+      <p:grpSp>
+        <p:nvGrpSpPr>
+          <p:cNvPr id="37" name="그룹 36">
+            <a:extLst>
+              <a:ext uri="{FF2B5EF4-FFF2-40B4-BE49-F238E27FC236}">
+                <a16:creationId xmlns:a16="http://schemas.microsoft.com/office/drawing/2014/main" id="{E78BAA71-B1DD-660D-5313-50D7637A8896}"/>
+              </a:ext>
+            </a:extLst>
+          </p:cNvPr>
+          <p:cNvGrpSpPr/>
+          <p:nvPr/>
+        </p:nvGrpSpPr>
+        <p:grpSpPr>
+          <a:xfrm>
+            <a:off x="2220603" y="3648866"/>
+            <a:ext cx="2741760" cy="825840"/>
+            <a:chOff x="2220603" y="2973363"/>
+            <a:chExt cx="2741760" cy="825840"/>
+          </a:xfrm>
+        </p:grpSpPr>
+        <mc:AlternateContent xmlns:mc="http://schemas.openxmlformats.org/markup-compatibility/2006">
+          <mc:Choice xmlns:p14="http://schemas.microsoft.com/office/powerpoint/2010/main" Requires="p14">
+            <p:contentPart p14:bwMode="auto" r:id="rId10">
+              <p14:nvContentPartPr>
+                <p14:cNvPr id="18" name="잉크 17">
+                  <a:extLst>
+                    <a:ext uri="{FF2B5EF4-FFF2-40B4-BE49-F238E27FC236}">
+                      <a16:creationId xmlns:a16="http://schemas.microsoft.com/office/drawing/2014/main" id="{B3133BD3-741A-BCF3-9C2A-314975AF2BEE}"/>
+                    </a:ext>
+                  </a:extLst>
+                </p14:cNvPr>
+                <p14:cNvContentPartPr/>
+                <p14:nvPr/>
+              </p14:nvContentPartPr>
+              <p14:xfrm>
+                <a:off x="2328243" y="3097203"/>
+                <a:ext cx="2062800" cy="632160"/>
+              </p14:xfrm>
+            </p:contentPart>
+          </mc:Choice>
+          <mc:Fallback>
+            <p:pic>
+              <p:nvPicPr>
+                <p:cNvPr id="18" name="잉크 17">
+                  <a:extLst>
+                    <a:ext uri="{FF2B5EF4-FFF2-40B4-BE49-F238E27FC236}">
+                      <a16:creationId xmlns:a16="http://schemas.microsoft.com/office/drawing/2014/main" id="{B3133BD3-741A-BCF3-9C2A-314975AF2BEE}"/>
+                    </a:ext>
+                  </a:extLst>
+                </p:cNvPr>
+                <p:cNvPicPr/>
+                <p:nvPr/>
+              </p:nvPicPr>
+              <p:blipFill>
+                <a:blip r:embed="rId11"/>
+                <a:stretch>
+                  <a:fillRect/>
+                </a:stretch>
+              </p:blipFill>
+              <p:spPr>
+                <a:xfrm>
+                  <a:off x="2319243" y="3088203"/>
+                  <a:ext cx="2080440" cy="649800"/>
+                </a:xfrm>
+                <a:prstGeom prst="rect">
+                  <a:avLst/>
+                </a:prstGeom>
+              </p:spPr>
+            </p:pic>
+          </mc:Fallback>
+        </mc:AlternateContent>
+        <mc:AlternateContent xmlns:mc="http://schemas.openxmlformats.org/markup-compatibility/2006">
+          <mc:Choice xmlns:p14="http://schemas.microsoft.com/office/powerpoint/2010/main" Requires="p14">
+            <p:contentPart p14:bwMode="auto" r:id="rId12">
+              <p14:nvContentPartPr>
+                <p14:cNvPr id="19" name="잉크 18">
+                  <a:extLst>
+                    <a:ext uri="{FF2B5EF4-FFF2-40B4-BE49-F238E27FC236}">
+                      <a16:creationId xmlns:a16="http://schemas.microsoft.com/office/drawing/2014/main" id="{58FE20BD-2EC5-A46A-78DD-A50745F26D98}"/>
+                    </a:ext>
+                  </a:extLst>
+                </p14:cNvPr>
+                <p14:cNvContentPartPr/>
+                <p14:nvPr/>
+              </p14:nvContentPartPr>
+              <p14:xfrm>
+                <a:off x="4406883" y="3327963"/>
+                <a:ext cx="478080" cy="365040"/>
+              </p14:xfrm>
+            </p:contentPart>
+          </mc:Choice>
+          <mc:Fallback>
+            <p:pic>
+              <p:nvPicPr>
+                <p:cNvPr id="19" name="잉크 18">
+                  <a:extLst>
+                    <a:ext uri="{FF2B5EF4-FFF2-40B4-BE49-F238E27FC236}">
+                      <a16:creationId xmlns:a16="http://schemas.microsoft.com/office/drawing/2014/main" id="{58FE20BD-2EC5-A46A-78DD-A50745F26D98}"/>
+                    </a:ext>
+                  </a:extLst>
+                </p:cNvPr>
+                <p:cNvPicPr/>
+                <p:nvPr/>
+              </p:nvPicPr>
+              <p:blipFill>
+                <a:blip r:embed="rId13"/>
+                <a:stretch>
+                  <a:fillRect/>
+                </a:stretch>
+              </p:blipFill>
+              <p:spPr>
+                <a:xfrm>
+                  <a:off x="4398243" y="3318963"/>
+                  <a:ext cx="495720" cy="382680"/>
+                </a:xfrm>
+                <a:prstGeom prst="rect">
+                  <a:avLst/>
+                </a:prstGeom>
+              </p:spPr>
+            </p:pic>
+          </mc:Fallback>
+        </mc:AlternateContent>
+        <mc:AlternateContent xmlns:mc="http://schemas.openxmlformats.org/markup-compatibility/2006">
+          <mc:Choice xmlns:p14="http://schemas.microsoft.com/office/powerpoint/2010/main" Requires="p14">
+            <p:contentPart p14:bwMode="auto" r:id="rId14">
+              <p14:nvContentPartPr>
+                <p14:cNvPr id="20" name="잉크 19">
+                  <a:extLst>
+                    <a:ext uri="{FF2B5EF4-FFF2-40B4-BE49-F238E27FC236}">
+                      <a16:creationId xmlns:a16="http://schemas.microsoft.com/office/drawing/2014/main" id="{B02B41C7-E5FC-6682-980A-01371D7FA1D6}"/>
+                    </a:ext>
+                  </a:extLst>
+                </p14:cNvPr>
+                <p14:cNvContentPartPr/>
+                <p14:nvPr/>
+              </p14:nvContentPartPr>
+              <p14:xfrm>
+                <a:off x="2220603" y="3574923"/>
+                <a:ext cx="195840" cy="224280"/>
+              </p14:xfrm>
+            </p:contentPart>
+          </mc:Choice>
+          <mc:Fallback>
+            <p:pic>
+              <p:nvPicPr>
+                <p:cNvPr id="20" name="잉크 19">
+                  <a:extLst>
+                    <a:ext uri="{FF2B5EF4-FFF2-40B4-BE49-F238E27FC236}">
+                      <a16:creationId xmlns:a16="http://schemas.microsoft.com/office/drawing/2014/main" id="{B02B41C7-E5FC-6682-980A-01371D7FA1D6}"/>
+                    </a:ext>
+                  </a:extLst>
+                </p:cNvPr>
+                <p:cNvPicPr/>
+                <p:nvPr/>
+              </p:nvPicPr>
+              <p:blipFill>
+                <a:blip r:embed="rId15"/>
+                <a:stretch>
+                  <a:fillRect/>
+                </a:stretch>
+              </p:blipFill>
+              <p:spPr>
+                <a:xfrm>
+                  <a:off x="2211603" y="3566283"/>
+                  <a:ext cx="213480" cy="241920"/>
+                </a:xfrm>
+                <a:prstGeom prst="rect">
+                  <a:avLst/>
+                </a:prstGeom>
+              </p:spPr>
+            </p:pic>
+          </mc:Fallback>
+        </mc:AlternateContent>
+        <mc:AlternateContent xmlns:mc="http://schemas.openxmlformats.org/markup-compatibility/2006">
+          <mc:Choice xmlns:p14="http://schemas.microsoft.com/office/powerpoint/2010/main" Requires="p14">
+            <p:contentPart p14:bwMode="auto" r:id="rId16">
+              <p14:nvContentPartPr>
+                <p14:cNvPr id="22" name="잉크 21">
+                  <a:extLst>
+                    <a:ext uri="{FF2B5EF4-FFF2-40B4-BE49-F238E27FC236}">
+                      <a16:creationId xmlns:a16="http://schemas.microsoft.com/office/drawing/2014/main" id="{7C455EEC-920C-B5B6-C094-93CD85D89DB8}"/>
+                    </a:ext>
+                  </a:extLst>
+                </p14:cNvPr>
+                <p14:cNvContentPartPr/>
+                <p14:nvPr/>
+              </p14:nvContentPartPr>
+              <p14:xfrm>
+                <a:off x="4341003" y="3615963"/>
+                <a:ext cx="182520" cy="138240"/>
+              </p14:xfrm>
+            </p:contentPart>
+          </mc:Choice>
+          <mc:Fallback>
+            <p:pic>
+              <p:nvPicPr>
+                <p:cNvPr id="22" name="잉크 21">
+                  <a:extLst>
+                    <a:ext uri="{FF2B5EF4-FFF2-40B4-BE49-F238E27FC236}">
+                      <a16:creationId xmlns:a16="http://schemas.microsoft.com/office/drawing/2014/main" id="{7C455EEC-920C-B5B6-C094-93CD85D89DB8}"/>
+                    </a:ext>
+                  </a:extLst>
+                </p:cNvPr>
+                <p:cNvPicPr/>
+                <p:nvPr/>
+              </p:nvPicPr>
+              <p:blipFill>
+                <a:blip r:embed="rId17"/>
+                <a:stretch>
+                  <a:fillRect/>
+                </a:stretch>
+              </p:blipFill>
+              <p:spPr>
+                <a:xfrm>
+                  <a:off x="4332003" y="3607323"/>
+                  <a:ext cx="200160" cy="155880"/>
+                </a:xfrm>
+                <a:prstGeom prst="rect">
+                  <a:avLst/>
+                </a:prstGeom>
+              </p:spPr>
+            </p:pic>
+          </mc:Fallback>
+        </mc:AlternateContent>
+        <mc:AlternateContent xmlns:mc="http://schemas.openxmlformats.org/markup-compatibility/2006">
+          <mc:Choice xmlns:p14="http://schemas.microsoft.com/office/powerpoint/2010/main" Requires="p14">
+            <p:contentPart p14:bwMode="auto" r:id="rId18">
+              <p14:nvContentPartPr>
+                <p14:cNvPr id="34" name="잉크 33">
+                  <a:extLst>
+                    <a:ext uri="{FF2B5EF4-FFF2-40B4-BE49-F238E27FC236}">
+                      <a16:creationId xmlns:a16="http://schemas.microsoft.com/office/drawing/2014/main" id="{987A9064-5BEB-AB3E-87A9-5823B381B3F7}"/>
+                    </a:ext>
+                  </a:extLst>
+                </p14:cNvPr>
+                <p14:cNvContentPartPr/>
+                <p14:nvPr/>
+              </p14:nvContentPartPr>
+              <p14:xfrm>
+                <a:off x="4225803" y="2973363"/>
+                <a:ext cx="240120" cy="268920"/>
+              </p14:xfrm>
+            </p:contentPart>
+          </mc:Choice>
+          <mc:Fallback>
+            <p:pic>
+              <p:nvPicPr>
+                <p:cNvPr id="34" name="잉크 33">
+                  <a:extLst>
+                    <a:ext uri="{FF2B5EF4-FFF2-40B4-BE49-F238E27FC236}">
+                      <a16:creationId xmlns:a16="http://schemas.microsoft.com/office/drawing/2014/main" id="{987A9064-5BEB-AB3E-87A9-5823B381B3F7}"/>
+                    </a:ext>
+                  </a:extLst>
+                </p:cNvPr>
+                <p:cNvPicPr/>
+                <p:nvPr/>
+              </p:nvPicPr>
+              <p:blipFill>
+                <a:blip r:embed="rId19"/>
+                <a:stretch>
+                  <a:fillRect/>
+                </a:stretch>
+              </p:blipFill>
+              <p:spPr>
+                <a:xfrm>
+                  <a:off x="4216803" y="2964723"/>
+                  <a:ext cx="257760" cy="286560"/>
+                </a:xfrm>
+                <a:prstGeom prst="rect">
+                  <a:avLst/>
+                </a:prstGeom>
+              </p:spPr>
+            </p:pic>
+          </mc:Fallback>
+        </mc:AlternateContent>
+        <mc:AlternateContent xmlns:mc="http://schemas.openxmlformats.org/markup-compatibility/2006">
+          <mc:Choice xmlns:p14="http://schemas.microsoft.com/office/powerpoint/2010/main" Requires="p14">
+            <p:contentPart p14:bwMode="auto" r:id="rId20">
+              <p14:nvContentPartPr>
+                <p14:cNvPr id="35" name="잉크 34">
+                  <a:extLst>
+                    <a:ext uri="{FF2B5EF4-FFF2-40B4-BE49-F238E27FC236}">
+                      <a16:creationId xmlns:a16="http://schemas.microsoft.com/office/drawing/2014/main" id="{86F75704-1949-CA31-83B9-C8563505B1D4}"/>
+                    </a:ext>
+                  </a:extLst>
+                </p14:cNvPr>
+                <p14:cNvContentPartPr/>
+                <p14:nvPr/>
+              </p14:nvContentPartPr>
+              <p14:xfrm>
+                <a:off x="4761123" y="3245523"/>
+                <a:ext cx="201240" cy="211320"/>
+              </p14:xfrm>
+            </p:contentPart>
+          </mc:Choice>
+          <mc:Fallback>
+            <p:pic>
+              <p:nvPicPr>
+                <p:cNvPr id="35" name="잉크 34">
+                  <a:extLst>
+                    <a:ext uri="{FF2B5EF4-FFF2-40B4-BE49-F238E27FC236}">
+                      <a16:creationId xmlns:a16="http://schemas.microsoft.com/office/drawing/2014/main" id="{86F75704-1949-CA31-83B9-C8563505B1D4}"/>
+                    </a:ext>
+                  </a:extLst>
+                </p:cNvPr>
+                <p:cNvPicPr/>
+                <p:nvPr/>
+              </p:nvPicPr>
+              <p:blipFill>
+                <a:blip r:embed="rId21"/>
+                <a:stretch>
+                  <a:fillRect/>
+                </a:stretch>
+              </p:blipFill>
+              <p:spPr>
+                <a:xfrm>
+                  <a:off x="4752483" y="3236883"/>
+                  <a:ext cx="218880" cy="228960"/>
+                </a:xfrm>
+                <a:prstGeom prst="rect">
+                  <a:avLst/>
+                </a:prstGeom>
+              </p:spPr>
+            </p:pic>
+          </mc:Fallback>
+        </mc:AlternateContent>
+      </p:grpSp>
+      <mc:AlternateContent xmlns:mc="http://schemas.openxmlformats.org/markup-compatibility/2006">
+        <mc:Choice xmlns:p14="http://schemas.microsoft.com/office/powerpoint/2010/main" Requires="p14">
+          <p:contentPart p14:bwMode="auto" r:id="rId22">
+            <p14:nvContentPartPr>
+              <p14:cNvPr id="36" name="잉크 35">
+                <a:extLst>
+                  <a:ext uri="{FF2B5EF4-FFF2-40B4-BE49-F238E27FC236}">
+                    <a16:creationId xmlns:a16="http://schemas.microsoft.com/office/drawing/2014/main" id="{E1BEB948-5E17-1E21-1713-D020D18435E5}"/>
+                  </a:ext>
+                </a:extLst>
+              </p14:cNvPr>
+              <p14:cNvContentPartPr/>
+              <p14:nvPr/>
+            </p14:nvContentPartPr>
+            <p14:xfrm>
+              <a:off x="5708283" y="3878186"/>
+              <a:ext cx="303840" cy="166680"/>
+            </p14:xfrm>
+          </p:contentPart>
+        </mc:Choice>
+        <mc:Fallback>
+          <p:pic>
+            <p:nvPicPr>
+              <p:cNvPr id="36" name="잉크 35">
+                <a:extLst>
+                  <a:ext uri="{FF2B5EF4-FFF2-40B4-BE49-F238E27FC236}">
+                    <a16:creationId xmlns:a16="http://schemas.microsoft.com/office/drawing/2014/main" id="{E1BEB948-5E17-1E21-1713-D020D18435E5}"/>
+                  </a:ext>
+                </a:extLst>
+              </p:cNvPr>
+              <p:cNvPicPr/>
+              <p:nvPr/>
+            </p:nvPicPr>
+            <p:blipFill>
+              <a:blip r:embed="rId23"/>
+              <a:stretch>
+                <a:fillRect/>
+              </a:stretch>
+            </p:blipFill>
+            <p:spPr>
+              <a:xfrm>
+                <a:off x="5699643" y="3869186"/>
+                <a:ext cx="321480" cy="184320"/>
+              </a:xfrm>
+              <a:prstGeom prst="rect">
+                <a:avLst/>
+              </a:prstGeom>
+            </p:spPr>
+          </p:pic>
+        </mc:Fallback>
+      </mc:AlternateContent>
+      <p:grpSp>
+        <p:nvGrpSpPr>
+          <p:cNvPr id="40" name="그룹 39">
+            <a:extLst>
+              <a:ext uri="{FF2B5EF4-FFF2-40B4-BE49-F238E27FC236}">
+                <a16:creationId xmlns:a16="http://schemas.microsoft.com/office/drawing/2014/main" id="{C07C8A88-C7D8-A903-5D76-0D095E8BF3F4}"/>
+              </a:ext>
+            </a:extLst>
+          </p:cNvPr>
+          <p:cNvGrpSpPr/>
+          <p:nvPr/>
+        </p:nvGrpSpPr>
+        <p:grpSpPr>
+          <a:xfrm>
+            <a:off x="6631323" y="3463826"/>
+            <a:ext cx="709560" cy="1010520"/>
+            <a:chOff x="6631323" y="2788323"/>
+            <a:chExt cx="709560" cy="1010520"/>
+          </a:xfrm>
+        </p:grpSpPr>
+        <mc:AlternateContent xmlns:mc="http://schemas.openxmlformats.org/markup-compatibility/2006">
+          <mc:Choice xmlns:p14="http://schemas.microsoft.com/office/powerpoint/2010/main" Requires="p14">
+            <p:contentPart p14:bwMode="auto" r:id="rId24">
+              <p14:nvContentPartPr>
+                <p14:cNvPr id="26" name="잉크 25">
+                  <a:extLst>
+                    <a:ext uri="{FF2B5EF4-FFF2-40B4-BE49-F238E27FC236}">
+                      <a16:creationId xmlns:a16="http://schemas.microsoft.com/office/drawing/2014/main" id="{A8A54163-C405-D357-48B5-AD4BC1A1011D}"/>
+                    </a:ext>
+                  </a:extLst>
+                </p14:cNvPr>
+                <p14:cNvContentPartPr/>
+                <p14:nvPr/>
+              </p14:nvContentPartPr>
+              <p14:xfrm>
+                <a:off x="6721683" y="3303123"/>
+                <a:ext cx="439560" cy="347040"/>
+              </p14:xfrm>
+            </p:contentPart>
+          </mc:Choice>
+          <mc:Fallback>
+            <p:pic>
+              <p:nvPicPr>
+                <p:cNvPr id="26" name="잉크 25">
+                  <a:extLst>
+                    <a:ext uri="{FF2B5EF4-FFF2-40B4-BE49-F238E27FC236}">
+                      <a16:creationId xmlns:a16="http://schemas.microsoft.com/office/drawing/2014/main" id="{A8A54163-C405-D357-48B5-AD4BC1A1011D}"/>
+                    </a:ext>
+                  </a:extLst>
+                </p:cNvPr>
+                <p:cNvPicPr/>
+                <p:nvPr/>
+              </p:nvPicPr>
+              <p:blipFill>
+                <a:blip r:embed="rId25"/>
+                <a:stretch>
+                  <a:fillRect/>
+                </a:stretch>
+              </p:blipFill>
+              <p:spPr>
+                <a:xfrm>
+                  <a:off x="6713043" y="3294483"/>
+                  <a:ext cx="457200" cy="364680"/>
+                </a:xfrm>
+                <a:prstGeom prst="rect">
+                  <a:avLst/>
+                </a:prstGeom>
+              </p:spPr>
+            </p:pic>
+          </mc:Fallback>
+        </mc:AlternateContent>
+        <mc:AlternateContent xmlns:mc="http://schemas.openxmlformats.org/markup-compatibility/2006">
+          <mc:Choice xmlns:p14="http://schemas.microsoft.com/office/powerpoint/2010/main" Requires="p14">
+            <p:contentPart p14:bwMode="auto" r:id="rId26">
+              <p14:nvContentPartPr>
+                <p14:cNvPr id="27" name="잉크 26">
+                  <a:extLst>
+                    <a:ext uri="{FF2B5EF4-FFF2-40B4-BE49-F238E27FC236}">
+                      <a16:creationId xmlns:a16="http://schemas.microsoft.com/office/drawing/2014/main" id="{CD2CEB15-1C2B-E6B3-13C9-ED34F5F17E0C}"/>
+                    </a:ext>
+                  </a:extLst>
+                </p14:cNvPr>
+                <p14:cNvContentPartPr/>
+                <p14:nvPr/>
+              </p14:nvContentPartPr>
+              <p14:xfrm>
+                <a:off x="7113003" y="3492483"/>
+                <a:ext cx="227880" cy="306360"/>
+              </p14:xfrm>
+            </p:contentPart>
+          </mc:Choice>
+          <mc:Fallback>
+            <p:pic>
+              <p:nvPicPr>
+                <p:cNvPr id="27" name="잉크 26">
+                  <a:extLst>
+                    <a:ext uri="{FF2B5EF4-FFF2-40B4-BE49-F238E27FC236}">
+                      <a16:creationId xmlns:a16="http://schemas.microsoft.com/office/drawing/2014/main" id="{CD2CEB15-1C2B-E6B3-13C9-ED34F5F17E0C}"/>
+                    </a:ext>
+                  </a:extLst>
+                </p:cNvPr>
+                <p:cNvPicPr/>
+                <p:nvPr/>
+              </p:nvPicPr>
+              <p:blipFill>
+                <a:blip r:embed="rId27"/>
+                <a:stretch>
+                  <a:fillRect/>
+                </a:stretch>
+              </p:blipFill>
+              <p:spPr>
+                <a:xfrm>
+                  <a:off x="7104363" y="3483843"/>
+                  <a:ext cx="245520" cy="324000"/>
+                </a:xfrm>
+                <a:prstGeom prst="rect">
+                  <a:avLst/>
+                </a:prstGeom>
+              </p:spPr>
+            </p:pic>
+          </mc:Fallback>
+        </mc:AlternateContent>
+        <mc:AlternateContent xmlns:mc="http://schemas.openxmlformats.org/markup-compatibility/2006">
+          <mc:Choice xmlns:p14="http://schemas.microsoft.com/office/powerpoint/2010/main" Requires="p14">
+            <p:contentPart p14:bwMode="auto" r:id="rId28">
+              <p14:nvContentPartPr>
+                <p14:cNvPr id="38" name="잉크 37">
+                  <a:extLst>
+                    <a:ext uri="{FF2B5EF4-FFF2-40B4-BE49-F238E27FC236}">
+                      <a16:creationId xmlns:a16="http://schemas.microsoft.com/office/drawing/2014/main" id="{ED261FBD-C85B-CCDF-574C-B2BAC9E8D5BE}"/>
+                    </a:ext>
+                  </a:extLst>
+                </p14:cNvPr>
+                <p14:cNvContentPartPr/>
+                <p14:nvPr/>
+              </p14:nvContentPartPr>
+              <p14:xfrm>
+                <a:off x="6631323" y="3168123"/>
+                <a:ext cx="131760" cy="250560"/>
+              </p14:xfrm>
+            </p:contentPart>
+          </mc:Choice>
+          <mc:Fallback>
+            <p:pic>
+              <p:nvPicPr>
+                <p:cNvPr id="38" name="잉크 37">
+                  <a:extLst>
+                    <a:ext uri="{FF2B5EF4-FFF2-40B4-BE49-F238E27FC236}">
+                      <a16:creationId xmlns:a16="http://schemas.microsoft.com/office/drawing/2014/main" id="{ED261FBD-C85B-CCDF-574C-B2BAC9E8D5BE}"/>
+                    </a:ext>
+                  </a:extLst>
+                </p:cNvPr>
+                <p:cNvPicPr/>
+                <p:nvPr/>
+              </p:nvPicPr>
+              <p:blipFill>
+                <a:blip r:embed="rId29"/>
+                <a:stretch>
+                  <a:fillRect/>
+                </a:stretch>
+              </p:blipFill>
+              <p:spPr>
+                <a:xfrm>
+                  <a:off x="6622323" y="3159483"/>
+                  <a:ext cx="149400" cy="268200"/>
+                </a:xfrm>
+                <a:prstGeom prst="rect">
+                  <a:avLst/>
+                </a:prstGeom>
+              </p:spPr>
+            </p:pic>
+          </mc:Fallback>
+        </mc:AlternateContent>
+        <mc:AlternateContent xmlns:mc="http://schemas.openxmlformats.org/markup-compatibility/2006">
+          <mc:Choice xmlns:p14="http://schemas.microsoft.com/office/powerpoint/2010/main" Requires="p14">
+            <p:contentPart p14:bwMode="auto" r:id="rId30">
+              <p14:nvContentPartPr>
+                <p14:cNvPr id="39" name="잉크 38">
+                  <a:extLst>
+                    <a:ext uri="{FF2B5EF4-FFF2-40B4-BE49-F238E27FC236}">
+                      <a16:creationId xmlns:a16="http://schemas.microsoft.com/office/drawing/2014/main" id="{4140DCF4-C502-CD6B-D953-BD470E47EE92}"/>
+                    </a:ext>
+                  </a:extLst>
+                </p14:cNvPr>
+                <p14:cNvContentPartPr/>
+                <p14:nvPr/>
+              </p14:nvContentPartPr>
+              <p14:xfrm>
+                <a:off x="6819243" y="2788323"/>
+                <a:ext cx="258480" cy="243000"/>
+              </p14:xfrm>
+            </p:contentPart>
+          </mc:Choice>
+          <mc:Fallback>
+            <p:pic>
+              <p:nvPicPr>
+                <p:cNvPr id="39" name="잉크 38">
+                  <a:extLst>
+                    <a:ext uri="{FF2B5EF4-FFF2-40B4-BE49-F238E27FC236}">
+                      <a16:creationId xmlns:a16="http://schemas.microsoft.com/office/drawing/2014/main" id="{4140DCF4-C502-CD6B-D953-BD470E47EE92}"/>
+                    </a:ext>
+                  </a:extLst>
+                </p:cNvPr>
+                <p:cNvPicPr/>
+                <p:nvPr/>
+              </p:nvPicPr>
+              <p:blipFill>
+                <a:blip r:embed="rId31"/>
+                <a:stretch>
+                  <a:fillRect/>
+                </a:stretch>
+              </p:blipFill>
+              <p:spPr>
+                <a:xfrm>
+                  <a:off x="6810243" y="2779683"/>
+                  <a:ext cx="276120" cy="260640"/>
+                </a:xfrm>
+                <a:prstGeom prst="rect">
+                  <a:avLst/>
+                </a:prstGeom>
+              </p:spPr>
+            </p:pic>
+          </mc:Fallback>
+        </mc:AlternateContent>
+      </p:grpSp>
+      <mc:AlternateContent xmlns:mc="http://schemas.openxmlformats.org/markup-compatibility/2006">
+        <mc:Choice xmlns:p14="http://schemas.microsoft.com/office/powerpoint/2010/main" Requires="p14">
+          <p:contentPart p14:bwMode="auto" r:id="rId32">
+            <p14:nvContentPartPr>
+              <p14:cNvPr id="41" name="잉크 40">
+                <a:extLst>
+                  <a:ext uri="{FF2B5EF4-FFF2-40B4-BE49-F238E27FC236}">
+                    <a16:creationId xmlns:a16="http://schemas.microsoft.com/office/drawing/2014/main" id="{A3D15F6B-1BD6-D9B1-0021-E3D07E102D65}"/>
+                  </a:ext>
+                </a:extLst>
+              </p14:cNvPr>
+              <p14:cNvContentPartPr/>
+              <p14:nvPr/>
+            </p14:nvContentPartPr>
+            <p14:xfrm>
+              <a:off x="5617923" y="3278426"/>
+              <a:ext cx="360" cy="360"/>
+            </p14:xfrm>
+          </p:contentPart>
+        </mc:Choice>
+        <mc:Fallback>
+          <p:pic>
+            <p:nvPicPr>
+              <p:cNvPr id="41" name="잉크 40">
+                <a:extLst>
+                  <a:ext uri="{FF2B5EF4-FFF2-40B4-BE49-F238E27FC236}">
+                    <a16:creationId xmlns:a16="http://schemas.microsoft.com/office/drawing/2014/main" id="{A3D15F6B-1BD6-D9B1-0021-E3D07E102D65}"/>
+                  </a:ext>
+                </a:extLst>
+              </p:cNvPr>
+              <p:cNvPicPr/>
+              <p:nvPr/>
+            </p:nvPicPr>
+            <p:blipFill>
+              <a:blip r:embed="rId33"/>
+              <a:stretch>
+                <a:fillRect/>
+              </a:stretch>
+            </p:blipFill>
+            <p:spPr>
+              <a:xfrm>
+                <a:off x="5608923" y="3269786"/>
+                <a:ext cx="18000" cy="18000"/>
+              </a:xfrm>
+              <a:prstGeom prst="rect">
+                <a:avLst/>
+              </a:prstGeom>
+            </p:spPr>
+          </p:pic>
+        </mc:Fallback>
+      </mc:AlternateContent>
     </p:spTree>
     <p:extLst>
       <p:ext uri="{BB962C8B-B14F-4D97-AF65-F5344CB8AC3E}">
-        <p14:creationId xmlns:p14="http://schemas.microsoft.com/office/powerpoint/2010/main" val="3992247632"/>
+        <p14:creationId xmlns:p14="http://schemas.microsoft.com/office/powerpoint/2010/main" val="3091677070"/>
       </p:ext>
     </p:extLst>
   </p:cSld>
@@ -7528,7 +10236,7 @@
           <p:cNvPr id="2" name="제목 1">
             <a:extLst>
               <a:ext uri="{FF2B5EF4-FFF2-40B4-BE49-F238E27FC236}">
-                <a16:creationId xmlns:a16="http://schemas.microsoft.com/office/drawing/2014/main" id="{9EF89999-E1E4-3805-468E-9935D300D2FF}"/>
+                <a16:creationId xmlns:a16="http://schemas.microsoft.com/office/drawing/2014/main" id="{7507B59A-2561-A788-6DBF-7DFF1AAA4609}"/>
               </a:ext>
             </a:extLst>
           </p:cNvPr>
@@ -7545,12 +10253,16 @@
           <a:lstStyle/>
           <a:p>
             <a:r>
-              <a:rPr lang="ko-KR" altLang="en-US" sz="4000">
+              <a:rPr lang="en-US" altLang="ko-KR" sz="4800">
                 <a:latin typeface="맑은 고딕" panose="020B0503020000020004" pitchFamily="50" charset="-127"/>
                 <a:ea typeface="맑은 고딕" panose="020B0503020000020004" pitchFamily="50" charset="-127"/>
               </a:rPr>
-              <a:t>단점</a:t>
-            </a:r>
+              <a:t>DB</a:t>
+            </a:r>
+            <a:endParaRPr lang="ko-KR" altLang="en-US" sz="4800">
+              <a:latin typeface="맑은 고딕" panose="020B0503020000020004" pitchFamily="50" charset="-127"/>
+              <a:ea typeface="맑은 고딕" panose="020B0503020000020004" pitchFamily="50" charset="-127"/>
+            </a:endParaRPr>
           </a:p>
         </p:txBody>
       </p:sp>
@@ -7559,7 +10271,7 @@
           <p:cNvPr id="3" name="내용 개체 틀 2">
             <a:extLst>
               <a:ext uri="{FF2B5EF4-FFF2-40B4-BE49-F238E27FC236}">
-                <a16:creationId xmlns:a16="http://schemas.microsoft.com/office/drawing/2014/main" id="{9CC00689-28F8-69FE-B175-2404B354EF45}"/>
+                <a16:creationId xmlns:a16="http://schemas.microsoft.com/office/drawing/2014/main" id="{BE3DCC25-9D5E-323C-C166-12BC28D63E36}"/>
               </a:ext>
             </a:extLst>
           </p:cNvPr>
@@ -7580,7 +10292,35 @@
                 <a:latin typeface="맑은 고딕" panose="020B0503020000020004" pitchFamily="50" charset="-127"/>
                 <a:ea typeface="맑은 고딕" panose="020B0503020000020004" pitchFamily="50" charset="-127"/>
               </a:rPr>
-              <a:t>협업 기능 지원이 부족함</a:t>
+              <a:t>파이어베이스 </a:t>
+            </a:r>
+            <a:r>
+              <a:rPr lang="en-US" altLang="ko-KR">
+                <a:latin typeface="맑은 고딕" panose="020B0503020000020004" pitchFamily="50" charset="-127"/>
+                <a:ea typeface="맑은 고딕" panose="020B0503020000020004" pitchFamily="50" charset="-127"/>
+              </a:rPr>
+              <a:t>DB</a:t>
+            </a:r>
+            <a:r>
+              <a:rPr lang="ko-KR" altLang="en-US">
+                <a:latin typeface="맑은 고딕" panose="020B0503020000020004" pitchFamily="50" charset="-127"/>
+                <a:ea typeface="맑은 고딕" panose="020B0503020000020004" pitchFamily="50" charset="-127"/>
+              </a:rPr>
+              <a:t>를 </a:t>
+            </a:r>
+            <a:r>
+              <a:rPr lang="en-US" altLang="ko-KR">
+                <a:latin typeface="맑은 고딕" panose="020B0503020000020004" pitchFamily="50" charset="-127"/>
+                <a:ea typeface="맑은 고딕" panose="020B0503020000020004" pitchFamily="50" charset="-127"/>
+              </a:rPr>
+              <a:t>API</a:t>
+            </a:r>
+            <a:r>
+              <a:rPr lang="ko-KR" altLang="en-US">
+                <a:latin typeface="맑은 고딕" panose="020B0503020000020004" pitchFamily="50" charset="-127"/>
+                <a:ea typeface="맑은 고딕" panose="020B0503020000020004" pitchFamily="50" charset="-127"/>
+              </a:rPr>
+              <a:t> 함수로 구현 가능</a:t>
             </a:r>
             <a:endParaRPr lang="en-US" altLang="ko-KR">
               <a:latin typeface="맑은 고딕" panose="020B0503020000020004" pitchFamily="50" charset="-127"/>
@@ -7588,9 +10328,34 @@
             </a:endParaRPr>
           </a:p>
           <a:p>
-            <a:pPr marL="0" indent="0">
-              <a:buNone/>
-            </a:pPr>
+            <a:r>
+              <a:rPr lang="en-US" altLang="ko-KR">
+                <a:latin typeface="맑은 고딕" panose="020B0503020000020004" pitchFamily="50" charset="-127"/>
+                <a:ea typeface="맑은 고딕" panose="020B0503020000020004" pitchFamily="50" charset="-127"/>
+              </a:rPr>
+              <a:t>Key </a:t>
+            </a:r>
+            <a:r>
+              <a:rPr lang="ko-KR" altLang="en-US">
+                <a:latin typeface="맑은 고딕" panose="020B0503020000020004" pitchFamily="50" charset="-127"/>
+                <a:ea typeface="맑은 고딕" panose="020B0503020000020004" pitchFamily="50" charset="-127"/>
+              </a:rPr>
+              <a:t>하나당 </a:t>
+            </a:r>
+            <a:r>
+              <a:rPr lang="en-US" altLang="ko-KR">
+                <a:latin typeface="맑은 고딕" panose="020B0503020000020004" pitchFamily="50" charset="-127"/>
+                <a:ea typeface="맑은 고딕" panose="020B0503020000020004" pitchFamily="50" charset="-127"/>
+              </a:rPr>
+              <a:t>string Value </a:t>
+            </a:r>
+            <a:r>
+              <a:rPr lang="ko-KR" altLang="en-US">
+                <a:latin typeface="맑은 고딕" panose="020B0503020000020004" pitchFamily="50" charset="-127"/>
+                <a:ea typeface="맑은 고딕" panose="020B0503020000020004" pitchFamily="50" charset="-127"/>
+              </a:rPr>
+              <a:t>하나만 저장 가능</a:t>
+            </a:r>
             <a:endParaRPr lang="en-US" altLang="ko-KR">
               <a:latin typeface="맑은 고딕" panose="020B0503020000020004" pitchFamily="50" charset="-127"/>
               <a:ea typeface="맑은 고딕" panose="020B0503020000020004" pitchFamily="50" charset="-127"/>
@@ -7602,79 +10367,93 @@
                 <a:latin typeface="맑은 고딕" panose="020B0503020000020004" pitchFamily="50" charset="-127"/>
                 <a:ea typeface="맑은 고딕" panose="020B0503020000020004" pitchFamily="50" charset="-127"/>
               </a:rPr>
-              <a:t>자료 부족</a:t>
+              <a:t>복잡한 데이터의 경우 </a:t>
+            </a:r>
+            <a:r>
+              <a:rPr lang="en-US" altLang="ko-KR">
+                <a:latin typeface="맑은 고딕" panose="020B0503020000020004" pitchFamily="50" charset="-127"/>
+                <a:ea typeface="맑은 고딕" panose="020B0503020000020004" pitchFamily="50" charset="-127"/>
+              </a:rPr>
+              <a:t>JSON</a:t>
+            </a:r>
+            <a:r>
+              <a:rPr lang="ko-KR" altLang="en-US">
+                <a:latin typeface="맑은 고딕" panose="020B0503020000020004" pitchFamily="50" charset="-127"/>
+                <a:ea typeface="맑은 고딕" panose="020B0503020000020004" pitchFamily="50" charset="-127"/>
+              </a:rPr>
+              <a:t>으로 변환하여 저장했음</a:t>
             </a:r>
             <a:endParaRPr lang="en-US" altLang="ko-KR">
               <a:latin typeface="맑은 고딕" panose="020B0503020000020004" pitchFamily="50" charset="-127"/>
               <a:ea typeface="맑은 고딕" panose="020B0503020000020004" pitchFamily="50" charset="-127"/>
             </a:endParaRPr>
           </a:p>
-          <a:p>
-            <a:endParaRPr lang="en-US" altLang="ko-KR">
-              <a:latin typeface="맑은 고딕" panose="020B0503020000020004" pitchFamily="50" charset="-127"/>
-              <a:ea typeface="맑은 고딕" panose="020B0503020000020004" pitchFamily="50" charset="-127"/>
-            </a:endParaRPr>
-          </a:p>
-          <a:p>
-            <a:r>
-              <a:rPr lang="ko-KR" altLang="en-US">
-                <a:latin typeface="맑은 고딕" panose="020B0503020000020004" pitchFamily="50" charset="-127"/>
-                <a:ea typeface="맑은 고딕" panose="020B0503020000020004" pitchFamily="50" charset="-127"/>
-              </a:rPr>
-              <a:t>유니티에 있는 몇몇 기능이 없음</a:t>
-            </a:r>
-            <a:endParaRPr lang="en-US" altLang="ko-KR">
-              <a:latin typeface="맑은 고딕" panose="020B0503020000020004" pitchFamily="50" charset="-127"/>
-              <a:ea typeface="맑은 고딕" panose="020B0503020000020004" pitchFamily="50" charset="-127"/>
-            </a:endParaRPr>
-          </a:p>
-          <a:p>
-            <a:endParaRPr lang="en-US" altLang="ko-KR">
-              <a:latin typeface="맑은 고딕" panose="020B0503020000020004" pitchFamily="50" charset="-127"/>
-              <a:ea typeface="맑은 고딕" panose="020B0503020000020004" pitchFamily="50" charset="-127"/>
-            </a:endParaRPr>
-          </a:p>
-          <a:p>
-            <a:r>
-              <a:rPr lang="ko-KR" altLang="en-US">
-                <a:latin typeface="맑은 고딕" panose="020B0503020000020004" pitchFamily="50" charset="-127"/>
-                <a:ea typeface="맑은 고딕" panose="020B0503020000020004" pitchFamily="50" charset="-127"/>
-              </a:rPr>
-              <a:t>에디터 커스터마이징 기능이 빈약함</a:t>
-            </a:r>
-            <a:endParaRPr lang="en-US" altLang="ko-KR">
-              <a:latin typeface="맑은 고딕" panose="020B0503020000020004" pitchFamily="50" charset="-127"/>
-              <a:ea typeface="맑은 고딕" panose="020B0503020000020004" pitchFamily="50" charset="-127"/>
-            </a:endParaRPr>
-          </a:p>
-          <a:p>
-            <a:endParaRPr lang="en-US" altLang="ko-KR">
-              <a:latin typeface="맑은 고딕" panose="020B0503020000020004" pitchFamily="50" charset="-127"/>
-              <a:ea typeface="맑은 고딕" panose="020B0503020000020004" pitchFamily="50" charset="-127"/>
-            </a:endParaRPr>
-          </a:p>
-          <a:p>
-            <a:r>
-              <a:rPr lang="en-US" altLang="ko-KR" strike="sngStrike">
-                <a:latin typeface="맑은 고딕" panose="020B0503020000020004" pitchFamily="50" charset="-127"/>
-                <a:ea typeface="맑은 고딕" panose="020B0503020000020004" pitchFamily="50" charset="-127"/>
-              </a:rPr>
-              <a:t>Lua </a:t>
-            </a:r>
-            <a:r>
-              <a:rPr lang="ko-KR" altLang="en-US" strike="sngStrike">
-                <a:latin typeface="맑은 고딕" panose="020B0503020000020004" pitchFamily="50" charset="-127"/>
-                <a:ea typeface="맑은 고딕" panose="020B0503020000020004" pitchFamily="50" charset="-127"/>
-              </a:rPr>
-              <a:t>특성상 지역 변수의 타입명을 명시할 수 없음</a:t>
-            </a:r>
-          </a:p>
         </p:txBody>
       </p:sp>
+      <p:pic>
+        <p:nvPicPr>
+          <p:cNvPr id="7" name="그림 6">
+            <a:extLst>
+              <a:ext uri="{FF2B5EF4-FFF2-40B4-BE49-F238E27FC236}">
+                <a16:creationId xmlns:a16="http://schemas.microsoft.com/office/drawing/2014/main" id="{4517D1F4-08C0-C68D-1D04-94B0210B5E4E}"/>
+              </a:ext>
+            </a:extLst>
+          </p:cNvPr>
+          <p:cNvPicPr>
+            <a:picLocks noChangeAspect="1"/>
+          </p:cNvPicPr>
+          <p:nvPr/>
+        </p:nvPicPr>
+        <p:blipFill>
+          <a:blip r:embed="rId2"/>
+          <a:stretch>
+            <a:fillRect/>
+          </a:stretch>
+        </p:blipFill>
+        <p:spPr>
+          <a:xfrm>
+            <a:off x="1389753" y="3861771"/>
+            <a:ext cx="3629532" cy="1457528"/>
+          </a:xfrm>
+          <a:prstGeom prst="rect">
+            <a:avLst/>
+          </a:prstGeom>
+        </p:spPr>
+      </p:pic>
+      <p:pic>
+        <p:nvPicPr>
+          <p:cNvPr id="9" name="그림 8">
+            <a:extLst>
+              <a:ext uri="{FF2B5EF4-FFF2-40B4-BE49-F238E27FC236}">
+                <a16:creationId xmlns:a16="http://schemas.microsoft.com/office/drawing/2014/main" id="{28818E1A-8F54-420D-A8F1-22D644AEC28D}"/>
+              </a:ext>
+            </a:extLst>
+          </p:cNvPr>
+          <p:cNvPicPr>
+            <a:picLocks noChangeAspect="1"/>
+          </p:cNvPicPr>
+          <p:nvPr/>
+        </p:nvPicPr>
+        <p:blipFill>
+          <a:blip r:embed="rId3"/>
+          <a:stretch>
+            <a:fillRect/>
+          </a:stretch>
+        </p:blipFill>
+        <p:spPr>
+          <a:xfrm>
+            <a:off x="5868321" y="4001294"/>
+            <a:ext cx="4229690" cy="1200318"/>
+          </a:xfrm>
+          <a:prstGeom prst="rect">
+            <a:avLst/>
+          </a:prstGeom>
+        </p:spPr>
+      </p:pic>
     </p:spTree>
     <p:extLst>
       <p:ext uri="{BB962C8B-B14F-4D97-AF65-F5344CB8AC3E}">
-        <p14:creationId xmlns:p14="http://schemas.microsoft.com/office/powerpoint/2010/main" val="1166467205"/>
+        <p14:creationId xmlns:p14="http://schemas.microsoft.com/office/powerpoint/2010/main" val="315105330"/>
       </p:ext>
     </p:extLst>
   </p:cSld>
@@ -7706,7 +10485,7 @@
           <p:cNvPr id="2" name="제목 1">
             <a:extLst>
               <a:ext uri="{FF2B5EF4-FFF2-40B4-BE49-F238E27FC236}">
-                <a16:creationId xmlns:a16="http://schemas.microsoft.com/office/drawing/2014/main" id="{9EF89999-E1E4-3805-468E-9935D300D2FF}"/>
+                <a16:creationId xmlns:a16="http://schemas.microsoft.com/office/drawing/2014/main" id="{FB277F2A-4E90-A48C-1245-68B96F4501B1}"/>
               </a:ext>
             </a:extLst>
           </p:cNvPr>
@@ -7727,143 +10506,7 @@
                 <a:latin typeface="맑은 고딕" panose="020B0503020000020004" pitchFamily="50" charset="-127"/>
                 <a:ea typeface="맑은 고딕" panose="020B0503020000020004" pitchFamily="50" charset="-127"/>
               </a:rPr>
-              <a:t>단점</a:t>
-            </a:r>
-          </a:p>
-        </p:txBody>
-      </p:sp>
-      <p:sp>
-        <p:nvSpPr>
-          <p:cNvPr id="3" name="내용 개체 틀 2">
-            <a:extLst>
-              <a:ext uri="{FF2B5EF4-FFF2-40B4-BE49-F238E27FC236}">
-                <a16:creationId xmlns:a16="http://schemas.microsoft.com/office/drawing/2014/main" id="{9CC00689-28F8-69FE-B175-2404B354EF45}"/>
-              </a:ext>
-            </a:extLst>
-          </p:cNvPr>
-          <p:cNvSpPr>
-            <a:spLocks noGrp="1"/>
-          </p:cNvSpPr>
-          <p:nvPr>
-            <p:ph idx="1"/>
-          </p:nvPr>
-        </p:nvSpPr>
-        <p:spPr/>
-        <p:txBody>
-          <a:bodyPr/>
-          <a:lstStyle/>
-          <a:p>
-            <a:r>
-              <a:rPr lang="ko-KR" altLang="en-US" sz="2400">
-                <a:latin typeface="맑은 고딕" panose="020B0503020000020004" pitchFamily="50" charset="-127"/>
-                <a:ea typeface="맑은 고딕" panose="020B0503020000020004" pitchFamily="50" charset="-127"/>
-              </a:rPr>
-              <a:t>개발 중 튕기는 버그</a:t>
-            </a:r>
-            <a:endParaRPr lang="en-US" altLang="ko-KR" sz="2400">
-              <a:latin typeface="맑은 고딕" panose="020B0503020000020004" pitchFamily="50" charset="-127"/>
-              <a:ea typeface="맑은 고딕" panose="020B0503020000020004" pitchFamily="50" charset="-127"/>
-            </a:endParaRPr>
-          </a:p>
-          <a:p>
-            <a:r>
-              <a:rPr lang="ko-KR" altLang="en-US" sz="2400">
-                <a:latin typeface="맑은 고딕" panose="020B0503020000020004" pitchFamily="50" charset="-127"/>
-                <a:ea typeface="맑은 고딕" panose="020B0503020000020004" pitchFamily="50" charset="-127"/>
-              </a:rPr>
-              <a:t>스크립트 편집이 안되는 버그</a:t>
-            </a:r>
-            <a:endParaRPr lang="en-US" altLang="ko-KR" sz="2400">
-              <a:latin typeface="맑은 고딕" panose="020B0503020000020004" pitchFamily="50" charset="-127"/>
-              <a:ea typeface="맑은 고딕" panose="020B0503020000020004" pitchFamily="50" charset="-127"/>
-            </a:endParaRPr>
-          </a:p>
-          <a:p>
-            <a:r>
-              <a:rPr lang="ko-KR" altLang="en-US" sz="2400">
-                <a:latin typeface="맑은 고딕" panose="020B0503020000020004" pitchFamily="50" charset="-127"/>
-                <a:ea typeface="맑은 고딕" panose="020B0503020000020004" pitchFamily="50" charset="-127"/>
-              </a:rPr>
-              <a:t>무한로딩 버그</a:t>
-            </a:r>
-            <a:endParaRPr lang="en-US" altLang="ko-KR" sz="2400">
-              <a:latin typeface="맑은 고딕" panose="020B0503020000020004" pitchFamily="50" charset="-127"/>
-              <a:ea typeface="맑은 고딕" panose="020B0503020000020004" pitchFamily="50" charset="-127"/>
-            </a:endParaRPr>
-          </a:p>
-          <a:p>
-            <a:r>
-              <a:rPr lang="ko-KR" altLang="en-US" sz="2400">
-                <a:latin typeface="맑은 고딕" panose="020B0503020000020004" pitchFamily="50" charset="-127"/>
-                <a:ea typeface="맑은 고딕" panose="020B0503020000020004" pitchFamily="50" charset="-127"/>
-              </a:rPr>
-              <a:t>브레이크포인트가 제멋대로 이동하는 버그</a:t>
-            </a:r>
-            <a:endParaRPr lang="en-US" altLang="ko-KR" sz="2400">
-              <a:latin typeface="맑은 고딕" panose="020B0503020000020004" pitchFamily="50" charset="-127"/>
-              <a:ea typeface="맑은 고딕" panose="020B0503020000020004" pitchFamily="50" charset="-127"/>
-            </a:endParaRPr>
-          </a:p>
-          <a:p>
-            <a:r>
-              <a:rPr lang="ko-KR" altLang="en-US" sz="2400">
-                <a:latin typeface="맑은 고딕" panose="020B0503020000020004" pitchFamily="50" charset="-127"/>
-                <a:ea typeface="맑은 고딕" panose="020B0503020000020004" pitchFamily="50" charset="-127"/>
-              </a:rPr>
-              <a:t>스크립트 글자가 겹쳐보이는 버그</a:t>
-            </a:r>
-            <a:endParaRPr lang="en-US" altLang="ko-KR" sz="2400">
-              <a:latin typeface="맑은 고딕" panose="020B0503020000020004" pitchFamily="50" charset="-127"/>
-              <a:ea typeface="맑은 고딕" panose="020B0503020000020004" pitchFamily="50" charset="-127"/>
-            </a:endParaRPr>
-          </a:p>
-          <a:p>
-            <a:r>
-              <a:rPr lang="ko-KR" altLang="en-US" sz="2400">
-                <a:latin typeface="맑은 고딕" panose="020B0503020000020004" pitchFamily="50" charset="-127"/>
-                <a:ea typeface="맑은 고딕" panose="020B0503020000020004" pitchFamily="50" charset="-127"/>
-              </a:rPr>
-              <a:t>접근할 수 없는 더미 스크립트가 생기는 버그</a:t>
-            </a:r>
-            <a:endParaRPr lang="en-US" altLang="ko-KR" sz="2400">
-              <a:latin typeface="맑은 고딕" panose="020B0503020000020004" pitchFamily="50" charset="-127"/>
-              <a:ea typeface="맑은 고딕" panose="020B0503020000020004" pitchFamily="50" charset="-127"/>
-            </a:endParaRPr>
-          </a:p>
-          <a:p>
-            <a:r>
-              <a:rPr lang="ko-KR" altLang="en-US" sz="2400">
-                <a:latin typeface="맑은 고딕" panose="020B0503020000020004" pitchFamily="50" charset="-127"/>
-                <a:ea typeface="맑은 고딕" panose="020B0503020000020004" pitchFamily="50" charset="-127"/>
-              </a:rPr>
-              <a:t>스크립트 에러가 반 박자 늦게 표시되는 버그</a:t>
-            </a:r>
-            <a:endParaRPr lang="en-US" altLang="ko-KR" sz="2400">
-              <a:latin typeface="맑은 고딕" panose="020B0503020000020004" pitchFamily="50" charset="-127"/>
-              <a:ea typeface="맑은 고딕" panose="020B0503020000020004" pitchFamily="50" charset="-127"/>
-            </a:endParaRPr>
-          </a:p>
-          <a:p>
-            <a:r>
-              <a:rPr lang="ko-KR" altLang="en-US" sz="2400">
-                <a:latin typeface="맑은 고딕" panose="020B0503020000020004" pitchFamily="50" charset="-127"/>
-                <a:ea typeface="맑은 고딕" panose="020B0503020000020004" pitchFamily="50" charset="-127"/>
-              </a:rPr>
-              <a:t>보이지 않는 오브젝트가 </a:t>
-            </a:r>
-            <a:r>
-              <a:rPr lang="en-US" altLang="ko-KR" sz="2400">
-                <a:latin typeface="맑은 고딕" panose="020B0503020000020004" pitchFamily="50" charset="-127"/>
-                <a:ea typeface="맑은 고딕" panose="020B0503020000020004" pitchFamily="50" charset="-127"/>
-              </a:rPr>
-              <a:t>raycast</a:t>
-            </a:r>
-            <a:r>
-              <a:rPr lang="ko-KR" altLang="en-US" sz="2400">
-                <a:latin typeface="맑은 고딕" panose="020B0503020000020004" pitchFamily="50" charset="-127"/>
-                <a:ea typeface="맑은 고딕" panose="020B0503020000020004" pitchFamily="50" charset="-127"/>
-              </a:rPr>
-              <a:t>에 영향을 주는 버그</a:t>
+              <a:t>시연</a:t>
             </a:r>
           </a:p>
         </p:txBody>
@@ -7871,7 +10514,7 @@
     </p:spTree>
     <p:extLst>
       <p:ext uri="{BB962C8B-B14F-4D97-AF65-F5344CB8AC3E}">
-        <p14:creationId xmlns:p14="http://schemas.microsoft.com/office/powerpoint/2010/main" val="2083658658"/>
+        <p14:creationId xmlns:p14="http://schemas.microsoft.com/office/powerpoint/2010/main" val="1081593153"/>
       </p:ext>
     </p:extLst>
   </p:cSld>
@@ -7924,173 +10567,15 @@
                 <a:latin typeface="맑은 고딕" panose="020B0503020000020004" pitchFamily="50" charset="-127"/>
                 <a:ea typeface="맑은 고딕" panose="020B0503020000020004" pitchFamily="50" charset="-127"/>
               </a:rPr>
-              <a:t>플랫폼 수수료</a:t>
-            </a:r>
-          </a:p>
-        </p:txBody>
-      </p:sp>
-      <p:pic>
-        <p:nvPicPr>
-          <p:cNvPr id="14" name="그림 13">
-            <a:extLst>
-              <a:ext uri="{FF2B5EF4-FFF2-40B4-BE49-F238E27FC236}">
-                <a16:creationId xmlns:a16="http://schemas.microsoft.com/office/drawing/2014/main" id="{AB60D400-71A9-7EA8-837B-AFC3D986DCD9}"/>
-              </a:ext>
-            </a:extLst>
-          </p:cNvPr>
-          <p:cNvPicPr>
-            <a:picLocks noChangeAspect="1"/>
-          </p:cNvPicPr>
-          <p:nvPr/>
-        </p:nvPicPr>
-        <p:blipFill>
-          <a:blip r:embed="rId2"/>
-          <a:stretch>
-            <a:fillRect/>
-          </a:stretch>
-        </p:blipFill>
-        <p:spPr>
-          <a:xfrm>
-            <a:off x="777240" y="2067697"/>
-            <a:ext cx="5730652" cy="3697166"/>
-          </a:xfrm>
-          <a:prstGeom prst="rect">
-            <a:avLst/>
-          </a:prstGeom>
-        </p:spPr>
-      </p:pic>
-      <p:sp>
-        <p:nvSpPr>
-          <p:cNvPr id="16" name="TextBox 15">
-            <a:extLst>
-              <a:ext uri="{FF2B5EF4-FFF2-40B4-BE49-F238E27FC236}">
-                <a16:creationId xmlns:a16="http://schemas.microsoft.com/office/drawing/2014/main" id="{F4DC57AE-A23D-54B1-3106-168E53697CC9}"/>
-              </a:ext>
-            </a:extLst>
-          </p:cNvPr>
-          <p:cNvSpPr txBox="1"/>
-          <p:nvPr/>
-        </p:nvSpPr>
-        <p:spPr>
-          <a:xfrm>
-            <a:off x="6991042" y="2504303"/>
-            <a:ext cx="4423718" cy="2554545"/>
-          </a:xfrm>
-          <a:prstGeom prst="rect">
-            <a:avLst/>
-          </a:prstGeom>
-          <a:noFill/>
-        </p:spPr>
-        <p:txBody>
-          <a:bodyPr wrap="square" rtlCol="0">
-            <a:spAutoFit/>
-          </a:bodyPr>
-          <a:lstStyle/>
-          <a:p>
-            <a:r>
-              <a:rPr lang="ko-KR" altLang="en-US" sz="3200">
-                <a:latin typeface="맑은 고딕" panose="020B0503020000020004" pitchFamily="50" charset="-127"/>
-                <a:ea typeface="맑은 고딕" panose="020B0503020000020004" pitchFamily="50" charset="-127"/>
-              </a:rPr>
-              <a:t>수수료</a:t>
-            </a:r>
-            <a:endParaRPr lang="en-US" altLang="ko-KR" sz="3200">
-              <a:latin typeface="맑은 고딕" panose="020B0503020000020004" pitchFamily="50" charset="-127"/>
-              <a:ea typeface="맑은 고딕" panose="020B0503020000020004" pitchFamily="50" charset="-127"/>
-            </a:endParaRPr>
-          </a:p>
-          <a:p>
-            <a:endParaRPr lang="en-US" altLang="ko-KR" sz="3200">
-              <a:latin typeface="맑은 고딕" panose="020B0503020000020004" pitchFamily="50" charset="-127"/>
-              <a:ea typeface="맑은 고딕" panose="020B0503020000020004" pitchFamily="50" charset="-127"/>
-            </a:endParaRPr>
-          </a:p>
-          <a:p>
-            <a:r>
-              <a:rPr lang="ko-KR" altLang="en-US" sz="3200">
-                <a:latin typeface="맑은 고딕" panose="020B0503020000020004" pitchFamily="50" charset="-127"/>
-                <a:ea typeface="맑은 고딕" panose="020B0503020000020004" pitchFamily="50" charset="-127"/>
-              </a:rPr>
-              <a:t>구글</a:t>
-            </a:r>
-            <a:r>
-              <a:rPr lang="en-US" altLang="ko-KR" sz="3200">
-                <a:latin typeface="맑은 고딕" panose="020B0503020000020004" pitchFamily="50" charset="-127"/>
-                <a:ea typeface="맑은 고딕" panose="020B0503020000020004" pitchFamily="50" charset="-127"/>
-              </a:rPr>
-              <a:t>,</a:t>
-            </a:r>
-            <a:r>
-              <a:rPr lang="ko-KR" altLang="en-US" sz="3200">
-                <a:latin typeface="맑은 고딕" panose="020B0503020000020004" pitchFamily="50" charset="-127"/>
-                <a:ea typeface="맑은 고딕" panose="020B0503020000020004" pitchFamily="50" charset="-127"/>
-              </a:rPr>
-              <a:t>애플</a:t>
-            </a:r>
-            <a:r>
-              <a:rPr lang="en-US" altLang="ko-KR" sz="3200">
-                <a:latin typeface="맑은 고딕" panose="020B0503020000020004" pitchFamily="50" charset="-127"/>
-                <a:ea typeface="맑은 고딕" panose="020B0503020000020004" pitchFamily="50" charset="-127"/>
-              </a:rPr>
-              <a:t>,</a:t>
-            </a:r>
-            <a:r>
-              <a:rPr lang="ko-KR" altLang="en-US" sz="3200">
-                <a:latin typeface="맑은 고딕" panose="020B0503020000020004" pitchFamily="50" charset="-127"/>
-                <a:ea typeface="맑은 고딕" panose="020B0503020000020004" pitchFamily="50" charset="-127"/>
-              </a:rPr>
-              <a:t>스팀 </a:t>
-            </a:r>
-            <a:r>
-              <a:rPr lang="en-US" altLang="ko-KR" sz="3200">
-                <a:latin typeface="맑은 고딕" panose="020B0503020000020004" pitchFamily="50" charset="-127"/>
-                <a:ea typeface="맑은 고딕" panose="020B0503020000020004" pitchFamily="50" charset="-127"/>
-              </a:rPr>
-              <a:t>30%</a:t>
-            </a:r>
-          </a:p>
-          <a:p>
-            <a:r>
-              <a:rPr lang="ko-KR" altLang="en-US" sz="3200">
-                <a:latin typeface="맑은 고딕" panose="020B0503020000020004" pitchFamily="50" charset="-127"/>
-                <a:ea typeface="맑은 고딕" panose="020B0503020000020004" pitchFamily="50" charset="-127"/>
-              </a:rPr>
-              <a:t>메</a:t>
-            </a:r>
-            <a:r>
-              <a:rPr lang="en-US" altLang="ko-KR" sz="3200">
-                <a:latin typeface="맑은 고딕" panose="020B0503020000020004" pitchFamily="50" charset="-127"/>
-                <a:ea typeface="맑은 고딕" panose="020B0503020000020004" pitchFamily="50" charset="-127"/>
-              </a:rPr>
-              <a:t> 65%~70%</a:t>
-            </a:r>
-          </a:p>
-          <a:p>
-            <a:r>
-              <a:rPr lang="ko-KR" altLang="en-US" sz="3200">
-                <a:latin typeface="맑은 고딕" panose="020B0503020000020004" pitchFamily="50" charset="-127"/>
-                <a:ea typeface="맑은 고딕" panose="020B0503020000020004" pitchFamily="50" charset="-127"/>
-              </a:rPr>
-              <a:t>로블록스 </a:t>
-            </a:r>
-            <a:r>
-              <a:rPr lang="en-US" altLang="ko-KR" sz="3200">
-                <a:latin typeface="맑은 고딕" panose="020B0503020000020004" pitchFamily="50" charset="-127"/>
-                <a:ea typeface="맑은 고딕" panose="020B0503020000020004" pitchFamily="50" charset="-127"/>
-              </a:rPr>
-              <a:t>83%</a:t>
-            </a:r>
-            <a:endParaRPr lang="ko-KR" altLang="en-US" sz="3200">
-              <a:latin typeface="맑은 고딕" panose="020B0503020000020004" pitchFamily="50" charset="-127"/>
-              <a:ea typeface="맑은 고딕" panose="020B0503020000020004" pitchFamily="50" charset="-127"/>
-            </a:endParaRPr>
+              <a:t>장점</a:t>
+            </a:r>
           </a:p>
         </p:txBody>
       </p:sp>
     </p:spTree>
     <p:extLst>
       <p:ext uri="{BB962C8B-B14F-4D97-AF65-F5344CB8AC3E}">
-        <p14:creationId xmlns:p14="http://schemas.microsoft.com/office/powerpoint/2010/main" val="1846086849"/>
+        <p14:creationId xmlns:p14="http://schemas.microsoft.com/office/powerpoint/2010/main" val="7734493"/>
       </p:ext>
     </p:extLst>
   </p:cSld>
@@ -8119,400 +10604,172 @@
       </p:grpSpPr>
       <p:sp>
         <p:nvSpPr>
-          <p:cNvPr id="5" name="직사각형 4">
-            <a:extLst>
-              <a:ext uri="{FF2B5EF4-FFF2-40B4-BE49-F238E27FC236}">
-                <a16:creationId xmlns:a16="http://schemas.microsoft.com/office/drawing/2014/main" id="{018781BA-EBBD-4A0A-50F4-DB7B1B170E17}"/>
-              </a:ext>
-            </a:extLst>
-          </p:cNvPr>
-          <p:cNvSpPr/>
-          <p:nvPr/>
+          <p:cNvPr id="2" name="제목 1">
+            <a:extLst>
+              <a:ext uri="{FF2B5EF4-FFF2-40B4-BE49-F238E27FC236}">
+                <a16:creationId xmlns:a16="http://schemas.microsoft.com/office/drawing/2014/main" id="{9EF89999-E1E4-3805-468E-9935D300D2FF}"/>
+              </a:ext>
+            </a:extLst>
+          </p:cNvPr>
+          <p:cNvSpPr>
+            <a:spLocks noGrp="1"/>
+          </p:cNvSpPr>
+          <p:nvPr>
+            <p:ph type="title"/>
+          </p:nvPr>
         </p:nvSpPr>
-        <p:spPr>
-          <a:xfrm>
-            <a:off x="4357816" y="444843"/>
-            <a:ext cx="1738184" cy="807308"/>
-          </a:xfrm>
-          <a:prstGeom prst="rect">
-            <a:avLst/>
-          </a:prstGeom>
-        </p:spPr>
-        <p:style>
-          <a:lnRef idx="2">
-            <a:schemeClr val="accent1">
-              <a:shade val="50000"/>
-            </a:schemeClr>
-          </a:lnRef>
-          <a:fillRef idx="1">
-            <a:schemeClr val="accent1"/>
-          </a:fillRef>
-          <a:effectRef idx="0">
-            <a:schemeClr val="accent1"/>
-          </a:effectRef>
-          <a:fontRef idx="minor">
-            <a:schemeClr val="lt1"/>
-          </a:fontRef>
-        </p:style>
+        <p:spPr/>
         <p:txBody>
-          <a:bodyPr rtlCol="0" anchor="ctr"/>
+          <a:bodyPr/>
           <a:lstStyle/>
           <a:p>
-            <a:pPr algn="ctr"/>
-            <a:r>
-              <a:rPr lang="ko-KR" altLang="en-US"/>
-              <a:t>랜덤</a:t>
+            <a:r>
+              <a:rPr lang="ko-KR" altLang="en-US" sz="4000">
+                <a:latin typeface="맑은 고딕" panose="020B0503020000020004" pitchFamily="50" charset="-127"/>
+                <a:ea typeface="맑은 고딕" panose="020B0503020000020004" pitchFamily="50" charset="-127"/>
+              </a:rPr>
+              <a:t>장점</a:t>
             </a:r>
           </a:p>
         </p:txBody>
       </p:sp>
       <p:sp>
         <p:nvSpPr>
-          <p:cNvPr id="6" name="직사각형 5">
-            <a:extLst>
-              <a:ext uri="{FF2B5EF4-FFF2-40B4-BE49-F238E27FC236}">
-                <a16:creationId xmlns:a16="http://schemas.microsoft.com/office/drawing/2014/main" id="{330E05E9-3AB4-6F68-F973-212AD34D9B2B}"/>
-              </a:ext>
-            </a:extLst>
-          </p:cNvPr>
-          <p:cNvSpPr/>
-          <p:nvPr/>
+          <p:cNvPr id="3" name="내용 개체 틀 2">
+            <a:extLst>
+              <a:ext uri="{FF2B5EF4-FFF2-40B4-BE49-F238E27FC236}">
+                <a16:creationId xmlns:a16="http://schemas.microsoft.com/office/drawing/2014/main" id="{9CC00689-28F8-69FE-B175-2404B354EF45}"/>
+              </a:ext>
+            </a:extLst>
+          </p:cNvPr>
+          <p:cNvSpPr>
+            <a:spLocks noGrp="1"/>
+          </p:cNvSpPr>
+          <p:nvPr>
+            <p:ph idx="1"/>
+          </p:nvPr>
         </p:nvSpPr>
-        <p:spPr>
-          <a:xfrm>
-            <a:off x="9252112" y="1849395"/>
-            <a:ext cx="1738184" cy="807308"/>
-          </a:xfrm>
-          <a:prstGeom prst="rect">
-            <a:avLst/>
-          </a:prstGeom>
-        </p:spPr>
-        <p:style>
-          <a:lnRef idx="2">
-            <a:schemeClr val="accent1">
-              <a:shade val="50000"/>
-            </a:schemeClr>
-          </a:lnRef>
-          <a:fillRef idx="1">
-            <a:schemeClr val="accent1"/>
-          </a:fillRef>
-          <a:effectRef idx="0">
-            <a:schemeClr val="accent1"/>
-          </a:effectRef>
-          <a:fontRef idx="minor">
-            <a:schemeClr val="lt1"/>
-          </a:fontRef>
-        </p:style>
+        <p:spPr/>
         <p:txBody>
-          <a:bodyPr rtlCol="0" anchor="ctr"/>
+          <a:bodyPr/>
           <a:lstStyle/>
           <a:p>
-            <a:pPr algn="ctr"/>
-            <a:r>
-              <a:rPr lang="ko-KR" altLang="en-US"/>
-              <a:t>칼날</a:t>
-            </a:r>
-            <a:endParaRPr lang="en-US" altLang="ko-KR"/>
-          </a:p>
-          <a:p>
-            <a:pPr algn="ctr"/>
-            <a:r>
-              <a:rPr lang="en-US" altLang="ko-KR"/>
-              <a:t>0.2</a:t>
-            </a:r>
-            <a:endParaRPr lang="ko-KR" altLang="en-US"/>
-          </a:p>
-        </p:txBody>
-      </p:sp>
-      <p:sp>
-        <p:nvSpPr>
-          <p:cNvPr id="7" name="직사각형 6">
-            <a:extLst>
-              <a:ext uri="{FF2B5EF4-FFF2-40B4-BE49-F238E27FC236}">
-                <a16:creationId xmlns:a16="http://schemas.microsoft.com/office/drawing/2014/main" id="{81807A58-ACEF-A9BA-6B08-8808DD8F08FF}"/>
-              </a:ext>
-            </a:extLst>
-          </p:cNvPr>
-          <p:cNvSpPr/>
-          <p:nvPr/>
-        </p:nvSpPr>
-        <p:spPr>
-          <a:xfrm>
-            <a:off x="2848232" y="1849395"/>
-            <a:ext cx="1738184" cy="807308"/>
-          </a:xfrm>
-          <a:prstGeom prst="rect">
-            <a:avLst/>
-          </a:prstGeom>
-        </p:spPr>
-        <p:style>
-          <a:lnRef idx="2">
-            <a:schemeClr val="accent1">
-              <a:shade val="50000"/>
-            </a:schemeClr>
-          </a:lnRef>
-          <a:fillRef idx="1">
-            <a:schemeClr val="accent1"/>
-          </a:fillRef>
-          <a:effectRef idx="0">
-            <a:schemeClr val="accent1"/>
-          </a:effectRef>
-          <a:fontRef idx="minor">
-            <a:schemeClr val="lt1"/>
-          </a:fontRef>
-        </p:style>
-        <p:txBody>
-          <a:bodyPr rtlCol="0" anchor="ctr"/>
-          <a:lstStyle/>
-          <a:p>
-            <a:pPr algn="ctr"/>
-            <a:r>
-              <a:rPr lang="ko-KR" altLang="en-US"/>
-              <a:t>나비</a:t>
-            </a:r>
-            <a:endParaRPr lang="en-US" altLang="ko-KR"/>
-          </a:p>
-          <a:p>
-            <a:pPr algn="ctr"/>
-            <a:r>
-              <a:rPr lang="en-US" altLang="ko-KR"/>
-              <a:t>0.2</a:t>
-            </a:r>
-            <a:endParaRPr lang="ko-KR" altLang="en-US"/>
-          </a:p>
-        </p:txBody>
-      </p:sp>
-      <p:sp>
-        <p:nvSpPr>
-          <p:cNvPr id="8" name="직사각형 7">
-            <a:extLst>
-              <a:ext uri="{FF2B5EF4-FFF2-40B4-BE49-F238E27FC236}">
-                <a16:creationId xmlns:a16="http://schemas.microsoft.com/office/drawing/2014/main" id="{7C0330E6-F85D-B0DA-3552-636170EF4D8B}"/>
-              </a:ext>
-            </a:extLst>
-          </p:cNvPr>
-          <p:cNvSpPr/>
-          <p:nvPr/>
-        </p:nvSpPr>
-        <p:spPr>
-          <a:xfrm>
-            <a:off x="733169" y="1849395"/>
-            <a:ext cx="1738184" cy="807308"/>
-          </a:xfrm>
-          <a:prstGeom prst="rect">
-            <a:avLst/>
-          </a:prstGeom>
-        </p:spPr>
-        <p:style>
-          <a:lnRef idx="2">
-            <a:schemeClr val="accent1">
-              <a:shade val="50000"/>
-            </a:schemeClr>
-          </a:lnRef>
-          <a:fillRef idx="1">
-            <a:schemeClr val="accent1"/>
-          </a:fillRef>
-          <a:effectRef idx="0">
-            <a:schemeClr val="accent1"/>
-          </a:effectRef>
-          <a:fontRef idx="minor">
-            <a:schemeClr val="lt1"/>
-          </a:fontRef>
-        </p:style>
-        <p:txBody>
-          <a:bodyPr rtlCol="0" anchor="ctr"/>
-          <a:lstStyle/>
-          <a:p>
-            <a:pPr algn="ctr"/>
-            <a:r>
-              <a:rPr lang="ko-KR" altLang="en-US"/>
-              <a:t>소환수</a:t>
-            </a:r>
-            <a:endParaRPr lang="en-US" altLang="ko-KR"/>
-          </a:p>
-          <a:p>
-            <a:pPr algn="ctr"/>
-            <a:r>
-              <a:rPr lang="en-US" altLang="ko-KR"/>
-              <a:t>0.1</a:t>
-            </a:r>
-            <a:endParaRPr lang="ko-KR" altLang="en-US"/>
-          </a:p>
-        </p:txBody>
-      </p:sp>
-      <p:sp>
-        <p:nvSpPr>
-          <p:cNvPr id="9" name="직사각형 8">
-            <a:extLst>
-              <a:ext uri="{FF2B5EF4-FFF2-40B4-BE49-F238E27FC236}">
-                <a16:creationId xmlns:a16="http://schemas.microsoft.com/office/drawing/2014/main" id="{9D1ADB2C-C02B-B7D8-7DC4-A559518BDD63}"/>
-              </a:ext>
-            </a:extLst>
-          </p:cNvPr>
-          <p:cNvSpPr/>
-          <p:nvPr/>
-        </p:nvSpPr>
-        <p:spPr>
-          <a:xfrm>
-            <a:off x="5045681" y="1849395"/>
-            <a:ext cx="1738184" cy="807308"/>
-          </a:xfrm>
-          <a:prstGeom prst="rect">
-            <a:avLst/>
-          </a:prstGeom>
-        </p:spPr>
-        <p:style>
-          <a:lnRef idx="2">
-            <a:schemeClr val="accent1">
-              <a:shade val="50000"/>
-            </a:schemeClr>
-          </a:lnRef>
-          <a:fillRef idx="1">
-            <a:schemeClr val="accent1"/>
-          </a:fillRef>
-          <a:effectRef idx="0">
-            <a:schemeClr val="accent1"/>
-          </a:effectRef>
-          <a:fontRef idx="minor">
-            <a:schemeClr val="lt1"/>
-          </a:fontRef>
-        </p:style>
-        <p:txBody>
-          <a:bodyPr rtlCol="0" anchor="ctr"/>
-          <a:lstStyle/>
-          <a:p>
-            <a:pPr algn="ctr"/>
-            <a:r>
-              <a:rPr lang="ko-KR" altLang="en-US"/>
-              <a:t>레이저</a:t>
-            </a:r>
-            <a:endParaRPr lang="en-US" altLang="ko-KR"/>
-          </a:p>
-          <a:p>
-            <a:pPr algn="ctr"/>
-            <a:r>
-              <a:rPr lang="en-US" altLang="ko-KR"/>
-              <a:t>0.1</a:t>
-            </a:r>
-            <a:endParaRPr lang="ko-KR" altLang="en-US"/>
-          </a:p>
-        </p:txBody>
-      </p:sp>
-      <p:sp>
-        <p:nvSpPr>
-          <p:cNvPr id="10" name="직사각형 9">
-            <a:extLst>
-              <a:ext uri="{FF2B5EF4-FFF2-40B4-BE49-F238E27FC236}">
-                <a16:creationId xmlns:a16="http://schemas.microsoft.com/office/drawing/2014/main" id="{23A47144-9A01-9E85-73F7-C9E22B3B379A}"/>
-              </a:ext>
-            </a:extLst>
-          </p:cNvPr>
-          <p:cNvSpPr/>
-          <p:nvPr/>
-        </p:nvSpPr>
-        <p:spPr>
-          <a:xfrm>
-            <a:off x="7146320" y="1849395"/>
-            <a:ext cx="1738184" cy="807308"/>
-          </a:xfrm>
-          <a:prstGeom prst="rect">
-            <a:avLst/>
-          </a:prstGeom>
-        </p:spPr>
-        <p:style>
-          <a:lnRef idx="2">
-            <a:schemeClr val="accent1">
-              <a:shade val="50000"/>
-            </a:schemeClr>
-          </a:lnRef>
-          <a:fillRef idx="1">
-            <a:schemeClr val="accent1"/>
-          </a:fillRef>
-          <a:effectRef idx="0">
-            <a:schemeClr val="accent1"/>
-          </a:effectRef>
-          <a:fontRef idx="minor">
-            <a:schemeClr val="lt1"/>
-          </a:fontRef>
-        </p:style>
-        <p:txBody>
-          <a:bodyPr rtlCol="0" anchor="ctr"/>
-          <a:lstStyle/>
-          <a:p>
-            <a:pPr algn="ctr"/>
-            <a:r>
-              <a:rPr lang="ko-KR" altLang="en-US"/>
-              <a:t>몸박</a:t>
-            </a:r>
-            <a:endParaRPr lang="en-US" altLang="ko-KR"/>
-          </a:p>
-          <a:p>
-            <a:pPr algn="ctr"/>
-            <a:r>
-              <a:rPr lang="en-US" altLang="ko-KR"/>
-              <a:t>0.1</a:t>
-            </a:r>
-            <a:endParaRPr lang="ko-KR" altLang="en-US"/>
-          </a:p>
-        </p:txBody>
-      </p:sp>
-      <p:sp>
-        <p:nvSpPr>
-          <p:cNvPr id="11" name="직사각형 10">
-            <a:extLst>
-              <a:ext uri="{FF2B5EF4-FFF2-40B4-BE49-F238E27FC236}">
-                <a16:creationId xmlns:a16="http://schemas.microsoft.com/office/drawing/2014/main" id="{81680853-B0E4-B6CC-D5F8-67060AB197DA}"/>
-              </a:ext>
-            </a:extLst>
-          </p:cNvPr>
-          <p:cNvSpPr/>
-          <p:nvPr/>
-        </p:nvSpPr>
-        <p:spPr>
-          <a:xfrm>
-            <a:off x="4252090" y="4313566"/>
-            <a:ext cx="1738184" cy="807308"/>
-          </a:xfrm>
-          <a:prstGeom prst="rect">
-            <a:avLst/>
-          </a:prstGeom>
-        </p:spPr>
-        <p:style>
-          <a:lnRef idx="2">
-            <a:schemeClr val="accent1">
-              <a:shade val="50000"/>
-            </a:schemeClr>
-          </a:lnRef>
-          <a:fillRef idx="1">
-            <a:schemeClr val="accent1"/>
-          </a:fillRef>
-          <a:effectRef idx="0">
-            <a:schemeClr val="accent1"/>
-          </a:effectRef>
-          <a:fontRef idx="minor">
-            <a:schemeClr val="lt1"/>
-          </a:fontRef>
-        </p:style>
-        <p:txBody>
-          <a:bodyPr rtlCol="0" anchor="ctr"/>
-          <a:lstStyle/>
-          <a:p>
-            <a:pPr algn="ctr"/>
-            <a:r>
-              <a:rPr lang="en-US" altLang="ko-KR"/>
-              <a:t>3</a:t>
-            </a:r>
-            <a:r>
-              <a:rPr lang="ko-KR" altLang="en-US"/>
-              <a:t>페</a:t>
-            </a:r>
+            <a:r>
+              <a:rPr lang="ko-KR" altLang="en-US">
+                <a:latin typeface="맑은 고딕" panose="020B0503020000020004" pitchFamily="50" charset="-127"/>
+                <a:ea typeface="맑은 고딕" panose="020B0503020000020004" pitchFamily="50" charset="-127"/>
+              </a:rPr>
+              <a:t>리소스 제공</a:t>
+            </a:r>
+            <a:endParaRPr lang="en-US" altLang="ko-KR">
+              <a:latin typeface="맑은 고딕" panose="020B0503020000020004" pitchFamily="50" charset="-127"/>
+              <a:ea typeface="맑은 고딕" panose="020B0503020000020004" pitchFamily="50" charset="-127"/>
+            </a:endParaRPr>
+          </a:p>
+          <a:p>
+            <a:r>
+              <a:rPr lang="ko-KR" altLang="en-US">
+                <a:latin typeface="맑은 고딕" panose="020B0503020000020004" pitchFamily="50" charset="-127"/>
+                <a:ea typeface="맑은 고딕" panose="020B0503020000020004" pitchFamily="50" charset="-127"/>
+              </a:rPr>
+              <a:t>서버</a:t>
+            </a:r>
+            <a:r>
+              <a:rPr lang="en-US" altLang="ko-KR">
+                <a:latin typeface="맑은 고딕" panose="020B0503020000020004" pitchFamily="50" charset="-127"/>
+                <a:ea typeface="맑은 고딕" panose="020B0503020000020004" pitchFamily="50" charset="-127"/>
+              </a:rPr>
+              <a:t>, DB </a:t>
+            </a:r>
+            <a:r>
+              <a:rPr lang="ko-KR" altLang="en-US">
+                <a:latin typeface="맑은 고딕" panose="020B0503020000020004" pitchFamily="50" charset="-127"/>
+                <a:ea typeface="맑은 고딕" panose="020B0503020000020004" pitchFamily="50" charset="-127"/>
+              </a:rPr>
+              <a:t>기능 제공</a:t>
+            </a:r>
+            <a:endParaRPr lang="en-US" altLang="ko-KR">
+              <a:latin typeface="맑은 고딕" panose="020B0503020000020004" pitchFamily="50" charset="-127"/>
+              <a:ea typeface="맑은 고딕" panose="020B0503020000020004" pitchFamily="50" charset="-127"/>
+            </a:endParaRPr>
+          </a:p>
+          <a:p>
+            <a:r>
+              <a:rPr lang="ko-KR" altLang="en-US">
+                <a:latin typeface="맑은 고딕" panose="020B0503020000020004" pitchFamily="50" charset="-127"/>
+                <a:ea typeface="맑은 고딕" panose="020B0503020000020004" pitchFamily="50" charset="-127"/>
+              </a:rPr>
+              <a:t>가볍고 빠른 엔진</a:t>
+            </a:r>
+            <a:endParaRPr lang="en-US" altLang="ko-KR">
+              <a:latin typeface="맑은 고딕" panose="020B0503020000020004" pitchFamily="50" charset="-127"/>
+              <a:ea typeface="맑은 고딕" panose="020B0503020000020004" pitchFamily="50" charset="-127"/>
+            </a:endParaRPr>
+          </a:p>
+          <a:p>
+            <a:r>
+              <a:rPr lang="ko-KR" altLang="en-US">
+                <a:latin typeface="맑은 고딕" panose="020B0503020000020004" pitchFamily="50" charset="-127"/>
+                <a:ea typeface="맑은 고딕" panose="020B0503020000020004" pitchFamily="50" charset="-127"/>
+              </a:rPr>
+              <a:t>쉬운 스크립트 제작</a:t>
+            </a:r>
+            <a:endParaRPr lang="en-US" altLang="ko-KR">
+              <a:latin typeface="맑은 고딕" panose="020B0503020000020004" pitchFamily="50" charset="-127"/>
+              <a:ea typeface="맑은 고딕" panose="020B0503020000020004" pitchFamily="50" charset="-127"/>
+            </a:endParaRPr>
+          </a:p>
+          <a:p>
+            <a:r>
+              <a:rPr lang="ko-KR" altLang="en-US">
+                <a:latin typeface="맑은 고딕" panose="020B0503020000020004" pitchFamily="50" charset="-127"/>
+                <a:ea typeface="맑은 고딕" panose="020B0503020000020004" pitchFamily="50" charset="-127"/>
+              </a:rPr>
+              <a:t>강력한 인텔리센스 기능</a:t>
+            </a:r>
+            <a:endParaRPr lang="en-US" altLang="ko-KR">
+              <a:latin typeface="맑은 고딕" panose="020B0503020000020004" pitchFamily="50" charset="-127"/>
+              <a:ea typeface="맑은 고딕" panose="020B0503020000020004" pitchFamily="50" charset="-127"/>
+            </a:endParaRPr>
+          </a:p>
+          <a:p>
+            <a:r>
+              <a:rPr lang="en-US" altLang="ko-KR">
+                <a:latin typeface="맑은 고딕" panose="020B0503020000020004" pitchFamily="50" charset="-127"/>
+                <a:ea typeface="맑은 고딕" panose="020B0503020000020004" pitchFamily="50" charset="-127"/>
+              </a:rPr>
+              <a:t>BM </a:t>
+            </a:r>
+            <a:r>
+              <a:rPr lang="ko-KR" altLang="en-US">
+                <a:latin typeface="맑은 고딕" panose="020B0503020000020004" pitchFamily="50" charset="-127"/>
+                <a:ea typeface="맑은 고딕" panose="020B0503020000020004" pitchFamily="50" charset="-127"/>
+              </a:rPr>
+              <a:t>기능 제공</a:t>
+            </a:r>
+            <a:endParaRPr lang="en-US" altLang="ko-KR">
+              <a:latin typeface="맑은 고딕" panose="020B0503020000020004" pitchFamily="50" charset="-127"/>
+              <a:ea typeface="맑은 고딕" panose="020B0503020000020004" pitchFamily="50" charset="-127"/>
+            </a:endParaRPr>
+          </a:p>
+          <a:p>
+            <a:endParaRPr lang="en-US" altLang="ko-KR">
+              <a:latin typeface="맑은 고딕" panose="020B0503020000020004" pitchFamily="50" charset="-127"/>
+              <a:ea typeface="맑은 고딕" panose="020B0503020000020004" pitchFamily="50" charset="-127"/>
+            </a:endParaRPr>
+          </a:p>
+          <a:p>
+            <a:endParaRPr lang="ko-KR" altLang="en-US">
+              <a:latin typeface="맑은 고딕" panose="020B0503020000020004" pitchFamily="50" charset="-127"/>
+              <a:ea typeface="맑은 고딕" panose="020B0503020000020004" pitchFamily="50" charset="-127"/>
+            </a:endParaRPr>
           </a:p>
         </p:txBody>
       </p:sp>
     </p:spTree>
     <p:extLst>
       <p:ext uri="{BB962C8B-B14F-4D97-AF65-F5344CB8AC3E}">
-        <p14:creationId xmlns:p14="http://schemas.microsoft.com/office/powerpoint/2010/main" val="3693103728"/>
+        <p14:creationId xmlns:p14="http://schemas.microsoft.com/office/powerpoint/2010/main" val="3992247632"/>
       </p:ext>
     </p:extLst>
   </p:cSld>
@@ -8724,15 +10981,6 @@
 </file>
 
 <file path=customXml/item1.xml><?xml version="1.0" encoding="utf-8"?>
-<?mso-contentType ?>
-<FormTemplates xmlns="http://schemas.microsoft.com/sharepoint/v3/contenttype/forms">
-  <Display>DocumentLibraryForm</Display>
-  <Edit>DocumentLibraryForm</Edit>
-  <New>DocumentLibraryForm</New>
-</FormTemplates>
-</file>
-
-<file path=customXml/item2.xml><?xml version="1.0" encoding="utf-8"?>
 <ct:contentTypeSchema xmlns:ct="http://schemas.microsoft.com/office/2006/metadata/contentType" xmlns:ma="http://schemas.microsoft.com/office/2006/metadata/properties/metaAttributes" ct:_="" ma:_="" ma:contentTypeName="문서" ma:contentTypeID="0x010100BE14D7F540F35B468BA64A314BA30FF0" ma:contentTypeVersion="4" ma:contentTypeDescription="새 문서를 만듭니다." ma:contentTypeScope="" ma:versionID="823feba5b05e19280be375e1066c19b7">
   <xsd:schema xmlns:xsd="http://www.w3.org/2001/XMLSchema" xmlns:xs="http://www.w3.org/2001/XMLSchema" xmlns:p="http://schemas.microsoft.com/office/2006/metadata/properties" xmlns:ns3="b742ef55-5b73-48b8-9e5a-be290748a8af" targetNamespace="http://schemas.microsoft.com/office/2006/metadata/properties" ma:root="true" ma:fieldsID="96ada5517bd0105d5f64dfee587a7b36" ns3:_="">
     <xsd:import namespace="b742ef55-5b73-48b8-9e5a-be290748a8af"/>
@@ -8878,6 +11126,15 @@
 </ct:contentTypeSchema>
 </file>
 
+<file path=customXml/item2.xml><?xml version="1.0" encoding="utf-8"?>
+<?mso-contentType ?>
+<FormTemplates xmlns="http://schemas.microsoft.com/sharepoint/v3/contenttype/forms">
+  <Display>DocumentLibraryForm</Display>
+  <Edit>DocumentLibraryForm</Edit>
+  <New>DocumentLibraryForm</New>
+</FormTemplates>
+</file>
+
 <file path=customXml/item3.xml><?xml version="1.0" encoding="utf-8"?>
 <p:properties xmlns:p="http://schemas.microsoft.com/office/2006/metadata/properties" xmlns:xsi="http://www.w3.org/2001/XMLSchema-instance" xmlns:pc="http://schemas.microsoft.com/office/infopath/2007/PartnerControls">
   <documentManagement/>
@@ -8885,14 +11142,6 @@
 </file>
 
 <file path=customXml/itemProps1.xml><?xml version="1.0" encoding="utf-8"?>
-<ds:datastoreItem xmlns:ds="http://schemas.openxmlformats.org/officeDocument/2006/customXml" ds:itemID="{C20368BC-359B-4539-B9C4-F3E3B0945675}">
-  <ds:schemaRefs>
-    <ds:schemaRef ds:uri="http://schemas.microsoft.com/sharepoint/v3/contenttype/forms"/>
-  </ds:schemaRefs>
-</ds:datastoreItem>
-</file>
-
-<file path=customXml/itemProps2.xml><?xml version="1.0" encoding="utf-8"?>
 <ds:datastoreItem xmlns:ds="http://schemas.openxmlformats.org/officeDocument/2006/customXml" ds:itemID="{4C96FD82-5389-4F41-B69C-5C4EF36EBB32}">
   <ds:schemaRefs>
     <ds:schemaRef ds:uri="http://schemas.microsoft.com/office/2006/metadata/contentType"/>
@@ -8906,6 +11155,14 @@
     <ds:schemaRef ds:uri="http://purl.org/dc/elements/1.1/"/>
     <ds:schemaRef ds:uri="http://purl.org/dc/terms/"/>
     <ds:schemaRef ds:uri="http://schemas.microsoft.com/internal/obd"/>
+  </ds:schemaRefs>
+</ds:datastoreItem>
+</file>
+
+<file path=customXml/itemProps2.xml><?xml version="1.0" encoding="utf-8"?>
+<ds:datastoreItem xmlns:ds="http://schemas.openxmlformats.org/officeDocument/2006/customXml" ds:itemID="{C20368BC-359B-4539-B9C4-F3E3B0945675}">
+  <ds:schemaRefs>
+    <ds:schemaRef ds:uri="http://schemas.microsoft.com/sharepoint/v3/contenttype/forms"/>
   </ds:schemaRefs>
 </ds:datastoreItem>
 </file>

--- a/발표자료/최종발표.pptx
+++ b/발표자료/최종발표.pptx
@@ -7,17 +7,15 @@
   <p:sldIdLst>
     <p:sldId id="256" r:id="rId5"/>
     <p:sldId id="263" r:id="rId6"/>
-    <p:sldId id="302" r:id="rId7"/>
-    <p:sldId id="305" r:id="rId8"/>
-    <p:sldId id="304" r:id="rId9"/>
-    <p:sldId id="303" r:id="rId10"/>
-    <p:sldId id="297" r:id="rId11"/>
-    <p:sldId id="298" r:id="rId12"/>
-    <p:sldId id="299" r:id="rId13"/>
-    <p:sldId id="300" r:id="rId14"/>
-    <p:sldId id="301" r:id="rId15"/>
-    <p:sldId id="296" r:id="rId16"/>
-    <p:sldId id="295" r:id="rId17"/>
+    <p:sldId id="305" r:id="rId7"/>
+    <p:sldId id="304" r:id="rId8"/>
+    <p:sldId id="303" r:id="rId9"/>
+    <p:sldId id="297" r:id="rId10"/>
+    <p:sldId id="299" r:id="rId11"/>
+    <p:sldId id="300" r:id="rId12"/>
+    <p:sldId id="301" r:id="rId13"/>
+    <p:sldId id="296" r:id="rId14"/>
+    <p:sldId id="295" r:id="rId15"/>
   </p:sldIdLst>
   <p:sldSz cx="12192000" cy="6858000"/>
   <p:notesSz cx="6858000" cy="9144000"/>
@@ -6672,7 +6670,7 @@
                 <a:latin typeface="맑은 고딕" panose="020B0503020000020004" pitchFamily="50" charset="-127"/>
                 <a:ea typeface="맑은 고딕" panose="020B0503020000020004" pitchFamily="50" charset="-127"/>
               </a:rPr>
-              <a:t>중간발표</a:t>
+              <a:t>최종발표</a:t>
             </a:r>
           </a:p>
         </p:txBody>
@@ -6712,381 +6710,6 @@
           <p:cNvPr id="2" name="제목 1">
             <a:extLst>
               <a:ext uri="{FF2B5EF4-FFF2-40B4-BE49-F238E27FC236}">
-                <a16:creationId xmlns:a16="http://schemas.microsoft.com/office/drawing/2014/main" id="{9EF89999-E1E4-3805-468E-9935D300D2FF}"/>
-              </a:ext>
-            </a:extLst>
-          </p:cNvPr>
-          <p:cNvSpPr>
-            <a:spLocks noGrp="1"/>
-          </p:cNvSpPr>
-          <p:nvPr>
-            <p:ph type="title"/>
-          </p:nvPr>
-        </p:nvSpPr>
-        <p:spPr/>
-        <p:txBody>
-          <a:bodyPr/>
-          <a:lstStyle/>
-          <a:p>
-            <a:r>
-              <a:rPr lang="ko-KR" altLang="en-US" sz="4000">
-                <a:latin typeface="맑은 고딕" panose="020B0503020000020004" pitchFamily="50" charset="-127"/>
-                <a:ea typeface="맑은 고딕" panose="020B0503020000020004" pitchFamily="50" charset="-127"/>
-              </a:rPr>
-              <a:t>단점</a:t>
-            </a:r>
-          </a:p>
-        </p:txBody>
-      </p:sp>
-      <p:sp>
-        <p:nvSpPr>
-          <p:cNvPr id="3" name="내용 개체 틀 2">
-            <a:extLst>
-              <a:ext uri="{FF2B5EF4-FFF2-40B4-BE49-F238E27FC236}">
-                <a16:creationId xmlns:a16="http://schemas.microsoft.com/office/drawing/2014/main" id="{9CC00689-28F8-69FE-B175-2404B354EF45}"/>
-              </a:ext>
-            </a:extLst>
-          </p:cNvPr>
-          <p:cNvSpPr>
-            <a:spLocks noGrp="1"/>
-          </p:cNvSpPr>
-          <p:nvPr>
-            <p:ph idx="1"/>
-          </p:nvPr>
-        </p:nvSpPr>
-        <p:spPr/>
-        <p:txBody>
-          <a:bodyPr/>
-          <a:lstStyle/>
-          <a:p>
-            <a:r>
-              <a:rPr lang="ko-KR" altLang="en-US">
-                <a:latin typeface="맑은 고딕" panose="020B0503020000020004" pitchFamily="50" charset="-127"/>
-                <a:ea typeface="맑은 고딕" panose="020B0503020000020004" pitchFamily="50" charset="-127"/>
-              </a:rPr>
-              <a:t>협업 기능 지원이 부족함</a:t>
-            </a:r>
-            <a:endParaRPr lang="en-US" altLang="ko-KR">
-              <a:latin typeface="맑은 고딕" panose="020B0503020000020004" pitchFamily="50" charset="-127"/>
-              <a:ea typeface="맑은 고딕" panose="020B0503020000020004" pitchFamily="50" charset="-127"/>
-            </a:endParaRPr>
-          </a:p>
-          <a:p>
-            <a:pPr marL="0" indent="0">
-              <a:buNone/>
-            </a:pPr>
-            <a:endParaRPr lang="en-US" altLang="ko-KR">
-              <a:latin typeface="맑은 고딕" panose="020B0503020000020004" pitchFamily="50" charset="-127"/>
-              <a:ea typeface="맑은 고딕" panose="020B0503020000020004" pitchFamily="50" charset="-127"/>
-            </a:endParaRPr>
-          </a:p>
-          <a:p>
-            <a:r>
-              <a:rPr lang="ko-KR" altLang="en-US">
-                <a:latin typeface="맑은 고딕" panose="020B0503020000020004" pitchFamily="50" charset="-127"/>
-                <a:ea typeface="맑은 고딕" panose="020B0503020000020004" pitchFamily="50" charset="-127"/>
-              </a:rPr>
-              <a:t>자료 부족</a:t>
-            </a:r>
-            <a:endParaRPr lang="en-US" altLang="ko-KR">
-              <a:latin typeface="맑은 고딕" panose="020B0503020000020004" pitchFamily="50" charset="-127"/>
-              <a:ea typeface="맑은 고딕" panose="020B0503020000020004" pitchFamily="50" charset="-127"/>
-            </a:endParaRPr>
-          </a:p>
-          <a:p>
-            <a:endParaRPr lang="en-US" altLang="ko-KR">
-              <a:latin typeface="맑은 고딕" panose="020B0503020000020004" pitchFamily="50" charset="-127"/>
-              <a:ea typeface="맑은 고딕" panose="020B0503020000020004" pitchFamily="50" charset="-127"/>
-            </a:endParaRPr>
-          </a:p>
-          <a:p>
-            <a:r>
-              <a:rPr lang="ko-KR" altLang="en-US">
-                <a:latin typeface="맑은 고딕" panose="020B0503020000020004" pitchFamily="50" charset="-127"/>
-                <a:ea typeface="맑은 고딕" panose="020B0503020000020004" pitchFamily="50" charset="-127"/>
-              </a:rPr>
-              <a:t>유니티에 있는 몇몇 기능이 없음</a:t>
-            </a:r>
-            <a:endParaRPr lang="en-US" altLang="ko-KR">
-              <a:latin typeface="맑은 고딕" panose="020B0503020000020004" pitchFamily="50" charset="-127"/>
-              <a:ea typeface="맑은 고딕" panose="020B0503020000020004" pitchFamily="50" charset="-127"/>
-            </a:endParaRPr>
-          </a:p>
-          <a:p>
-            <a:endParaRPr lang="en-US" altLang="ko-KR">
-              <a:latin typeface="맑은 고딕" panose="020B0503020000020004" pitchFamily="50" charset="-127"/>
-              <a:ea typeface="맑은 고딕" panose="020B0503020000020004" pitchFamily="50" charset="-127"/>
-            </a:endParaRPr>
-          </a:p>
-          <a:p>
-            <a:r>
-              <a:rPr lang="ko-KR" altLang="en-US">
-                <a:latin typeface="맑은 고딕" panose="020B0503020000020004" pitchFamily="50" charset="-127"/>
-                <a:ea typeface="맑은 고딕" panose="020B0503020000020004" pitchFamily="50" charset="-127"/>
-              </a:rPr>
-              <a:t>에디터 커스터마이징 기능이 빈약함</a:t>
-            </a:r>
-            <a:endParaRPr lang="en-US" altLang="ko-KR">
-              <a:latin typeface="맑은 고딕" panose="020B0503020000020004" pitchFamily="50" charset="-127"/>
-              <a:ea typeface="맑은 고딕" panose="020B0503020000020004" pitchFamily="50" charset="-127"/>
-            </a:endParaRPr>
-          </a:p>
-          <a:p>
-            <a:endParaRPr lang="en-US" altLang="ko-KR">
-              <a:latin typeface="맑은 고딕" panose="020B0503020000020004" pitchFamily="50" charset="-127"/>
-              <a:ea typeface="맑은 고딕" panose="020B0503020000020004" pitchFamily="50" charset="-127"/>
-            </a:endParaRPr>
-          </a:p>
-          <a:p>
-            <a:r>
-              <a:rPr lang="en-US" altLang="ko-KR" strike="sngStrike">
-                <a:latin typeface="맑은 고딕" panose="020B0503020000020004" pitchFamily="50" charset="-127"/>
-                <a:ea typeface="맑은 고딕" panose="020B0503020000020004" pitchFamily="50" charset="-127"/>
-              </a:rPr>
-              <a:t>Lua </a:t>
-            </a:r>
-            <a:r>
-              <a:rPr lang="ko-KR" altLang="en-US" strike="sngStrike">
-                <a:latin typeface="맑은 고딕" panose="020B0503020000020004" pitchFamily="50" charset="-127"/>
-                <a:ea typeface="맑은 고딕" panose="020B0503020000020004" pitchFamily="50" charset="-127"/>
-              </a:rPr>
-              <a:t>특성상 지역 변수의 타입명을 명시할 수 없음</a:t>
-            </a:r>
-          </a:p>
-        </p:txBody>
-      </p:sp>
-    </p:spTree>
-    <p:extLst>
-      <p:ext uri="{BB962C8B-B14F-4D97-AF65-F5344CB8AC3E}">
-        <p14:creationId xmlns:p14="http://schemas.microsoft.com/office/powerpoint/2010/main" val="1166467205"/>
-      </p:ext>
-    </p:extLst>
-  </p:cSld>
-  <p:clrMapOvr>
-    <a:masterClrMapping/>
-  </p:clrMapOvr>
-</p:sld>
-</file>
-
-<file path=ppt/slides/slide11.xml><?xml version="1.0" encoding="utf-8"?>
-<p:sld xmlns:a="http://schemas.openxmlformats.org/drawingml/2006/main" xmlns:r="http://schemas.openxmlformats.org/officeDocument/2006/relationships" xmlns:p="http://schemas.openxmlformats.org/presentationml/2006/main">
-  <p:cSld>
-    <p:spTree>
-      <p:nvGrpSpPr>
-        <p:cNvPr id="1" name=""/>
-        <p:cNvGrpSpPr/>
-        <p:nvPr/>
-      </p:nvGrpSpPr>
-      <p:grpSpPr>
-        <a:xfrm>
-          <a:off x="0" y="0"/>
-          <a:ext cx="0" cy="0"/>
-          <a:chOff x="0" y="0"/>
-          <a:chExt cx="0" cy="0"/>
-        </a:xfrm>
-      </p:grpSpPr>
-      <p:sp>
-        <p:nvSpPr>
-          <p:cNvPr id="2" name="제목 1">
-            <a:extLst>
-              <a:ext uri="{FF2B5EF4-FFF2-40B4-BE49-F238E27FC236}">
-                <a16:creationId xmlns:a16="http://schemas.microsoft.com/office/drawing/2014/main" id="{9EF89999-E1E4-3805-468E-9935D300D2FF}"/>
-              </a:ext>
-            </a:extLst>
-          </p:cNvPr>
-          <p:cNvSpPr>
-            <a:spLocks noGrp="1"/>
-          </p:cNvSpPr>
-          <p:nvPr>
-            <p:ph type="title"/>
-          </p:nvPr>
-        </p:nvSpPr>
-        <p:spPr/>
-        <p:txBody>
-          <a:bodyPr/>
-          <a:lstStyle/>
-          <a:p>
-            <a:r>
-              <a:rPr lang="ko-KR" altLang="en-US" sz="4000">
-                <a:latin typeface="맑은 고딕" panose="020B0503020000020004" pitchFamily="50" charset="-127"/>
-                <a:ea typeface="맑은 고딕" panose="020B0503020000020004" pitchFamily="50" charset="-127"/>
-              </a:rPr>
-              <a:t>단점</a:t>
-            </a:r>
-          </a:p>
-        </p:txBody>
-      </p:sp>
-      <p:sp>
-        <p:nvSpPr>
-          <p:cNvPr id="3" name="내용 개체 틀 2">
-            <a:extLst>
-              <a:ext uri="{FF2B5EF4-FFF2-40B4-BE49-F238E27FC236}">
-                <a16:creationId xmlns:a16="http://schemas.microsoft.com/office/drawing/2014/main" id="{9CC00689-28F8-69FE-B175-2404B354EF45}"/>
-              </a:ext>
-            </a:extLst>
-          </p:cNvPr>
-          <p:cNvSpPr>
-            <a:spLocks noGrp="1"/>
-          </p:cNvSpPr>
-          <p:nvPr>
-            <p:ph idx="1"/>
-          </p:nvPr>
-        </p:nvSpPr>
-        <p:spPr/>
-        <p:txBody>
-          <a:bodyPr/>
-          <a:lstStyle/>
-          <a:p>
-            <a:r>
-              <a:rPr lang="ko-KR" altLang="en-US" sz="2400">
-                <a:latin typeface="맑은 고딕" panose="020B0503020000020004" pitchFamily="50" charset="-127"/>
-                <a:ea typeface="맑은 고딕" panose="020B0503020000020004" pitchFamily="50" charset="-127"/>
-              </a:rPr>
-              <a:t>개발 중 튕기는 버그</a:t>
-            </a:r>
-            <a:endParaRPr lang="en-US" altLang="ko-KR" sz="2400">
-              <a:latin typeface="맑은 고딕" panose="020B0503020000020004" pitchFamily="50" charset="-127"/>
-              <a:ea typeface="맑은 고딕" panose="020B0503020000020004" pitchFamily="50" charset="-127"/>
-            </a:endParaRPr>
-          </a:p>
-          <a:p>
-            <a:r>
-              <a:rPr lang="ko-KR" altLang="en-US" sz="2400">
-                <a:latin typeface="맑은 고딕" panose="020B0503020000020004" pitchFamily="50" charset="-127"/>
-                <a:ea typeface="맑은 고딕" panose="020B0503020000020004" pitchFamily="50" charset="-127"/>
-              </a:rPr>
-              <a:t>스크립트 편집이 안되는 버그</a:t>
-            </a:r>
-            <a:endParaRPr lang="en-US" altLang="ko-KR" sz="2400">
-              <a:latin typeface="맑은 고딕" panose="020B0503020000020004" pitchFamily="50" charset="-127"/>
-              <a:ea typeface="맑은 고딕" panose="020B0503020000020004" pitchFamily="50" charset="-127"/>
-            </a:endParaRPr>
-          </a:p>
-          <a:p>
-            <a:r>
-              <a:rPr lang="ko-KR" altLang="en-US" sz="2400">
-                <a:latin typeface="맑은 고딕" panose="020B0503020000020004" pitchFamily="50" charset="-127"/>
-                <a:ea typeface="맑은 고딕" panose="020B0503020000020004" pitchFamily="50" charset="-127"/>
-              </a:rPr>
-              <a:t>무한로딩 버그</a:t>
-            </a:r>
-            <a:endParaRPr lang="en-US" altLang="ko-KR" sz="2400">
-              <a:latin typeface="맑은 고딕" panose="020B0503020000020004" pitchFamily="50" charset="-127"/>
-              <a:ea typeface="맑은 고딕" panose="020B0503020000020004" pitchFamily="50" charset="-127"/>
-            </a:endParaRPr>
-          </a:p>
-          <a:p>
-            <a:r>
-              <a:rPr lang="ko-KR" altLang="en-US" sz="2400">
-                <a:latin typeface="맑은 고딕" panose="020B0503020000020004" pitchFamily="50" charset="-127"/>
-                <a:ea typeface="맑은 고딕" panose="020B0503020000020004" pitchFamily="50" charset="-127"/>
-              </a:rPr>
-              <a:t>브레이크포인트가 제멋대로 이동하는 버그</a:t>
-            </a:r>
-            <a:endParaRPr lang="en-US" altLang="ko-KR" sz="2400">
-              <a:latin typeface="맑은 고딕" panose="020B0503020000020004" pitchFamily="50" charset="-127"/>
-              <a:ea typeface="맑은 고딕" panose="020B0503020000020004" pitchFamily="50" charset="-127"/>
-            </a:endParaRPr>
-          </a:p>
-          <a:p>
-            <a:r>
-              <a:rPr lang="ko-KR" altLang="en-US" sz="2400">
-                <a:latin typeface="맑은 고딕" panose="020B0503020000020004" pitchFamily="50" charset="-127"/>
-                <a:ea typeface="맑은 고딕" panose="020B0503020000020004" pitchFamily="50" charset="-127"/>
-              </a:rPr>
-              <a:t>스크립트 글자가 겹쳐보이는 버그</a:t>
-            </a:r>
-            <a:endParaRPr lang="en-US" altLang="ko-KR" sz="2400">
-              <a:latin typeface="맑은 고딕" panose="020B0503020000020004" pitchFamily="50" charset="-127"/>
-              <a:ea typeface="맑은 고딕" panose="020B0503020000020004" pitchFamily="50" charset="-127"/>
-            </a:endParaRPr>
-          </a:p>
-          <a:p>
-            <a:r>
-              <a:rPr lang="ko-KR" altLang="en-US" sz="2400">
-                <a:latin typeface="맑은 고딕" panose="020B0503020000020004" pitchFamily="50" charset="-127"/>
-                <a:ea typeface="맑은 고딕" panose="020B0503020000020004" pitchFamily="50" charset="-127"/>
-              </a:rPr>
-              <a:t>접근할 수 없는 더미 스크립트가 생기는 버그</a:t>
-            </a:r>
-            <a:endParaRPr lang="en-US" altLang="ko-KR" sz="2400">
-              <a:latin typeface="맑은 고딕" panose="020B0503020000020004" pitchFamily="50" charset="-127"/>
-              <a:ea typeface="맑은 고딕" panose="020B0503020000020004" pitchFamily="50" charset="-127"/>
-            </a:endParaRPr>
-          </a:p>
-          <a:p>
-            <a:r>
-              <a:rPr lang="ko-KR" altLang="en-US" sz="2400">
-                <a:latin typeface="맑은 고딕" panose="020B0503020000020004" pitchFamily="50" charset="-127"/>
-                <a:ea typeface="맑은 고딕" panose="020B0503020000020004" pitchFamily="50" charset="-127"/>
-              </a:rPr>
-              <a:t>스크립트 에러가 반 박자 늦게 표시되는 버그</a:t>
-            </a:r>
-            <a:endParaRPr lang="en-US" altLang="ko-KR" sz="2400">
-              <a:latin typeface="맑은 고딕" panose="020B0503020000020004" pitchFamily="50" charset="-127"/>
-              <a:ea typeface="맑은 고딕" panose="020B0503020000020004" pitchFamily="50" charset="-127"/>
-            </a:endParaRPr>
-          </a:p>
-          <a:p>
-            <a:r>
-              <a:rPr lang="ko-KR" altLang="en-US" sz="2400">
-                <a:latin typeface="맑은 고딕" panose="020B0503020000020004" pitchFamily="50" charset="-127"/>
-                <a:ea typeface="맑은 고딕" panose="020B0503020000020004" pitchFamily="50" charset="-127"/>
-              </a:rPr>
-              <a:t>보이지 않는 오브젝트가 </a:t>
-            </a:r>
-            <a:r>
-              <a:rPr lang="en-US" altLang="ko-KR" sz="2400">
-                <a:latin typeface="맑은 고딕" panose="020B0503020000020004" pitchFamily="50" charset="-127"/>
-                <a:ea typeface="맑은 고딕" panose="020B0503020000020004" pitchFamily="50" charset="-127"/>
-              </a:rPr>
-              <a:t>raycast</a:t>
-            </a:r>
-            <a:r>
-              <a:rPr lang="ko-KR" altLang="en-US" sz="2400">
-                <a:latin typeface="맑은 고딕" panose="020B0503020000020004" pitchFamily="50" charset="-127"/>
-                <a:ea typeface="맑은 고딕" panose="020B0503020000020004" pitchFamily="50" charset="-127"/>
-              </a:rPr>
-              <a:t>에 영향을 주는 버그</a:t>
-            </a:r>
-          </a:p>
-        </p:txBody>
-      </p:sp>
-    </p:spTree>
-    <p:extLst>
-      <p:ext uri="{BB962C8B-B14F-4D97-AF65-F5344CB8AC3E}">
-        <p14:creationId xmlns:p14="http://schemas.microsoft.com/office/powerpoint/2010/main" val="2083658658"/>
-      </p:ext>
-    </p:extLst>
-  </p:cSld>
-  <p:clrMapOvr>
-    <a:masterClrMapping/>
-  </p:clrMapOvr>
-</p:sld>
-</file>
-
-<file path=ppt/slides/slide12.xml><?xml version="1.0" encoding="utf-8"?>
-<p:sld xmlns:a="http://schemas.openxmlformats.org/drawingml/2006/main" xmlns:r="http://schemas.openxmlformats.org/officeDocument/2006/relationships" xmlns:p="http://schemas.openxmlformats.org/presentationml/2006/main">
-  <p:cSld>
-    <p:spTree>
-      <p:nvGrpSpPr>
-        <p:cNvPr id="1" name=""/>
-        <p:cNvGrpSpPr/>
-        <p:nvPr/>
-      </p:nvGrpSpPr>
-      <p:grpSpPr>
-        <a:xfrm>
-          <a:off x="0" y="0"/>
-          <a:ext cx="0" cy="0"/>
-          <a:chOff x="0" y="0"/>
-          <a:chExt cx="0" cy="0"/>
-        </a:xfrm>
-      </p:grpSpPr>
-      <p:sp>
-        <p:nvSpPr>
-          <p:cNvPr id="2" name="제목 1">
-            <a:extLst>
-              <a:ext uri="{FF2B5EF4-FFF2-40B4-BE49-F238E27FC236}">
                 <a16:creationId xmlns:a16="http://schemas.microsoft.com/office/drawing/2014/main" id="{FB277F2A-4E90-A48C-1245-68B96F4501B1}"/>
               </a:ext>
             </a:extLst>
@@ -7284,7 +6907,7 @@
 </p:sld>
 </file>
 
-<file path=ppt/slides/slide13.xml><?xml version="1.0" encoding="utf-8"?>
+<file path=ppt/slides/slide11.xml><?xml version="1.0" encoding="utf-8"?>
 <p:sld xmlns:a="http://schemas.openxmlformats.org/drawingml/2006/main" xmlns:r="http://schemas.openxmlformats.org/officeDocument/2006/relationships" xmlns:p="http://schemas.openxmlformats.org/presentationml/2006/main">
   <p:cSld>
     <p:spTree>
@@ -8332,7 +7955,7 @@
           <a:lstStyle/>
           <a:p>
             <a:r>
-              <a:rPr lang="ko-KR" altLang="en-US" sz="4400">
+              <a:rPr lang="ko-KR" altLang="en-US" sz="4000">
                 <a:latin typeface="맑은 고딕" panose="020B0503020000020004" pitchFamily="50" charset="-127"/>
                 <a:ea typeface="맑은 고딕" panose="020B0503020000020004" pitchFamily="50" charset="-127"/>
               </a:rPr>
@@ -8376,7 +7999,7 @@
           <p:cNvPr id="2" name="제목 1">
             <a:extLst>
               <a:ext uri="{FF2B5EF4-FFF2-40B4-BE49-F238E27FC236}">
-                <a16:creationId xmlns:a16="http://schemas.microsoft.com/office/drawing/2014/main" id="{CD8B1248-7772-F599-4F4C-7A9B7B557A5B}"/>
+                <a16:creationId xmlns:a16="http://schemas.microsoft.com/office/drawing/2014/main" id="{6C039F59-75A3-A281-3039-621EE9F029AB}"/>
               </a:ext>
             </a:extLst>
           </p:cNvPr>
@@ -8392,104 +8015,8 @@
           <a:bodyPr/>
           <a:lstStyle/>
           <a:p>
-            <a:endParaRPr lang="ko-KR" altLang="en-US"/>
-          </a:p>
-        </p:txBody>
-      </p:sp>
-      <p:sp>
-        <p:nvSpPr>
-          <p:cNvPr id="3" name="내용 개체 틀 2">
-            <a:extLst>
-              <a:ext uri="{FF2B5EF4-FFF2-40B4-BE49-F238E27FC236}">
-                <a16:creationId xmlns:a16="http://schemas.microsoft.com/office/drawing/2014/main" id="{19A80A6F-0A07-938B-8EB1-72C3376FBF11}"/>
-              </a:ext>
-            </a:extLst>
-          </p:cNvPr>
-          <p:cNvSpPr>
-            <a:spLocks noGrp="1"/>
-          </p:cNvSpPr>
-          <p:nvPr>
-            <p:ph idx="1"/>
-          </p:nvPr>
-        </p:nvSpPr>
-        <p:spPr/>
-        <p:txBody>
-          <a:bodyPr/>
-          <a:lstStyle/>
-          <a:p>
-            <a:r>
-              <a:rPr lang="ko-KR" altLang="en-US"/>
-              <a:t>개발한 과정 정리 </a:t>
-            </a:r>
-            <a:r>
-              <a:rPr lang="en-US" altLang="ko-KR"/>
-              <a:t>(FSM, DB </a:t>
-            </a:r>
-            <a:r>
-              <a:rPr lang="ko-KR" altLang="en-US"/>
-              <a:t>로직</a:t>
-            </a:r>
-            <a:r>
-              <a:rPr lang="en-US" altLang="ko-KR"/>
-              <a:t>)</a:t>
-            </a:r>
-            <a:endParaRPr lang="ko-KR" altLang="en-US"/>
-          </a:p>
-        </p:txBody>
-      </p:sp>
-    </p:spTree>
-    <p:extLst>
-      <p:ext uri="{BB962C8B-B14F-4D97-AF65-F5344CB8AC3E}">
-        <p14:creationId xmlns:p14="http://schemas.microsoft.com/office/powerpoint/2010/main" val="1121226160"/>
-      </p:ext>
-    </p:extLst>
-  </p:cSld>
-  <p:clrMapOvr>
-    <a:masterClrMapping/>
-  </p:clrMapOvr>
-</p:sld>
-</file>
-
-<file path=ppt/slides/slide4.xml><?xml version="1.0" encoding="utf-8"?>
-<p:sld xmlns:a="http://schemas.openxmlformats.org/drawingml/2006/main" xmlns:r="http://schemas.openxmlformats.org/officeDocument/2006/relationships" xmlns:p="http://schemas.openxmlformats.org/presentationml/2006/main">
-  <p:cSld>
-    <p:spTree>
-      <p:nvGrpSpPr>
-        <p:cNvPr id="1" name=""/>
-        <p:cNvGrpSpPr/>
-        <p:nvPr/>
-      </p:nvGrpSpPr>
-      <p:grpSpPr>
-        <a:xfrm>
-          <a:off x="0" y="0"/>
-          <a:ext cx="0" cy="0"/>
-          <a:chOff x="0" y="0"/>
-          <a:chExt cx="0" cy="0"/>
-        </a:xfrm>
-      </p:grpSpPr>
-      <p:sp>
-        <p:nvSpPr>
-          <p:cNvPr id="2" name="제목 1">
-            <a:extLst>
-              <a:ext uri="{FF2B5EF4-FFF2-40B4-BE49-F238E27FC236}">
-                <a16:creationId xmlns:a16="http://schemas.microsoft.com/office/drawing/2014/main" id="{6C039F59-75A3-A281-3039-621EE9F029AB}"/>
-              </a:ext>
-            </a:extLst>
-          </p:cNvPr>
-          <p:cNvSpPr>
-            <a:spLocks noGrp="1"/>
-          </p:cNvSpPr>
-          <p:nvPr>
-            <p:ph type="title"/>
-          </p:nvPr>
-        </p:nvSpPr>
-        <p:spPr/>
-        <p:txBody>
-          <a:bodyPr/>
-          <a:lstStyle/>
-          <a:p>
-            <a:r>
-              <a:rPr lang="ko-KR" altLang="en-US" sz="4800">
+            <a:r>
+              <a:rPr lang="ko-KR" altLang="en-US" sz="4000">
                 <a:latin typeface="맑은 고딕" panose="020B0503020000020004" pitchFamily="50" charset="-127"/>
                 <a:ea typeface="맑은 고딕" panose="020B0503020000020004" pitchFamily="50" charset="-127"/>
               </a:rPr>
@@ -8638,8 +8165,8 @@
           </a:p>
         </p:txBody>
       </p:sp>
-      <mc:AlternateContent xmlns:mc="http://schemas.openxmlformats.org/markup-compatibility/2006">
-        <mc:Choice xmlns:p14="http://schemas.microsoft.com/office/powerpoint/2010/main" Requires="p14">
+      <mc:AlternateContent xmlns:mc="http://schemas.openxmlformats.org/markup-compatibility/2006" xmlns:p14="http://schemas.microsoft.com/office/powerpoint/2010/main">
+        <mc:Choice Requires="p14">
           <p:contentPart p14:bwMode="auto" r:id="rId4">
             <p14:nvContentPartPr>
               <p14:cNvPr id="13" name="잉크 12">
@@ -8658,7 +8185,7 @@
             </p14:xfrm>
           </p:contentPart>
         </mc:Choice>
-        <mc:Fallback>
+        <mc:Fallback xmlns="">
           <p:pic>
             <p:nvPicPr>
               <p:cNvPr id="13" name="잉크 12">
@@ -8689,8 +8216,8 @@
           </p:pic>
         </mc:Fallback>
       </mc:AlternateContent>
-      <mc:AlternateContent xmlns:mc="http://schemas.openxmlformats.org/markup-compatibility/2006">
-        <mc:Choice xmlns:p14="http://schemas.microsoft.com/office/powerpoint/2010/main" Requires="p14">
+      <mc:AlternateContent xmlns:mc="http://schemas.openxmlformats.org/markup-compatibility/2006" xmlns:p14="http://schemas.microsoft.com/office/powerpoint/2010/main">
+        <mc:Choice Requires="p14">
           <p:contentPart p14:bwMode="auto" r:id="rId6">
             <p14:nvContentPartPr>
               <p14:cNvPr id="15" name="잉크 14">
@@ -8709,7 +8236,7 @@
             </p14:xfrm>
           </p:contentPart>
         </mc:Choice>
-        <mc:Fallback>
+        <mc:Fallback xmlns="">
           <p:pic>
             <p:nvPicPr>
               <p:cNvPr id="15" name="잉크 14">
@@ -8760,8 +8287,8 @@
             <a:chExt cx="361080" cy="392760"/>
           </a:xfrm>
         </p:grpSpPr>
-        <mc:AlternateContent xmlns:mc="http://schemas.openxmlformats.org/markup-compatibility/2006">
-          <mc:Choice xmlns:p14="http://schemas.microsoft.com/office/powerpoint/2010/main" Requires="p14">
+        <mc:AlternateContent xmlns:mc="http://schemas.openxmlformats.org/markup-compatibility/2006" xmlns:p14="http://schemas.microsoft.com/office/powerpoint/2010/main">
+          <mc:Choice Requires="p14">
             <p:contentPart p14:bwMode="auto" r:id="rId8">
               <p14:nvContentPartPr>
                 <p14:cNvPr id="16" name="잉크 15">
@@ -8780,7 +8307,7 @@
               </p14:xfrm>
             </p:contentPart>
           </mc:Choice>
-          <mc:Fallback>
+          <mc:Fallback xmlns="">
             <p:pic>
               <p:nvPicPr>
                 <p:cNvPr id="16" name="잉크 15">
@@ -8811,8 +8338,8 @@
             </p:pic>
           </mc:Fallback>
         </mc:AlternateContent>
-        <mc:AlternateContent xmlns:mc="http://schemas.openxmlformats.org/markup-compatibility/2006">
-          <mc:Choice xmlns:p14="http://schemas.microsoft.com/office/powerpoint/2010/main" Requires="p14">
+        <mc:AlternateContent xmlns:mc="http://schemas.openxmlformats.org/markup-compatibility/2006" xmlns:p14="http://schemas.microsoft.com/office/powerpoint/2010/main">
+          <mc:Choice Requires="p14">
             <p:contentPart p14:bwMode="auto" r:id="rId10">
               <p14:nvContentPartPr>
                 <p14:cNvPr id="17" name="잉크 16">
@@ -8831,7 +8358,7 @@
               </p14:xfrm>
             </p:contentPart>
           </mc:Choice>
-          <mc:Fallback>
+          <mc:Fallback xmlns="">
             <p:pic>
               <p:nvPicPr>
                 <p:cNvPr id="17" name="잉크 16">
@@ -8863,8 +8390,8 @@
           </mc:Fallback>
         </mc:AlternateContent>
       </p:grpSp>
-      <mc:AlternateContent xmlns:mc="http://schemas.openxmlformats.org/markup-compatibility/2006">
-        <mc:Choice xmlns:p14="http://schemas.microsoft.com/office/powerpoint/2010/main" Requires="p14">
+      <mc:AlternateContent xmlns:mc="http://schemas.openxmlformats.org/markup-compatibility/2006" xmlns:p14="http://schemas.microsoft.com/office/powerpoint/2010/main">
+        <mc:Choice Requires="p14">
           <p:contentPart p14:bwMode="auto" r:id="rId12">
             <p14:nvContentPartPr>
               <p14:cNvPr id="19" name="잉크 18">
@@ -8883,7 +8410,7 @@
             </p14:xfrm>
           </p:contentPart>
         </mc:Choice>
-        <mc:Fallback>
+        <mc:Fallback xmlns="">
           <p:pic>
             <p:nvPicPr>
               <p:cNvPr id="19" name="잉크 18">
@@ -8927,7 +8454,7 @@
 </p:sld>
 </file>
 
-<file path=ppt/slides/slide5.xml><?xml version="1.0" encoding="utf-8"?>
+<file path=ppt/slides/slide4.xml><?xml version="1.0" encoding="utf-8"?>
 <p:sld xmlns:a="http://schemas.openxmlformats.org/drawingml/2006/main" xmlns:r="http://schemas.openxmlformats.org/officeDocument/2006/relationships" xmlns:p="http://schemas.openxmlformats.org/presentationml/2006/main">
   <p:cSld>
     <p:spTree>
@@ -8966,7 +8493,7 @@
           <a:lstStyle/>
           <a:p>
             <a:r>
-              <a:rPr lang="ko-KR" altLang="en-US" sz="4800">
+              <a:rPr lang="ko-KR" altLang="en-US" sz="4000">
                 <a:latin typeface="맑은 고딕" panose="020B0503020000020004" pitchFamily="50" charset="-127"/>
                 <a:ea typeface="맑은 고딕" panose="020B0503020000020004" pitchFamily="50" charset="-127"/>
               </a:rPr>
@@ -8997,11 +8524,17 @@
           <a:lstStyle/>
           <a:p>
             <a:r>
-              <a:rPr lang="en-US" altLang="ko-KR"/>
+              <a:rPr lang="en-US" altLang="ko-KR">
+                <a:latin typeface="맑은 고딕" panose="020B0503020000020004" pitchFamily="50" charset="-127"/>
+                <a:ea typeface="맑은 고딕" panose="020B0503020000020004" pitchFamily="50" charset="-127"/>
+              </a:rPr>
               <a:t>FSM</a:t>
             </a:r>
             <a:r>
-              <a:rPr lang="ko-KR" altLang="en-US"/>
+              <a:rPr lang="ko-KR" altLang="en-US">
+                <a:latin typeface="맑은 고딕" panose="020B0503020000020004" pitchFamily="50" charset="-127"/>
+                <a:ea typeface="맑은 고딕" panose="020B0503020000020004" pitchFamily="50" charset="-127"/>
+              </a:rPr>
               <a:t>으로 구현</a:t>
             </a:r>
           </a:p>
@@ -9343,8 +8876,8 @@
           </a:p>
         </p:txBody>
       </p:sp>
-      <mc:AlternateContent xmlns:mc="http://schemas.openxmlformats.org/markup-compatibility/2006">
-        <mc:Choice xmlns:p14="http://schemas.microsoft.com/office/powerpoint/2010/main" Requires="p14">
+      <mc:AlternateContent xmlns:mc="http://schemas.openxmlformats.org/markup-compatibility/2006" xmlns:p14="http://schemas.microsoft.com/office/powerpoint/2010/main">
+        <mc:Choice Requires="p14">
           <p:contentPart p14:bwMode="auto" r:id="rId2">
             <p14:nvContentPartPr>
               <p14:cNvPr id="24" name="잉크 23">
@@ -9363,7 +8896,7 @@
             </p14:xfrm>
           </p:contentPart>
         </mc:Choice>
-        <mc:Fallback>
+        <mc:Fallback xmlns="">
           <p:pic>
             <p:nvPicPr>
               <p:cNvPr id="24" name="잉크 23">
@@ -9394,8 +8927,8 @@
           </p:pic>
         </mc:Fallback>
       </mc:AlternateContent>
-      <mc:AlternateContent xmlns:mc="http://schemas.openxmlformats.org/markup-compatibility/2006">
-        <mc:Choice xmlns:p14="http://schemas.microsoft.com/office/powerpoint/2010/main" Requires="p14">
+      <mc:AlternateContent xmlns:mc="http://schemas.openxmlformats.org/markup-compatibility/2006" xmlns:p14="http://schemas.microsoft.com/office/powerpoint/2010/main">
+        <mc:Choice Requires="p14">
           <p:contentPart p14:bwMode="auto" r:id="rId4">
             <p14:nvContentPartPr>
               <p14:cNvPr id="25" name="잉크 24">
@@ -9414,7 +8947,7 @@
             </p14:xfrm>
           </p:contentPart>
         </mc:Choice>
-        <mc:Fallback>
+        <mc:Fallback xmlns="">
           <p:pic>
             <p:nvPicPr>
               <p:cNvPr id="25" name="잉크 24">
@@ -9445,8 +8978,8 @@
           </p:pic>
         </mc:Fallback>
       </mc:AlternateContent>
-      <mc:AlternateContent xmlns:mc="http://schemas.openxmlformats.org/markup-compatibility/2006">
-        <mc:Choice xmlns:p14="http://schemas.microsoft.com/office/powerpoint/2010/main" Requires="p14">
+      <mc:AlternateContent xmlns:mc="http://schemas.openxmlformats.org/markup-compatibility/2006" xmlns:p14="http://schemas.microsoft.com/office/powerpoint/2010/main">
+        <mc:Choice Requires="p14">
           <p:contentPart p14:bwMode="auto" r:id="rId6">
             <p14:nvContentPartPr>
               <p14:cNvPr id="31" name="잉크 30">
@@ -9465,7 +8998,7 @@
             </p14:xfrm>
           </p:contentPart>
         </mc:Choice>
-        <mc:Fallback>
+        <mc:Fallback xmlns="">
           <p:pic>
             <p:nvPicPr>
               <p:cNvPr id="31" name="잉크 30">
@@ -9496,8 +9029,8 @@
           </p:pic>
         </mc:Fallback>
       </mc:AlternateContent>
-      <mc:AlternateContent xmlns:mc="http://schemas.openxmlformats.org/markup-compatibility/2006">
-        <mc:Choice xmlns:p14="http://schemas.microsoft.com/office/powerpoint/2010/main" Requires="p14">
+      <mc:AlternateContent xmlns:mc="http://schemas.openxmlformats.org/markup-compatibility/2006" xmlns:p14="http://schemas.microsoft.com/office/powerpoint/2010/main">
+        <mc:Choice Requires="p14">
           <p:contentPart p14:bwMode="auto" r:id="rId8">
             <p14:nvContentPartPr>
               <p14:cNvPr id="32" name="잉크 31">
@@ -9516,7 +9049,7 @@
             </p14:xfrm>
           </p:contentPart>
         </mc:Choice>
-        <mc:Fallback>
+        <mc:Fallback xmlns="">
           <p:pic>
             <p:nvPicPr>
               <p:cNvPr id="32" name="잉크 31">
@@ -9567,8 +9100,8 @@
             <a:chExt cx="2741760" cy="825840"/>
           </a:xfrm>
         </p:grpSpPr>
-        <mc:AlternateContent xmlns:mc="http://schemas.openxmlformats.org/markup-compatibility/2006">
-          <mc:Choice xmlns:p14="http://schemas.microsoft.com/office/powerpoint/2010/main" Requires="p14">
+        <mc:AlternateContent xmlns:mc="http://schemas.openxmlformats.org/markup-compatibility/2006" xmlns:p14="http://schemas.microsoft.com/office/powerpoint/2010/main">
+          <mc:Choice Requires="p14">
             <p:contentPart p14:bwMode="auto" r:id="rId10">
               <p14:nvContentPartPr>
                 <p14:cNvPr id="18" name="잉크 17">
@@ -9587,7 +9120,7 @@
               </p14:xfrm>
             </p:contentPart>
           </mc:Choice>
-          <mc:Fallback>
+          <mc:Fallback xmlns="">
             <p:pic>
               <p:nvPicPr>
                 <p:cNvPr id="18" name="잉크 17">
@@ -9618,8 +9151,8 @@
             </p:pic>
           </mc:Fallback>
         </mc:AlternateContent>
-        <mc:AlternateContent xmlns:mc="http://schemas.openxmlformats.org/markup-compatibility/2006">
-          <mc:Choice xmlns:p14="http://schemas.microsoft.com/office/powerpoint/2010/main" Requires="p14">
+        <mc:AlternateContent xmlns:mc="http://schemas.openxmlformats.org/markup-compatibility/2006" xmlns:p14="http://schemas.microsoft.com/office/powerpoint/2010/main">
+          <mc:Choice Requires="p14">
             <p:contentPart p14:bwMode="auto" r:id="rId12">
               <p14:nvContentPartPr>
                 <p14:cNvPr id="19" name="잉크 18">
@@ -9638,7 +9171,7 @@
               </p14:xfrm>
             </p:contentPart>
           </mc:Choice>
-          <mc:Fallback>
+          <mc:Fallback xmlns="">
             <p:pic>
               <p:nvPicPr>
                 <p:cNvPr id="19" name="잉크 18">
@@ -9669,8 +9202,8 @@
             </p:pic>
           </mc:Fallback>
         </mc:AlternateContent>
-        <mc:AlternateContent xmlns:mc="http://schemas.openxmlformats.org/markup-compatibility/2006">
-          <mc:Choice xmlns:p14="http://schemas.microsoft.com/office/powerpoint/2010/main" Requires="p14">
+        <mc:AlternateContent xmlns:mc="http://schemas.openxmlformats.org/markup-compatibility/2006" xmlns:p14="http://schemas.microsoft.com/office/powerpoint/2010/main">
+          <mc:Choice Requires="p14">
             <p:contentPart p14:bwMode="auto" r:id="rId14">
               <p14:nvContentPartPr>
                 <p14:cNvPr id="20" name="잉크 19">
@@ -9689,7 +9222,7 @@
               </p14:xfrm>
             </p:contentPart>
           </mc:Choice>
-          <mc:Fallback>
+          <mc:Fallback xmlns="">
             <p:pic>
               <p:nvPicPr>
                 <p:cNvPr id="20" name="잉크 19">
@@ -9720,8 +9253,8 @@
             </p:pic>
           </mc:Fallback>
         </mc:AlternateContent>
-        <mc:AlternateContent xmlns:mc="http://schemas.openxmlformats.org/markup-compatibility/2006">
-          <mc:Choice xmlns:p14="http://schemas.microsoft.com/office/powerpoint/2010/main" Requires="p14">
+        <mc:AlternateContent xmlns:mc="http://schemas.openxmlformats.org/markup-compatibility/2006" xmlns:p14="http://schemas.microsoft.com/office/powerpoint/2010/main">
+          <mc:Choice Requires="p14">
             <p:contentPart p14:bwMode="auto" r:id="rId16">
               <p14:nvContentPartPr>
                 <p14:cNvPr id="22" name="잉크 21">
@@ -9740,7 +9273,7 @@
               </p14:xfrm>
             </p:contentPart>
           </mc:Choice>
-          <mc:Fallback>
+          <mc:Fallback xmlns="">
             <p:pic>
               <p:nvPicPr>
                 <p:cNvPr id="22" name="잉크 21">
@@ -9771,8 +9304,8 @@
             </p:pic>
           </mc:Fallback>
         </mc:AlternateContent>
-        <mc:AlternateContent xmlns:mc="http://schemas.openxmlformats.org/markup-compatibility/2006">
-          <mc:Choice xmlns:p14="http://schemas.microsoft.com/office/powerpoint/2010/main" Requires="p14">
+        <mc:AlternateContent xmlns:mc="http://schemas.openxmlformats.org/markup-compatibility/2006" xmlns:p14="http://schemas.microsoft.com/office/powerpoint/2010/main">
+          <mc:Choice Requires="p14">
             <p:contentPart p14:bwMode="auto" r:id="rId18">
               <p14:nvContentPartPr>
                 <p14:cNvPr id="34" name="잉크 33">
@@ -9791,7 +9324,7 @@
               </p14:xfrm>
             </p:contentPart>
           </mc:Choice>
-          <mc:Fallback>
+          <mc:Fallback xmlns="">
             <p:pic>
               <p:nvPicPr>
                 <p:cNvPr id="34" name="잉크 33">
@@ -9822,8 +9355,8 @@
             </p:pic>
           </mc:Fallback>
         </mc:AlternateContent>
-        <mc:AlternateContent xmlns:mc="http://schemas.openxmlformats.org/markup-compatibility/2006">
-          <mc:Choice xmlns:p14="http://schemas.microsoft.com/office/powerpoint/2010/main" Requires="p14">
+        <mc:AlternateContent xmlns:mc="http://schemas.openxmlformats.org/markup-compatibility/2006" xmlns:p14="http://schemas.microsoft.com/office/powerpoint/2010/main">
+          <mc:Choice Requires="p14">
             <p:contentPart p14:bwMode="auto" r:id="rId20">
               <p14:nvContentPartPr>
                 <p14:cNvPr id="35" name="잉크 34">
@@ -9842,7 +9375,7 @@
               </p14:xfrm>
             </p:contentPart>
           </mc:Choice>
-          <mc:Fallback>
+          <mc:Fallback xmlns="">
             <p:pic>
               <p:nvPicPr>
                 <p:cNvPr id="35" name="잉크 34">
@@ -9874,8 +9407,8 @@
           </mc:Fallback>
         </mc:AlternateContent>
       </p:grpSp>
-      <mc:AlternateContent xmlns:mc="http://schemas.openxmlformats.org/markup-compatibility/2006">
-        <mc:Choice xmlns:p14="http://schemas.microsoft.com/office/powerpoint/2010/main" Requires="p14">
+      <mc:AlternateContent xmlns:mc="http://schemas.openxmlformats.org/markup-compatibility/2006" xmlns:p14="http://schemas.microsoft.com/office/powerpoint/2010/main">
+        <mc:Choice Requires="p14">
           <p:contentPart p14:bwMode="auto" r:id="rId22">
             <p14:nvContentPartPr>
               <p14:cNvPr id="36" name="잉크 35">
@@ -9894,7 +9427,7 @@
             </p14:xfrm>
           </p:contentPart>
         </mc:Choice>
-        <mc:Fallback>
+        <mc:Fallback xmlns="">
           <p:pic>
             <p:nvPicPr>
               <p:cNvPr id="36" name="잉크 35">
@@ -9945,8 +9478,8 @@
             <a:chExt cx="709560" cy="1010520"/>
           </a:xfrm>
         </p:grpSpPr>
-        <mc:AlternateContent xmlns:mc="http://schemas.openxmlformats.org/markup-compatibility/2006">
-          <mc:Choice xmlns:p14="http://schemas.microsoft.com/office/powerpoint/2010/main" Requires="p14">
+        <mc:AlternateContent xmlns:mc="http://schemas.openxmlformats.org/markup-compatibility/2006" xmlns:p14="http://schemas.microsoft.com/office/powerpoint/2010/main">
+          <mc:Choice Requires="p14">
             <p:contentPart p14:bwMode="auto" r:id="rId24">
               <p14:nvContentPartPr>
                 <p14:cNvPr id="26" name="잉크 25">
@@ -9965,7 +9498,7 @@
               </p14:xfrm>
             </p:contentPart>
           </mc:Choice>
-          <mc:Fallback>
+          <mc:Fallback xmlns="">
             <p:pic>
               <p:nvPicPr>
                 <p:cNvPr id="26" name="잉크 25">
@@ -9996,8 +9529,8 @@
             </p:pic>
           </mc:Fallback>
         </mc:AlternateContent>
-        <mc:AlternateContent xmlns:mc="http://schemas.openxmlformats.org/markup-compatibility/2006">
-          <mc:Choice xmlns:p14="http://schemas.microsoft.com/office/powerpoint/2010/main" Requires="p14">
+        <mc:AlternateContent xmlns:mc="http://schemas.openxmlformats.org/markup-compatibility/2006" xmlns:p14="http://schemas.microsoft.com/office/powerpoint/2010/main">
+          <mc:Choice Requires="p14">
             <p:contentPart p14:bwMode="auto" r:id="rId26">
               <p14:nvContentPartPr>
                 <p14:cNvPr id="27" name="잉크 26">
@@ -10016,7 +9549,7 @@
               </p14:xfrm>
             </p:contentPart>
           </mc:Choice>
-          <mc:Fallback>
+          <mc:Fallback xmlns="">
             <p:pic>
               <p:nvPicPr>
                 <p:cNvPr id="27" name="잉크 26">
@@ -10047,8 +9580,8 @@
             </p:pic>
           </mc:Fallback>
         </mc:AlternateContent>
-        <mc:AlternateContent xmlns:mc="http://schemas.openxmlformats.org/markup-compatibility/2006">
-          <mc:Choice xmlns:p14="http://schemas.microsoft.com/office/powerpoint/2010/main" Requires="p14">
+        <mc:AlternateContent xmlns:mc="http://schemas.openxmlformats.org/markup-compatibility/2006" xmlns:p14="http://schemas.microsoft.com/office/powerpoint/2010/main">
+          <mc:Choice Requires="p14">
             <p:contentPart p14:bwMode="auto" r:id="rId28">
               <p14:nvContentPartPr>
                 <p14:cNvPr id="38" name="잉크 37">
@@ -10067,7 +9600,7 @@
               </p14:xfrm>
             </p:contentPart>
           </mc:Choice>
-          <mc:Fallback>
+          <mc:Fallback xmlns="">
             <p:pic>
               <p:nvPicPr>
                 <p:cNvPr id="38" name="잉크 37">
@@ -10098,8 +9631,8 @@
             </p:pic>
           </mc:Fallback>
         </mc:AlternateContent>
-        <mc:AlternateContent xmlns:mc="http://schemas.openxmlformats.org/markup-compatibility/2006">
-          <mc:Choice xmlns:p14="http://schemas.microsoft.com/office/powerpoint/2010/main" Requires="p14">
+        <mc:AlternateContent xmlns:mc="http://schemas.openxmlformats.org/markup-compatibility/2006" xmlns:p14="http://schemas.microsoft.com/office/powerpoint/2010/main">
+          <mc:Choice Requires="p14">
             <p:contentPart p14:bwMode="auto" r:id="rId30">
               <p14:nvContentPartPr>
                 <p14:cNvPr id="39" name="잉크 38">
@@ -10118,7 +9651,7 @@
               </p14:xfrm>
             </p:contentPart>
           </mc:Choice>
-          <mc:Fallback>
+          <mc:Fallback xmlns="">
             <p:pic>
               <p:nvPicPr>
                 <p:cNvPr id="39" name="잉크 38">
@@ -10150,8 +9683,8 @@
           </mc:Fallback>
         </mc:AlternateContent>
       </p:grpSp>
-      <mc:AlternateContent xmlns:mc="http://schemas.openxmlformats.org/markup-compatibility/2006">
-        <mc:Choice xmlns:p14="http://schemas.microsoft.com/office/powerpoint/2010/main" Requires="p14">
+      <mc:AlternateContent xmlns:mc="http://schemas.openxmlformats.org/markup-compatibility/2006" xmlns:p14="http://schemas.microsoft.com/office/powerpoint/2010/main">
+        <mc:Choice Requires="p14">
           <p:contentPart p14:bwMode="auto" r:id="rId32">
             <p14:nvContentPartPr>
               <p14:cNvPr id="41" name="잉크 40">
@@ -10170,7 +9703,7 @@
             </p14:xfrm>
           </p:contentPart>
         </mc:Choice>
-        <mc:Fallback>
+        <mc:Fallback xmlns="">
           <p:pic>
             <p:nvPicPr>
               <p:cNvPr id="41" name="잉크 40">
@@ -10214,7 +9747,7 @@
 </p:sld>
 </file>
 
-<file path=ppt/slides/slide6.xml><?xml version="1.0" encoding="utf-8"?>
+<file path=ppt/slides/slide5.xml><?xml version="1.0" encoding="utf-8"?>
 <p:sld xmlns:a="http://schemas.openxmlformats.org/drawingml/2006/main" xmlns:r="http://schemas.openxmlformats.org/officeDocument/2006/relationships" xmlns:p="http://schemas.openxmlformats.org/presentationml/2006/main">
   <p:cSld>
     <p:spTree>
@@ -10253,13 +9786,13 @@
           <a:lstStyle/>
           <a:p>
             <a:r>
-              <a:rPr lang="en-US" altLang="ko-KR" sz="4800">
+              <a:rPr lang="en-US" altLang="ko-KR" sz="4000">
                 <a:latin typeface="맑은 고딕" panose="020B0503020000020004" pitchFamily="50" charset="-127"/>
                 <a:ea typeface="맑은 고딕" panose="020B0503020000020004" pitchFamily="50" charset="-127"/>
               </a:rPr>
               <a:t>DB</a:t>
             </a:r>
-            <a:endParaRPr lang="ko-KR" altLang="en-US" sz="4800">
+            <a:endParaRPr lang="ko-KR" altLang="en-US" sz="4000">
               <a:latin typeface="맑은 고딕" panose="020B0503020000020004" pitchFamily="50" charset="-127"/>
               <a:ea typeface="맑은 고딕" panose="020B0503020000020004" pitchFamily="50" charset="-127"/>
             </a:endParaRPr>
@@ -10320,7 +9853,7 @@
                 <a:latin typeface="맑은 고딕" panose="020B0503020000020004" pitchFamily="50" charset="-127"/>
                 <a:ea typeface="맑은 고딕" panose="020B0503020000020004" pitchFamily="50" charset="-127"/>
               </a:rPr>
-              <a:t> 함수로 구현 가능</a:t>
+              <a:t>로 구현 가능</a:t>
             </a:r>
             <a:endParaRPr lang="en-US" altLang="ko-KR">
               <a:latin typeface="맑은 고딕" panose="020B0503020000020004" pitchFamily="50" charset="-127"/>
@@ -10463,6 +9996,67 @@
 </p:sld>
 </file>
 
+<file path=ppt/slides/slide6.xml><?xml version="1.0" encoding="utf-8"?>
+<p:sld xmlns:a="http://schemas.openxmlformats.org/drawingml/2006/main" xmlns:r="http://schemas.openxmlformats.org/officeDocument/2006/relationships" xmlns:p="http://schemas.openxmlformats.org/presentationml/2006/main">
+  <p:cSld>
+    <p:spTree>
+      <p:nvGrpSpPr>
+        <p:cNvPr id="1" name=""/>
+        <p:cNvGrpSpPr/>
+        <p:nvPr/>
+      </p:nvGrpSpPr>
+      <p:grpSpPr>
+        <a:xfrm>
+          <a:off x="0" y="0"/>
+          <a:ext cx="0" cy="0"/>
+          <a:chOff x="0" y="0"/>
+          <a:chExt cx="0" cy="0"/>
+        </a:xfrm>
+      </p:grpSpPr>
+      <p:sp>
+        <p:nvSpPr>
+          <p:cNvPr id="2" name="제목 1">
+            <a:extLst>
+              <a:ext uri="{FF2B5EF4-FFF2-40B4-BE49-F238E27FC236}">
+                <a16:creationId xmlns:a16="http://schemas.microsoft.com/office/drawing/2014/main" id="{FB277F2A-4E90-A48C-1245-68B96F4501B1}"/>
+              </a:ext>
+            </a:extLst>
+          </p:cNvPr>
+          <p:cNvSpPr>
+            <a:spLocks noGrp="1"/>
+          </p:cNvSpPr>
+          <p:nvPr>
+            <p:ph type="title"/>
+          </p:nvPr>
+        </p:nvSpPr>
+        <p:spPr/>
+        <p:txBody>
+          <a:bodyPr/>
+          <a:lstStyle/>
+          <a:p>
+            <a:r>
+              <a:rPr lang="ko-KR" altLang="en-US" sz="4000">
+                <a:latin typeface="맑은 고딕" panose="020B0503020000020004" pitchFamily="50" charset="-127"/>
+                <a:ea typeface="맑은 고딕" panose="020B0503020000020004" pitchFamily="50" charset="-127"/>
+              </a:rPr>
+              <a:t>시연</a:t>
+            </a:r>
+          </a:p>
+        </p:txBody>
+      </p:sp>
+    </p:spTree>
+    <p:extLst>
+      <p:ext uri="{BB962C8B-B14F-4D97-AF65-F5344CB8AC3E}">
+        <p14:creationId xmlns:p14="http://schemas.microsoft.com/office/powerpoint/2010/main" val="1081593153"/>
+      </p:ext>
+    </p:extLst>
+  </p:cSld>
+  <p:clrMapOvr>
+    <a:masterClrMapping/>
+  </p:clrMapOvr>
+</p:sld>
+</file>
+
 <file path=ppt/slides/slide7.xml><?xml version="1.0" encoding="utf-8"?>
 <p:sld xmlns:a="http://schemas.openxmlformats.org/drawingml/2006/main" xmlns:r="http://schemas.openxmlformats.org/officeDocument/2006/relationships" xmlns:p="http://schemas.openxmlformats.org/presentationml/2006/main">
   <p:cSld>
@@ -10485,7 +10079,7 @@
           <p:cNvPr id="2" name="제목 1">
             <a:extLst>
               <a:ext uri="{FF2B5EF4-FFF2-40B4-BE49-F238E27FC236}">
-                <a16:creationId xmlns:a16="http://schemas.microsoft.com/office/drawing/2014/main" id="{FB277F2A-4E90-A48C-1245-68B96F4501B1}"/>
+                <a16:creationId xmlns:a16="http://schemas.microsoft.com/office/drawing/2014/main" id="{9EF89999-E1E4-3805-468E-9935D300D2FF}"/>
               </a:ext>
             </a:extLst>
           </p:cNvPr>
@@ -10506,15 +10100,148 @@
                 <a:latin typeface="맑은 고딕" panose="020B0503020000020004" pitchFamily="50" charset="-127"/>
                 <a:ea typeface="맑은 고딕" panose="020B0503020000020004" pitchFamily="50" charset="-127"/>
               </a:rPr>
-              <a:t>시연</a:t>
-            </a:r>
+              <a:t>장점</a:t>
+            </a:r>
+          </a:p>
+        </p:txBody>
+      </p:sp>
+      <p:sp>
+        <p:nvSpPr>
+          <p:cNvPr id="3" name="내용 개체 틀 2">
+            <a:extLst>
+              <a:ext uri="{FF2B5EF4-FFF2-40B4-BE49-F238E27FC236}">
+                <a16:creationId xmlns:a16="http://schemas.microsoft.com/office/drawing/2014/main" id="{9CC00689-28F8-69FE-B175-2404B354EF45}"/>
+              </a:ext>
+            </a:extLst>
+          </p:cNvPr>
+          <p:cNvSpPr>
+            <a:spLocks noGrp="1"/>
+          </p:cNvSpPr>
+          <p:nvPr>
+            <p:ph idx="1"/>
+          </p:nvPr>
+        </p:nvSpPr>
+        <p:spPr/>
+        <p:txBody>
+          <a:bodyPr/>
+          <a:lstStyle/>
+          <a:p>
+            <a:r>
+              <a:rPr lang="ko-KR" altLang="en-US" sz="2400">
+                <a:latin typeface="맑은 고딕" panose="020B0503020000020004" pitchFamily="50" charset="-127"/>
+                <a:ea typeface="맑은 고딕" panose="020B0503020000020004" pitchFamily="50" charset="-127"/>
+              </a:rPr>
+              <a:t>리소스 제공</a:t>
+            </a:r>
+            <a:endParaRPr lang="en-US" altLang="ko-KR" sz="2400">
+              <a:latin typeface="맑은 고딕" panose="020B0503020000020004" pitchFamily="50" charset="-127"/>
+              <a:ea typeface="맑은 고딕" panose="020B0503020000020004" pitchFamily="50" charset="-127"/>
+            </a:endParaRPr>
+          </a:p>
+          <a:p>
+            <a:r>
+              <a:rPr lang="ko-KR" altLang="en-US" sz="2400">
+                <a:latin typeface="맑은 고딕" panose="020B0503020000020004" pitchFamily="50" charset="-127"/>
+                <a:ea typeface="맑은 고딕" panose="020B0503020000020004" pitchFamily="50" charset="-127"/>
+              </a:rPr>
+              <a:t>서버</a:t>
+            </a:r>
+            <a:r>
+              <a:rPr lang="en-US" altLang="ko-KR" sz="2400">
+                <a:latin typeface="맑은 고딕" panose="020B0503020000020004" pitchFamily="50" charset="-127"/>
+                <a:ea typeface="맑은 고딕" panose="020B0503020000020004" pitchFamily="50" charset="-127"/>
+              </a:rPr>
+              <a:t>, DB </a:t>
+            </a:r>
+            <a:r>
+              <a:rPr lang="ko-KR" altLang="en-US" sz="2400">
+                <a:latin typeface="맑은 고딕" panose="020B0503020000020004" pitchFamily="50" charset="-127"/>
+                <a:ea typeface="맑은 고딕" panose="020B0503020000020004" pitchFamily="50" charset="-127"/>
+              </a:rPr>
+              <a:t>기능 제공</a:t>
+            </a:r>
+            <a:endParaRPr lang="en-US" altLang="ko-KR" sz="2400">
+              <a:latin typeface="맑은 고딕" panose="020B0503020000020004" pitchFamily="50" charset="-127"/>
+              <a:ea typeface="맑은 고딕" panose="020B0503020000020004" pitchFamily="50" charset="-127"/>
+            </a:endParaRPr>
+          </a:p>
+          <a:p>
+            <a:r>
+              <a:rPr lang="ko-KR" altLang="en-US" sz="2400">
+                <a:latin typeface="맑은 고딕" panose="020B0503020000020004" pitchFamily="50" charset="-127"/>
+                <a:ea typeface="맑은 고딕" panose="020B0503020000020004" pitchFamily="50" charset="-127"/>
+              </a:rPr>
+              <a:t>가볍고 빠른 엔진</a:t>
+            </a:r>
+            <a:endParaRPr lang="en-US" altLang="ko-KR" sz="2400">
+              <a:latin typeface="맑은 고딕" panose="020B0503020000020004" pitchFamily="50" charset="-127"/>
+              <a:ea typeface="맑은 고딕" panose="020B0503020000020004" pitchFamily="50" charset="-127"/>
+            </a:endParaRPr>
+          </a:p>
+          <a:p>
+            <a:r>
+              <a:rPr lang="ko-KR" altLang="en-US" sz="2400">
+                <a:latin typeface="맑은 고딕" panose="020B0503020000020004" pitchFamily="50" charset="-127"/>
+                <a:ea typeface="맑은 고딕" panose="020B0503020000020004" pitchFamily="50" charset="-127"/>
+              </a:rPr>
+              <a:t>쉬운 스크립트 제작</a:t>
+            </a:r>
+            <a:endParaRPr lang="en-US" altLang="ko-KR" sz="2400">
+              <a:latin typeface="맑은 고딕" panose="020B0503020000020004" pitchFamily="50" charset="-127"/>
+              <a:ea typeface="맑은 고딕" panose="020B0503020000020004" pitchFamily="50" charset="-127"/>
+            </a:endParaRPr>
+          </a:p>
+          <a:p>
+            <a:r>
+              <a:rPr lang="ko-KR" altLang="en-US" sz="2400">
+                <a:latin typeface="맑은 고딕" panose="020B0503020000020004" pitchFamily="50" charset="-127"/>
+                <a:ea typeface="맑은 고딕" panose="020B0503020000020004" pitchFamily="50" charset="-127"/>
+              </a:rPr>
+              <a:t>강력한 인텔리센스 기능</a:t>
+            </a:r>
+            <a:endParaRPr lang="en-US" altLang="ko-KR" sz="2400">
+              <a:latin typeface="맑은 고딕" panose="020B0503020000020004" pitchFamily="50" charset="-127"/>
+              <a:ea typeface="맑은 고딕" panose="020B0503020000020004" pitchFamily="50" charset="-127"/>
+            </a:endParaRPr>
+          </a:p>
+          <a:p>
+            <a:r>
+              <a:rPr lang="en-US" altLang="ko-KR" sz="2400">
+                <a:latin typeface="맑은 고딕" panose="020B0503020000020004" pitchFamily="50" charset="-127"/>
+                <a:ea typeface="맑은 고딕" panose="020B0503020000020004" pitchFamily="50" charset="-127"/>
+              </a:rPr>
+              <a:t>BM </a:t>
+            </a:r>
+            <a:r>
+              <a:rPr lang="ko-KR" altLang="en-US" sz="2400">
+                <a:latin typeface="맑은 고딕" panose="020B0503020000020004" pitchFamily="50" charset="-127"/>
+                <a:ea typeface="맑은 고딕" panose="020B0503020000020004" pitchFamily="50" charset="-127"/>
+              </a:rPr>
+              <a:t>기능 제공</a:t>
+            </a:r>
+            <a:endParaRPr lang="en-US" altLang="ko-KR" sz="2400">
+              <a:latin typeface="맑은 고딕" panose="020B0503020000020004" pitchFamily="50" charset="-127"/>
+              <a:ea typeface="맑은 고딕" panose="020B0503020000020004" pitchFamily="50" charset="-127"/>
+            </a:endParaRPr>
+          </a:p>
+          <a:p>
+            <a:endParaRPr lang="en-US" altLang="ko-KR" sz="2400">
+              <a:latin typeface="맑은 고딕" panose="020B0503020000020004" pitchFamily="50" charset="-127"/>
+              <a:ea typeface="맑은 고딕" panose="020B0503020000020004" pitchFamily="50" charset="-127"/>
+            </a:endParaRPr>
+          </a:p>
+          <a:p>
+            <a:endParaRPr lang="ko-KR" altLang="en-US" sz="2400">
+              <a:latin typeface="맑은 고딕" panose="020B0503020000020004" pitchFamily="50" charset="-127"/>
+              <a:ea typeface="맑은 고딕" panose="020B0503020000020004" pitchFamily="50" charset="-127"/>
+            </a:endParaRPr>
           </a:p>
         </p:txBody>
       </p:sp>
     </p:spTree>
     <p:extLst>
       <p:ext uri="{BB962C8B-B14F-4D97-AF65-F5344CB8AC3E}">
-        <p14:creationId xmlns:p14="http://schemas.microsoft.com/office/powerpoint/2010/main" val="1081593153"/>
+        <p14:creationId xmlns:p14="http://schemas.microsoft.com/office/powerpoint/2010/main" val="3992247632"/>
       </p:ext>
     </p:extLst>
   </p:cSld>
@@ -10546,7 +10273,7 @@
           <p:cNvPr id="2" name="제목 1">
             <a:extLst>
               <a:ext uri="{FF2B5EF4-FFF2-40B4-BE49-F238E27FC236}">
-                <a16:creationId xmlns:a16="http://schemas.microsoft.com/office/drawing/2014/main" id="{FB277F2A-4E90-A48C-1245-68B96F4501B1}"/>
+                <a16:creationId xmlns:a16="http://schemas.microsoft.com/office/drawing/2014/main" id="{9EF89999-E1E4-3805-468E-9935D300D2FF}"/>
               </a:ext>
             </a:extLst>
           </p:cNvPr>
@@ -10567,7 +10294,90 @@
                 <a:latin typeface="맑은 고딕" panose="020B0503020000020004" pitchFamily="50" charset="-127"/>
                 <a:ea typeface="맑은 고딕" panose="020B0503020000020004" pitchFamily="50" charset="-127"/>
               </a:rPr>
-              <a:t>장점</a:t>
+              <a:t>단점</a:t>
+            </a:r>
+          </a:p>
+        </p:txBody>
+      </p:sp>
+      <p:sp>
+        <p:nvSpPr>
+          <p:cNvPr id="3" name="내용 개체 틀 2">
+            <a:extLst>
+              <a:ext uri="{FF2B5EF4-FFF2-40B4-BE49-F238E27FC236}">
+                <a16:creationId xmlns:a16="http://schemas.microsoft.com/office/drawing/2014/main" id="{9CC00689-28F8-69FE-B175-2404B354EF45}"/>
+              </a:ext>
+            </a:extLst>
+          </p:cNvPr>
+          <p:cNvSpPr>
+            <a:spLocks noGrp="1"/>
+          </p:cNvSpPr>
+          <p:nvPr>
+            <p:ph idx="1"/>
+          </p:nvPr>
+        </p:nvSpPr>
+        <p:spPr/>
+        <p:txBody>
+          <a:bodyPr/>
+          <a:lstStyle/>
+          <a:p>
+            <a:r>
+              <a:rPr lang="ko-KR" altLang="en-US" sz="2400">
+                <a:latin typeface="맑은 고딕" panose="020B0503020000020004" pitchFamily="50" charset="-127"/>
+                <a:ea typeface="맑은 고딕" panose="020B0503020000020004" pitchFamily="50" charset="-127"/>
+              </a:rPr>
+              <a:t>협업 기능 지원이 부족함</a:t>
+            </a:r>
+            <a:endParaRPr lang="en-US" altLang="ko-KR" sz="2400">
+              <a:latin typeface="맑은 고딕" panose="020B0503020000020004" pitchFamily="50" charset="-127"/>
+              <a:ea typeface="맑은 고딕" panose="020B0503020000020004" pitchFamily="50" charset="-127"/>
+            </a:endParaRPr>
+          </a:p>
+          <a:p>
+            <a:r>
+              <a:rPr lang="ko-KR" altLang="en-US" sz="2400">
+                <a:latin typeface="맑은 고딕" panose="020B0503020000020004" pitchFamily="50" charset="-127"/>
+                <a:ea typeface="맑은 고딕" panose="020B0503020000020004" pitchFamily="50" charset="-127"/>
+              </a:rPr>
+              <a:t>자료 부족</a:t>
+            </a:r>
+            <a:endParaRPr lang="en-US" altLang="ko-KR" sz="2400">
+              <a:latin typeface="맑은 고딕" panose="020B0503020000020004" pitchFamily="50" charset="-127"/>
+              <a:ea typeface="맑은 고딕" panose="020B0503020000020004" pitchFamily="50" charset="-127"/>
+            </a:endParaRPr>
+          </a:p>
+          <a:p>
+            <a:r>
+              <a:rPr lang="ko-KR" altLang="en-US" sz="2400">
+                <a:latin typeface="맑은 고딕" panose="020B0503020000020004" pitchFamily="50" charset="-127"/>
+                <a:ea typeface="맑은 고딕" panose="020B0503020000020004" pitchFamily="50" charset="-127"/>
+              </a:rPr>
+              <a:t>유니티에 있는 몇몇 기능이 없음</a:t>
+            </a:r>
+            <a:endParaRPr lang="en-US" altLang="ko-KR" sz="2400">
+              <a:latin typeface="맑은 고딕" panose="020B0503020000020004" pitchFamily="50" charset="-127"/>
+              <a:ea typeface="맑은 고딕" panose="020B0503020000020004" pitchFamily="50" charset="-127"/>
+            </a:endParaRPr>
+          </a:p>
+          <a:p>
+            <a:r>
+              <a:rPr lang="ko-KR" altLang="en-US" sz="2400">
+                <a:latin typeface="맑은 고딕" panose="020B0503020000020004" pitchFamily="50" charset="-127"/>
+                <a:ea typeface="맑은 고딕" panose="020B0503020000020004" pitchFamily="50" charset="-127"/>
+              </a:rPr>
+              <a:t>에디터 커스터마이징 기능이 빈약함</a:t>
+            </a:r>
+            <a:endParaRPr lang="en-US" altLang="ko-KR" sz="2400">
+              <a:latin typeface="맑은 고딕" panose="020B0503020000020004" pitchFamily="50" charset="-127"/>
+              <a:ea typeface="맑은 고딕" panose="020B0503020000020004" pitchFamily="50" charset="-127"/>
+            </a:endParaRPr>
+          </a:p>
+          <a:p>
+            <a:r>
+              <a:rPr lang="ko-KR" altLang="en-US" sz="2400" strike="sngStrike">
+                <a:latin typeface="맑은 고딕" panose="020B0503020000020004" pitchFamily="50" charset="-127"/>
+                <a:ea typeface="맑은 고딕" panose="020B0503020000020004" pitchFamily="50" charset="-127"/>
+              </a:rPr>
+              <a:t>지역 변수의 타입명을 명시할 수 없음</a:t>
             </a:r>
           </a:p>
         </p:txBody>
@@ -10575,7 +10385,7 @@
     </p:spTree>
     <p:extLst>
       <p:ext uri="{BB962C8B-B14F-4D97-AF65-F5344CB8AC3E}">
-        <p14:creationId xmlns:p14="http://schemas.microsoft.com/office/powerpoint/2010/main" val="7734493"/>
+        <p14:creationId xmlns:p14="http://schemas.microsoft.com/office/powerpoint/2010/main" val="1166467205"/>
       </p:ext>
     </p:extLst>
   </p:cSld>
@@ -10628,7 +10438,7 @@
                 <a:latin typeface="맑은 고딕" panose="020B0503020000020004" pitchFamily="50" charset="-127"/>
                 <a:ea typeface="맑은 고딕" panose="020B0503020000020004" pitchFamily="50" charset="-127"/>
               </a:rPr>
-              <a:t>장점</a:t>
+              <a:t>단점</a:t>
             </a:r>
           </a:p>
         </p:txBody>
@@ -10655,121 +10465,124 @@
           <a:lstStyle/>
           <a:p>
             <a:r>
-              <a:rPr lang="ko-KR" altLang="en-US">
+              <a:rPr lang="ko-KR" altLang="en-US" sz="2400">
                 <a:latin typeface="맑은 고딕" panose="020B0503020000020004" pitchFamily="50" charset="-127"/>
                 <a:ea typeface="맑은 고딕" panose="020B0503020000020004" pitchFamily="50" charset="-127"/>
               </a:rPr>
-              <a:t>리소스 제공</a:t>
-            </a:r>
-            <a:endParaRPr lang="en-US" altLang="ko-KR">
+              <a:t>개발 중 튕기는 버그</a:t>
+            </a:r>
+            <a:endParaRPr lang="en-US" altLang="ko-KR" sz="2400">
               <a:latin typeface="맑은 고딕" panose="020B0503020000020004" pitchFamily="50" charset="-127"/>
               <a:ea typeface="맑은 고딕" panose="020B0503020000020004" pitchFamily="50" charset="-127"/>
             </a:endParaRPr>
           </a:p>
           <a:p>
             <a:r>
-              <a:rPr lang="ko-KR" altLang="en-US">
+              <a:rPr lang="ko-KR" altLang="en-US" sz="2400">
                 <a:latin typeface="맑은 고딕" panose="020B0503020000020004" pitchFamily="50" charset="-127"/>
                 <a:ea typeface="맑은 고딕" panose="020B0503020000020004" pitchFamily="50" charset="-127"/>
               </a:rPr>
-              <a:t>서버</a:t>
-            </a:r>
-            <a:r>
-              <a:rPr lang="en-US" altLang="ko-KR">
+              <a:t>스크립트 편집이 안되는 버그</a:t>
+            </a:r>
+            <a:endParaRPr lang="en-US" altLang="ko-KR" sz="2400">
+              <a:latin typeface="맑은 고딕" panose="020B0503020000020004" pitchFamily="50" charset="-127"/>
+              <a:ea typeface="맑은 고딕" panose="020B0503020000020004" pitchFamily="50" charset="-127"/>
+            </a:endParaRPr>
+          </a:p>
+          <a:p>
+            <a:r>
+              <a:rPr lang="ko-KR" altLang="en-US" sz="2400">
                 <a:latin typeface="맑은 고딕" panose="020B0503020000020004" pitchFamily="50" charset="-127"/>
                 <a:ea typeface="맑은 고딕" panose="020B0503020000020004" pitchFamily="50" charset="-127"/>
               </a:rPr>
-              <a:t>, DB </a:t>
-            </a:r>
-            <a:r>
-              <a:rPr lang="ko-KR" altLang="en-US">
+              <a:t>무한로딩 버그</a:t>
+            </a:r>
+            <a:endParaRPr lang="en-US" altLang="ko-KR" sz="2400">
+              <a:latin typeface="맑은 고딕" panose="020B0503020000020004" pitchFamily="50" charset="-127"/>
+              <a:ea typeface="맑은 고딕" panose="020B0503020000020004" pitchFamily="50" charset="-127"/>
+            </a:endParaRPr>
+          </a:p>
+          <a:p>
+            <a:r>
+              <a:rPr lang="ko-KR" altLang="en-US" sz="2400">
                 <a:latin typeface="맑은 고딕" panose="020B0503020000020004" pitchFamily="50" charset="-127"/>
                 <a:ea typeface="맑은 고딕" panose="020B0503020000020004" pitchFamily="50" charset="-127"/>
               </a:rPr>
-              <a:t>기능 제공</a:t>
-            </a:r>
-            <a:endParaRPr lang="en-US" altLang="ko-KR">
+              <a:t>브레이크포인트가 제멋대로 이동하는 버그</a:t>
+            </a:r>
+            <a:endParaRPr lang="en-US" altLang="ko-KR" sz="2400">
               <a:latin typeface="맑은 고딕" panose="020B0503020000020004" pitchFamily="50" charset="-127"/>
               <a:ea typeface="맑은 고딕" panose="020B0503020000020004" pitchFamily="50" charset="-127"/>
             </a:endParaRPr>
           </a:p>
           <a:p>
             <a:r>
-              <a:rPr lang="ko-KR" altLang="en-US">
+              <a:rPr lang="ko-KR" altLang="en-US" sz="2400">
                 <a:latin typeface="맑은 고딕" panose="020B0503020000020004" pitchFamily="50" charset="-127"/>
                 <a:ea typeface="맑은 고딕" panose="020B0503020000020004" pitchFamily="50" charset="-127"/>
               </a:rPr>
-              <a:t>가볍고 빠른 엔진</a:t>
-            </a:r>
-            <a:endParaRPr lang="en-US" altLang="ko-KR">
+              <a:t>스크립트 글자가 겹쳐보이는 버그</a:t>
+            </a:r>
+            <a:endParaRPr lang="en-US" altLang="ko-KR" sz="2400">
               <a:latin typeface="맑은 고딕" panose="020B0503020000020004" pitchFamily="50" charset="-127"/>
               <a:ea typeface="맑은 고딕" panose="020B0503020000020004" pitchFamily="50" charset="-127"/>
             </a:endParaRPr>
           </a:p>
           <a:p>
             <a:r>
-              <a:rPr lang="ko-KR" altLang="en-US">
+              <a:rPr lang="ko-KR" altLang="en-US" sz="2400">
                 <a:latin typeface="맑은 고딕" panose="020B0503020000020004" pitchFamily="50" charset="-127"/>
                 <a:ea typeface="맑은 고딕" panose="020B0503020000020004" pitchFamily="50" charset="-127"/>
               </a:rPr>
-              <a:t>쉬운 스크립트 제작</a:t>
-            </a:r>
-            <a:endParaRPr lang="en-US" altLang="ko-KR">
+              <a:t>접근할 수 없는 더미 스크립트가 생기는 버그</a:t>
+            </a:r>
+            <a:endParaRPr lang="en-US" altLang="ko-KR" sz="2400">
               <a:latin typeface="맑은 고딕" panose="020B0503020000020004" pitchFamily="50" charset="-127"/>
               <a:ea typeface="맑은 고딕" panose="020B0503020000020004" pitchFamily="50" charset="-127"/>
             </a:endParaRPr>
           </a:p>
           <a:p>
             <a:r>
-              <a:rPr lang="ko-KR" altLang="en-US">
+              <a:rPr lang="ko-KR" altLang="en-US" sz="2400">
                 <a:latin typeface="맑은 고딕" panose="020B0503020000020004" pitchFamily="50" charset="-127"/>
                 <a:ea typeface="맑은 고딕" panose="020B0503020000020004" pitchFamily="50" charset="-127"/>
               </a:rPr>
-              <a:t>강력한 인텔리센스 기능</a:t>
-            </a:r>
-            <a:endParaRPr lang="en-US" altLang="ko-KR">
+              <a:t>스크립트 에러가 반 박자 늦게 표시되는 버그</a:t>
+            </a:r>
+            <a:endParaRPr lang="en-US" altLang="ko-KR" sz="2400">
               <a:latin typeface="맑은 고딕" panose="020B0503020000020004" pitchFamily="50" charset="-127"/>
               <a:ea typeface="맑은 고딕" panose="020B0503020000020004" pitchFamily="50" charset="-127"/>
             </a:endParaRPr>
           </a:p>
           <a:p>
             <a:r>
-              <a:rPr lang="en-US" altLang="ko-KR">
+              <a:rPr lang="ko-KR" altLang="en-US" sz="2400">
                 <a:latin typeface="맑은 고딕" panose="020B0503020000020004" pitchFamily="50" charset="-127"/>
                 <a:ea typeface="맑은 고딕" panose="020B0503020000020004" pitchFamily="50" charset="-127"/>
               </a:rPr>
-              <a:t>BM </a:t>
-            </a:r>
-            <a:r>
-              <a:rPr lang="ko-KR" altLang="en-US">
+              <a:t>보이지 않는 오브젝트가 </a:t>
+            </a:r>
+            <a:r>
+              <a:rPr lang="en-US" altLang="ko-KR" sz="2400">
                 <a:latin typeface="맑은 고딕" panose="020B0503020000020004" pitchFamily="50" charset="-127"/>
                 <a:ea typeface="맑은 고딕" panose="020B0503020000020004" pitchFamily="50" charset="-127"/>
               </a:rPr>
-              <a:t>기능 제공</a:t>
-            </a:r>
-            <a:endParaRPr lang="en-US" altLang="ko-KR">
-              <a:latin typeface="맑은 고딕" panose="020B0503020000020004" pitchFamily="50" charset="-127"/>
-              <a:ea typeface="맑은 고딕" panose="020B0503020000020004" pitchFamily="50" charset="-127"/>
-            </a:endParaRPr>
-          </a:p>
-          <a:p>
-            <a:endParaRPr lang="en-US" altLang="ko-KR">
-              <a:latin typeface="맑은 고딕" panose="020B0503020000020004" pitchFamily="50" charset="-127"/>
-              <a:ea typeface="맑은 고딕" panose="020B0503020000020004" pitchFamily="50" charset="-127"/>
-            </a:endParaRPr>
-          </a:p>
-          <a:p>
-            <a:endParaRPr lang="ko-KR" altLang="en-US">
-              <a:latin typeface="맑은 고딕" panose="020B0503020000020004" pitchFamily="50" charset="-127"/>
-              <a:ea typeface="맑은 고딕" panose="020B0503020000020004" pitchFamily="50" charset="-127"/>
-            </a:endParaRPr>
+              <a:t>raycast</a:t>
+            </a:r>
+            <a:r>
+              <a:rPr lang="ko-KR" altLang="en-US" sz="2400">
+                <a:latin typeface="맑은 고딕" panose="020B0503020000020004" pitchFamily="50" charset="-127"/>
+                <a:ea typeface="맑은 고딕" panose="020B0503020000020004" pitchFamily="50" charset="-127"/>
+              </a:rPr>
+              <a:t>에 영향을 주는 버그</a:t>
+            </a:r>
           </a:p>
         </p:txBody>
       </p:sp>
     </p:spTree>
     <p:extLst>
       <p:ext uri="{BB962C8B-B14F-4D97-AF65-F5344CB8AC3E}">
-        <p14:creationId xmlns:p14="http://schemas.microsoft.com/office/powerpoint/2010/main" val="3992247632"/>
+        <p14:creationId xmlns:p14="http://schemas.microsoft.com/office/powerpoint/2010/main" val="2083658658"/>
       </p:ext>
     </p:extLst>
   </p:cSld>
@@ -10981,6 +10794,15 @@
 </file>
 
 <file path=customXml/item1.xml><?xml version="1.0" encoding="utf-8"?>
+<?mso-contentType ?>
+<FormTemplates xmlns="http://schemas.microsoft.com/sharepoint/v3/contenttype/forms">
+  <Display>DocumentLibraryForm</Display>
+  <Edit>DocumentLibraryForm</Edit>
+  <New>DocumentLibraryForm</New>
+</FormTemplates>
+</file>
+
+<file path=customXml/item2.xml><?xml version="1.0" encoding="utf-8"?>
 <ct:contentTypeSchema xmlns:ct="http://schemas.microsoft.com/office/2006/metadata/contentType" xmlns:ma="http://schemas.microsoft.com/office/2006/metadata/properties/metaAttributes" ct:_="" ma:_="" ma:contentTypeName="문서" ma:contentTypeID="0x010100BE14D7F540F35B468BA64A314BA30FF0" ma:contentTypeVersion="4" ma:contentTypeDescription="새 문서를 만듭니다." ma:contentTypeScope="" ma:versionID="823feba5b05e19280be375e1066c19b7">
   <xsd:schema xmlns:xsd="http://www.w3.org/2001/XMLSchema" xmlns:xs="http://www.w3.org/2001/XMLSchema" xmlns:p="http://schemas.microsoft.com/office/2006/metadata/properties" xmlns:ns3="b742ef55-5b73-48b8-9e5a-be290748a8af" targetNamespace="http://schemas.microsoft.com/office/2006/metadata/properties" ma:root="true" ma:fieldsID="96ada5517bd0105d5f64dfee587a7b36" ns3:_="">
     <xsd:import namespace="b742ef55-5b73-48b8-9e5a-be290748a8af"/>
@@ -11126,15 +10948,6 @@
 </ct:contentTypeSchema>
 </file>
 
-<file path=customXml/item2.xml><?xml version="1.0" encoding="utf-8"?>
-<?mso-contentType ?>
-<FormTemplates xmlns="http://schemas.microsoft.com/sharepoint/v3/contenttype/forms">
-  <Display>DocumentLibraryForm</Display>
-  <Edit>DocumentLibraryForm</Edit>
-  <New>DocumentLibraryForm</New>
-</FormTemplates>
-</file>
-
 <file path=customXml/item3.xml><?xml version="1.0" encoding="utf-8"?>
 <p:properties xmlns:p="http://schemas.microsoft.com/office/2006/metadata/properties" xmlns:xsi="http://www.w3.org/2001/XMLSchema-instance" xmlns:pc="http://schemas.microsoft.com/office/infopath/2007/PartnerControls">
   <documentManagement/>
@@ -11142,6 +10955,14 @@
 </file>
 
 <file path=customXml/itemProps1.xml><?xml version="1.0" encoding="utf-8"?>
+<ds:datastoreItem xmlns:ds="http://schemas.openxmlformats.org/officeDocument/2006/customXml" ds:itemID="{C20368BC-359B-4539-B9C4-F3E3B0945675}">
+  <ds:schemaRefs>
+    <ds:schemaRef ds:uri="http://schemas.microsoft.com/sharepoint/v3/contenttype/forms"/>
+  </ds:schemaRefs>
+</ds:datastoreItem>
+</file>
+
+<file path=customXml/itemProps2.xml><?xml version="1.0" encoding="utf-8"?>
 <ds:datastoreItem xmlns:ds="http://schemas.openxmlformats.org/officeDocument/2006/customXml" ds:itemID="{4C96FD82-5389-4F41-B69C-5C4EF36EBB32}">
   <ds:schemaRefs>
     <ds:schemaRef ds:uri="http://schemas.microsoft.com/office/2006/metadata/contentType"/>
@@ -11155,14 +10976,6 @@
     <ds:schemaRef ds:uri="http://purl.org/dc/elements/1.1/"/>
     <ds:schemaRef ds:uri="http://purl.org/dc/terms/"/>
     <ds:schemaRef ds:uri="http://schemas.microsoft.com/internal/obd"/>
-  </ds:schemaRefs>
-</ds:datastoreItem>
-</file>
-
-<file path=customXml/itemProps2.xml><?xml version="1.0" encoding="utf-8"?>
-<ds:datastoreItem xmlns:ds="http://schemas.openxmlformats.org/officeDocument/2006/customXml" ds:itemID="{C20368BC-359B-4539-B9C4-F3E3B0945675}">
-  <ds:schemaRefs>
-    <ds:schemaRef ds:uri="http://schemas.microsoft.com/sharepoint/v3/contenttype/forms"/>
   </ds:schemaRefs>
 </ds:datastoreItem>
 </file>

--- a/발표자료/최종발표.pptx
+++ b/발표자료/최종발표.pptx
@@ -7,15 +7,16 @@
   <p:sldIdLst>
     <p:sldId id="256" r:id="rId5"/>
     <p:sldId id="263" r:id="rId6"/>
-    <p:sldId id="305" r:id="rId7"/>
-    <p:sldId id="304" r:id="rId8"/>
-    <p:sldId id="303" r:id="rId9"/>
-    <p:sldId id="297" r:id="rId10"/>
-    <p:sldId id="299" r:id="rId11"/>
-    <p:sldId id="300" r:id="rId12"/>
-    <p:sldId id="301" r:id="rId13"/>
-    <p:sldId id="296" r:id="rId14"/>
-    <p:sldId id="295" r:id="rId15"/>
+    <p:sldId id="306" r:id="rId7"/>
+    <p:sldId id="305" r:id="rId8"/>
+    <p:sldId id="304" r:id="rId9"/>
+    <p:sldId id="303" r:id="rId10"/>
+    <p:sldId id="297" r:id="rId11"/>
+    <p:sldId id="299" r:id="rId12"/>
+    <p:sldId id="300" r:id="rId13"/>
+    <p:sldId id="301" r:id="rId14"/>
+    <p:sldId id="296" r:id="rId15"/>
+    <p:sldId id="295" r:id="rId16"/>
   </p:sldIdLst>
   <p:sldSz cx="12192000" cy="6858000"/>
   <p:notesSz cx="6858000" cy="9144000"/>
@@ -838,7 +839,7 @@
           <a:p>
             <a:fld id="{C43A76A3-ADC8-4477-8FC1-B9DD55D84908}" type="datetime1">
               <a:rPr lang="en-US" smtClean="0"/>
-              <a:t>12/1/2022</a:t>
+              <a:t>12/2/2022</a:t>
             </a:fld>
             <a:endParaRPr lang="en-US"/>
           </a:p>
@@ -1036,7 +1037,7 @@
           <a:p>
             <a:fld id="{D6762538-DC4D-4667-96E5-B3278DDF8B12}" type="datetime1">
               <a:rPr lang="en-US" smtClean="0"/>
-              <a:t>12/1/2022</a:t>
+              <a:t>12/2/2022</a:t>
             </a:fld>
             <a:endParaRPr lang="en-US"/>
           </a:p>
@@ -1244,7 +1245,7 @@
           <a:p>
             <a:fld id="{05880548-5C08-4BE3-B63E-F2BB63B0B00C}" type="datetime1">
               <a:rPr lang="en-US" smtClean="0"/>
-              <a:t>12/1/2022</a:t>
+              <a:t>12/2/2022</a:t>
             </a:fld>
             <a:endParaRPr lang="en-US"/>
           </a:p>
@@ -1442,7 +1443,7 @@
           <a:p>
             <a:fld id="{DE7F49BE-398D-479A-8A7E-5DDBCA61EDCB}" type="datetime1">
               <a:rPr lang="en-US" smtClean="0"/>
-              <a:t>12/1/2022</a:t>
+              <a:t>12/2/2022</a:t>
             </a:fld>
             <a:endParaRPr lang="en-US"/>
           </a:p>
@@ -1718,7 +1719,7 @@
           <a:p>
             <a:fld id="{CCD0C193-4974-4A1F-9C63-07D595E30D66}" type="datetime1">
               <a:rPr lang="en-US" smtClean="0"/>
-              <a:t>12/1/2022</a:t>
+              <a:t>12/2/2022</a:t>
             </a:fld>
             <a:endParaRPr lang="en-US"/>
           </a:p>
@@ -1985,7 +1986,7 @@
           <a:p>
             <a:fld id="{701AA87F-28D4-4BF0-B81F-877A89DFD5AC}" type="datetime1">
               <a:rPr lang="en-US" smtClean="0"/>
-              <a:t>12/1/2022</a:t>
+              <a:t>12/2/2022</a:t>
             </a:fld>
             <a:endParaRPr lang="en-US"/>
           </a:p>
@@ -2399,7 +2400,7 @@
           <a:p>
             <a:fld id="{A8A9F1F3-208B-49A3-B337-9C8ACEB3E0E1}" type="datetime1">
               <a:rPr lang="en-US" smtClean="0"/>
-              <a:t>12/1/2022</a:t>
+              <a:t>12/2/2022</a:t>
             </a:fld>
             <a:endParaRPr lang="en-US"/>
           </a:p>
@@ -2546,7 +2547,7 @@
           <a:p>
             <a:fld id="{27AF6CA6-7293-4AA2-A0E0-A3BF4416E786}" type="datetime1">
               <a:rPr lang="en-US" smtClean="0"/>
-              <a:t>12/1/2022</a:t>
+              <a:t>12/2/2022</a:t>
             </a:fld>
             <a:endParaRPr lang="en-US"/>
           </a:p>
@@ -2659,7 +2660,7 @@
           <a:p>
             <a:fld id="{98D87016-7BCD-46FB-8EE3-AB6C369108B4}" type="datetime1">
               <a:rPr lang="en-US" smtClean="0"/>
-              <a:t>12/1/2022</a:t>
+              <a:t>12/2/2022</a:t>
             </a:fld>
             <a:endParaRPr lang="en-US"/>
           </a:p>
@@ -2978,7 +2979,7 @@
           <a:p>
             <a:fld id="{A1547011-1FFC-4EF8-9A2E-53B4AD2ADBD4}" type="datetime1">
               <a:rPr lang="en-US" smtClean="0"/>
-              <a:t>12/1/2022</a:t>
+              <a:t>12/2/2022</a:t>
             </a:fld>
             <a:endParaRPr lang="en-US"/>
           </a:p>
@@ -3272,7 +3273,7 @@
           <a:p>
             <a:fld id="{9562EB47-45B4-4EF5-A743-B4885DD2F060}" type="datetime1">
               <a:rPr lang="en-US" smtClean="0"/>
-              <a:t>12/1/2022</a:t>
+              <a:t>12/2/2022</a:t>
             </a:fld>
             <a:endParaRPr lang="en-US"/>
           </a:p>
@@ -4657,7 +4658,7 @@
           <a:p>
             <a:fld id="{4A8D24A4-5FEC-4062-8995-EB21925B3B40}" type="datetime1">
               <a:rPr lang="en-US" smtClean="0"/>
-              <a:t>12/1/2022</a:t>
+              <a:t>12/2/2022</a:t>
             </a:fld>
             <a:endParaRPr lang="en-US" sz="1000"/>
           </a:p>
@@ -6710,6 +6711,242 @@
           <p:cNvPr id="2" name="제목 1">
             <a:extLst>
               <a:ext uri="{FF2B5EF4-FFF2-40B4-BE49-F238E27FC236}">
+                <a16:creationId xmlns:a16="http://schemas.microsoft.com/office/drawing/2014/main" id="{9EF89999-E1E4-3805-468E-9935D300D2FF}"/>
+              </a:ext>
+            </a:extLst>
+          </p:cNvPr>
+          <p:cNvSpPr>
+            <a:spLocks noGrp="1"/>
+          </p:cNvSpPr>
+          <p:nvPr>
+            <p:ph type="title"/>
+          </p:nvPr>
+        </p:nvSpPr>
+        <p:spPr/>
+        <p:txBody>
+          <a:bodyPr/>
+          <a:lstStyle/>
+          <a:p>
+            <a:r>
+              <a:rPr lang="ko-KR" altLang="en-US" sz="4000">
+                <a:latin typeface="맑은 고딕" panose="020B0503020000020004" pitchFamily="50" charset="-127"/>
+                <a:ea typeface="맑은 고딕" panose="020B0503020000020004" pitchFamily="50" charset="-127"/>
+              </a:rPr>
+              <a:t>단점</a:t>
+            </a:r>
+          </a:p>
+        </p:txBody>
+      </p:sp>
+      <p:sp>
+        <p:nvSpPr>
+          <p:cNvPr id="3" name="내용 개체 틀 2">
+            <a:extLst>
+              <a:ext uri="{FF2B5EF4-FFF2-40B4-BE49-F238E27FC236}">
+                <a16:creationId xmlns:a16="http://schemas.microsoft.com/office/drawing/2014/main" id="{9CC00689-28F8-69FE-B175-2404B354EF45}"/>
+              </a:ext>
+            </a:extLst>
+          </p:cNvPr>
+          <p:cNvSpPr>
+            <a:spLocks noGrp="1"/>
+          </p:cNvSpPr>
+          <p:nvPr>
+            <p:ph idx="1"/>
+          </p:nvPr>
+        </p:nvSpPr>
+        <p:spPr>
+          <a:xfrm>
+            <a:off x="777240" y="1430209"/>
+            <a:ext cx="10659110" cy="5062666"/>
+          </a:xfrm>
+        </p:spPr>
+        <p:txBody>
+          <a:bodyPr/>
+          <a:lstStyle/>
+          <a:p>
+            <a:r>
+              <a:rPr lang="ko-KR" altLang="en-US" sz="2400">
+                <a:latin typeface="맑은 고딕" panose="020B0503020000020004" pitchFamily="50" charset="-127"/>
+                <a:ea typeface="맑은 고딕" panose="020B0503020000020004" pitchFamily="50" charset="-127"/>
+              </a:rPr>
+              <a:t>개발 중 튕기는 버그</a:t>
+            </a:r>
+            <a:endParaRPr lang="en-US" altLang="ko-KR" sz="2400">
+              <a:latin typeface="맑은 고딕" panose="020B0503020000020004" pitchFamily="50" charset="-127"/>
+              <a:ea typeface="맑은 고딕" panose="020B0503020000020004" pitchFamily="50" charset="-127"/>
+            </a:endParaRPr>
+          </a:p>
+          <a:p>
+            <a:r>
+              <a:rPr lang="ko-KR" altLang="en-US" sz="2400">
+                <a:latin typeface="맑은 고딕" panose="020B0503020000020004" pitchFamily="50" charset="-127"/>
+                <a:ea typeface="맑은 고딕" panose="020B0503020000020004" pitchFamily="50" charset="-127"/>
+              </a:rPr>
+              <a:t>스크립트 편집이 안되는 버그</a:t>
+            </a:r>
+            <a:endParaRPr lang="en-US" altLang="ko-KR" sz="2400">
+              <a:latin typeface="맑은 고딕" panose="020B0503020000020004" pitchFamily="50" charset="-127"/>
+              <a:ea typeface="맑은 고딕" panose="020B0503020000020004" pitchFamily="50" charset="-127"/>
+            </a:endParaRPr>
+          </a:p>
+          <a:p>
+            <a:r>
+              <a:rPr lang="ko-KR" altLang="en-US" sz="2400">
+                <a:latin typeface="맑은 고딕" panose="020B0503020000020004" pitchFamily="50" charset="-127"/>
+                <a:ea typeface="맑은 고딕" panose="020B0503020000020004" pitchFamily="50" charset="-127"/>
+              </a:rPr>
+              <a:t>무한로딩 버그</a:t>
+            </a:r>
+            <a:endParaRPr lang="en-US" altLang="ko-KR" sz="2400">
+              <a:latin typeface="맑은 고딕" panose="020B0503020000020004" pitchFamily="50" charset="-127"/>
+              <a:ea typeface="맑은 고딕" panose="020B0503020000020004" pitchFamily="50" charset="-127"/>
+            </a:endParaRPr>
+          </a:p>
+          <a:p>
+            <a:r>
+              <a:rPr lang="ko-KR" altLang="en-US" sz="2400">
+                <a:latin typeface="맑은 고딕" panose="020B0503020000020004" pitchFamily="50" charset="-127"/>
+                <a:ea typeface="맑은 고딕" panose="020B0503020000020004" pitchFamily="50" charset="-127"/>
+              </a:rPr>
+              <a:t>브레이크포인트가 제멋대로 이동하는 버그</a:t>
+            </a:r>
+            <a:endParaRPr lang="en-US" altLang="ko-KR" sz="2400">
+              <a:latin typeface="맑은 고딕" panose="020B0503020000020004" pitchFamily="50" charset="-127"/>
+              <a:ea typeface="맑은 고딕" panose="020B0503020000020004" pitchFamily="50" charset="-127"/>
+            </a:endParaRPr>
+          </a:p>
+          <a:p>
+            <a:r>
+              <a:rPr lang="ko-KR" altLang="en-US" sz="2400">
+                <a:latin typeface="맑은 고딕" panose="020B0503020000020004" pitchFamily="50" charset="-127"/>
+                <a:ea typeface="맑은 고딕" panose="020B0503020000020004" pitchFamily="50" charset="-127"/>
+              </a:rPr>
+              <a:t>스크립트 글자가 겹쳐보이는 버그</a:t>
+            </a:r>
+            <a:endParaRPr lang="en-US" altLang="ko-KR" sz="2400">
+              <a:latin typeface="맑은 고딕" panose="020B0503020000020004" pitchFamily="50" charset="-127"/>
+              <a:ea typeface="맑은 고딕" panose="020B0503020000020004" pitchFamily="50" charset="-127"/>
+            </a:endParaRPr>
+          </a:p>
+          <a:p>
+            <a:r>
+              <a:rPr lang="ko-KR" altLang="en-US" sz="2400">
+                <a:latin typeface="맑은 고딕" panose="020B0503020000020004" pitchFamily="50" charset="-127"/>
+                <a:ea typeface="맑은 고딕" panose="020B0503020000020004" pitchFamily="50" charset="-127"/>
+              </a:rPr>
+              <a:t>접근할 수 없는 더미 스크립트가 생기는 버그</a:t>
+            </a:r>
+            <a:endParaRPr lang="en-US" altLang="ko-KR" sz="2400">
+              <a:latin typeface="맑은 고딕" panose="020B0503020000020004" pitchFamily="50" charset="-127"/>
+              <a:ea typeface="맑은 고딕" panose="020B0503020000020004" pitchFamily="50" charset="-127"/>
+            </a:endParaRPr>
+          </a:p>
+          <a:p>
+            <a:r>
+              <a:rPr lang="ko-KR" altLang="en-US" sz="2400">
+                <a:latin typeface="맑은 고딕" panose="020B0503020000020004" pitchFamily="50" charset="-127"/>
+                <a:ea typeface="맑은 고딕" panose="020B0503020000020004" pitchFamily="50" charset="-127"/>
+              </a:rPr>
+              <a:t>스크립트 에러가 반 박자 늦게 표시되는 버그</a:t>
+            </a:r>
+            <a:endParaRPr lang="en-US" altLang="ko-KR" sz="2400">
+              <a:latin typeface="맑은 고딕" panose="020B0503020000020004" pitchFamily="50" charset="-127"/>
+              <a:ea typeface="맑은 고딕" panose="020B0503020000020004" pitchFamily="50" charset="-127"/>
+            </a:endParaRPr>
+          </a:p>
+          <a:p>
+            <a:r>
+              <a:rPr lang="ko-KR" altLang="en-US" sz="2400">
+                <a:latin typeface="맑은 고딕" panose="020B0503020000020004" pitchFamily="50" charset="-127"/>
+                <a:ea typeface="맑은 고딕" panose="020B0503020000020004" pitchFamily="50" charset="-127"/>
+              </a:rPr>
+              <a:t>보이지 않는 오브젝트가 </a:t>
+            </a:r>
+            <a:r>
+              <a:rPr lang="en-US" altLang="ko-KR" sz="2400">
+                <a:latin typeface="맑은 고딕" panose="020B0503020000020004" pitchFamily="50" charset="-127"/>
+                <a:ea typeface="맑은 고딕" panose="020B0503020000020004" pitchFamily="50" charset="-127"/>
+              </a:rPr>
+              <a:t>raycast</a:t>
+            </a:r>
+            <a:r>
+              <a:rPr lang="ko-KR" altLang="en-US" sz="2400">
+                <a:latin typeface="맑은 고딕" panose="020B0503020000020004" pitchFamily="50" charset="-127"/>
+                <a:ea typeface="맑은 고딕" panose="020B0503020000020004" pitchFamily="50" charset="-127"/>
+              </a:rPr>
+              <a:t>에 영향을 주는 버그</a:t>
+            </a:r>
+            <a:endParaRPr lang="en-US" altLang="ko-KR" sz="2400">
+              <a:latin typeface="맑은 고딕" panose="020B0503020000020004" pitchFamily="50" charset="-127"/>
+              <a:ea typeface="맑은 고딕" panose="020B0503020000020004" pitchFamily="50" charset="-127"/>
+            </a:endParaRPr>
+          </a:p>
+          <a:p>
+            <a:r>
+              <a:rPr lang="en-US" altLang="ko-KR" sz="2400">
+                <a:latin typeface="맑은 고딕" panose="020B0503020000020004" pitchFamily="50" charset="-127"/>
+                <a:ea typeface="맑은 고딕" panose="020B0503020000020004" pitchFamily="50" charset="-127"/>
+              </a:rPr>
+              <a:t>Integer </a:t>
+            </a:r>
+            <a:r>
+              <a:rPr lang="ko-KR" altLang="en-US" sz="2400">
+                <a:latin typeface="맑은 고딕" panose="020B0503020000020004" pitchFamily="50" charset="-127"/>
+                <a:ea typeface="맑은 고딕" panose="020B0503020000020004" pitchFamily="50" charset="-127"/>
+              </a:rPr>
+              <a:t>타입이 </a:t>
+            </a:r>
+            <a:r>
+              <a:rPr lang="en-US" altLang="ko-KR" sz="2400">
+                <a:latin typeface="맑은 고딕" panose="020B0503020000020004" pitchFamily="50" charset="-127"/>
+                <a:ea typeface="맑은 고딕" panose="020B0503020000020004" pitchFamily="50" charset="-127"/>
+              </a:rPr>
+              <a:t>DB</a:t>
+            </a:r>
+            <a:r>
+              <a:rPr lang="ko-KR" altLang="en-US" sz="2400">
+                <a:latin typeface="맑은 고딕" panose="020B0503020000020004" pitchFamily="50" charset="-127"/>
+                <a:ea typeface="맑은 고딕" panose="020B0503020000020004" pitchFamily="50" charset="-127"/>
+              </a:rPr>
+              <a:t>에 제대로 저장되지 않는 버그</a:t>
+            </a:r>
+          </a:p>
+        </p:txBody>
+      </p:sp>
+    </p:spTree>
+    <p:extLst>
+      <p:ext uri="{BB962C8B-B14F-4D97-AF65-F5344CB8AC3E}">
+        <p14:creationId xmlns:p14="http://schemas.microsoft.com/office/powerpoint/2010/main" val="2083658658"/>
+      </p:ext>
+    </p:extLst>
+  </p:cSld>
+  <p:clrMapOvr>
+    <a:masterClrMapping/>
+  </p:clrMapOvr>
+</p:sld>
+</file>
+
+<file path=ppt/slides/slide11.xml><?xml version="1.0" encoding="utf-8"?>
+<p:sld xmlns:a="http://schemas.openxmlformats.org/drawingml/2006/main" xmlns:r="http://schemas.openxmlformats.org/officeDocument/2006/relationships" xmlns:p="http://schemas.openxmlformats.org/presentationml/2006/main">
+  <p:cSld>
+    <p:spTree>
+      <p:nvGrpSpPr>
+        <p:cNvPr id="1" name=""/>
+        <p:cNvGrpSpPr/>
+        <p:nvPr/>
+      </p:nvGrpSpPr>
+      <p:grpSpPr>
+        <a:xfrm>
+          <a:off x="0" y="0"/>
+          <a:ext cx="0" cy="0"/>
+          <a:chOff x="0" y="0"/>
+          <a:chExt cx="0" cy="0"/>
+        </a:xfrm>
+      </p:grpSpPr>
+      <p:sp>
+        <p:nvSpPr>
+          <p:cNvPr id="2" name="제목 1">
+            <a:extLst>
+              <a:ext uri="{FF2B5EF4-FFF2-40B4-BE49-F238E27FC236}">
                 <a16:creationId xmlns:a16="http://schemas.microsoft.com/office/drawing/2014/main" id="{FB277F2A-4E90-A48C-1245-68B96F4501B1}"/>
               </a:ext>
             </a:extLst>
@@ -6907,7 +7144,7 @@
 </p:sld>
 </file>
 
-<file path=ppt/slides/slide11.xml><?xml version="1.0" encoding="utf-8"?>
+<file path=ppt/slides/slide12.xml><?xml version="1.0" encoding="utf-8"?>
 <p:sld xmlns:a="http://schemas.openxmlformats.org/drawingml/2006/main" xmlns:r="http://schemas.openxmlformats.org/officeDocument/2006/relationships" xmlns:p="http://schemas.openxmlformats.org/presentationml/2006/main">
   <p:cSld>
     <p:spTree>
@@ -7999,6 +8236,180 @@
           <p:cNvPr id="2" name="제목 1">
             <a:extLst>
               <a:ext uri="{FF2B5EF4-FFF2-40B4-BE49-F238E27FC236}">
+                <a16:creationId xmlns:a16="http://schemas.microsoft.com/office/drawing/2014/main" id="{C4453936-7F36-EA0E-0D61-CBA938F48C56}"/>
+              </a:ext>
+            </a:extLst>
+          </p:cNvPr>
+          <p:cNvSpPr>
+            <a:spLocks noGrp="1"/>
+          </p:cNvSpPr>
+          <p:nvPr>
+            <p:ph type="title"/>
+          </p:nvPr>
+        </p:nvSpPr>
+        <p:spPr/>
+        <p:txBody>
+          <a:bodyPr/>
+          <a:lstStyle/>
+          <a:p>
+            <a:r>
+              <a:rPr lang="ko-KR" altLang="en-US" sz="4000">
+                <a:latin typeface="맑은 고딕" panose="020B0503020000020004" pitchFamily="50" charset="-127"/>
+                <a:ea typeface="맑은 고딕" panose="020B0503020000020004" pitchFamily="50" charset="-127"/>
+              </a:rPr>
+              <a:t>출시</a:t>
+            </a:r>
+          </a:p>
+        </p:txBody>
+      </p:sp>
+      <p:sp>
+        <p:nvSpPr>
+          <p:cNvPr id="3" name="내용 개체 틀 2">
+            <a:extLst>
+              <a:ext uri="{FF2B5EF4-FFF2-40B4-BE49-F238E27FC236}">
+                <a16:creationId xmlns:a16="http://schemas.microsoft.com/office/drawing/2014/main" id="{5AD855B6-07DA-3298-0075-7E2D95DF31FE}"/>
+              </a:ext>
+            </a:extLst>
+          </p:cNvPr>
+          <p:cNvSpPr>
+            <a:spLocks noGrp="1"/>
+          </p:cNvSpPr>
+          <p:nvPr>
+            <p:ph idx="1"/>
+          </p:nvPr>
+        </p:nvSpPr>
+        <p:spPr/>
+        <p:txBody>
+          <a:bodyPr/>
+          <a:lstStyle/>
+          <a:p>
+            <a:r>
+              <a:rPr lang="en-US" altLang="ko-KR">
+                <a:latin typeface="맑은 고딕" panose="020B0503020000020004" pitchFamily="50" charset="-127"/>
+                <a:ea typeface="맑은 고딕" panose="020B0503020000020004" pitchFamily="50" charset="-127"/>
+              </a:rPr>
+              <a:t>PC</a:t>
+            </a:r>
+            <a:r>
+              <a:rPr lang="ko-KR" altLang="en-US">
+                <a:latin typeface="맑은 고딕" panose="020B0503020000020004" pitchFamily="50" charset="-127"/>
+                <a:ea typeface="맑은 고딕" panose="020B0503020000020004" pitchFamily="50" charset="-127"/>
+              </a:rPr>
+              <a:t> </a:t>
+            </a:r>
+            <a:r>
+              <a:rPr lang="en-US" altLang="ko-KR">
+                <a:latin typeface="맑은 고딕" panose="020B0503020000020004" pitchFamily="50" charset="-127"/>
+                <a:ea typeface="맑은 고딕" panose="020B0503020000020004" pitchFamily="50" charset="-127"/>
+              </a:rPr>
+              <a:t>/</a:t>
+            </a:r>
+            <a:r>
+              <a:rPr lang="ko-KR" altLang="en-US">
+                <a:latin typeface="맑은 고딕" panose="020B0503020000020004" pitchFamily="50" charset="-127"/>
+                <a:ea typeface="맑은 고딕" panose="020B0503020000020004" pitchFamily="50" charset="-127"/>
+              </a:rPr>
+              <a:t> 안드로이드 </a:t>
+            </a:r>
+            <a:r>
+              <a:rPr lang="en-US" altLang="ko-KR">
+                <a:latin typeface="맑은 고딕" panose="020B0503020000020004" pitchFamily="50" charset="-127"/>
+                <a:ea typeface="맑은 고딕" panose="020B0503020000020004" pitchFamily="50" charset="-127"/>
+              </a:rPr>
+              <a:t>/ IOS </a:t>
+            </a:r>
+            <a:r>
+              <a:rPr lang="ko-KR" altLang="en-US">
+                <a:latin typeface="맑은 고딕" panose="020B0503020000020004" pitchFamily="50" charset="-127"/>
+                <a:ea typeface="맑은 고딕" panose="020B0503020000020004" pitchFamily="50" charset="-127"/>
+              </a:rPr>
+              <a:t>플레이 가능</a:t>
+            </a:r>
+            <a:endParaRPr lang="en-US" altLang="ko-KR">
+              <a:latin typeface="맑은 고딕" panose="020B0503020000020004" pitchFamily="50" charset="-127"/>
+              <a:ea typeface="맑은 고딕" panose="020B0503020000020004" pitchFamily="50" charset="-127"/>
+            </a:endParaRPr>
+          </a:p>
+          <a:p>
+            <a:r>
+              <a:rPr lang="en-US" altLang="ko-KR">
+                <a:latin typeface="맑은 고딕" panose="020B0503020000020004" pitchFamily="50" charset="-127"/>
+                <a:ea typeface="맑은 고딕" panose="020B0503020000020004" pitchFamily="50" charset="-127"/>
+              </a:rPr>
+              <a:t>https://maplestoryworlds.nexon.com/play/b4a0123ae9804d13883aa18b1fbc8e9d</a:t>
+            </a:r>
+            <a:endParaRPr lang="ko-KR" altLang="en-US">
+              <a:latin typeface="맑은 고딕" panose="020B0503020000020004" pitchFamily="50" charset="-127"/>
+              <a:ea typeface="맑은 고딕" panose="020B0503020000020004" pitchFamily="50" charset="-127"/>
+            </a:endParaRPr>
+          </a:p>
+        </p:txBody>
+      </p:sp>
+      <p:pic>
+        <p:nvPicPr>
+          <p:cNvPr id="5" name="그림 4">
+            <a:extLst>
+              <a:ext uri="{FF2B5EF4-FFF2-40B4-BE49-F238E27FC236}">
+                <a16:creationId xmlns:a16="http://schemas.microsoft.com/office/drawing/2014/main" id="{B67906CF-36F6-618D-C6C4-96C918C62F5D}"/>
+              </a:ext>
+            </a:extLst>
+          </p:cNvPr>
+          <p:cNvPicPr>
+            <a:picLocks noChangeAspect="1"/>
+          </p:cNvPicPr>
+          <p:nvPr/>
+        </p:nvPicPr>
+        <p:blipFill>
+          <a:blip r:embed="rId2"/>
+          <a:stretch>
+            <a:fillRect/>
+          </a:stretch>
+        </p:blipFill>
+        <p:spPr>
+          <a:xfrm>
+            <a:off x="2606357" y="3112577"/>
+            <a:ext cx="6239503" cy="3199323"/>
+          </a:xfrm>
+          <a:prstGeom prst="rect">
+            <a:avLst/>
+          </a:prstGeom>
+        </p:spPr>
+      </p:pic>
+    </p:spTree>
+    <p:extLst>
+      <p:ext uri="{BB962C8B-B14F-4D97-AF65-F5344CB8AC3E}">
+        <p14:creationId xmlns:p14="http://schemas.microsoft.com/office/powerpoint/2010/main" val="1428524670"/>
+      </p:ext>
+    </p:extLst>
+  </p:cSld>
+  <p:clrMapOvr>
+    <a:masterClrMapping/>
+  </p:clrMapOvr>
+</p:sld>
+</file>
+
+<file path=ppt/slides/slide4.xml><?xml version="1.0" encoding="utf-8"?>
+<p:sld xmlns:a="http://schemas.openxmlformats.org/drawingml/2006/main" xmlns:r="http://schemas.openxmlformats.org/officeDocument/2006/relationships" xmlns:p="http://schemas.openxmlformats.org/presentationml/2006/main">
+  <p:cSld>
+    <p:spTree>
+      <p:nvGrpSpPr>
+        <p:cNvPr id="1" name=""/>
+        <p:cNvGrpSpPr/>
+        <p:nvPr/>
+      </p:nvGrpSpPr>
+      <p:grpSpPr>
+        <a:xfrm>
+          <a:off x="0" y="0"/>
+          <a:ext cx="0" cy="0"/>
+          <a:chOff x="0" y="0"/>
+          <a:chExt cx="0" cy="0"/>
+        </a:xfrm>
+      </p:grpSpPr>
+      <p:sp>
+        <p:nvSpPr>
+          <p:cNvPr id="2" name="제목 1">
+            <a:extLst>
+              <a:ext uri="{FF2B5EF4-FFF2-40B4-BE49-F238E27FC236}">
                 <a16:creationId xmlns:a16="http://schemas.microsoft.com/office/drawing/2014/main" id="{6C039F59-75A3-A281-3039-621EE9F029AB}"/>
               </a:ext>
             </a:extLst>
@@ -8454,7 +8865,7 @@
 </p:sld>
 </file>
 
-<file path=ppt/slides/slide4.xml><?xml version="1.0" encoding="utf-8"?>
+<file path=ppt/slides/slide5.xml><?xml version="1.0" encoding="utf-8"?>
 <p:sld xmlns:a="http://schemas.openxmlformats.org/drawingml/2006/main" xmlns:r="http://schemas.openxmlformats.org/officeDocument/2006/relationships" xmlns:p="http://schemas.openxmlformats.org/presentationml/2006/main">
   <p:cSld>
     <p:spTree>
@@ -9747,7 +10158,7 @@
 </p:sld>
 </file>
 
-<file path=ppt/slides/slide5.xml><?xml version="1.0" encoding="utf-8"?>
+<file path=ppt/slides/slide6.xml><?xml version="1.0" encoding="utf-8"?>
 <p:sld xmlns:a="http://schemas.openxmlformats.org/drawingml/2006/main" xmlns:r="http://schemas.openxmlformats.org/officeDocument/2006/relationships" xmlns:p="http://schemas.openxmlformats.org/presentationml/2006/main">
   <p:cSld>
     <p:spTree>
@@ -9996,67 +10407,6 @@
 </p:sld>
 </file>
 
-<file path=ppt/slides/slide6.xml><?xml version="1.0" encoding="utf-8"?>
-<p:sld xmlns:a="http://schemas.openxmlformats.org/drawingml/2006/main" xmlns:r="http://schemas.openxmlformats.org/officeDocument/2006/relationships" xmlns:p="http://schemas.openxmlformats.org/presentationml/2006/main">
-  <p:cSld>
-    <p:spTree>
-      <p:nvGrpSpPr>
-        <p:cNvPr id="1" name=""/>
-        <p:cNvGrpSpPr/>
-        <p:nvPr/>
-      </p:nvGrpSpPr>
-      <p:grpSpPr>
-        <a:xfrm>
-          <a:off x="0" y="0"/>
-          <a:ext cx="0" cy="0"/>
-          <a:chOff x="0" y="0"/>
-          <a:chExt cx="0" cy="0"/>
-        </a:xfrm>
-      </p:grpSpPr>
-      <p:sp>
-        <p:nvSpPr>
-          <p:cNvPr id="2" name="제목 1">
-            <a:extLst>
-              <a:ext uri="{FF2B5EF4-FFF2-40B4-BE49-F238E27FC236}">
-                <a16:creationId xmlns:a16="http://schemas.microsoft.com/office/drawing/2014/main" id="{FB277F2A-4E90-A48C-1245-68B96F4501B1}"/>
-              </a:ext>
-            </a:extLst>
-          </p:cNvPr>
-          <p:cNvSpPr>
-            <a:spLocks noGrp="1"/>
-          </p:cNvSpPr>
-          <p:nvPr>
-            <p:ph type="title"/>
-          </p:nvPr>
-        </p:nvSpPr>
-        <p:spPr/>
-        <p:txBody>
-          <a:bodyPr/>
-          <a:lstStyle/>
-          <a:p>
-            <a:r>
-              <a:rPr lang="ko-KR" altLang="en-US" sz="4000">
-                <a:latin typeface="맑은 고딕" panose="020B0503020000020004" pitchFamily="50" charset="-127"/>
-                <a:ea typeface="맑은 고딕" panose="020B0503020000020004" pitchFamily="50" charset="-127"/>
-              </a:rPr>
-              <a:t>시연</a:t>
-            </a:r>
-          </a:p>
-        </p:txBody>
-      </p:sp>
-    </p:spTree>
-    <p:extLst>
-      <p:ext uri="{BB962C8B-B14F-4D97-AF65-F5344CB8AC3E}">
-        <p14:creationId xmlns:p14="http://schemas.microsoft.com/office/powerpoint/2010/main" val="1081593153"/>
-      </p:ext>
-    </p:extLst>
-  </p:cSld>
-  <p:clrMapOvr>
-    <a:masterClrMapping/>
-  </p:clrMapOvr>
-</p:sld>
-</file>
-
 <file path=ppt/slides/slide7.xml><?xml version="1.0" encoding="utf-8"?>
 <p:sld xmlns:a="http://schemas.openxmlformats.org/drawingml/2006/main" xmlns:r="http://schemas.openxmlformats.org/officeDocument/2006/relationships" xmlns:p="http://schemas.openxmlformats.org/presentationml/2006/main">
   <p:cSld>
@@ -10079,7 +10429,7 @@
           <p:cNvPr id="2" name="제목 1">
             <a:extLst>
               <a:ext uri="{FF2B5EF4-FFF2-40B4-BE49-F238E27FC236}">
-                <a16:creationId xmlns:a16="http://schemas.microsoft.com/office/drawing/2014/main" id="{9EF89999-E1E4-3805-468E-9935D300D2FF}"/>
+                <a16:creationId xmlns:a16="http://schemas.microsoft.com/office/drawing/2014/main" id="{FB277F2A-4E90-A48C-1245-68B96F4501B1}"/>
               </a:ext>
             </a:extLst>
           </p:cNvPr>
@@ -10100,148 +10450,15 @@
                 <a:latin typeface="맑은 고딕" panose="020B0503020000020004" pitchFamily="50" charset="-127"/>
                 <a:ea typeface="맑은 고딕" panose="020B0503020000020004" pitchFamily="50" charset="-127"/>
               </a:rPr>
-              <a:t>장점</a:t>
-            </a:r>
-          </a:p>
-        </p:txBody>
-      </p:sp>
-      <p:sp>
-        <p:nvSpPr>
-          <p:cNvPr id="3" name="내용 개체 틀 2">
-            <a:extLst>
-              <a:ext uri="{FF2B5EF4-FFF2-40B4-BE49-F238E27FC236}">
-                <a16:creationId xmlns:a16="http://schemas.microsoft.com/office/drawing/2014/main" id="{9CC00689-28F8-69FE-B175-2404B354EF45}"/>
-              </a:ext>
-            </a:extLst>
-          </p:cNvPr>
-          <p:cNvSpPr>
-            <a:spLocks noGrp="1"/>
-          </p:cNvSpPr>
-          <p:nvPr>
-            <p:ph idx="1"/>
-          </p:nvPr>
-        </p:nvSpPr>
-        <p:spPr/>
-        <p:txBody>
-          <a:bodyPr/>
-          <a:lstStyle/>
-          <a:p>
-            <a:r>
-              <a:rPr lang="ko-KR" altLang="en-US" sz="2400">
-                <a:latin typeface="맑은 고딕" panose="020B0503020000020004" pitchFamily="50" charset="-127"/>
-                <a:ea typeface="맑은 고딕" panose="020B0503020000020004" pitchFamily="50" charset="-127"/>
-              </a:rPr>
-              <a:t>리소스 제공</a:t>
-            </a:r>
-            <a:endParaRPr lang="en-US" altLang="ko-KR" sz="2400">
-              <a:latin typeface="맑은 고딕" panose="020B0503020000020004" pitchFamily="50" charset="-127"/>
-              <a:ea typeface="맑은 고딕" panose="020B0503020000020004" pitchFamily="50" charset="-127"/>
-            </a:endParaRPr>
-          </a:p>
-          <a:p>
-            <a:r>
-              <a:rPr lang="ko-KR" altLang="en-US" sz="2400">
-                <a:latin typeface="맑은 고딕" panose="020B0503020000020004" pitchFamily="50" charset="-127"/>
-                <a:ea typeface="맑은 고딕" panose="020B0503020000020004" pitchFamily="50" charset="-127"/>
-              </a:rPr>
-              <a:t>서버</a:t>
-            </a:r>
-            <a:r>
-              <a:rPr lang="en-US" altLang="ko-KR" sz="2400">
-                <a:latin typeface="맑은 고딕" panose="020B0503020000020004" pitchFamily="50" charset="-127"/>
-                <a:ea typeface="맑은 고딕" panose="020B0503020000020004" pitchFamily="50" charset="-127"/>
-              </a:rPr>
-              <a:t>, DB </a:t>
-            </a:r>
-            <a:r>
-              <a:rPr lang="ko-KR" altLang="en-US" sz="2400">
-                <a:latin typeface="맑은 고딕" panose="020B0503020000020004" pitchFamily="50" charset="-127"/>
-                <a:ea typeface="맑은 고딕" panose="020B0503020000020004" pitchFamily="50" charset="-127"/>
-              </a:rPr>
-              <a:t>기능 제공</a:t>
-            </a:r>
-            <a:endParaRPr lang="en-US" altLang="ko-KR" sz="2400">
-              <a:latin typeface="맑은 고딕" panose="020B0503020000020004" pitchFamily="50" charset="-127"/>
-              <a:ea typeface="맑은 고딕" panose="020B0503020000020004" pitchFamily="50" charset="-127"/>
-            </a:endParaRPr>
-          </a:p>
-          <a:p>
-            <a:r>
-              <a:rPr lang="ko-KR" altLang="en-US" sz="2400">
-                <a:latin typeface="맑은 고딕" panose="020B0503020000020004" pitchFamily="50" charset="-127"/>
-                <a:ea typeface="맑은 고딕" panose="020B0503020000020004" pitchFamily="50" charset="-127"/>
-              </a:rPr>
-              <a:t>가볍고 빠른 엔진</a:t>
-            </a:r>
-            <a:endParaRPr lang="en-US" altLang="ko-KR" sz="2400">
-              <a:latin typeface="맑은 고딕" panose="020B0503020000020004" pitchFamily="50" charset="-127"/>
-              <a:ea typeface="맑은 고딕" panose="020B0503020000020004" pitchFamily="50" charset="-127"/>
-            </a:endParaRPr>
-          </a:p>
-          <a:p>
-            <a:r>
-              <a:rPr lang="ko-KR" altLang="en-US" sz="2400">
-                <a:latin typeface="맑은 고딕" panose="020B0503020000020004" pitchFamily="50" charset="-127"/>
-                <a:ea typeface="맑은 고딕" panose="020B0503020000020004" pitchFamily="50" charset="-127"/>
-              </a:rPr>
-              <a:t>쉬운 스크립트 제작</a:t>
-            </a:r>
-            <a:endParaRPr lang="en-US" altLang="ko-KR" sz="2400">
-              <a:latin typeface="맑은 고딕" panose="020B0503020000020004" pitchFamily="50" charset="-127"/>
-              <a:ea typeface="맑은 고딕" panose="020B0503020000020004" pitchFamily="50" charset="-127"/>
-            </a:endParaRPr>
-          </a:p>
-          <a:p>
-            <a:r>
-              <a:rPr lang="ko-KR" altLang="en-US" sz="2400">
-                <a:latin typeface="맑은 고딕" panose="020B0503020000020004" pitchFamily="50" charset="-127"/>
-                <a:ea typeface="맑은 고딕" panose="020B0503020000020004" pitchFamily="50" charset="-127"/>
-              </a:rPr>
-              <a:t>강력한 인텔리센스 기능</a:t>
-            </a:r>
-            <a:endParaRPr lang="en-US" altLang="ko-KR" sz="2400">
-              <a:latin typeface="맑은 고딕" panose="020B0503020000020004" pitchFamily="50" charset="-127"/>
-              <a:ea typeface="맑은 고딕" panose="020B0503020000020004" pitchFamily="50" charset="-127"/>
-            </a:endParaRPr>
-          </a:p>
-          <a:p>
-            <a:r>
-              <a:rPr lang="en-US" altLang="ko-KR" sz="2400">
-                <a:latin typeface="맑은 고딕" panose="020B0503020000020004" pitchFamily="50" charset="-127"/>
-                <a:ea typeface="맑은 고딕" panose="020B0503020000020004" pitchFamily="50" charset="-127"/>
-              </a:rPr>
-              <a:t>BM </a:t>
-            </a:r>
-            <a:r>
-              <a:rPr lang="ko-KR" altLang="en-US" sz="2400">
-                <a:latin typeface="맑은 고딕" panose="020B0503020000020004" pitchFamily="50" charset="-127"/>
-                <a:ea typeface="맑은 고딕" panose="020B0503020000020004" pitchFamily="50" charset="-127"/>
-              </a:rPr>
-              <a:t>기능 제공</a:t>
-            </a:r>
-            <a:endParaRPr lang="en-US" altLang="ko-KR" sz="2400">
-              <a:latin typeface="맑은 고딕" panose="020B0503020000020004" pitchFamily="50" charset="-127"/>
-              <a:ea typeface="맑은 고딕" panose="020B0503020000020004" pitchFamily="50" charset="-127"/>
-            </a:endParaRPr>
-          </a:p>
-          <a:p>
-            <a:endParaRPr lang="en-US" altLang="ko-KR" sz="2400">
-              <a:latin typeface="맑은 고딕" panose="020B0503020000020004" pitchFamily="50" charset="-127"/>
-              <a:ea typeface="맑은 고딕" panose="020B0503020000020004" pitchFamily="50" charset="-127"/>
-            </a:endParaRPr>
-          </a:p>
-          <a:p>
-            <a:endParaRPr lang="ko-KR" altLang="en-US" sz="2400">
-              <a:latin typeface="맑은 고딕" panose="020B0503020000020004" pitchFamily="50" charset="-127"/>
-              <a:ea typeface="맑은 고딕" panose="020B0503020000020004" pitchFamily="50" charset="-127"/>
-            </a:endParaRPr>
+              <a:t>시연</a:t>
+            </a:r>
           </a:p>
         </p:txBody>
       </p:sp>
     </p:spTree>
     <p:extLst>
       <p:ext uri="{BB962C8B-B14F-4D97-AF65-F5344CB8AC3E}">
-        <p14:creationId xmlns:p14="http://schemas.microsoft.com/office/powerpoint/2010/main" val="3992247632"/>
+        <p14:creationId xmlns:p14="http://schemas.microsoft.com/office/powerpoint/2010/main" val="1081593153"/>
       </p:ext>
     </p:extLst>
   </p:cSld>
@@ -10294,7 +10511,7 @@
                 <a:latin typeface="맑은 고딕" panose="020B0503020000020004" pitchFamily="50" charset="-127"/>
                 <a:ea typeface="맑은 고딕" panose="020B0503020000020004" pitchFamily="50" charset="-127"/>
               </a:rPr>
-              <a:t>단점</a:t>
+              <a:t>장점</a:t>
             </a:r>
           </a:p>
         </p:txBody>
@@ -10325,7 +10542,7 @@
                 <a:latin typeface="맑은 고딕" panose="020B0503020000020004" pitchFamily="50" charset="-127"/>
                 <a:ea typeface="맑은 고딕" panose="020B0503020000020004" pitchFamily="50" charset="-127"/>
               </a:rPr>
-              <a:t>협업 기능 지원이 부족함</a:t>
+              <a:t>리소스 제공</a:t>
             </a:r>
             <a:endParaRPr lang="en-US" altLang="ko-KR" sz="2400">
               <a:latin typeface="맑은 고딕" panose="020B0503020000020004" pitchFamily="50" charset="-127"/>
@@ -10338,7 +10555,21 @@
                 <a:latin typeface="맑은 고딕" panose="020B0503020000020004" pitchFamily="50" charset="-127"/>
                 <a:ea typeface="맑은 고딕" panose="020B0503020000020004" pitchFamily="50" charset="-127"/>
               </a:rPr>
-              <a:t>자료 부족</a:t>
+              <a:t>서버</a:t>
+            </a:r>
+            <a:r>
+              <a:rPr lang="en-US" altLang="ko-KR" sz="2400">
+                <a:latin typeface="맑은 고딕" panose="020B0503020000020004" pitchFamily="50" charset="-127"/>
+                <a:ea typeface="맑은 고딕" panose="020B0503020000020004" pitchFamily="50" charset="-127"/>
+              </a:rPr>
+              <a:t>, DB </a:t>
+            </a:r>
+            <a:r>
+              <a:rPr lang="ko-KR" altLang="en-US" sz="2400">
+                <a:latin typeface="맑은 고딕" panose="020B0503020000020004" pitchFamily="50" charset="-127"/>
+                <a:ea typeface="맑은 고딕" panose="020B0503020000020004" pitchFamily="50" charset="-127"/>
+              </a:rPr>
+              <a:t>기능 제공</a:t>
             </a:r>
             <a:endParaRPr lang="en-US" altLang="ko-KR" sz="2400">
               <a:latin typeface="맑은 고딕" panose="020B0503020000020004" pitchFamily="50" charset="-127"/>
@@ -10351,7 +10582,7 @@
                 <a:latin typeface="맑은 고딕" panose="020B0503020000020004" pitchFamily="50" charset="-127"/>
                 <a:ea typeface="맑은 고딕" panose="020B0503020000020004" pitchFamily="50" charset="-127"/>
               </a:rPr>
-              <a:t>유니티에 있는 몇몇 기능이 없음</a:t>
+              <a:t>가볍고 빠른 엔진</a:t>
             </a:r>
             <a:endParaRPr lang="en-US" altLang="ko-KR" sz="2400">
               <a:latin typeface="맑은 고딕" panose="020B0503020000020004" pitchFamily="50" charset="-127"/>
@@ -10364,7 +10595,7 @@
                 <a:latin typeface="맑은 고딕" panose="020B0503020000020004" pitchFamily="50" charset="-127"/>
                 <a:ea typeface="맑은 고딕" panose="020B0503020000020004" pitchFamily="50" charset="-127"/>
               </a:rPr>
-              <a:t>에디터 커스터마이징 기능이 빈약함</a:t>
+              <a:t>쉬운 스크립트 제작</a:t>
             </a:r>
             <a:endParaRPr lang="en-US" altLang="ko-KR" sz="2400">
               <a:latin typeface="맑은 고딕" panose="020B0503020000020004" pitchFamily="50" charset="-127"/>
@@ -10373,19 +10604,55 @@
           </a:p>
           <a:p>
             <a:r>
-              <a:rPr lang="ko-KR" altLang="en-US" sz="2400" strike="sngStrike">
+              <a:rPr lang="ko-KR" altLang="en-US" sz="2400">
                 <a:latin typeface="맑은 고딕" panose="020B0503020000020004" pitchFamily="50" charset="-127"/>
                 <a:ea typeface="맑은 고딕" panose="020B0503020000020004" pitchFamily="50" charset="-127"/>
               </a:rPr>
-              <a:t>지역 변수의 타입명을 명시할 수 없음</a:t>
-            </a:r>
+              <a:t>강력한 인텔리센스 기능</a:t>
+            </a:r>
+            <a:endParaRPr lang="en-US" altLang="ko-KR" sz="2400">
+              <a:latin typeface="맑은 고딕" panose="020B0503020000020004" pitchFamily="50" charset="-127"/>
+              <a:ea typeface="맑은 고딕" panose="020B0503020000020004" pitchFamily="50" charset="-127"/>
+            </a:endParaRPr>
+          </a:p>
+          <a:p>
+            <a:r>
+              <a:rPr lang="en-US" altLang="ko-KR" sz="2400">
+                <a:latin typeface="맑은 고딕" panose="020B0503020000020004" pitchFamily="50" charset="-127"/>
+                <a:ea typeface="맑은 고딕" panose="020B0503020000020004" pitchFamily="50" charset="-127"/>
+              </a:rPr>
+              <a:t>BM </a:t>
+            </a:r>
+            <a:r>
+              <a:rPr lang="ko-KR" altLang="en-US" sz="2400">
+                <a:latin typeface="맑은 고딕" panose="020B0503020000020004" pitchFamily="50" charset="-127"/>
+                <a:ea typeface="맑은 고딕" panose="020B0503020000020004" pitchFamily="50" charset="-127"/>
+              </a:rPr>
+              <a:t>기능 제공</a:t>
+            </a:r>
+            <a:endParaRPr lang="en-US" altLang="ko-KR" sz="2400">
+              <a:latin typeface="맑은 고딕" panose="020B0503020000020004" pitchFamily="50" charset="-127"/>
+              <a:ea typeface="맑은 고딕" panose="020B0503020000020004" pitchFamily="50" charset="-127"/>
+            </a:endParaRPr>
+          </a:p>
+          <a:p>
+            <a:endParaRPr lang="en-US" altLang="ko-KR" sz="2400">
+              <a:latin typeface="맑은 고딕" panose="020B0503020000020004" pitchFamily="50" charset="-127"/>
+              <a:ea typeface="맑은 고딕" panose="020B0503020000020004" pitchFamily="50" charset="-127"/>
+            </a:endParaRPr>
+          </a:p>
+          <a:p>
+            <a:endParaRPr lang="ko-KR" altLang="en-US" sz="2400">
+              <a:latin typeface="맑은 고딕" panose="020B0503020000020004" pitchFamily="50" charset="-127"/>
+              <a:ea typeface="맑은 고딕" panose="020B0503020000020004" pitchFamily="50" charset="-127"/>
+            </a:endParaRPr>
           </a:p>
         </p:txBody>
       </p:sp>
     </p:spTree>
     <p:extLst>
       <p:ext uri="{BB962C8B-B14F-4D97-AF65-F5344CB8AC3E}">
-        <p14:creationId xmlns:p14="http://schemas.microsoft.com/office/powerpoint/2010/main" val="1166467205"/>
+        <p14:creationId xmlns:p14="http://schemas.microsoft.com/office/powerpoint/2010/main" val="3992247632"/>
       </p:ext>
     </p:extLst>
   </p:cSld>
@@ -10469,7 +10736,7 @@
                 <a:latin typeface="맑은 고딕" panose="020B0503020000020004" pitchFamily="50" charset="-127"/>
                 <a:ea typeface="맑은 고딕" panose="020B0503020000020004" pitchFamily="50" charset="-127"/>
               </a:rPr>
-              <a:t>개발 중 튕기는 버그</a:t>
+              <a:t>협업 기능 지원이 부족함</a:t>
             </a:r>
             <a:endParaRPr lang="en-US" altLang="ko-KR" sz="2400">
               <a:latin typeface="맑은 고딕" panose="020B0503020000020004" pitchFamily="50" charset="-127"/>
@@ -10482,7 +10749,7 @@
                 <a:latin typeface="맑은 고딕" panose="020B0503020000020004" pitchFamily="50" charset="-127"/>
                 <a:ea typeface="맑은 고딕" panose="020B0503020000020004" pitchFamily="50" charset="-127"/>
               </a:rPr>
-              <a:t>스크립트 편집이 안되는 버그</a:t>
+              <a:t>자료 부족</a:t>
             </a:r>
             <a:endParaRPr lang="en-US" altLang="ko-KR" sz="2400">
               <a:latin typeface="맑은 고딕" panose="020B0503020000020004" pitchFamily="50" charset="-127"/>
@@ -10495,7 +10762,7 @@
                 <a:latin typeface="맑은 고딕" panose="020B0503020000020004" pitchFamily="50" charset="-127"/>
                 <a:ea typeface="맑은 고딕" panose="020B0503020000020004" pitchFamily="50" charset="-127"/>
               </a:rPr>
-              <a:t>무한로딩 버그</a:t>
+              <a:t>유니티에 있는 몇몇 기능이 없음</a:t>
             </a:r>
             <a:endParaRPr lang="en-US" altLang="ko-KR" sz="2400">
               <a:latin typeface="맑은 고딕" panose="020B0503020000020004" pitchFamily="50" charset="-127"/>
@@ -10508,7 +10775,7 @@
                 <a:latin typeface="맑은 고딕" panose="020B0503020000020004" pitchFamily="50" charset="-127"/>
                 <a:ea typeface="맑은 고딕" panose="020B0503020000020004" pitchFamily="50" charset="-127"/>
               </a:rPr>
-              <a:t>브레이크포인트가 제멋대로 이동하는 버그</a:t>
+              <a:t>에디터 커스터마이징 기능이 빈약함</a:t>
             </a:r>
             <a:endParaRPr lang="en-US" altLang="ko-KR" sz="2400">
               <a:latin typeface="맑은 고딕" panose="020B0503020000020004" pitchFamily="50" charset="-127"/>
@@ -10517,64 +10784,11 @@
           </a:p>
           <a:p>
             <a:r>
-              <a:rPr lang="ko-KR" altLang="en-US" sz="2400">
+              <a:rPr lang="ko-KR" altLang="en-US" sz="2400" strike="sngStrike">
                 <a:latin typeface="맑은 고딕" panose="020B0503020000020004" pitchFamily="50" charset="-127"/>
                 <a:ea typeface="맑은 고딕" panose="020B0503020000020004" pitchFamily="50" charset="-127"/>
               </a:rPr>
-              <a:t>스크립트 글자가 겹쳐보이는 버그</a:t>
-            </a:r>
-            <a:endParaRPr lang="en-US" altLang="ko-KR" sz="2400">
-              <a:latin typeface="맑은 고딕" panose="020B0503020000020004" pitchFamily="50" charset="-127"/>
-              <a:ea typeface="맑은 고딕" panose="020B0503020000020004" pitchFamily="50" charset="-127"/>
-            </a:endParaRPr>
-          </a:p>
-          <a:p>
-            <a:r>
-              <a:rPr lang="ko-KR" altLang="en-US" sz="2400">
-                <a:latin typeface="맑은 고딕" panose="020B0503020000020004" pitchFamily="50" charset="-127"/>
-                <a:ea typeface="맑은 고딕" panose="020B0503020000020004" pitchFamily="50" charset="-127"/>
-              </a:rPr>
-              <a:t>접근할 수 없는 더미 스크립트가 생기는 버그</a:t>
-            </a:r>
-            <a:endParaRPr lang="en-US" altLang="ko-KR" sz="2400">
-              <a:latin typeface="맑은 고딕" panose="020B0503020000020004" pitchFamily="50" charset="-127"/>
-              <a:ea typeface="맑은 고딕" panose="020B0503020000020004" pitchFamily="50" charset="-127"/>
-            </a:endParaRPr>
-          </a:p>
-          <a:p>
-            <a:r>
-              <a:rPr lang="ko-KR" altLang="en-US" sz="2400">
-                <a:latin typeface="맑은 고딕" panose="020B0503020000020004" pitchFamily="50" charset="-127"/>
-                <a:ea typeface="맑은 고딕" panose="020B0503020000020004" pitchFamily="50" charset="-127"/>
-              </a:rPr>
-              <a:t>스크립트 에러가 반 박자 늦게 표시되는 버그</a:t>
-            </a:r>
-            <a:endParaRPr lang="en-US" altLang="ko-KR" sz="2400">
-              <a:latin typeface="맑은 고딕" panose="020B0503020000020004" pitchFamily="50" charset="-127"/>
-              <a:ea typeface="맑은 고딕" panose="020B0503020000020004" pitchFamily="50" charset="-127"/>
-            </a:endParaRPr>
-          </a:p>
-          <a:p>
-            <a:r>
-              <a:rPr lang="ko-KR" altLang="en-US" sz="2400">
-                <a:latin typeface="맑은 고딕" panose="020B0503020000020004" pitchFamily="50" charset="-127"/>
-                <a:ea typeface="맑은 고딕" panose="020B0503020000020004" pitchFamily="50" charset="-127"/>
-              </a:rPr>
-              <a:t>보이지 않는 오브젝트가 </a:t>
-            </a:r>
-            <a:r>
-              <a:rPr lang="en-US" altLang="ko-KR" sz="2400">
-                <a:latin typeface="맑은 고딕" panose="020B0503020000020004" pitchFamily="50" charset="-127"/>
-                <a:ea typeface="맑은 고딕" panose="020B0503020000020004" pitchFamily="50" charset="-127"/>
-              </a:rPr>
-              <a:t>raycast</a:t>
-            </a:r>
-            <a:r>
-              <a:rPr lang="ko-KR" altLang="en-US" sz="2400">
-                <a:latin typeface="맑은 고딕" panose="020B0503020000020004" pitchFamily="50" charset="-127"/>
-                <a:ea typeface="맑은 고딕" panose="020B0503020000020004" pitchFamily="50" charset="-127"/>
-              </a:rPr>
-              <a:t>에 영향을 주는 버그</a:t>
+              <a:t>지역 변수의 타입명을 명시할 수 없음</a:t>
             </a:r>
           </a:p>
         </p:txBody>
@@ -10582,7 +10796,7 @@
     </p:spTree>
     <p:extLst>
       <p:ext uri="{BB962C8B-B14F-4D97-AF65-F5344CB8AC3E}">
-        <p14:creationId xmlns:p14="http://schemas.microsoft.com/office/powerpoint/2010/main" val="2083658658"/>
+        <p14:creationId xmlns:p14="http://schemas.microsoft.com/office/powerpoint/2010/main" val="1166467205"/>
       </p:ext>
     </p:extLst>
   </p:cSld>
@@ -10794,15 +11008,6 @@
 </file>
 
 <file path=customXml/item1.xml><?xml version="1.0" encoding="utf-8"?>
-<?mso-contentType ?>
-<FormTemplates xmlns="http://schemas.microsoft.com/sharepoint/v3/contenttype/forms">
-  <Display>DocumentLibraryForm</Display>
-  <Edit>DocumentLibraryForm</Edit>
-  <New>DocumentLibraryForm</New>
-</FormTemplates>
-</file>
-
-<file path=customXml/item2.xml><?xml version="1.0" encoding="utf-8"?>
 <ct:contentTypeSchema xmlns:ct="http://schemas.microsoft.com/office/2006/metadata/contentType" xmlns:ma="http://schemas.microsoft.com/office/2006/metadata/properties/metaAttributes" ct:_="" ma:_="" ma:contentTypeName="문서" ma:contentTypeID="0x010100BE14D7F540F35B468BA64A314BA30FF0" ma:contentTypeVersion="4" ma:contentTypeDescription="새 문서를 만듭니다." ma:contentTypeScope="" ma:versionID="823feba5b05e19280be375e1066c19b7">
   <xsd:schema xmlns:xsd="http://www.w3.org/2001/XMLSchema" xmlns:xs="http://www.w3.org/2001/XMLSchema" xmlns:p="http://schemas.microsoft.com/office/2006/metadata/properties" xmlns:ns3="b742ef55-5b73-48b8-9e5a-be290748a8af" targetNamespace="http://schemas.microsoft.com/office/2006/metadata/properties" ma:root="true" ma:fieldsID="96ada5517bd0105d5f64dfee587a7b36" ns3:_="">
     <xsd:import namespace="b742ef55-5b73-48b8-9e5a-be290748a8af"/>
@@ -10948,6 +11153,15 @@
 </ct:contentTypeSchema>
 </file>
 
+<file path=customXml/item2.xml><?xml version="1.0" encoding="utf-8"?>
+<?mso-contentType ?>
+<FormTemplates xmlns="http://schemas.microsoft.com/sharepoint/v3/contenttype/forms">
+  <Display>DocumentLibraryForm</Display>
+  <Edit>DocumentLibraryForm</Edit>
+  <New>DocumentLibraryForm</New>
+</FormTemplates>
+</file>
+
 <file path=customXml/item3.xml><?xml version="1.0" encoding="utf-8"?>
 <p:properties xmlns:p="http://schemas.microsoft.com/office/2006/metadata/properties" xmlns:xsi="http://www.w3.org/2001/XMLSchema-instance" xmlns:pc="http://schemas.microsoft.com/office/infopath/2007/PartnerControls">
   <documentManagement/>
@@ -10955,14 +11169,6 @@
 </file>
 
 <file path=customXml/itemProps1.xml><?xml version="1.0" encoding="utf-8"?>
-<ds:datastoreItem xmlns:ds="http://schemas.openxmlformats.org/officeDocument/2006/customXml" ds:itemID="{C20368BC-359B-4539-B9C4-F3E3B0945675}">
-  <ds:schemaRefs>
-    <ds:schemaRef ds:uri="http://schemas.microsoft.com/sharepoint/v3/contenttype/forms"/>
-  </ds:schemaRefs>
-</ds:datastoreItem>
-</file>
-
-<file path=customXml/itemProps2.xml><?xml version="1.0" encoding="utf-8"?>
 <ds:datastoreItem xmlns:ds="http://schemas.openxmlformats.org/officeDocument/2006/customXml" ds:itemID="{4C96FD82-5389-4F41-B69C-5C4EF36EBB32}">
   <ds:schemaRefs>
     <ds:schemaRef ds:uri="http://schemas.microsoft.com/office/2006/metadata/contentType"/>
@@ -10976,6 +11182,14 @@
     <ds:schemaRef ds:uri="http://purl.org/dc/elements/1.1/"/>
     <ds:schemaRef ds:uri="http://purl.org/dc/terms/"/>
     <ds:schemaRef ds:uri="http://schemas.microsoft.com/internal/obd"/>
+  </ds:schemaRefs>
+</ds:datastoreItem>
+</file>
+
+<file path=customXml/itemProps2.xml><?xml version="1.0" encoding="utf-8"?>
+<ds:datastoreItem xmlns:ds="http://schemas.openxmlformats.org/officeDocument/2006/customXml" ds:itemID="{C20368BC-359B-4539-B9C4-F3E3B0945675}">
+  <ds:schemaRefs>
+    <ds:schemaRef ds:uri="http://schemas.microsoft.com/sharepoint/v3/contenttype/forms"/>
   </ds:schemaRefs>
 </ds:datastoreItem>
 </file>
